--- a/VankoJ_NS2021.pptx
+++ b/VankoJ_NS2021.pptx
@@ -2,10 +2,13 @@
 <file path=ppt/presentation.xml><?xml version="1.0" encoding="utf-8"?>
 <p:presentation xmlns:a="http://schemas.openxmlformats.org/drawingml/2006/main" xmlns:r="http://schemas.openxmlformats.org/officeDocument/2006/relationships" xmlns:p="http://schemas.openxmlformats.org/presentationml/2006/main" saveSubsetFonts="1">
   <p:sldMasterIdLst>
-    <p:sldMasterId id="2147483648" r:id="rId1"/>
+    <p:sldMasterId id="2147483699" r:id="rId1"/>
   </p:sldMasterIdLst>
   <p:sldIdLst>
     <p:sldId id="256" r:id="rId2"/>
+    <p:sldId id="257" r:id="rId3"/>
+    <p:sldId id="258" r:id="rId4"/>
+    <p:sldId id="259" r:id="rId5"/>
   </p:sldIdLst>
   <p:sldSz cx="12192000" cy="6858000"/>
   <p:notesSz cx="6858000" cy="9144000"/>
@@ -109,7 +112,7 @@
 
 <file path=ppt/slideLayouts/slideLayout1.xml><?xml version="1.0" encoding="utf-8"?>
 <p:sldLayout xmlns:a="http://schemas.openxmlformats.org/drawingml/2006/main" xmlns:r="http://schemas.openxmlformats.org/officeDocument/2006/relationships" xmlns:p="http://schemas.openxmlformats.org/presentationml/2006/main" type="title" preserve="1">
-  <p:cSld name="Úvodná snímka">
+  <p:cSld name="Title Slide">
     <p:spTree>
       <p:nvGrpSpPr>
         <p:cNvPr id="1" name=""/>
@@ -126,10 +129,10 @@
       </p:grpSpPr>
       <p:sp>
         <p:nvSpPr>
-          <p:cNvPr id="2" name="Nadpis 1">
-            <a:extLst>
-              <a:ext uri="{FF2B5EF4-FFF2-40B4-BE49-F238E27FC236}">
-                <a16:creationId xmlns:a16="http://schemas.microsoft.com/office/drawing/2014/main" id="{BD4E1950-46C3-4619-811B-BC230297AA18}"/>
+          <p:cNvPr id="2" name="Title 1">
+            <a:extLst>
+              <a:ext uri="{FF2B5EF4-FFF2-40B4-BE49-F238E27FC236}">
+                <a16:creationId xmlns:a16="http://schemas.microsoft.com/office/drawing/2014/main" id="{078DD129-A8C2-419E-B641-6CC90F50732D}"/>
               </a:ext>
             </a:extLst>
           </p:cNvPr>
@@ -142,8 +145,8 @@
         </p:nvSpPr>
         <p:spPr>
           <a:xfrm>
-            <a:off x="1524000" y="1122363"/>
-            <a:ext cx="9144000" cy="2387600"/>
+            <a:off x="762000" y="1524000"/>
+            <a:ext cx="10668000" cy="2286000"/>
           </a:xfrm>
         </p:spPr>
         <p:txBody>
@@ -155,18 +158,18 @@
           </a:lstStyle>
           <a:p>
             <a:r>
-              <a:rPr lang="sk-SK"/>
-              <a:t>Kliknutím upravte štýl predlohy nadpisu</a:t>
-            </a:r>
-          </a:p>
-        </p:txBody>
-      </p:sp>
-      <p:sp>
-        <p:nvSpPr>
-          <p:cNvPr id="3" name="Podnadpis 2">
-            <a:extLst>
-              <a:ext uri="{FF2B5EF4-FFF2-40B4-BE49-F238E27FC236}">
-                <a16:creationId xmlns:a16="http://schemas.microsoft.com/office/drawing/2014/main" id="{19555BFE-4AE2-4440-9209-3F6EC37AF0DC}"/>
+              <a:rPr lang="en-US"/>
+              <a:t>Click to edit Master title style</a:t>
+            </a:r>
+          </a:p>
+        </p:txBody>
+      </p:sp>
+      <p:sp>
+        <p:nvSpPr>
+          <p:cNvPr id="3" name="Subtitle 2">
+            <a:extLst>
+              <a:ext uri="{FF2B5EF4-FFF2-40B4-BE49-F238E27FC236}">
+                <a16:creationId xmlns:a16="http://schemas.microsoft.com/office/drawing/2014/main" id="{D1B33C04-8A23-4499-A6EF-1D190F0FB38E}"/>
               </a:ext>
             </a:extLst>
           </p:cNvPr>
@@ -179,8 +182,8 @@
         </p:nvSpPr>
         <p:spPr>
           <a:xfrm>
-            <a:off x="1524000" y="3602038"/>
-            <a:ext cx="9144000" cy="1655762"/>
+            <a:off x="762000" y="4571999"/>
+            <a:ext cx="10668000" cy="1524000"/>
           </a:xfrm>
         </p:spPr>
         <p:txBody>
@@ -225,18 +228,18 @@
           </a:lstStyle>
           <a:p>
             <a:r>
-              <a:rPr lang="sk-SK"/>
-              <a:t>Kliknutím upravte štýl predlohy podnadpisu</a:t>
-            </a:r>
-          </a:p>
-        </p:txBody>
-      </p:sp>
-      <p:sp>
-        <p:nvSpPr>
-          <p:cNvPr id="4" name="Zástupný objekt pre dátum 3">
-            <a:extLst>
-              <a:ext uri="{FF2B5EF4-FFF2-40B4-BE49-F238E27FC236}">
-                <a16:creationId xmlns:a16="http://schemas.microsoft.com/office/drawing/2014/main" id="{12AC70C5-A53A-4E12-BA67-5FF31C7C29D3}"/>
+              <a:rPr lang="en-US"/>
+              <a:t>Click to edit Master subtitle style</a:t>
+            </a:r>
+          </a:p>
+        </p:txBody>
+      </p:sp>
+      <p:sp>
+        <p:nvSpPr>
+          <p:cNvPr id="4" name="Date Placeholder 3">
+            <a:extLst>
+              <a:ext uri="{FF2B5EF4-FFF2-40B4-BE49-F238E27FC236}">
+                <a16:creationId xmlns:a16="http://schemas.microsoft.com/office/drawing/2014/main" id="{BEFA99FB-5674-4BC5-949F-8D45EC167511}"/>
               </a:ext>
             </a:extLst>
           </p:cNvPr>
@@ -252,20 +255,20 @@
           <a:bodyPr/>
           <a:lstStyle/>
           <a:p>
-            <a:fld id="{879129BF-6D6F-416B-9E10-7101C654B411}" type="datetimeFigureOut">
-              <a:rPr lang="sk-SK" smtClean="0"/>
-              <a:t>21. 4. 2021</a:t>
+            <a:fld id="{76969C88-B244-455D-A017-012B25B1ACDD}" type="datetimeFigureOut">
+              <a:rPr lang="en-US" smtClean="0"/>
+              <a:t>5/6/2021</a:t>
             </a:fld>
-            <a:endParaRPr lang="sk-SK"/>
-          </a:p>
-        </p:txBody>
-      </p:sp>
-      <p:sp>
-        <p:nvSpPr>
-          <p:cNvPr id="5" name="Zástupný objekt pre pätu 4">
-            <a:extLst>
-              <a:ext uri="{FF2B5EF4-FFF2-40B4-BE49-F238E27FC236}">
-                <a16:creationId xmlns:a16="http://schemas.microsoft.com/office/drawing/2014/main" id="{C4BDD851-8B58-48A7-8AB9-6EE7B91F60CB}"/>
+            <a:endParaRPr lang="en-US"/>
+          </a:p>
+        </p:txBody>
+      </p:sp>
+      <p:sp>
+        <p:nvSpPr>
+          <p:cNvPr id="5" name="Footer Placeholder 4">
+            <a:extLst>
+              <a:ext uri="{FF2B5EF4-FFF2-40B4-BE49-F238E27FC236}">
+                <a16:creationId xmlns:a16="http://schemas.microsoft.com/office/drawing/2014/main" id="{0763CF93-DD67-4FE2-8083-864693FE8E7B}"/>
               </a:ext>
             </a:extLst>
           </p:cNvPr>
@@ -281,16 +284,16 @@
           <a:bodyPr/>
           <a:lstStyle/>
           <a:p>
-            <a:endParaRPr lang="sk-SK"/>
-          </a:p>
-        </p:txBody>
-      </p:sp>
-      <p:sp>
-        <p:nvSpPr>
-          <p:cNvPr id="6" name="Zástupný objekt pre číslo snímky 5">
-            <a:extLst>
-              <a:ext uri="{FF2B5EF4-FFF2-40B4-BE49-F238E27FC236}">
-                <a16:creationId xmlns:a16="http://schemas.microsoft.com/office/drawing/2014/main" id="{ADDDC394-39DC-490A-BC5F-990C06F1849D}"/>
+            <a:endParaRPr lang="en-US"/>
+          </a:p>
+        </p:txBody>
+      </p:sp>
+      <p:sp>
+        <p:nvSpPr>
+          <p:cNvPr id="6" name="Slide Number Placeholder 5">
+            <a:extLst>
+              <a:ext uri="{FF2B5EF4-FFF2-40B4-BE49-F238E27FC236}">
+                <a16:creationId xmlns:a16="http://schemas.microsoft.com/office/drawing/2014/main" id="{2F05E934-32B6-44B1-9622-67F30BDA3F3A}"/>
               </a:ext>
             </a:extLst>
           </p:cNvPr>
@@ -306,18 +309,18 @@
           <a:bodyPr/>
           <a:lstStyle/>
           <a:p>
-            <a:fld id="{96DEB26D-D4D5-4A23-8451-0E4CCEDFDF69}" type="slidenum">
-              <a:rPr lang="sk-SK" smtClean="0"/>
+            <a:fld id="{07CE569E-9B7C-4CB9-AB80-C0841F922CFF}" type="slidenum">
+              <a:rPr lang="en-US" smtClean="0"/>
               <a:t>‹#›</a:t>
             </a:fld>
-            <a:endParaRPr lang="sk-SK"/>
+            <a:endParaRPr lang="en-US"/>
           </a:p>
         </p:txBody>
       </p:sp>
     </p:spTree>
     <p:extLst>
       <p:ext uri="{BB962C8B-B14F-4D97-AF65-F5344CB8AC3E}">
-        <p14:creationId xmlns:p14="http://schemas.microsoft.com/office/powerpoint/2010/main" val="143701847"/>
+        <p14:creationId xmlns:p14="http://schemas.microsoft.com/office/powerpoint/2010/main" val="1043645764"/>
       </p:ext>
     </p:extLst>
   </p:cSld>
@@ -329,7 +332,7 @@
 
 <file path=ppt/slideLayouts/slideLayout10.xml><?xml version="1.0" encoding="utf-8"?>
 <p:sldLayout xmlns:a="http://schemas.openxmlformats.org/drawingml/2006/main" xmlns:r="http://schemas.openxmlformats.org/officeDocument/2006/relationships" xmlns:p="http://schemas.openxmlformats.org/presentationml/2006/main" type="vertTx" preserve="1">
-  <p:cSld name="Nadpis a zvislý text">
+  <p:cSld name="Title and Vertical Text">
     <p:spTree>
       <p:nvGrpSpPr>
         <p:cNvPr id="1" name=""/>
@@ -346,10 +349,10 @@
       </p:grpSpPr>
       <p:sp>
         <p:nvSpPr>
-          <p:cNvPr id="2" name="Nadpis 1">
-            <a:extLst>
-              <a:ext uri="{FF2B5EF4-FFF2-40B4-BE49-F238E27FC236}">
-                <a16:creationId xmlns:a16="http://schemas.microsoft.com/office/drawing/2014/main" id="{F78B950B-F57A-49D5-8B93-1BE770A62162}"/>
+          <p:cNvPr id="2" name="Title 1">
+            <a:extLst>
+              <a:ext uri="{FF2B5EF4-FFF2-40B4-BE49-F238E27FC236}">
+                <a16:creationId xmlns:a16="http://schemas.microsoft.com/office/drawing/2014/main" id="{22BA5B09-FC60-445F-8A12-79869BEC60B7}"/>
               </a:ext>
             </a:extLst>
           </p:cNvPr>
@@ -366,18 +369,18 @@
           <a:lstStyle/>
           <a:p>
             <a:r>
-              <a:rPr lang="sk-SK"/>
-              <a:t>Kliknutím upravte štýl predlohy nadpisu</a:t>
-            </a:r>
-          </a:p>
-        </p:txBody>
-      </p:sp>
-      <p:sp>
-        <p:nvSpPr>
-          <p:cNvPr id="3" name="Zástupný zvislý text 2">
-            <a:extLst>
-              <a:ext uri="{FF2B5EF4-FFF2-40B4-BE49-F238E27FC236}">
-                <a16:creationId xmlns:a16="http://schemas.microsoft.com/office/drawing/2014/main" id="{CCCED1BD-D29B-4250-955E-FD2CDEE37F32}"/>
+              <a:rPr lang="en-US"/>
+              <a:t>Click to edit Master title style</a:t>
+            </a:r>
+          </a:p>
+        </p:txBody>
+      </p:sp>
+      <p:sp>
+        <p:nvSpPr>
+          <p:cNvPr id="3" name="Vertical Text Placeholder 2">
+            <a:extLst>
+              <a:ext uri="{FF2B5EF4-FFF2-40B4-BE49-F238E27FC236}">
+                <a16:creationId xmlns:a16="http://schemas.microsoft.com/office/drawing/2014/main" id="{E0A219F7-87F2-409F-BB0B-8FE9270C982C}"/>
               </a:ext>
             </a:extLst>
           </p:cNvPr>
@@ -395,46 +398,46 @@
           <a:p>
             <a:pPr lvl="0"/>
             <a:r>
-              <a:rPr lang="sk-SK"/>
-              <a:t>Kliknite sem a upravte štýly predlohy textu</a:t>
+              <a:rPr lang="en-US"/>
+              <a:t>Click to edit Master text styles</a:t>
             </a:r>
           </a:p>
           <a:p>
             <a:pPr lvl="1"/>
             <a:r>
-              <a:rPr lang="sk-SK"/>
-              <a:t>Druhá úroveň</a:t>
+              <a:rPr lang="en-US"/>
+              <a:t>Second level</a:t>
             </a:r>
           </a:p>
           <a:p>
             <a:pPr lvl="2"/>
             <a:r>
-              <a:rPr lang="sk-SK"/>
-              <a:t>Tretia úroveň</a:t>
+              <a:rPr lang="en-US"/>
+              <a:t>Third level</a:t>
             </a:r>
           </a:p>
           <a:p>
             <a:pPr lvl="3"/>
             <a:r>
-              <a:rPr lang="sk-SK"/>
-              <a:t>Štvrtá úroveň</a:t>
+              <a:rPr lang="en-US"/>
+              <a:t>Fourth level</a:t>
             </a:r>
           </a:p>
           <a:p>
             <a:pPr lvl="4"/>
             <a:r>
-              <a:rPr lang="sk-SK"/>
-              <a:t>Piata úroveň</a:t>
-            </a:r>
-          </a:p>
-        </p:txBody>
-      </p:sp>
-      <p:sp>
-        <p:nvSpPr>
-          <p:cNvPr id="4" name="Zástupný objekt pre dátum 3">
-            <a:extLst>
-              <a:ext uri="{FF2B5EF4-FFF2-40B4-BE49-F238E27FC236}">
-                <a16:creationId xmlns:a16="http://schemas.microsoft.com/office/drawing/2014/main" id="{7578A04E-2957-407A-A4B7-D717113D5A38}"/>
+              <a:rPr lang="en-US"/>
+              <a:t>Fifth level</a:t>
+            </a:r>
+          </a:p>
+        </p:txBody>
+      </p:sp>
+      <p:sp>
+        <p:nvSpPr>
+          <p:cNvPr id="4" name="Date Placeholder 3">
+            <a:extLst>
+              <a:ext uri="{FF2B5EF4-FFF2-40B4-BE49-F238E27FC236}">
+                <a16:creationId xmlns:a16="http://schemas.microsoft.com/office/drawing/2014/main" id="{CCAC2BB8-59E0-4EB2-B3BE-59D8641EE133}"/>
               </a:ext>
             </a:extLst>
           </p:cNvPr>
@@ -450,20 +453,20 @@
           <a:bodyPr/>
           <a:lstStyle/>
           <a:p>
-            <a:fld id="{879129BF-6D6F-416B-9E10-7101C654B411}" type="datetimeFigureOut">
-              <a:rPr lang="sk-SK" smtClean="0"/>
-              <a:t>21. 4. 2021</a:t>
+            <a:fld id="{76969C88-B244-455D-A017-012B25B1ACDD}" type="datetimeFigureOut">
+              <a:rPr lang="en-US" smtClean="0"/>
+              <a:t>5/6/2021</a:t>
             </a:fld>
-            <a:endParaRPr lang="sk-SK"/>
-          </a:p>
-        </p:txBody>
-      </p:sp>
-      <p:sp>
-        <p:nvSpPr>
-          <p:cNvPr id="5" name="Zástupný objekt pre pätu 4">
-            <a:extLst>
-              <a:ext uri="{FF2B5EF4-FFF2-40B4-BE49-F238E27FC236}">
-                <a16:creationId xmlns:a16="http://schemas.microsoft.com/office/drawing/2014/main" id="{289B58D2-53AA-4586-94AC-427C2DAE935D}"/>
+            <a:endParaRPr lang="en-US"/>
+          </a:p>
+        </p:txBody>
+      </p:sp>
+      <p:sp>
+        <p:nvSpPr>
+          <p:cNvPr id="5" name="Footer Placeholder 4">
+            <a:extLst>
+              <a:ext uri="{FF2B5EF4-FFF2-40B4-BE49-F238E27FC236}">
+                <a16:creationId xmlns:a16="http://schemas.microsoft.com/office/drawing/2014/main" id="{2D56984E-C0DE-461B-8011-8FC31B0EE948}"/>
               </a:ext>
             </a:extLst>
           </p:cNvPr>
@@ -479,16 +482,16 @@
           <a:bodyPr/>
           <a:lstStyle/>
           <a:p>
-            <a:endParaRPr lang="sk-SK"/>
-          </a:p>
-        </p:txBody>
-      </p:sp>
-      <p:sp>
-        <p:nvSpPr>
-          <p:cNvPr id="6" name="Zástupný objekt pre číslo snímky 5">
-            <a:extLst>
-              <a:ext uri="{FF2B5EF4-FFF2-40B4-BE49-F238E27FC236}">
-                <a16:creationId xmlns:a16="http://schemas.microsoft.com/office/drawing/2014/main" id="{EC217C59-DBAA-475D-8CF9-AAFB8B35479C}"/>
+            <a:endParaRPr lang="en-US"/>
+          </a:p>
+        </p:txBody>
+      </p:sp>
+      <p:sp>
+        <p:nvSpPr>
+          <p:cNvPr id="6" name="Slide Number Placeholder 5">
+            <a:extLst>
+              <a:ext uri="{FF2B5EF4-FFF2-40B4-BE49-F238E27FC236}">
+                <a16:creationId xmlns:a16="http://schemas.microsoft.com/office/drawing/2014/main" id="{57FE7C03-68D3-445E-A5A2-8A935CFC977E}"/>
               </a:ext>
             </a:extLst>
           </p:cNvPr>
@@ -504,18 +507,18 @@
           <a:bodyPr/>
           <a:lstStyle/>
           <a:p>
-            <a:fld id="{96DEB26D-D4D5-4A23-8451-0E4CCEDFDF69}" type="slidenum">
-              <a:rPr lang="sk-SK" smtClean="0"/>
+            <a:fld id="{07CE569E-9B7C-4CB9-AB80-C0841F922CFF}" type="slidenum">
+              <a:rPr lang="en-US" smtClean="0"/>
               <a:t>‹#›</a:t>
             </a:fld>
-            <a:endParaRPr lang="sk-SK"/>
+            <a:endParaRPr lang="en-US"/>
           </a:p>
         </p:txBody>
       </p:sp>
     </p:spTree>
     <p:extLst>
       <p:ext uri="{BB962C8B-B14F-4D97-AF65-F5344CB8AC3E}">
-        <p14:creationId xmlns:p14="http://schemas.microsoft.com/office/powerpoint/2010/main" val="930556097"/>
+        <p14:creationId xmlns:p14="http://schemas.microsoft.com/office/powerpoint/2010/main" val="3209823997"/>
       </p:ext>
     </p:extLst>
   </p:cSld>
@@ -527,7 +530,7 @@
 
 <file path=ppt/slideLayouts/slideLayout11.xml><?xml version="1.0" encoding="utf-8"?>
 <p:sldLayout xmlns:a="http://schemas.openxmlformats.org/drawingml/2006/main" xmlns:r="http://schemas.openxmlformats.org/officeDocument/2006/relationships" xmlns:p="http://schemas.openxmlformats.org/presentationml/2006/main" type="vertTitleAndTx" preserve="1">
-  <p:cSld name="Zvislý nadpis a text">
+  <p:cSld name="Vertical Title and Text">
     <p:spTree>
       <p:nvGrpSpPr>
         <p:cNvPr id="1" name=""/>
@@ -544,10 +547,10 @@
       </p:grpSpPr>
       <p:sp>
         <p:nvSpPr>
-          <p:cNvPr id="2" name="Zvislý nadpis 1">
-            <a:extLst>
-              <a:ext uri="{FF2B5EF4-FFF2-40B4-BE49-F238E27FC236}">
-                <a16:creationId xmlns:a16="http://schemas.microsoft.com/office/drawing/2014/main" id="{5415BE23-8100-44FC-B25A-40A73516AE7E}"/>
+          <p:cNvPr id="2" name="Vertical Title 1">
+            <a:extLst>
+              <a:ext uri="{FF2B5EF4-FFF2-40B4-BE49-F238E27FC236}">
+                <a16:creationId xmlns:a16="http://schemas.microsoft.com/office/drawing/2014/main" id="{3B21F0D7-112D-48B1-B32B-170B1AA2B51E}"/>
               </a:ext>
             </a:extLst>
           </p:cNvPr>
@@ -560,8 +563,8 @@
         </p:nvSpPr>
         <p:spPr>
           <a:xfrm>
-            <a:off x="8724900" y="365125"/>
-            <a:ext cx="2628900" cy="5811838"/>
+            <a:off x="9143998" y="761999"/>
+            <a:ext cx="2286000" cy="5334001"/>
           </a:xfrm>
         </p:spPr>
         <p:txBody>
@@ -569,18 +572,18 @@
           <a:lstStyle/>
           <a:p>
             <a:r>
-              <a:rPr lang="sk-SK"/>
-              <a:t>Kliknutím upravte štýl predlohy nadpisu</a:t>
-            </a:r>
-          </a:p>
-        </p:txBody>
-      </p:sp>
-      <p:sp>
-        <p:nvSpPr>
-          <p:cNvPr id="3" name="Zástupný zvislý text 2">
-            <a:extLst>
-              <a:ext uri="{FF2B5EF4-FFF2-40B4-BE49-F238E27FC236}">
-                <a16:creationId xmlns:a16="http://schemas.microsoft.com/office/drawing/2014/main" id="{22D92BBA-D71E-4002-B0E0-1AB8271A99E7}"/>
+              <a:rPr lang="en-US"/>
+              <a:t>Click to edit Master title style</a:t>
+            </a:r>
+          </a:p>
+        </p:txBody>
+      </p:sp>
+      <p:sp>
+        <p:nvSpPr>
+          <p:cNvPr id="3" name="Vertical Text Placeholder 2">
+            <a:extLst>
+              <a:ext uri="{FF2B5EF4-FFF2-40B4-BE49-F238E27FC236}">
+                <a16:creationId xmlns:a16="http://schemas.microsoft.com/office/drawing/2014/main" id="{4B27A7C1-8E5B-41DA-9802-F242D382B66B}"/>
               </a:ext>
             </a:extLst>
           </p:cNvPr>
@@ -593,8 +596,8 @@
         </p:nvSpPr>
         <p:spPr>
           <a:xfrm>
-            <a:off x="838200" y="365125"/>
-            <a:ext cx="7734300" cy="5811838"/>
+            <a:off x="762001" y="761999"/>
+            <a:ext cx="7619999" cy="5334001"/>
           </a:xfrm>
         </p:spPr>
         <p:txBody>
@@ -603,46 +606,46 @@
           <a:p>
             <a:pPr lvl="0"/>
             <a:r>
-              <a:rPr lang="sk-SK"/>
-              <a:t>Kliknite sem a upravte štýly predlohy textu</a:t>
+              <a:rPr lang="en-US"/>
+              <a:t>Click to edit Master text styles</a:t>
             </a:r>
           </a:p>
           <a:p>
             <a:pPr lvl="1"/>
             <a:r>
-              <a:rPr lang="sk-SK"/>
-              <a:t>Druhá úroveň</a:t>
+              <a:rPr lang="en-US"/>
+              <a:t>Second level</a:t>
             </a:r>
           </a:p>
           <a:p>
             <a:pPr lvl="2"/>
             <a:r>
-              <a:rPr lang="sk-SK"/>
-              <a:t>Tretia úroveň</a:t>
+              <a:rPr lang="en-US"/>
+              <a:t>Third level</a:t>
             </a:r>
           </a:p>
           <a:p>
             <a:pPr lvl="3"/>
             <a:r>
-              <a:rPr lang="sk-SK"/>
-              <a:t>Štvrtá úroveň</a:t>
+              <a:rPr lang="en-US"/>
+              <a:t>Fourth level</a:t>
             </a:r>
           </a:p>
           <a:p>
             <a:pPr lvl="4"/>
             <a:r>
-              <a:rPr lang="sk-SK"/>
-              <a:t>Piata úroveň</a:t>
-            </a:r>
-          </a:p>
-        </p:txBody>
-      </p:sp>
-      <p:sp>
-        <p:nvSpPr>
-          <p:cNvPr id="4" name="Zástupný objekt pre dátum 3">
-            <a:extLst>
-              <a:ext uri="{FF2B5EF4-FFF2-40B4-BE49-F238E27FC236}">
-                <a16:creationId xmlns:a16="http://schemas.microsoft.com/office/drawing/2014/main" id="{8BBCD9B0-B37F-4D0E-B290-C0DCCFA00860}"/>
+              <a:rPr lang="en-US"/>
+              <a:t>Fifth level</a:t>
+            </a:r>
+          </a:p>
+        </p:txBody>
+      </p:sp>
+      <p:sp>
+        <p:nvSpPr>
+          <p:cNvPr id="4" name="Date Placeholder 3">
+            <a:extLst>
+              <a:ext uri="{FF2B5EF4-FFF2-40B4-BE49-F238E27FC236}">
+                <a16:creationId xmlns:a16="http://schemas.microsoft.com/office/drawing/2014/main" id="{4A961CC7-F5B1-464A-8127-60645FB21081}"/>
               </a:ext>
             </a:extLst>
           </p:cNvPr>
@@ -658,20 +661,20 @@
           <a:bodyPr/>
           <a:lstStyle/>
           <a:p>
-            <a:fld id="{879129BF-6D6F-416B-9E10-7101C654B411}" type="datetimeFigureOut">
-              <a:rPr lang="sk-SK" smtClean="0"/>
-              <a:t>21. 4. 2021</a:t>
+            <a:fld id="{76969C88-B244-455D-A017-012B25B1ACDD}" type="datetimeFigureOut">
+              <a:rPr lang="en-US" smtClean="0"/>
+              <a:t>5/6/2021</a:t>
             </a:fld>
-            <a:endParaRPr lang="sk-SK"/>
-          </a:p>
-        </p:txBody>
-      </p:sp>
-      <p:sp>
-        <p:nvSpPr>
-          <p:cNvPr id="5" name="Zástupný objekt pre pätu 4">
-            <a:extLst>
-              <a:ext uri="{FF2B5EF4-FFF2-40B4-BE49-F238E27FC236}">
-                <a16:creationId xmlns:a16="http://schemas.microsoft.com/office/drawing/2014/main" id="{85780992-0D7C-49CE-B2C2-49DD741C6F6A}"/>
+            <a:endParaRPr lang="en-US"/>
+          </a:p>
+        </p:txBody>
+      </p:sp>
+      <p:sp>
+        <p:nvSpPr>
+          <p:cNvPr id="5" name="Footer Placeholder 4">
+            <a:extLst>
+              <a:ext uri="{FF2B5EF4-FFF2-40B4-BE49-F238E27FC236}">
+                <a16:creationId xmlns:a16="http://schemas.microsoft.com/office/drawing/2014/main" id="{53B94302-B381-4F37-A9FF-5CC5519175A6}"/>
               </a:ext>
             </a:extLst>
           </p:cNvPr>
@@ -687,16 +690,16 @@
           <a:bodyPr/>
           <a:lstStyle/>
           <a:p>
-            <a:endParaRPr lang="sk-SK"/>
-          </a:p>
-        </p:txBody>
-      </p:sp>
-      <p:sp>
-        <p:nvSpPr>
-          <p:cNvPr id="6" name="Zástupný objekt pre číslo snímky 5">
-            <a:extLst>
-              <a:ext uri="{FF2B5EF4-FFF2-40B4-BE49-F238E27FC236}">
-                <a16:creationId xmlns:a16="http://schemas.microsoft.com/office/drawing/2014/main" id="{4FE41F18-344D-45F7-8E6B-6A74FD0C7E5E}"/>
+            <a:endParaRPr lang="en-US"/>
+          </a:p>
+        </p:txBody>
+      </p:sp>
+      <p:sp>
+        <p:nvSpPr>
+          <p:cNvPr id="6" name="Slide Number Placeholder 5">
+            <a:extLst>
+              <a:ext uri="{FF2B5EF4-FFF2-40B4-BE49-F238E27FC236}">
+                <a16:creationId xmlns:a16="http://schemas.microsoft.com/office/drawing/2014/main" id="{FE707151-541F-4104-B989-83A9DCA6E616}"/>
               </a:ext>
             </a:extLst>
           </p:cNvPr>
@@ -712,18 +715,18 @@
           <a:bodyPr/>
           <a:lstStyle/>
           <a:p>
-            <a:fld id="{96DEB26D-D4D5-4A23-8451-0E4CCEDFDF69}" type="slidenum">
-              <a:rPr lang="sk-SK" smtClean="0"/>
+            <a:fld id="{07CE569E-9B7C-4CB9-AB80-C0841F922CFF}" type="slidenum">
+              <a:rPr lang="en-US" smtClean="0"/>
               <a:t>‹#›</a:t>
             </a:fld>
-            <a:endParaRPr lang="sk-SK"/>
+            <a:endParaRPr lang="en-US"/>
           </a:p>
         </p:txBody>
       </p:sp>
     </p:spTree>
     <p:extLst>
       <p:ext uri="{BB962C8B-B14F-4D97-AF65-F5344CB8AC3E}">
-        <p14:creationId xmlns:p14="http://schemas.microsoft.com/office/powerpoint/2010/main" val="1185844567"/>
+        <p14:creationId xmlns:p14="http://schemas.microsoft.com/office/powerpoint/2010/main" val="4002317071"/>
       </p:ext>
     </p:extLst>
   </p:cSld>
@@ -735,7 +738,7 @@
 
 <file path=ppt/slideLayouts/slideLayout2.xml><?xml version="1.0" encoding="utf-8"?>
 <p:sldLayout xmlns:a="http://schemas.openxmlformats.org/drawingml/2006/main" xmlns:r="http://schemas.openxmlformats.org/officeDocument/2006/relationships" xmlns:p="http://schemas.openxmlformats.org/presentationml/2006/main" type="obj" preserve="1">
-  <p:cSld name="Nadpis a obsah">
+  <p:cSld name="Title and Content">
     <p:spTree>
       <p:nvGrpSpPr>
         <p:cNvPr id="1" name=""/>
@@ -752,10 +755,10 @@
       </p:grpSpPr>
       <p:sp>
         <p:nvSpPr>
-          <p:cNvPr id="2" name="Nadpis 1">
-            <a:extLst>
-              <a:ext uri="{FF2B5EF4-FFF2-40B4-BE49-F238E27FC236}">
-                <a16:creationId xmlns:a16="http://schemas.microsoft.com/office/drawing/2014/main" id="{A4D6B528-DCDC-4C35-BA39-8D17C30D4417}"/>
+          <p:cNvPr id="2" name="Title 1">
+            <a:extLst>
+              <a:ext uri="{FF2B5EF4-FFF2-40B4-BE49-F238E27FC236}">
+                <a16:creationId xmlns:a16="http://schemas.microsoft.com/office/drawing/2014/main" id="{066AF011-A499-4054-89BF-A4800A68F60B}"/>
               </a:ext>
             </a:extLst>
           </p:cNvPr>
@@ -772,18 +775,19 @@
           <a:lstStyle/>
           <a:p>
             <a:r>
-              <a:rPr lang="sk-SK"/>
-              <a:t>Kliknutím upravte štýl predlohy nadpisu</a:t>
-            </a:r>
-          </a:p>
-        </p:txBody>
-      </p:sp>
-      <p:sp>
-        <p:nvSpPr>
-          <p:cNvPr id="3" name="Zástupný objekt pre obsah 2">
-            <a:extLst>
-              <a:ext uri="{FF2B5EF4-FFF2-40B4-BE49-F238E27FC236}">
-                <a16:creationId xmlns:a16="http://schemas.microsoft.com/office/drawing/2014/main" id="{D601C826-884E-444C-A29B-A1ED9350E324}"/>
+              <a:rPr lang="en-US"/>
+              <a:t>Click to edit Master title style</a:t>
+            </a:r>
+            <a:endParaRPr lang="en-US" dirty="0"/>
+          </a:p>
+        </p:txBody>
+      </p:sp>
+      <p:sp>
+        <p:nvSpPr>
+          <p:cNvPr id="3" name="Content Placeholder 2">
+            <a:extLst>
+              <a:ext uri="{FF2B5EF4-FFF2-40B4-BE49-F238E27FC236}">
+                <a16:creationId xmlns:a16="http://schemas.microsoft.com/office/drawing/2014/main" id="{066FB6E8-D956-45B5-9B4A-9D31DF466BED}"/>
               </a:ext>
             </a:extLst>
           </p:cNvPr>
@@ -801,46 +805,46 @@
           <a:p>
             <a:pPr lvl="0"/>
             <a:r>
-              <a:rPr lang="sk-SK"/>
-              <a:t>Kliknite sem a upravte štýly predlohy textu</a:t>
+              <a:rPr lang="en-US"/>
+              <a:t>Click to edit Master text styles</a:t>
             </a:r>
           </a:p>
           <a:p>
             <a:pPr lvl="1"/>
             <a:r>
-              <a:rPr lang="sk-SK"/>
-              <a:t>Druhá úroveň</a:t>
+              <a:rPr lang="en-US"/>
+              <a:t>Second level</a:t>
             </a:r>
           </a:p>
           <a:p>
             <a:pPr lvl="2"/>
             <a:r>
-              <a:rPr lang="sk-SK"/>
-              <a:t>Tretia úroveň</a:t>
+              <a:rPr lang="en-US"/>
+              <a:t>Third level</a:t>
             </a:r>
           </a:p>
           <a:p>
             <a:pPr lvl="3"/>
             <a:r>
-              <a:rPr lang="sk-SK"/>
-              <a:t>Štvrtá úroveň</a:t>
+              <a:rPr lang="en-US"/>
+              <a:t>Fourth level</a:t>
             </a:r>
           </a:p>
           <a:p>
             <a:pPr lvl="4"/>
             <a:r>
-              <a:rPr lang="sk-SK"/>
-              <a:t>Piata úroveň</a:t>
-            </a:r>
-          </a:p>
-        </p:txBody>
-      </p:sp>
-      <p:sp>
-        <p:nvSpPr>
-          <p:cNvPr id="4" name="Zástupný objekt pre dátum 3">
-            <a:extLst>
-              <a:ext uri="{FF2B5EF4-FFF2-40B4-BE49-F238E27FC236}">
-                <a16:creationId xmlns:a16="http://schemas.microsoft.com/office/drawing/2014/main" id="{D5E6930F-1499-4036-B8DE-143191F86994}"/>
+              <a:rPr lang="en-US"/>
+              <a:t>Fifth level</a:t>
+            </a:r>
+          </a:p>
+        </p:txBody>
+      </p:sp>
+      <p:sp>
+        <p:nvSpPr>
+          <p:cNvPr id="4" name="Date Placeholder 3">
+            <a:extLst>
+              <a:ext uri="{FF2B5EF4-FFF2-40B4-BE49-F238E27FC236}">
+                <a16:creationId xmlns:a16="http://schemas.microsoft.com/office/drawing/2014/main" id="{BECDB9DB-9E62-4292-915C-1DD4134740DB}"/>
               </a:ext>
             </a:extLst>
           </p:cNvPr>
@@ -856,20 +860,20 @@
           <a:bodyPr/>
           <a:lstStyle/>
           <a:p>
-            <a:fld id="{879129BF-6D6F-416B-9E10-7101C654B411}" type="datetimeFigureOut">
-              <a:rPr lang="sk-SK" smtClean="0"/>
-              <a:t>21. 4. 2021</a:t>
+            <a:fld id="{76969C88-B244-455D-A017-012B25B1ACDD}" type="datetimeFigureOut">
+              <a:rPr lang="en-US" smtClean="0"/>
+              <a:t>5/6/2021</a:t>
             </a:fld>
-            <a:endParaRPr lang="sk-SK"/>
-          </a:p>
-        </p:txBody>
-      </p:sp>
-      <p:sp>
-        <p:nvSpPr>
-          <p:cNvPr id="5" name="Zástupný objekt pre pätu 4">
-            <a:extLst>
-              <a:ext uri="{FF2B5EF4-FFF2-40B4-BE49-F238E27FC236}">
-                <a16:creationId xmlns:a16="http://schemas.microsoft.com/office/drawing/2014/main" id="{7A3DCEA9-6114-4B3A-9F58-6D595BB6F893}"/>
+            <a:endParaRPr lang="en-US"/>
+          </a:p>
+        </p:txBody>
+      </p:sp>
+      <p:sp>
+        <p:nvSpPr>
+          <p:cNvPr id="5" name="Footer Placeholder 4">
+            <a:extLst>
+              <a:ext uri="{FF2B5EF4-FFF2-40B4-BE49-F238E27FC236}">
+                <a16:creationId xmlns:a16="http://schemas.microsoft.com/office/drawing/2014/main" id="{2BD462F1-BC30-4172-8353-363123A1DB4E}"/>
               </a:ext>
             </a:extLst>
           </p:cNvPr>
@@ -885,16 +889,16 @@
           <a:bodyPr/>
           <a:lstStyle/>
           <a:p>
-            <a:endParaRPr lang="sk-SK"/>
-          </a:p>
-        </p:txBody>
-      </p:sp>
-      <p:sp>
-        <p:nvSpPr>
-          <p:cNvPr id="6" name="Zástupný objekt pre číslo snímky 5">
-            <a:extLst>
-              <a:ext uri="{FF2B5EF4-FFF2-40B4-BE49-F238E27FC236}">
-                <a16:creationId xmlns:a16="http://schemas.microsoft.com/office/drawing/2014/main" id="{6B4AAEDF-3385-4801-8E03-28ECCDA76F03}"/>
+            <a:endParaRPr lang="en-US"/>
+          </a:p>
+        </p:txBody>
+      </p:sp>
+      <p:sp>
+        <p:nvSpPr>
+          <p:cNvPr id="6" name="Slide Number Placeholder 5">
+            <a:extLst>
+              <a:ext uri="{FF2B5EF4-FFF2-40B4-BE49-F238E27FC236}">
+                <a16:creationId xmlns:a16="http://schemas.microsoft.com/office/drawing/2014/main" id="{BC92EE8A-96DF-4D7D-B434-778324756D04}"/>
               </a:ext>
             </a:extLst>
           </p:cNvPr>
@@ -910,18 +914,18 @@
           <a:bodyPr/>
           <a:lstStyle/>
           <a:p>
-            <a:fld id="{96DEB26D-D4D5-4A23-8451-0E4CCEDFDF69}" type="slidenum">
-              <a:rPr lang="sk-SK" smtClean="0"/>
+            <a:fld id="{07CE569E-9B7C-4CB9-AB80-C0841F922CFF}" type="slidenum">
+              <a:rPr lang="en-US" smtClean="0"/>
               <a:t>‹#›</a:t>
             </a:fld>
-            <a:endParaRPr lang="sk-SK"/>
+            <a:endParaRPr lang="en-US"/>
           </a:p>
         </p:txBody>
       </p:sp>
     </p:spTree>
     <p:extLst>
       <p:ext uri="{BB962C8B-B14F-4D97-AF65-F5344CB8AC3E}">
-        <p14:creationId xmlns:p14="http://schemas.microsoft.com/office/powerpoint/2010/main" val="2427555786"/>
+        <p14:creationId xmlns:p14="http://schemas.microsoft.com/office/powerpoint/2010/main" val="3712736303"/>
       </p:ext>
     </p:extLst>
   </p:cSld>
@@ -933,7 +937,7 @@
 
 <file path=ppt/slideLayouts/slideLayout3.xml><?xml version="1.0" encoding="utf-8"?>
 <p:sldLayout xmlns:a="http://schemas.openxmlformats.org/drawingml/2006/main" xmlns:r="http://schemas.openxmlformats.org/officeDocument/2006/relationships" xmlns:p="http://schemas.openxmlformats.org/presentationml/2006/main" type="secHead" preserve="1">
-  <p:cSld name="Hlavička sekcie">
+  <p:cSld name="Section Header">
     <p:spTree>
       <p:nvGrpSpPr>
         <p:cNvPr id="1" name=""/>
@@ -950,10 +954,10 @@
       </p:grpSpPr>
       <p:sp>
         <p:nvSpPr>
-          <p:cNvPr id="2" name="Nadpis 1">
-            <a:extLst>
-              <a:ext uri="{FF2B5EF4-FFF2-40B4-BE49-F238E27FC236}">
-                <a16:creationId xmlns:a16="http://schemas.microsoft.com/office/drawing/2014/main" id="{74E31597-E04F-4276-8255-340B9A3DC4A0}"/>
+          <p:cNvPr id="2" name="Title 1">
+            <a:extLst>
+              <a:ext uri="{FF2B5EF4-FFF2-40B4-BE49-F238E27FC236}">
+                <a16:creationId xmlns:a16="http://schemas.microsoft.com/office/drawing/2014/main" id="{9328453A-F2B4-4EDB-B8FA-150267BC1A9A}"/>
               </a:ext>
             </a:extLst>
           </p:cNvPr>
@@ -966,8 +970,8 @@
         </p:nvSpPr>
         <p:spPr>
           <a:xfrm>
-            <a:off x="831850" y="1709738"/>
-            <a:ext cx="10515600" cy="2852737"/>
+            <a:off x="762000" y="1524000"/>
+            <a:ext cx="10668000" cy="3038475"/>
           </a:xfrm>
         </p:spPr>
         <p:txBody>
@@ -979,18 +983,18 @@
           </a:lstStyle>
           <a:p>
             <a:r>
-              <a:rPr lang="sk-SK"/>
-              <a:t>Kliknutím upravte štýl predlohy nadpisu</a:t>
-            </a:r>
-          </a:p>
-        </p:txBody>
-      </p:sp>
-      <p:sp>
-        <p:nvSpPr>
-          <p:cNvPr id="3" name="Zástupný text 2">
-            <a:extLst>
-              <a:ext uri="{FF2B5EF4-FFF2-40B4-BE49-F238E27FC236}">
-                <a16:creationId xmlns:a16="http://schemas.microsoft.com/office/drawing/2014/main" id="{B98710C0-88F9-4385-BA83-865F401445C6}"/>
+              <a:rPr lang="en-US"/>
+              <a:t>Click to edit Master title style</a:t>
+            </a:r>
+          </a:p>
+        </p:txBody>
+      </p:sp>
+      <p:sp>
+        <p:nvSpPr>
+          <p:cNvPr id="3" name="Text Placeholder 2">
+            <a:extLst>
+              <a:ext uri="{FF2B5EF4-FFF2-40B4-BE49-F238E27FC236}">
+                <a16:creationId xmlns:a16="http://schemas.microsoft.com/office/drawing/2014/main" id="{24C46C51-ADF1-48FC-A4D9-38C369E78304}"/>
               </a:ext>
             </a:extLst>
           </p:cNvPr>
@@ -1003,8 +1007,8 @@
         </p:nvSpPr>
         <p:spPr>
           <a:xfrm>
-            <a:off x="831850" y="4589463"/>
-            <a:ext cx="10515600" cy="1500187"/>
+            <a:off x="762000" y="4589463"/>
+            <a:ext cx="10668000" cy="1506537"/>
           </a:xfrm>
         </p:spPr>
         <p:txBody>
@@ -1104,18 +1108,18 @@
           <a:p>
             <a:pPr lvl="0"/>
             <a:r>
-              <a:rPr lang="sk-SK"/>
-              <a:t>Kliknite sem a upravte štýly predlohy textu</a:t>
-            </a:r>
-          </a:p>
-        </p:txBody>
-      </p:sp>
-      <p:sp>
-        <p:nvSpPr>
-          <p:cNvPr id="4" name="Zástupný objekt pre dátum 3">
-            <a:extLst>
-              <a:ext uri="{FF2B5EF4-FFF2-40B4-BE49-F238E27FC236}">
-                <a16:creationId xmlns:a16="http://schemas.microsoft.com/office/drawing/2014/main" id="{2DB8C710-7FF5-4157-A509-997CF0CFBD9C}"/>
+              <a:rPr lang="en-US"/>
+              <a:t>Click to edit Master text styles</a:t>
+            </a:r>
+          </a:p>
+        </p:txBody>
+      </p:sp>
+      <p:sp>
+        <p:nvSpPr>
+          <p:cNvPr id="4" name="Date Placeholder 3">
+            <a:extLst>
+              <a:ext uri="{FF2B5EF4-FFF2-40B4-BE49-F238E27FC236}">
+                <a16:creationId xmlns:a16="http://schemas.microsoft.com/office/drawing/2014/main" id="{BEC43B56-4DC7-490B-AEFD-55ED1ECFF82E}"/>
               </a:ext>
             </a:extLst>
           </p:cNvPr>
@@ -1131,20 +1135,20 @@
           <a:bodyPr/>
           <a:lstStyle/>
           <a:p>
-            <a:fld id="{879129BF-6D6F-416B-9E10-7101C654B411}" type="datetimeFigureOut">
-              <a:rPr lang="sk-SK" smtClean="0"/>
-              <a:t>21. 4. 2021</a:t>
+            <a:fld id="{76969C88-B244-455D-A017-012B25B1ACDD}" type="datetimeFigureOut">
+              <a:rPr lang="en-US" smtClean="0"/>
+              <a:t>5/6/2021</a:t>
             </a:fld>
-            <a:endParaRPr lang="sk-SK"/>
-          </a:p>
-        </p:txBody>
-      </p:sp>
-      <p:sp>
-        <p:nvSpPr>
-          <p:cNvPr id="5" name="Zástupný objekt pre pätu 4">
-            <a:extLst>
-              <a:ext uri="{FF2B5EF4-FFF2-40B4-BE49-F238E27FC236}">
-                <a16:creationId xmlns:a16="http://schemas.microsoft.com/office/drawing/2014/main" id="{588A0EDE-017A-41D2-9D7C-79981ABAB673}"/>
+            <a:endParaRPr lang="en-US"/>
+          </a:p>
+        </p:txBody>
+      </p:sp>
+      <p:sp>
+        <p:nvSpPr>
+          <p:cNvPr id="5" name="Footer Placeholder 4">
+            <a:extLst>
+              <a:ext uri="{FF2B5EF4-FFF2-40B4-BE49-F238E27FC236}">
+                <a16:creationId xmlns:a16="http://schemas.microsoft.com/office/drawing/2014/main" id="{454738F8-C4B2-41D8-B627-A6DDB24B2D57}"/>
               </a:ext>
             </a:extLst>
           </p:cNvPr>
@@ -1160,16 +1164,16 @@
           <a:bodyPr/>
           <a:lstStyle/>
           <a:p>
-            <a:endParaRPr lang="sk-SK"/>
-          </a:p>
-        </p:txBody>
-      </p:sp>
-      <p:sp>
-        <p:nvSpPr>
-          <p:cNvPr id="6" name="Zástupný objekt pre číslo snímky 5">
-            <a:extLst>
-              <a:ext uri="{FF2B5EF4-FFF2-40B4-BE49-F238E27FC236}">
-                <a16:creationId xmlns:a16="http://schemas.microsoft.com/office/drawing/2014/main" id="{D0A3245F-54AE-4B90-BA38-6C256D2FA141}"/>
+            <a:endParaRPr lang="en-US"/>
+          </a:p>
+        </p:txBody>
+      </p:sp>
+      <p:sp>
+        <p:nvSpPr>
+          <p:cNvPr id="6" name="Slide Number Placeholder 5">
+            <a:extLst>
+              <a:ext uri="{FF2B5EF4-FFF2-40B4-BE49-F238E27FC236}">
+                <a16:creationId xmlns:a16="http://schemas.microsoft.com/office/drawing/2014/main" id="{C4F43D49-23F8-4C4B-9C30-EDC030EE6F7E}"/>
               </a:ext>
             </a:extLst>
           </p:cNvPr>
@@ -1185,18 +1189,18 @@
           <a:bodyPr/>
           <a:lstStyle/>
           <a:p>
-            <a:fld id="{96DEB26D-D4D5-4A23-8451-0E4CCEDFDF69}" type="slidenum">
-              <a:rPr lang="sk-SK" smtClean="0"/>
+            <a:fld id="{07CE569E-9B7C-4CB9-AB80-C0841F922CFF}" type="slidenum">
+              <a:rPr lang="en-US" smtClean="0"/>
               <a:t>‹#›</a:t>
             </a:fld>
-            <a:endParaRPr lang="sk-SK"/>
+            <a:endParaRPr lang="en-US"/>
           </a:p>
         </p:txBody>
       </p:sp>
     </p:spTree>
     <p:extLst>
       <p:ext uri="{BB962C8B-B14F-4D97-AF65-F5344CB8AC3E}">
-        <p14:creationId xmlns:p14="http://schemas.microsoft.com/office/powerpoint/2010/main" val="446915131"/>
+        <p14:creationId xmlns:p14="http://schemas.microsoft.com/office/powerpoint/2010/main" val="1878861396"/>
       </p:ext>
     </p:extLst>
   </p:cSld>
@@ -1208,7 +1212,7 @@
 
 <file path=ppt/slideLayouts/slideLayout4.xml><?xml version="1.0" encoding="utf-8"?>
 <p:sldLayout xmlns:a="http://schemas.openxmlformats.org/drawingml/2006/main" xmlns:r="http://schemas.openxmlformats.org/officeDocument/2006/relationships" xmlns:p="http://schemas.openxmlformats.org/presentationml/2006/main" type="twoObj" preserve="1">
-  <p:cSld name="Dva obsahy">
+  <p:cSld name="Two Content">
     <p:spTree>
       <p:nvGrpSpPr>
         <p:cNvPr id="1" name=""/>
@@ -1225,10 +1229,10 @@
       </p:grpSpPr>
       <p:sp>
         <p:nvSpPr>
-          <p:cNvPr id="2" name="Nadpis 1">
-            <a:extLst>
-              <a:ext uri="{FF2B5EF4-FFF2-40B4-BE49-F238E27FC236}">
-                <a16:creationId xmlns:a16="http://schemas.microsoft.com/office/drawing/2014/main" id="{C1BF6882-99A8-4DF6-8EAA-0303139EA5B4}"/>
+          <p:cNvPr id="2" name="Title 1">
+            <a:extLst>
+              <a:ext uri="{FF2B5EF4-FFF2-40B4-BE49-F238E27FC236}">
+                <a16:creationId xmlns:a16="http://schemas.microsoft.com/office/drawing/2014/main" id="{12E5556D-6916-42E6-8820-8A0D328A502B}"/>
               </a:ext>
             </a:extLst>
           </p:cNvPr>
@@ -1245,18 +1249,18 @@
           <a:lstStyle/>
           <a:p>
             <a:r>
-              <a:rPr lang="sk-SK"/>
-              <a:t>Kliknutím upravte štýl predlohy nadpisu</a:t>
-            </a:r>
-          </a:p>
-        </p:txBody>
-      </p:sp>
-      <p:sp>
-        <p:nvSpPr>
-          <p:cNvPr id="3" name="Zástupný objekt pre obsah 2">
-            <a:extLst>
-              <a:ext uri="{FF2B5EF4-FFF2-40B4-BE49-F238E27FC236}">
-                <a16:creationId xmlns:a16="http://schemas.microsoft.com/office/drawing/2014/main" id="{CEEC57F7-4E55-41CC-A7BF-AD8D029BEDEE}"/>
+              <a:rPr lang="en-US"/>
+              <a:t>Click to edit Master title style</a:t>
+            </a:r>
+          </a:p>
+        </p:txBody>
+      </p:sp>
+      <p:sp>
+        <p:nvSpPr>
+          <p:cNvPr id="3" name="Content Placeholder 2">
+            <a:extLst>
+              <a:ext uri="{FF2B5EF4-FFF2-40B4-BE49-F238E27FC236}">
+                <a16:creationId xmlns:a16="http://schemas.microsoft.com/office/drawing/2014/main" id="{062747A5-C962-477F-89AA-A32385D57996}"/>
               </a:ext>
             </a:extLst>
           </p:cNvPr>
@@ -1269,8 +1273,8 @@
         </p:nvSpPr>
         <p:spPr>
           <a:xfrm>
-            <a:off x="838200" y="1825625"/>
-            <a:ext cx="5181600" cy="4351338"/>
+            <a:off x="762000" y="2285999"/>
+            <a:ext cx="5151119" cy="3810001"/>
           </a:xfrm>
         </p:spPr>
         <p:txBody>
@@ -1279,46 +1283,46 @@
           <a:p>
             <a:pPr lvl="0"/>
             <a:r>
-              <a:rPr lang="sk-SK"/>
-              <a:t>Kliknite sem a upravte štýly predlohy textu</a:t>
+              <a:rPr lang="en-US"/>
+              <a:t>Click to edit Master text styles</a:t>
             </a:r>
           </a:p>
           <a:p>
             <a:pPr lvl="1"/>
             <a:r>
-              <a:rPr lang="sk-SK"/>
-              <a:t>Druhá úroveň</a:t>
+              <a:rPr lang="en-US"/>
+              <a:t>Second level</a:t>
             </a:r>
           </a:p>
           <a:p>
             <a:pPr lvl="2"/>
             <a:r>
-              <a:rPr lang="sk-SK"/>
-              <a:t>Tretia úroveň</a:t>
+              <a:rPr lang="en-US"/>
+              <a:t>Third level</a:t>
             </a:r>
           </a:p>
           <a:p>
             <a:pPr lvl="3"/>
             <a:r>
-              <a:rPr lang="sk-SK"/>
-              <a:t>Štvrtá úroveň</a:t>
+              <a:rPr lang="en-US"/>
+              <a:t>Fourth level</a:t>
             </a:r>
           </a:p>
           <a:p>
             <a:pPr lvl="4"/>
             <a:r>
-              <a:rPr lang="sk-SK"/>
-              <a:t>Piata úroveň</a:t>
-            </a:r>
-          </a:p>
-        </p:txBody>
-      </p:sp>
-      <p:sp>
-        <p:nvSpPr>
-          <p:cNvPr id="4" name="Zástupný objekt pre obsah 3">
-            <a:extLst>
-              <a:ext uri="{FF2B5EF4-FFF2-40B4-BE49-F238E27FC236}">
-                <a16:creationId xmlns:a16="http://schemas.microsoft.com/office/drawing/2014/main" id="{BD66F4E3-8C0A-4DA0-8A88-D386B0BA0E13}"/>
+              <a:rPr lang="en-US"/>
+              <a:t>Fifth level</a:t>
+            </a:r>
+          </a:p>
+        </p:txBody>
+      </p:sp>
+      <p:sp>
+        <p:nvSpPr>
+          <p:cNvPr id="4" name="Content Placeholder 3">
+            <a:extLst>
+              <a:ext uri="{FF2B5EF4-FFF2-40B4-BE49-F238E27FC236}">
+                <a16:creationId xmlns:a16="http://schemas.microsoft.com/office/drawing/2014/main" id="{0CD08312-30FC-44D8-B2A9-B5CAAD9F066F}"/>
               </a:ext>
             </a:extLst>
           </p:cNvPr>
@@ -1331,8 +1335,8 @@
         </p:nvSpPr>
         <p:spPr>
           <a:xfrm>
-            <a:off x="6172200" y="1825625"/>
-            <a:ext cx="5181600" cy="4351338"/>
+            <a:off x="6278879" y="2285999"/>
+            <a:ext cx="5151121" cy="3810001"/>
           </a:xfrm>
         </p:spPr>
         <p:txBody>
@@ -1341,46 +1345,46 @@
           <a:p>
             <a:pPr lvl="0"/>
             <a:r>
-              <a:rPr lang="sk-SK"/>
-              <a:t>Kliknite sem a upravte štýly predlohy textu</a:t>
+              <a:rPr lang="en-US"/>
+              <a:t>Click to edit Master text styles</a:t>
             </a:r>
           </a:p>
           <a:p>
             <a:pPr lvl="1"/>
             <a:r>
-              <a:rPr lang="sk-SK"/>
-              <a:t>Druhá úroveň</a:t>
+              <a:rPr lang="en-US"/>
+              <a:t>Second level</a:t>
             </a:r>
           </a:p>
           <a:p>
             <a:pPr lvl="2"/>
             <a:r>
-              <a:rPr lang="sk-SK"/>
-              <a:t>Tretia úroveň</a:t>
+              <a:rPr lang="en-US"/>
+              <a:t>Third level</a:t>
             </a:r>
           </a:p>
           <a:p>
             <a:pPr lvl="3"/>
             <a:r>
-              <a:rPr lang="sk-SK"/>
-              <a:t>Štvrtá úroveň</a:t>
+              <a:rPr lang="en-US"/>
+              <a:t>Fourth level</a:t>
             </a:r>
           </a:p>
           <a:p>
             <a:pPr lvl="4"/>
             <a:r>
-              <a:rPr lang="sk-SK"/>
-              <a:t>Piata úroveň</a:t>
-            </a:r>
-          </a:p>
-        </p:txBody>
-      </p:sp>
-      <p:sp>
-        <p:nvSpPr>
-          <p:cNvPr id="5" name="Zástupný objekt pre dátum 4">
-            <a:extLst>
-              <a:ext uri="{FF2B5EF4-FFF2-40B4-BE49-F238E27FC236}">
-                <a16:creationId xmlns:a16="http://schemas.microsoft.com/office/drawing/2014/main" id="{6A1B8FF5-B75C-4260-B72F-0AE3E27EB99F}"/>
+              <a:rPr lang="en-US"/>
+              <a:t>Fifth level</a:t>
+            </a:r>
+          </a:p>
+        </p:txBody>
+      </p:sp>
+      <p:sp>
+        <p:nvSpPr>
+          <p:cNvPr id="5" name="Date Placeholder 4">
+            <a:extLst>
+              <a:ext uri="{FF2B5EF4-FFF2-40B4-BE49-F238E27FC236}">
+                <a16:creationId xmlns:a16="http://schemas.microsoft.com/office/drawing/2014/main" id="{DBED84EB-AF90-4F19-A376-0FE5E50F9EA5}"/>
               </a:ext>
             </a:extLst>
           </p:cNvPr>
@@ -1396,20 +1400,20 @@
           <a:bodyPr/>
           <a:lstStyle/>
           <a:p>
-            <a:fld id="{879129BF-6D6F-416B-9E10-7101C654B411}" type="datetimeFigureOut">
-              <a:rPr lang="sk-SK" smtClean="0"/>
-              <a:t>21. 4. 2021</a:t>
+            <a:fld id="{76969C88-B244-455D-A017-012B25B1ACDD}" type="datetimeFigureOut">
+              <a:rPr lang="en-US" smtClean="0"/>
+              <a:t>5/6/2021</a:t>
             </a:fld>
-            <a:endParaRPr lang="sk-SK"/>
-          </a:p>
-        </p:txBody>
-      </p:sp>
-      <p:sp>
-        <p:nvSpPr>
-          <p:cNvPr id="6" name="Zástupný objekt pre pätu 5">
-            <a:extLst>
-              <a:ext uri="{FF2B5EF4-FFF2-40B4-BE49-F238E27FC236}">
-                <a16:creationId xmlns:a16="http://schemas.microsoft.com/office/drawing/2014/main" id="{82780C8F-B57C-4028-8174-DE6943E0A220}"/>
+            <a:endParaRPr lang="en-US"/>
+          </a:p>
+        </p:txBody>
+      </p:sp>
+      <p:sp>
+        <p:nvSpPr>
+          <p:cNvPr id="6" name="Footer Placeholder 5">
+            <a:extLst>
+              <a:ext uri="{FF2B5EF4-FFF2-40B4-BE49-F238E27FC236}">
+                <a16:creationId xmlns:a16="http://schemas.microsoft.com/office/drawing/2014/main" id="{7B838ED0-2789-41E4-A36E-83F92CA2E84B}"/>
               </a:ext>
             </a:extLst>
           </p:cNvPr>
@@ -1425,16 +1429,16 @@
           <a:bodyPr/>
           <a:lstStyle/>
           <a:p>
-            <a:endParaRPr lang="sk-SK"/>
-          </a:p>
-        </p:txBody>
-      </p:sp>
-      <p:sp>
-        <p:nvSpPr>
-          <p:cNvPr id="7" name="Zástupný objekt pre číslo snímky 6">
-            <a:extLst>
-              <a:ext uri="{FF2B5EF4-FFF2-40B4-BE49-F238E27FC236}">
-                <a16:creationId xmlns:a16="http://schemas.microsoft.com/office/drawing/2014/main" id="{62E41C26-2D97-43D1-99BB-387450AB1F2A}"/>
+            <a:endParaRPr lang="en-US"/>
+          </a:p>
+        </p:txBody>
+      </p:sp>
+      <p:sp>
+        <p:nvSpPr>
+          <p:cNvPr id="7" name="Slide Number Placeholder 6">
+            <a:extLst>
+              <a:ext uri="{FF2B5EF4-FFF2-40B4-BE49-F238E27FC236}">
+                <a16:creationId xmlns:a16="http://schemas.microsoft.com/office/drawing/2014/main" id="{37221A83-6D60-45F0-9173-5F6D2438BC36}"/>
               </a:ext>
             </a:extLst>
           </p:cNvPr>
@@ -1450,18 +1454,18 @@
           <a:bodyPr/>
           <a:lstStyle/>
           <a:p>
-            <a:fld id="{96DEB26D-D4D5-4A23-8451-0E4CCEDFDF69}" type="slidenum">
-              <a:rPr lang="sk-SK" smtClean="0"/>
+            <a:fld id="{07CE569E-9B7C-4CB9-AB80-C0841F922CFF}" type="slidenum">
+              <a:rPr lang="en-US" smtClean="0"/>
               <a:t>‹#›</a:t>
             </a:fld>
-            <a:endParaRPr lang="sk-SK"/>
+            <a:endParaRPr lang="en-US"/>
           </a:p>
         </p:txBody>
       </p:sp>
     </p:spTree>
     <p:extLst>
       <p:ext uri="{BB962C8B-B14F-4D97-AF65-F5344CB8AC3E}">
-        <p14:creationId xmlns:p14="http://schemas.microsoft.com/office/powerpoint/2010/main" val="1555862633"/>
+        <p14:creationId xmlns:p14="http://schemas.microsoft.com/office/powerpoint/2010/main" val="2350947253"/>
       </p:ext>
     </p:extLst>
   </p:cSld>
@@ -1472,8 +1476,8 @@
 </file>
 
 <file path=ppt/slideLayouts/slideLayout5.xml><?xml version="1.0" encoding="utf-8"?>
-<p:sldLayout xmlns:a="http://schemas.openxmlformats.org/drawingml/2006/main" xmlns:r="http://schemas.openxmlformats.org/officeDocument/2006/relationships" xmlns:p="http://schemas.openxmlformats.org/presentationml/2006/main" type="twoTxTwoObj" preserve="1">
-  <p:cSld name="Porovnanie">
+<p:sldLayout xmlns:a="http://schemas.openxmlformats.org/drawingml/2006/main" xmlns:r="http://schemas.openxmlformats.org/officeDocument/2006/relationships" xmlns:p="http://schemas.openxmlformats.org/presentationml/2006/main" preserve="1">
+  <p:cSld name="Comparison">
     <p:spTree>
       <p:nvGrpSpPr>
         <p:cNvPr id="1" name=""/>
@@ -1490,10 +1494,10 @@
       </p:grpSpPr>
       <p:sp>
         <p:nvSpPr>
-          <p:cNvPr id="2" name="Nadpis 1">
-            <a:extLst>
-              <a:ext uri="{FF2B5EF4-FFF2-40B4-BE49-F238E27FC236}">
-                <a16:creationId xmlns:a16="http://schemas.microsoft.com/office/drawing/2014/main" id="{7C58B51D-A9AB-4F58-BC74-46B6008774B0}"/>
+          <p:cNvPr id="2" name="Title 1">
+            <a:extLst>
+              <a:ext uri="{FF2B5EF4-FFF2-40B4-BE49-F238E27FC236}">
+                <a16:creationId xmlns:a16="http://schemas.microsoft.com/office/drawing/2014/main" id="{8A4FFAE2-03F4-4A94-86C4-9305B237CA89}"/>
               </a:ext>
             </a:extLst>
           </p:cNvPr>
@@ -1506,8 +1510,8 @@
         </p:nvSpPr>
         <p:spPr>
           <a:xfrm>
-            <a:off x="839788" y="365125"/>
-            <a:ext cx="10515600" cy="1325563"/>
+            <a:off x="762000" y="762000"/>
+            <a:ext cx="10668000" cy="1524000"/>
           </a:xfrm>
         </p:spPr>
         <p:txBody>
@@ -1515,18 +1519,18 @@
           <a:lstStyle/>
           <a:p>
             <a:r>
-              <a:rPr lang="sk-SK"/>
-              <a:t>Kliknutím upravte štýl predlohy nadpisu</a:t>
-            </a:r>
-          </a:p>
-        </p:txBody>
-      </p:sp>
-      <p:sp>
-        <p:nvSpPr>
-          <p:cNvPr id="3" name="Zástupný text 2">
-            <a:extLst>
-              <a:ext uri="{FF2B5EF4-FFF2-40B4-BE49-F238E27FC236}">
-                <a16:creationId xmlns:a16="http://schemas.microsoft.com/office/drawing/2014/main" id="{C96C86BD-FBFE-490F-806F-FC9A8F709D2F}"/>
+              <a:rPr lang="en-US"/>
+              <a:t>Click to edit Master title style</a:t>
+            </a:r>
+          </a:p>
+        </p:txBody>
+      </p:sp>
+      <p:sp>
+        <p:nvSpPr>
+          <p:cNvPr id="3" name="Text Placeholder 2">
+            <a:extLst>
+              <a:ext uri="{FF2B5EF4-FFF2-40B4-BE49-F238E27FC236}">
+                <a16:creationId xmlns:a16="http://schemas.microsoft.com/office/drawing/2014/main" id="{75BAC5A5-E184-46B6-8AB5-C8E132D3624B}"/>
               </a:ext>
             </a:extLst>
           </p:cNvPr>
@@ -1539,8 +1543,8 @@
         </p:nvSpPr>
         <p:spPr>
           <a:xfrm>
-            <a:off x="839788" y="1681163"/>
-            <a:ext cx="5157787" cy="823912"/>
+            <a:off x="762000" y="2285999"/>
+            <a:ext cx="5151119" cy="761999"/>
           </a:xfrm>
         </p:spPr>
         <p:txBody>
@@ -1586,18 +1590,18 @@
           <a:p>
             <a:pPr lvl="0"/>
             <a:r>
-              <a:rPr lang="sk-SK"/>
-              <a:t>Kliknite sem a upravte štýly predlohy textu</a:t>
-            </a:r>
-          </a:p>
-        </p:txBody>
-      </p:sp>
-      <p:sp>
-        <p:nvSpPr>
-          <p:cNvPr id="4" name="Zástupný objekt pre obsah 3">
-            <a:extLst>
-              <a:ext uri="{FF2B5EF4-FFF2-40B4-BE49-F238E27FC236}">
-                <a16:creationId xmlns:a16="http://schemas.microsoft.com/office/drawing/2014/main" id="{D68B8EB6-1242-4B56-B716-853D194F6958}"/>
+              <a:rPr lang="en-US"/>
+              <a:t>Click to edit Master text styles</a:t>
+            </a:r>
+          </a:p>
+        </p:txBody>
+      </p:sp>
+      <p:sp>
+        <p:nvSpPr>
+          <p:cNvPr id="4" name="Content Placeholder 3">
+            <a:extLst>
+              <a:ext uri="{FF2B5EF4-FFF2-40B4-BE49-F238E27FC236}">
+                <a16:creationId xmlns:a16="http://schemas.microsoft.com/office/drawing/2014/main" id="{8FDCFE87-5D80-45CB-9D13-DFC9AFCEC7F9}"/>
               </a:ext>
             </a:extLst>
           </p:cNvPr>
@@ -1610,8 +1614,8 @@
         </p:nvSpPr>
         <p:spPr>
           <a:xfrm>
-            <a:off x="839788" y="2505075"/>
-            <a:ext cx="5157787" cy="3684588"/>
+            <a:off x="762000" y="3048000"/>
+            <a:ext cx="5151119" cy="3048000"/>
           </a:xfrm>
         </p:spPr>
         <p:txBody>
@@ -1620,46 +1624,46 @@
           <a:p>
             <a:pPr lvl="0"/>
             <a:r>
-              <a:rPr lang="sk-SK"/>
-              <a:t>Kliknite sem a upravte štýly predlohy textu</a:t>
+              <a:rPr lang="en-US"/>
+              <a:t>Click to edit Master text styles</a:t>
             </a:r>
           </a:p>
           <a:p>
             <a:pPr lvl="1"/>
             <a:r>
-              <a:rPr lang="sk-SK"/>
-              <a:t>Druhá úroveň</a:t>
+              <a:rPr lang="en-US"/>
+              <a:t>Second level</a:t>
             </a:r>
           </a:p>
           <a:p>
             <a:pPr lvl="2"/>
             <a:r>
-              <a:rPr lang="sk-SK"/>
-              <a:t>Tretia úroveň</a:t>
+              <a:rPr lang="en-US"/>
+              <a:t>Third level</a:t>
             </a:r>
           </a:p>
           <a:p>
             <a:pPr lvl="3"/>
             <a:r>
-              <a:rPr lang="sk-SK"/>
-              <a:t>Štvrtá úroveň</a:t>
+              <a:rPr lang="en-US"/>
+              <a:t>Fourth level</a:t>
             </a:r>
           </a:p>
           <a:p>
             <a:pPr lvl="4"/>
             <a:r>
-              <a:rPr lang="sk-SK"/>
-              <a:t>Piata úroveň</a:t>
-            </a:r>
-          </a:p>
-        </p:txBody>
-      </p:sp>
-      <p:sp>
-        <p:nvSpPr>
-          <p:cNvPr id="5" name="Zástupný text 4">
-            <a:extLst>
-              <a:ext uri="{FF2B5EF4-FFF2-40B4-BE49-F238E27FC236}">
-                <a16:creationId xmlns:a16="http://schemas.microsoft.com/office/drawing/2014/main" id="{F0584042-D01E-463D-9725-31CC785CC9C3}"/>
+              <a:rPr lang="en-US"/>
+              <a:t>Fifth level</a:t>
+            </a:r>
+          </a:p>
+        </p:txBody>
+      </p:sp>
+      <p:sp>
+        <p:nvSpPr>
+          <p:cNvPr id="5" name="Text Placeholder 4">
+            <a:extLst>
+              <a:ext uri="{FF2B5EF4-FFF2-40B4-BE49-F238E27FC236}">
+                <a16:creationId xmlns:a16="http://schemas.microsoft.com/office/drawing/2014/main" id="{DAAC1E5A-8423-4749-8EDA-E13425F69658}"/>
               </a:ext>
             </a:extLst>
           </p:cNvPr>
@@ -1672,8 +1676,8 @@
         </p:nvSpPr>
         <p:spPr>
           <a:xfrm>
-            <a:off x="6172200" y="1681163"/>
-            <a:ext cx="5183188" cy="823912"/>
+            <a:off x="6278878" y="2286000"/>
+            <a:ext cx="5151122" cy="761999"/>
           </a:xfrm>
         </p:spPr>
         <p:txBody>
@@ -1719,18 +1723,18 @@
           <a:p>
             <a:pPr lvl="0"/>
             <a:r>
-              <a:rPr lang="sk-SK"/>
-              <a:t>Kliknite sem a upravte štýly predlohy textu</a:t>
-            </a:r>
-          </a:p>
-        </p:txBody>
-      </p:sp>
-      <p:sp>
-        <p:nvSpPr>
-          <p:cNvPr id="6" name="Zástupný objekt pre obsah 5">
-            <a:extLst>
-              <a:ext uri="{FF2B5EF4-FFF2-40B4-BE49-F238E27FC236}">
-                <a16:creationId xmlns:a16="http://schemas.microsoft.com/office/drawing/2014/main" id="{CF0C6B52-9CD9-484E-AE80-D0812E85D82B}"/>
+              <a:rPr lang="en-US"/>
+              <a:t>Click to edit Master text styles</a:t>
+            </a:r>
+          </a:p>
+        </p:txBody>
+      </p:sp>
+      <p:sp>
+        <p:nvSpPr>
+          <p:cNvPr id="6" name="Content Placeholder 5">
+            <a:extLst>
+              <a:ext uri="{FF2B5EF4-FFF2-40B4-BE49-F238E27FC236}">
+                <a16:creationId xmlns:a16="http://schemas.microsoft.com/office/drawing/2014/main" id="{DA832AAA-4BB8-4A3D-9C79-516F82F8001D}"/>
               </a:ext>
             </a:extLst>
           </p:cNvPr>
@@ -1743,8 +1747,8 @@
         </p:nvSpPr>
         <p:spPr>
           <a:xfrm>
-            <a:off x="6172200" y="2505075"/>
-            <a:ext cx="5183188" cy="3684588"/>
+            <a:off x="6278878" y="3048000"/>
+            <a:ext cx="5151122" cy="3048000"/>
           </a:xfrm>
         </p:spPr>
         <p:txBody>
@@ -1753,46 +1757,46 @@
           <a:p>
             <a:pPr lvl="0"/>
             <a:r>
-              <a:rPr lang="sk-SK"/>
-              <a:t>Kliknite sem a upravte štýly predlohy textu</a:t>
+              <a:rPr lang="en-US"/>
+              <a:t>Click to edit Master text styles</a:t>
             </a:r>
           </a:p>
           <a:p>
             <a:pPr lvl="1"/>
             <a:r>
-              <a:rPr lang="sk-SK"/>
-              <a:t>Druhá úroveň</a:t>
+              <a:rPr lang="en-US"/>
+              <a:t>Second level</a:t>
             </a:r>
           </a:p>
           <a:p>
             <a:pPr lvl="2"/>
             <a:r>
-              <a:rPr lang="sk-SK"/>
-              <a:t>Tretia úroveň</a:t>
+              <a:rPr lang="en-US"/>
+              <a:t>Third level</a:t>
             </a:r>
           </a:p>
           <a:p>
             <a:pPr lvl="3"/>
             <a:r>
-              <a:rPr lang="sk-SK"/>
-              <a:t>Štvrtá úroveň</a:t>
+              <a:rPr lang="en-US"/>
+              <a:t>Fourth level</a:t>
             </a:r>
           </a:p>
           <a:p>
             <a:pPr lvl="4"/>
             <a:r>
-              <a:rPr lang="sk-SK"/>
-              <a:t>Piata úroveň</a:t>
-            </a:r>
-          </a:p>
-        </p:txBody>
-      </p:sp>
-      <p:sp>
-        <p:nvSpPr>
-          <p:cNvPr id="7" name="Zástupný objekt pre dátum 6">
-            <a:extLst>
-              <a:ext uri="{FF2B5EF4-FFF2-40B4-BE49-F238E27FC236}">
-                <a16:creationId xmlns:a16="http://schemas.microsoft.com/office/drawing/2014/main" id="{9D01413A-EA01-45CD-AD3F-BC695FE6FA24}"/>
+              <a:rPr lang="en-US"/>
+              <a:t>Fifth level</a:t>
+            </a:r>
+          </a:p>
+        </p:txBody>
+      </p:sp>
+      <p:sp>
+        <p:nvSpPr>
+          <p:cNvPr id="7" name="Date Placeholder 6">
+            <a:extLst>
+              <a:ext uri="{FF2B5EF4-FFF2-40B4-BE49-F238E27FC236}">
+                <a16:creationId xmlns:a16="http://schemas.microsoft.com/office/drawing/2014/main" id="{E80BEC63-51D3-4C70-B804-BE9EF765AD21}"/>
               </a:ext>
             </a:extLst>
           </p:cNvPr>
@@ -1808,20 +1812,20 @@
           <a:bodyPr/>
           <a:lstStyle/>
           <a:p>
-            <a:fld id="{879129BF-6D6F-416B-9E10-7101C654B411}" type="datetimeFigureOut">
-              <a:rPr lang="sk-SK" smtClean="0"/>
-              <a:t>21. 4. 2021</a:t>
+            <a:fld id="{76969C88-B244-455D-A017-012B25B1ACDD}" type="datetimeFigureOut">
+              <a:rPr lang="en-US" smtClean="0"/>
+              <a:t>5/6/2021</a:t>
             </a:fld>
-            <a:endParaRPr lang="sk-SK"/>
-          </a:p>
-        </p:txBody>
-      </p:sp>
-      <p:sp>
-        <p:nvSpPr>
-          <p:cNvPr id="8" name="Zástupný objekt pre pätu 7">
-            <a:extLst>
-              <a:ext uri="{FF2B5EF4-FFF2-40B4-BE49-F238E27FC236}">
-                <a16:creationId xmlns:a16="http://schemas.microsoft.com/office/drawing/2014/main" id="{A14DD359-2555-4699-8569-11FF38099C2D}"/>
+            <a:endParaRPr lang="en-US"/>
+          </a:p>
+        </p:txBody>
+      </p:sp>
+      <p:sp>
+        <p:nvSpPr>
+          <p:cNvPr id="8" name="Footer Placeholder 7">
+            <a:extLst>
+              <a:ext uri="{FF2B5EF4-FFF2-40B4-BE49-F238E27FC236}">
+                <a16:creationId xmlns:a16="http://schemas.microsoft.com/office/drawing/2014/main" id="{735CA295-8563-402F-92C3-1F20C977C177}"/>
               </a:ext>
             </a:extLst>
           </p:cNvPr>
@@ -1837,16 +1841,16 @@
           <a:bodyPr/>
           <a:lstStyle/>
           <a:p>
-            <a:endParaRPr lang="sk-SK"/>
-          </a:p>
-        </p:txBody>
-      </p:sp>
-      <p:sp>
-        <p:nvSpPr>
-          <p:cNvPr id="9" name="Zástupný objekt pre číslo snímky 8">
-            <a:extLst>
-              <a:ext uri="{FF2B5EF4-FFF2-40B4-BE49-F238E27FC236}">
-                <a16:creationId xmlns:a16="http://schemas.microsoft.com/office/drawing/2014/main" id="{2F88ADA5-DBA3-421F-9416-7CCD24C2DE27}"/>
+            <a:endParaRPr lang="en-US"/>
+          </a:p>
+        </p:txBody>
+      </p:sp>
+      <p:sp>
+        <p:nvSpPr>
+          <p:cNvPr id="9" name="Slide Number Placeholder 8">
+            <a:extLst>
+              <a:ext uri="{FF2B5EF4-FFF2-40B4-BE49-F238E27FC236}">
+                <a16:creationId xmlns:a16="http://schemas.microsoft.com/office/drawing/2014/main" id="{5EFA5918-109D-4342-84C0-9774A52C9E78}"/>
               </a:ext>
             </a:extLst>
           </p:cNvPr>
@@ -1862,18 +1866,18 @@
           <a:bodyPr/>
           <a:lstStyle/>
           <a:p>
-            <a:fld id="{96DEB26D-D4D5-4A23-8451-0E4CCEDFDF69}" type="slidenum">
-              <a:rPr lang="sk-SK" smtClean="0"/>
+            <a:fld id="{07CE569E-9B7C-4CB9-AB80-C0841F922CFF}" type="slidenum">
+              <a:rPr lang="en-US" smtClean="0"/>
               <a:t>‹#›</a:t>
             </a:fld>
-            <a:endParaRPr lang="sk-SK"/>
+            <a:endParaRPr lang="en-US"/>
           </a:p>
         </p:txBody>
       </p:sp>
     </p:spTree>
     <p:extLst>
       <p:ext uri="{BB962C8B-B14F-4D97-AF65-F5344CB8AC3E}">
-        <p14:creationId xmlns:p14="http://schemas.microsoft.com/office/powerpoint/2010/main" val="2914783065"/>
+        <p14:creationId xmlns:p14="http://schemas.microsoft.com/office/powerpoint/2010/main" val="1919036372"/>
       </p:ext>
     </p:extLst>
   </p:cSld>
@@ -1885,7 +1889,7 @@
 
 <file path=ppt/slideLayouts/slideLayout6.xml><?xml version="1.0" encoding="utf-8"?>
 <p:sldLayout xmlns:a="http://schemas.openxmlformats.org/drawingml/2006/main" xmlns:r="http://schemas.openxmlformats.org/officeDocument/2006/relationships" xmlns:p="http://schemas.openxmlformats.org/presentationml/2006/main" type="titleOnly" preserve="1">
-  <p:cSld name="Len nadpis">
+  <p:cSld name="Title Only">
     <p:spTree>
       <p:nvGrpSpPr>
         <p:cNvPr id="1" name=""/>
@@ -1902,10 +1906,10 @@
       </p:grpSpPr>
       <p:sp>
         <p:nvSpPr>
-          <p:cNvPr id="2" name="Nadpis 1">
-            <a:extLst>
-              <a:ext uri="{FF2B5EF4-FFF2-40B4-BE49-F238E27FC236}">
-                <a16:creationId xmlns:a16="http://schemas.microsoft.com/office/drawing/2014/main" id="{D2783955-8E8A-4A84-82D1-3BFEF0F7159F}"/>
+          <p:cNvPr id="2" name="Title 1">
+            <a:extLst>
+              <a:ext uri="{FF2B5EF4-FFF2-40B4-BE49-F238E27FC236}">
+                <a16:creationId xmlns:a16="http://schemas.microsoft.com/office/drawing/2014/main" id="{A5EF2662-CBD1-4498-9B6E-2961F5EF1BFB}"/>
               </a:ext>
             </a:extLst>
           </p:cNvPr>
@@ -1922,18 +1926,18 @@
           <a:lstStyle/>
           <a:p>
             <a:r>
-              <a:rPr lang="sk-SK"/>
-              <a:t>Kliknutím upravte štýl predlohy nadpisu</a:t>
-            </a:r>
-          </a:p>
-        </p:txBody>
-      </p:sp>
-      <p:sp>
-        <p:nvSpPr>
-          <p:cNvPr id="3" name="Zástupný objekt pre dátum 2">
-            <a:extLst>
-              <a:ext uri="{FF2B5EF4-FFF2-40B4-BE49-F238E27FC236}">
-                <a16:creationId xmlns:a16="http://schemas.microsoft.com/office/drawing/2014/main" id="{91E2ED26-2044-4E9C-B6DD-FEE83B33E3C9}"/>
+              <a:rPr lang="en-US"/>
+              <a:t>Click to edit Master title style</a:t>
+            </a:r>
+          </a:p>
+        </p:txBody>
+      </p:sp>
+      <p:sp>
+        <p:nvSpPr>
+          <p:cNvPr id="3" name="Date Placeholder 2">
+            <a:extLst>
+              <a:ext uri="{FF2B5EF4-FFF2-40B4-BE49-F238E27FC236}">
+                <a16:creationId xmlns:a16="http://schemas.microsoft.com/office/drawing/2014/main" id="{9FF739AE-8101-4C18-8CF3-911BDF3978A8}"/>
               </a:ext>
             </a:extLst>
           </p:cNvPr>
@@ -1949,20 +1953,20 @@
           <a:bodyPr/>
           <a:lstStyle/>
           <a:p>
-            <a:fld id="{879129BF-6D6F-416B-9E10-7101C654B411}" type="datetimeFigureOut">
-              <a:rPr lang="sk-SK" smtClean="0"/>
-              <a:t>21. 4. 2021</a:t>
+            <a:fld id="{76969C88-B244-455D-A017-012B25B1ACDD}" type="datetimeFigureOut">
+              <a:rPr lang="en-US" smtClean="0"/>
+              <a:t>5/6/2021</a:t>
             </a:fld>
-            <a:endParaRPr lang="sk-SK"/>
-          </a:p>
-        </p:txBody>
-      </p:sp>
-      <p:sp>
-        <p:nvSpPr>
-          <p:cNvPr id="4" name="Zástupný objekt pre pätu 3">
-            <a:extLst>
-              <a:ext uri="{FF2B5EF4-FFF2-40B4-BE49-F238E27FC236}">
-                <a16:creationId xmlns:a16="http://schemas.microsoft.com/office/drawing/2014/main" id="{5A099D33-D6A2-467E-833C-9667DAAE1CF8}"/>
+            <a:endParaRPr lang="en-US"/>
+          </a:p>
+        </p:txBody>
+      </p:sp>
+      <p:sp>
+        <p:nvSpPr>
+          <p:cNvPr id="4" name="Footer Placeholder 3">
+            <a:extLst>
+              <a:ext uri="{FF2B5EF4-FFF2-40B4-BE49-F238E27FC236}">
+                <a16:creationId xmlns:a16="http://schemas.microsoft.com/office/drawing/2014/main" id="{66EB1C88-D181-449C-9BE1-E85068C1883C}"/>
               </a:ext>
             </a:extLst>
           </p:cNvPr>
@@ -1978,16 +1982,16 @@
           <a:bodyPr/>
           <a:lstStyle/>
           <a:p>
-            <a:endParaRPr lang="sk-SK"/>
-          </a:p>
-        </p:txBody>
-      </p:sp>
-      <p:sp>
-        <p:nvSpPr>
-          <p:cNvPr id="5" name="Zástupný objekt pre číslo snímky 4">
-            <a:extLst>
-              <a:ext uri="{FF2B5EF4-FFF2-40B4-BE49-F238E27FC236}">
-                <a16:creationId xmlns:a16="http://schemas.microsoft.com/office/drawing/2014/main" id="{DBA47F8C-146B-4373-B8EF-4C5B2E875CF8}"/>
+            <a:endParaRPr lang="en-US"/>
+          </a:p>
+        </p:txBody>
+      </p:sp>
+      <p:sp>
+        <p:nvSpPr>
+          <p:cNvPr id="5" name="Slide Number Placeholder 4">
+            <a:extLst>
+              <a:ext uri="{FF2B5EF4-FFF2-40B4-BE49-F238E27FC236}">
+                <a16:creationId xmlns:a16="http://schemas.microsoft.com/office/drawing/2014/main" id="{EB38A2C9-E93B-4F0A-A021-9E3AEBC3FA88}"/>
               </a:ext>
             </a:extLst>
           </p:cNvPr>
@@ -2003,18 +2007,18 @@
           <a:bodyPr/>
           <a:lstStyle/>
           <a:p>
-            <a:fld id="{96DEB26D-D4D5-4A23-8451-0E4CCEDFDF69}" type="slidenum">
-              <a:rPr lang="sk-SK" smtClean="0"/>
+            <a:fld id="{07CE569E-9B7C-4CB9-AB80-C0841F922CFF}" type="slidenum">
+              <a:rPr lang="en-US" smtClean="0"/>
               <a:t>‹#›</a:t>
             </a:fld>
-            <a:endParaRPr lang="sk-SK"/>
+            <a:endParaRPr lang="en-US"/>
           </a:p>
         </p:txBody>
       </p:sp>
     </p:spTree>
     <p:extLst>
       <p:ext uri="{BB962C8B-B14F-4D97-AF65-F5344CB8AC3E}">
-        <p14:creationId xmlns:p14="http://schemas.microsoft.com/office/powerpoint/2010/main" val="2274694819"/>
+        <p14:creationId xmlns:p14="http://schemas.microsoft.com/office/powerpoint/2010/main" val="2817509777"/>
       </p:ext>
     </p:extLst>
   </p:cSld>
@@ -2026,7 +2030,7 @@
 
 <file path=ppt/slideLayouts/slideLayout7.xml><?xml version="1.0" encoding="utf-8"?>
 <p:sldLayout xmlns:a="http://schemas.openxmlformats.org/drawingml/2006/main" xmlns:r="http://schemas.openxmlformats.org/officeDocument/2006/relationships" xmlns:p="http://schemas.openxmlformats.org/presentationml/2006/main" type="blank" preserve="1">
-  <p:cSld name="Prázdna">
+  <p:cSld name="Blank">
     <p:spTree>
       <p:nvGrpSpPr>
         <p:cNvPr id="1" name=""/>
@@ -2043,10 +2047,10 @@
       </p:grpSpPr>
       <p:sp>
         <p:nvSpPr>
-          <p:cNvPr id="2" name="Zástupný objekt pre dátum 1">
-            <a:extLst>
-              <a:ext uri="{FF2B5EF4-FFF2-40B4-BE49-F238E27FC236}">
-                <a16:creationId xmlns:a16="http://schemas.microsoft.com/office/drawing/2014/main" id="{28A84716-F5BF-45FD-A25F-ED6052982397}"/>
+          <p:cNvPr id="2" name="Date Placeholder 1">
+            <a:extLst>
+              <a:ext uri="{FF2B5EF4-FFF2-40B4-BE49-F238E27FC236}">
+                <a16:creationId xmlns:a16="http://schemas.microsoft.com/office/drawing/2014/main" id="{F00AE8D9-9B42-438E-ADA6-CCFE45788460}"/>
               </a:ext>
             </a:extLst>
           </p:cNvPr>
@@ -2062,20 +2066,20 @@
           <a:bodyPr/>
           <a:lstStyle/>
           <a:p>
-            <a:fld id="{879129BF-6D6F-416B-9E10-7101C654B411}" type="datetimeFigureOut">
-              <a:rPr lang="sk-SK" smtClean="0"/>
-              <a:t>21. 4. 2021</a:t>
+            <a:fld id="{76969C88-B244-455D-A017-012B25B1ACDD}" type="datetimeFigureOut">
+              <a:rPr lang="en-US" smtClean="0"/>
+              <a:t>5/6/2021</a:t>
             </a:fld>
-            <a:endParaRPr lang="sk-SK"/>
-          </a:p>
-        </p:txBody>
-      </p:sp>
-      <p:sp>
-        <p:nvSpPr>
-          <p:cNvPr id="3" name="Zástupný objekt pre pätu 2">
-            <a:extLst>
-              <a:ext uri="{FF2B5EF4-FFF2-40B4-BE49-F238E27FC236}">
-                <a16:creationId xmlns:a16="http://schemas.microsoft.com/office/drawing/2014/main" id="{EEC6A1BC-90F8-45E8-9BCF-B4CC5707618B}"/>
+            <a:endParaRPr lang="en-US"/>
+          </a:p>
+        </p:txBody>
+      </p:sp>
+      <p:sp>
+        <p:nvSpPr>
+          <p:cNvPr id="3" name="Footer Placeholder 2">
+            <a:extLst>
+              <a:ext uri="{FF2B5EF4-FFF2-40B4-BE49-F238E27FC236}">
+                <a16:creationId xmlns:a16="http://schemas.microsoft.com/office/drawing/2014/main" id="{C4F792B9-A8AF-4E13-8A25-741E89691EFA}"/>
               </a:ext>
             </a:extLst>
           </p:cNvPr>
@@ -2091,16 +2095,16 @@
           <a:bodyPr/>
           <a:lstStyle/>
           <a:p>
-            <a:endParaRPr lang="sk-SK"/>
-          </a:p>
-        </p:txBody>
-      </p:sp>
-      <p:sp>
-        <p:nvSpPr>
-          <p:cNvPr id="4" name="Zástupný objekt pre číslo snímky 3">
-            <a:extLst>
-              <a:ext uri="{FF2B5EF4-FFF2-40B4-BE49-F238E27FC236}">
-                <a16:creationId xmlns:a16="http://schemas.microsoft.com/office/drawing/2014/main" id="{30BC4C04-717D-4263-8BD5-18F281F0904D}"/>
+            <a:endParaRPr lang="en-US"/>
+          </a:p>
+        </p:txBody>
+      </p:sp>
+      <p:sp>
+        <p:nvSpPr>
+          <p:cNvPr id="4" name="Slide Number Placeholder 3">
+            <a:extLst>
+              <a:ext uri="{FF2B5EF4-FFF2-40B4-BE49-F238E27FC236}">
+                <a16:creationId xmlns:a16="http://schemas.microsoft.com/office/drawing/2014/main" id="{533A2CF6-DBC5-4491-B213-B3CD09D3130C}"/>
               </a:ext>
             </a:extLst>
           </p:cNvPr>
@@ -2116,18 +2120,18 @@
           <a:bodyPr/>
           <a:lstStyle/>
           <a:p>
-            <a:fld id="{96DEB26D-D4D5-4A23-8451-0E4CCEDFDF69}" type="slidenum">
-              <a:rPr lang="sk-SK" smtClean="0"/>
+            <a:fld id="{07CE569E-9B7C-4CB9-AB80-C0841F922CFF}" type="slidenum">
+              <a:rPr lang="en-US" smtClean="0"/>
               <a:t>‹#›</a:t>
             </a:fld>
-            <a:endParaRPr lang="sk-SK"/>
+            <a:endParaRPr lang="en-US"/>
           </a:p>
         </p:txBody>
       </p:sp>
     </p:spTree>
     <p:extLst>
       <p:ext uri="{BB962C8B-B14F-4D97-AF65-F5344CB8AC3E}">
-        <p14:creationId xmlns:p14="http://schemas.microsoft.com/office/powerpoint/2010/main" val="1968663043"/>
+        <p14:creationId xmlns:p14="http://schemas.microsoft.com/office/powerpoint/2010/main" val="2593663703"/>
       </p:ext>
     </p:extLst>
   </p:cSld>
@@ -2139,7 +2143,7 @@
 
 <file path=ppt/slideLayouts/slideLayout8.xml><?xml version="1.0" encoding="utf-8"?>
 <p:sldLayout xmlns:a="http://schemas.openxmlformats.org/drawingml/2006/main" xmlns:r="http://schemas.openxmlformats.org/officeDocument/2006/relationships" xmlns:p="http://schemas.openxmlformats.org/presentationml/2006/main" type="objTx" preserve="1">
-  <p:cSld name="Obsah s popisom">
+  <p:cSld name="Content with Caption">
     <p:spTree>
       <p:nvGrpSpPr>
         <p:cNvPr id="1" name=""/>
@@ -2156,10 +2160,10 @@
       </p:grpSpPr>
       <p:sp>
         <p:nvSpPr>
-          <p:cNvPr id="2" name="Nadpis 1">
-            <a:extLst>
-              <a:ext uri="{FF2B5EF4-FFF2-40B4-BE49-F238E27FC236}">
-                <a16:creationId xmlns:a16="http://schemas.microsoft.com/office/drawing/2014/main" id="{6D9C113A-6DCB-4E61-8249-680EBBD10295}"/>
+          <p:cNvPr id="2" name="Title 1">
+            <a:extLst>
+              <a:ext uri="{FF2B5EF4-FFF2-40B4-BE49-F238E27FC236}">
+                <a16:creationId xmlns:a16="http://schemas.microsoft.com/office/drawing/2014/main" id="{89727076-58C8-494C-B6B1-DC86F62DDC24}"/>
               </a:ext>
             </a:extLst>
           </p:cNvPr>
@@ -2172,12 +2176,12 @@
         </p:nvSpPr>
         <p:spPr>
           <a:xfrm>
-            <a:off x="839788" y="457200"/>
-            <a:ext cx="3932237" cy="1600200"/>
+            <a:off x="762000" y="761998"/>
+            <a:ext cx="3810000" cy="1524002"/>
           </a:xfrm>
         </p:spPr>
         <p:txBody>
-          <a:bodyPr anchor="b"/>
+          <a:bodyPr anchor="t" anchorCtr="0"/>
           <a:lstStyle>
             <a:lvl1pPr>
               <a:defRPr sz="3200"/>
@@ -2185,18 +2189,19 @@
           </a:lstStyle>
           <a:p>
             <a:r>
-              <a:rPr lang="sk-SK"/>
-              <a:t>Kliknutím upravte štýl predlohy nadpisu</a:t>
-            </a:r>
-          </a:p>
-        </p:txBody>
-      </p:sp>
-      <p:sp>
-        <p:nvSpPr>
-          <p:cNvPr id="3" name="Zástupný objekt pre obsah 2">
-            <a:extLst>
-              <a:ext uri="{FF2B5EF4-FFF2-40B4-BE49-F238E27FC236}">
-                <a16:creationId xmlns:a16="http://schemas.microsoft.com/office/drawing/2014/main" id="{E4D52B45-4710-43B0-B2AF-999A8140B4FA}"/>
+              <a:rPr lang="en-US"/>
+              <a:t>Click to edit Master title style</a:t>
+            </a:r>
+            <a:endParaRPr lang="en-US" dirty="0"/>
+          </a:p>
+        </p:txBody>
+      </p:sp>
+      <p:sp>
+        <p:nvSpPr>
+          <p:cNvPr id="3" name="Content Placeholder 2">
+            <a:extLst>
+              <a:ext uri="{FF2B5EF4-FFF2-40B4-BE49-F238E27FC236}">
+                <a16:creationId xmlns:a16="http://schemas.microsoft.com/office/drawing/2014/main" id="{49F29E36-0340-452F-8D0A-1BC3F3A388CF}"/>
               </a:ext>
             </a:extLst>
           </p:cNvPr>
@@ -2209,8 +2214,8 @@
         </p:nvSpPr>
         <p:spPr>
           <a:xfrm>
-            <a:off x="5183188" y="987425"/>
-            <a:ext cx="6172200" cy="4873625"/>
+            <a:off x="5334000" y="762001"/>
+            <a:ext cx="6096000" cy="5334000"/>
           </a:xfrm>
         </p:spPr>
         <p:txBody>
@@ -2247,46 +2252,46 @@
           <a:p>
             <a:pPr lvl="0"/>
             <a:r>
-              <a:rPr lang="sk-SK"/>
-              <a:t>Kliknite sem a upravte štýly predlohy textu</a:t>
+              <a:rPr lang="en-US"/>
+              <a:t>Click to edit Master text styles</a:t>
             </a:r>
           </a:p>
           <a:p>
             <a:pPr lvl="1"/>
             <a:r>
-              <a:rPr lang="sk-SK"/>
-              <a:t>Druhá úroveň</a:t>
+              <a:rPr lang="en-US"/>
+              <a:t>Second level</a:t>
             </a:r>
           </a:p>
           <a:p>
             <a:pPr lvl="2"/>
             <a:r>
-              <a:rPr lang="sk-SK"/>
-              <a:t>Tretia úroveň</a:t>
+              <a:rPr lang="en-US"/>
+              <a:t>Third level</a:t>
             </a:r>
           </a:p>
           <a:p>
             <a:pPr lvl="3"/>
             <a:r>
-              <a:rPr lang="sk-SK"/>
-              <a:t>Štvrtá úroveň</a:t>
+              <a:rPr lang="en-US"/>
+              <a:t>Fourth level</a:t>
             </a:r>
           </a:p>
           <a:p>
             <a:pPr lvl="4"/>
             <a:r>
-              <a:rPr lang="sk-SK"/>
-              <a:t>Piata úroveň</a:t>
-            </a:r>
-          </a:p>
-        </p:txBody>
-      </p:sp>
-      <p:sp>
-        <p:nvSpPr>
-          <p:cNvPr id="4" name="Zástupný text 3">
-            <a:extLst>
-              <a:ext uri="{FF2B5EF4-FFF2-40B4-BE49-F238E27FC236}">
-                <a16:creationId xmlns:a16="http://schemas.microsoft.com/office/drawing/2014/main" id="{E6898FB7-19F3-4AB2-8912-AFEC91A87F69}"/>
+              <a:rPr lang="en-US"/>
+              <a:t>Fifth level</a:t>
+            </a:r>
+          </a:p>
+        </p:txBody>
+      </p:sp>
+      <p:sp>
+        <p:nvSpPr>
+          <p:cNvPr id="4" name="Text Placeholder 3">
+            <a:extLst>
+              <a:ext uri="{FF2B5EF4-FFF2-40B4-BE49-F238E27FC236}">
+                <a16:creationId xmlns:a16="http://schemas.microsoft.com/office/drawing/2014/main" id="{4A051C2E-E587-45E8-BDB1-DFF2F2791BF6}"/>
               </a:ext>
             </a:extLst>
           </p:cNvPr>
@@ -2299,8 +2304,8 @@
         </p:nvSpPr>
         <p:spPr>
           <a:xfrm>
-            <a:off x="839788" y="2057400"/>
-            <a:ext cx="3932237" cy="3811588"/>
+            <a:off x="762000" y="2286000"/>
+            <a:ext cx="3810000" cy="3810001"/>
           </a:xfrm>
         </p:spPr>
         <p:txBody>
@@ -2346,18 +2351,18 @@
           <a:p>
             <a:pPr lvl="0"/>
             <a:r>
-              <a:rPr lang="sk-SK"/>
-              <a:t>Kliknite sem a upravte štýly predlohy textu</a:t>
-            </a:r>
-          </a:p>
-        </p:txBody>
-      </p:sp>
-      <p:sp>
-        <p:nvSpPr>
-          <p:cNvPr id="5" name="Zástupný objekt pre dátum 4">
-            <a:extLst>
-              <a:ext uri="{FF2B5EF4-FFF2-40B4-BE49-F238E27FC236}">
-                <a16:creationId xmlns:a16="http://schemas.microsoft.com/office/drawing/2014/main" id="{EAC45497-A167-4196-9BD7-AA6CD299967E}"/>
+              <a:rPr lang="en-US"/>
+              <a:t>Click to edit Master text styles</a:t>
+            </a:r>
+          </a:p>
+        </p:txBody>
+      </p:sp>
+      <p:sp>
+        <p:nvSpPr>
+          <p:cNvPr id="5" name="Date Placeholder 4">
+            <a:extLst>
+              <a:ext uri="{FF2B5EF4-FFF2-40B4-BE49-F238E27FC236}">
+                <a16:creationId xmlns:a16="http://schemas.microsoft.com/office/drawing/2014/main" id="{7821D993-DEDD-470E-B48B-CB053A55A119}"/>
               </a:ext>
             </a:extLst>
           </p:cNvPr>
@@ -2373,20 +2378,20 @@
           <a:bodyPr/>
           <a:lstStyle/>
           <a:p>
-            <a:fld id="{879129BF-6D6F-416B-9E10-7101C654B411}" type="datetimeFigureOut">
-              <a:rPr lang="sk-SK" smtClean="0"/>
-              <a:t>21. 4. 2021</a:t>
+            <a:fld id="{76969C88-B244-455D-A017-012B25B1ACDD}" type="datetimeFigureOut">
+              <a:rPr lang="en-US" smtClean="0"/>
+              <a:t>5/6/2021</a:t>
             </a:fld>
-            <a:endParaRPr lang="sk-SK"/>
-          </a:p>
-        </p:txBody>
-      </p:sp>
-      <p:sp>
-        <p:nvSpPr>
-          <p:cNvPr id="6" name="Zástupný objekt pre pätu 5">
-            <a:extLst>
-              <a:ext uri="{FF2B5EF4-FFF2-40B4-BE49-F238E27FC236}">
-                <a16:creationId xmlns:a16="http://schemas.microsoft.com/office/drawing/2014/main" id="{9CB3F575-630B-407D-8869-976644E274B3}"/>
+            <a:endParaRPr lang="en-US"/>
+          </a:p>
+        </p:txBody>
+      </p:sp>
+      <p:sp>
+        <p:nvSpPr>
+          <p:cNvPr id="6" name="Footer Placeholder 5">
+            <a:extLst>
+              <a:ext uri="{FF2B5EF4-FFF2-40B4-BE49-F238E27FC236}">
+                <a16:creationId xmlns:a16="http://schemas.microsoft.com/office/drawing/2014/main" id="{67926C64-7401-4CA4-859F-74472AF869C6}"/>
               </a:ext>
             </a:extLst>
           </p:cNvPr>
@@ -2402,16 +2407,16 @@
           <a:bodyPr/>
           <a:lstStyle/>
           <a:p>
-            <a:endParaRPr lang="sk-SK"/>
-          </a:p>
-        </p:txBody>
-      </p:sp>
-      <p:sp>
-        <p:nvSpPr>
-          <p:cNvPr id="7" name="Zástupný objekt pre číslo snímky 6">
-            <a:extLst>
-              <a:ext uri="{FF2B5EF4-FFF2-40B4-BE49-F238E27FC236}">
-                <a16:creationId xmlns:a16="http://schemas.microsoft.com/office/drawing/2014/main" id="{5A54C3B2-69EC-43DD-A9A2-E6864E108113}"/>
+            <a:endParaRPr lang="en-US"/>
+          </a:p>
+        </p:txBody>
+      </p:sp>
+      <p:sp>
+        <p:nvSpPr>
+          <p:cNvPr id="7" name="Slide Number Placeholder 6">
+            <a:extLst>
+              <a:ext uri="{FF2B5EF4-FFF2-40B4-BE49-F238E27FC236}">
+                <a16:creationId xmlns:a16="http://schemas.microsoft.com/office/drawing/2014/main" id="{F0108F41-F1F6-431C-9B45-8A447F188CB8}"/>
               </a:ext>
             </a:extLst>
           </p:cNvPr>
@@ -2427,18 +2432,18 @@
           <a:bodyPr/>
           <a:lstStyle/>
           <a:p>
-            <a:fld id="{96DEB26D-D4D5-4A23-8451-0E4CCEDFDF69}" type="slidenum">
-              <a:rPr lang="sk-SK" smtClean="0"/>
+            <a:fld id="{07CE569E-9B7C-4CB9-AB80-C0841F922CFF}" type="slidenum">
+              <a:rPr lang="en-US" smtClean="0"/>
               <a:t>‹#›</a:t>
             </a:fld>
-            <a:endParaRPr lang="sk-SK"/>
+            <a:endParaRPr lang="en-US"/>
           </a:p>
         </p:txBody>
       </p:sp>
     </p:spTree>
     <p:extLst>
       <p:ext uri="{BB962C8B-B14F-4D97-AF65-F5344CB8AC3E}">
-        <p14:creationId xmlns:p14="http://schemas.microsoft.com/office/powerpoint/2010/main" val="610131054"/>
+        <p14:creationId xmlns:p14="http://schemas.microsoft.com/office/powerpoint/2010/main" val="3484381916"/>
       </p:ext>
     </p:extLst>
   </p:cSld>
@@ -2450,7 +2455,7 @@
 
 <file path=ppt/slideLayouts/slideLayout9.xml><?xml version="1.0" encoding="utf-8"?>
 <p:sldLayout xmlns:a="http://schemas.openxmlformats.org/drawingml/2006/main" xmlns:r="http://schemas.openxmlformats.org/officeDocument/2006/relationships" xmlns:p="http://schemas.openxmlformats.org/presentationml/2006/main" type="picTx" preserve="1">
-  <p:cSld name="Obrázok s popisom">
+  <p:cSld name="Picture with Caption">
     <p:spTree>
       <p:nvGrpSpPr>
         <p:cNvPr id="1" name=""/>
@@ -2467,10 +2472,10 @@
       </p:grpSpPr>
       <p:sp>
         <p:nvSpPr>
-          <p:cNvPr id="2" name="Nadpis 1">
-            <a:extLst>
-              <a:ext uri="{FF2B5EF4-FFF2-40B4-BE49-F238E27FC236}">
-                <a16:creationId xmlns:a16="http://schemas.microsoft.com/office/drawing/2014/main" id="{83BF8B49-D8F5-4AD0-A0E8-33E874E27271}"/>
+          <p:cNvPr id="2" name="Title 1">
+            <a:extLst>
+              <a:ext uri="{FF2B5EF4-FFF2-40B4-BE49-F238E27FC236}">
+                <a16:creationId xmlns:a16="http://schemas.microsoft.com/office/drawing/2014/main" id="{2BE104FB-422C-4023-9381-EB12F1582D44}"/>
               </a:ext>
             </a:extLst>
           </p:cNvPr>
@@ -2483,12 +2488,12 @@
         </p:nvSpPr>
         <p:spPr>
           <a:xfrm>
-            <a:off x="839788" y="457200"/>
-            <a:ext cx="3932237" cy="1600200"/>
+            <a:off x="762001" y="762000"/>
+            <a:ext cx="3809999" cy="1524000"/>
           </a:xfrm>
         </p:spPr>
         <p:txBody>
-          <a:bodyPr anchor="b"/>
+          <a:bodyPr anchor="t" anchorCtr="0"/>
           <a:lstStyle>
             <a:lvl1pPr>
               <a:defRPr sz="3200"/>
@@ -2496,18 +2501,18 @@
           </a:lstStyle>
           <a:p>
             <a:r>
-              <a:rPr lang="sk-SK"/>
-              <a:t>Kliknutím upravte štýl predlohy nadpisu</a:t>
-            </a:r>
-          </a:p>
-        </p:txBody>
-      </p:sp>
-      <p:sp>
-        <p:nvSpPr>
-          <p:cNvPr id="3" name="Zástupný objekt pre obrázok 2">
-            <a:extLst>
-              <a:ext uri="{FF2B5EF4-FFF2-40B4-BE49-F238E27FC236}">
-                <a16:creationId xmlns:a16="http://schemas.microsoft.com/office/drawing/2014/main" id="{D39FCE39-2C77-4C4D-81AB-5529532E26FF}"/>
+              <a:rPr lang="en-US"/>
+              <a:t>Click to edit Master title style</a:t>
+            </a:r>
+          </a:p>
+        </p:txBody>
+      </p:sp>
+      <p:sp>
+        <p:nvSpPr>
+          <p:cNvPr id="3" name="Picture Placeholder 2">
+            <a:extLst>
+              <a:ext uri="{FF2B5EF4-FFF2-40B4-BE49-F238E27FC236}">
+                <a16:creationId xmlns:a16="http://schemas.microsoft.com/office/drawing/2014/main" id="{14DBA3AA-DE44-4B1F-91D1-09F67B89B941}"/>
               </a:ext>
             </a:extLst>
           </p:cNvPr>
@@ -2520,8 +2525,8 @@
         </p:nvSpPr>
         <p:spPr>
           <a:xfrm>
-            <a:off x="5183188" y="987425"/>
-            <a:ext cx="6172200" cy="4873625"/>
+            <a:off x="5334000" y="762001"/>
+            <a:ext cx="6021388" cy="5334000"/>
           </a:xfrm>
         </p:spPr>
         <p:txBody>
@@ -2565,16 +2570,19 @@
             </a:lvl9pPr>
           </a:lstStyle>
           <a:p>
-            <a:endParaRPr lang="sk-SK"/>
-          </a:p>
-        </p:txBody>
-      </p:sp>
-      <p:sp>
-        <p:nvSpPr>
-          <p:cNvPr id="4" name="Zástupný text 3">
-            <a:extLst>
-              <a:ext uri="{FF2B5EF4-FFF2-40B4-BE49-F238E27FC236}">
-                <a16:creationId xmlns:a16="http://schemas.microsoft.com/office/drawing/2014/main" id="{289DD15B-7A22-4FA9-B396-257EA45F232D}"/>
+            <a:r>
+              <a:rPr lang="en-US"/>
+              <a:t>Click icon to add picture</a:t>
+            </a:r>
+          </a:p>
+        </p:txBody>
+      </p:sp>
+      <p:sp>
+        <p:nvSpPr>
+          <p:cNvPr id="4" name="Text Placeholder 3">
+            <a:extLst>
+              <a:ext uri="{FF2B5EF4-FFF2-40B4-BE49-F238E27FC236}">
+                <a16:creationId xmlns:a16="http://schemas.microsoft.com/office/drawing/2014/main" id="{4A27B131-5117-4106-80DB-2AB208C4C953}"/>
               </a:ext>
             </a:extLst>
           </p:cNvPr>
@@ -2587,8 +2595,8 @@
         </p:nvSpPr>
         <p:spPr>
           <a:xfrm>
-            <a:off x="839788" y="2057400"/>
-            <a:ext cx="3932237" cy="3811588"/>
+            <a:off x="762001" y="2286000"/>
+            <a:ext cx="3809999" cy="3810000"/>
           </a:xfrm>
         </p:spPr>
         <p:txBody>
@@ -2634,18 +2642,18 @@
           <a:p>
             <a:pPr lvl="0"/>
             <a:r>
-              <a:rPr lang="sk-SK"/>
-              <a:t>Kliknite sem a upravte štýly predlohy textu</a:t>
-            </a:r>
-          </a:p>
-        </p:txBody>
-      </p:sp>
-      <p:sp>
-        <p:nvSpPr>
-          <p:cNvPr id="5" name="Zástupný objekt pre dátum 4">
-            <a:extLst>
-              <a:ext uri="{FF2B5EF4-FFF2-40B4-BE49-F238E27FC236}">
-                <a16:creationId xmlns:a16="http://schemas.microsoft.com/office/drawing/2014/main" id="{4D8978AE-B988-4513-B589-390BF9E8E95F}"/>
+              <a:rPr lang="en-US"/>
+              <a:t>Click to edit Master text styles</a:t>
+            </a:r>
+          </a:p>
+        </p:txBody>
+      </p:sp>
+      <p:sp>
+        <p:nvSpPr>
+          <p:cNvPr id="5" name="Date Placeholder 4">
+            <a:extLst>
+              <a:ext uri="{FF2B5EF4-FFF2-40B4-BE49-F238E27FC236}">
+                <a16:creationId xmlns:a16="http://schemas.microsoft.com/office/drawing/2014/main" id="{1C13918A-7F23-4C72-8E80-591324A3046C}"/>
               </a:ext>
             </a:extLst>
           </p:cNvPr>
@@ -2661,20 +2669,20 @@
           <a:bodyPr/>
           <a:lstStyle/>
           <a:p>
-            <a:fld id="{879129BF-6D6F-416B-9E10-7101C654B411}" type="datetimeFigureOut">
-              <a:rPr lang="sk-SK" smtClean="0"/>
-              <a:t>21. 4. 2021</a:t>
+            <a:fld id="{76969C88-B244-455D-A017-012B25B1ACDD}" type="datetimeFigureOut">
+              <a:rPr lang="en-US" smtClean="0"/>
+              <a:t>5/6/2021</a:t>
             </a:fld>
-            <a:endParaRPr lang="sk-SK"/>
-          </a:p>
-        </p:txBody>
-      </p:sp>
-      <p:sp>
-        <p:nvSpPr>
-          <p:cNvPr id="6" name="Zástupný objekt pre pätu 5">
-            <a:extLst>
-              <a:ext uri="{FF2B5EF4-FFF2-40B4-BE49-F238E27FC236}">
-                <a16:creationId xmlns:a16="http://schemas.microsoft.com/office/drawing/2014/main" id="{7E373D6C-4E64-4EC1-8D8F-B5A44EC8DBC6}"/>
+            <a:endParaRPr lang="en-US"/>
+          </a:p>
+        </p:txBody>
+      </p:sp>
+      <p:sp>
+        <p:nvSpPr>
+          <p:cNvPr id="6" name="Footer Placeholder 5">
+            <a:extLst>
+              <a:ext uri="{FF2B5EF4-FFF2-40B4-BE49-F238E27FC236}">
+                <a16:creationId xmlns:a16="http://schemas.microsoft.com/office/drawing/2014/main" id="{181071C8-76FE-4B83-8317-BD53C7C844C2}"/>
               </a:ext>
             </a:extLst>
           </p:cNvPr>
@@ -2690,16 +2698,16 @@
           <a:bodyPr/>
           <a:lstStyle/>
           <a:p>
-            <a:endParaRPr lang="sk-SK"/>
-          </a:p>
-        </p:txBody>
-      </p:sp>
-      <p:sp>
-        <p:nvSpPr>
-          <p:cNvPr id="7" name="Zástupný objekt pre číslo snímky 6">
-            <a:extLst>
-              <a:ext uri="{FF2B5EF4-FFF2-40B4-BE49-F238E27FC236}">
-                <a16:creationId xmlns:a16="http://schemas.microsoft.com/office/drawing/2014/main" id="{5B088B7D-A71B-41A0-BBCD-262588E063AE}"/>
+            <a:endParaRPr lang="en-US"/>
+          </a:p>
+        </p:txBody>
+      </p:sp>
+      <p:sp>
+        <p:nvSpPr>
+          <p:cNvPr id="7" name="Slide Number Placeholder 6">
+            <a:extLst>
+              <a:ext uri="{FF2B5EF4-FFF2-40B4-BE49-F238E27FC236}">
+                <a16:creationId xmlns:a16="http://schemas.microsoft.com/office/drawing/2014/main" id="{3623681A-6F29-48FC-9409-319ED3E96635}"/>
               </a:ext>
             </a:extLst>
           </p:cNvPr>
@@ -2715,18 +2723,18 @@
           <a:bodyPr/>
           <a:lstStyle/>
           <a:p>
-            <a:fld id="{96DEB26D-D4D5-4A23-8451-0E4CCEDFDF69}" type="slidenum">
-              <a:rPr lang="sk-SK" smtClean="0"/>
+            <a:fld id="{07CE569E-9B7C-4CB9-AB80-C0841F922CFF}" type="slidenum">
+              <a:rPr lang="en-US" smtClean="0"/>
               <a:t>‹#›</a:t>
             </a:fld>
-            <a:endParaRPr lang="sk-SK"/>
+            <a:endParaRPr lang="en-US"/>
           </a:p>
         </p:txBody>
       </p:sp>
     </p:spTree>
     <p:extLst>
       <p:ext uri="{BB962C8B-B14F-4D97-AF65-F5344CB8AC3E}">
-        <p14:creationId xmlns:p14="http://schemas.microsoft.com/office/powerpoint/2010/main" val="579343567"/>
+        <p14:creationId xmlns:p14="http://schemas.microsoft.com/office/powerpoint/2010/main" val="707340791"/>
       </p:ext>
     </p:extLst>
   </p:cSld>
@@ -2741,7 +2749,7 @@
   <p:cSld>
     <p:bg>
       <p:bgRef idx="1001">
-        <a:schemeClr val="bg1"/>
+        <a:schemeClr val="bg2"/>
       </p:bgRef>
     </p:bg>
     <p:spTree>
@@ -2760,24 +2768,535 @@
       </p:grpSpPr>
       <p:sp>
         <p:nvSpPr>
-          <p:cNvPr id="2" name="Zástupný objekt pre nadpis 1">
-            <a:extLst>
-              <a:ext uri="{FF2B5EF4-FFF2-40B4-BE49-F238E27FC236}">
-                <a16:creationId xmlns:a16="http://schemas.microsoft.com/office/drawing/2014/main" id="{47489581-1122-443F-8B2D-2A84CF89FC05}"/>
-              </a:ext>
-            </a:extLst>
-          </p:cNvPr>
-          <p:cNvSpPr>
-            <a:spLocks noGrp="1"/>
-          </p:cNvSpPr>
-          <p:nvPr>
-            <p:ph type="title"/>
-          </p:nvPr>
+          <p:cNvPr id="8" name="Freeform: Shape 7">
+            <a:extLst>
+              <a:ext uri="{FF2B5EF4-FFF2-40B4-BE49-F238E27FC236}">
+                <a16:creationId xmlns:a16="http://schemas.microsoft.com/office/drawing/2014/main" id="{A6EF5A53-0A64-4CA5-B9C7-1CB97CB5CF1C}"/>
+              </a:ext>
+            </a:extLst>
+          </p:cNvPr>
+          <p:cNvSpPr/>
+          <p:nvPr/>
         </p:nvSpPr>
         <p:spPr>
           <a:xfrm>
-            <a:off x="838200" y="365125"/>
-            <a:ext cx="10515600" cy="1325563"/>
+            <a:off x="8157843" y="6244836"/>
+            <a:ext cx="4034156" cy="613164"/>
+          </a:xfrm>
+          <a:custGeom>
+            <a:avLst/>
+            <a:gdLst>
+              <a:gd name="connsiteX0" fmla="*/ 1479137 w 4034156"/>
+              <a:gd name="connsiteY0" fmla="*/ 230 h 613164"/>
+              <a:gd name="connsiteX1" fmla="*/ 3482844 w 4034156"/>
+              <a:gd name="connsiteY1" fmla="*/ 298555 h 613164"/>
+              <a:gd name="connsiteX2" fmla="*/ 3831590 w 4034156"/>
+              <a:gd name="connsiteY2" fmla="*/ 425010 h 613164"/>
+              <a:gd name="connsiteX3" fmla="*/ 4034156 w 4034156"/>
+              <a:gd name="connsiteY3" fmla="*/ 494088 h 613164"/>
+              <a:gd name="connsiteX4" fmla="*/ 4034156 w 4034156"/>
+              <a:gd name="connsiteY4" fmla="*/ 613164 h 613164"/>
+              <a:gd name="connsiteX5" fmla="*/ 0 w 4034156"/>
+              <a:gd name="connsiteY5" fmla="*/ 613164 h 613164"/>
+              <a:gd name="connsiteX6" fmla="*/ 54792 w 4034156"/>
+              <a:gd name="connsiteY6" fmla="*/ 512415 h 613164"/>
+              <a:gd name="connsiteX7" fmla="*/ 168327 w 4034156"/>
+              <a:gd name="connsiteY7" fmla="*/ 366637 h 613164"/>
+              <a:gd name="connsiteX8" fmla="*/ 1192562 w 4034156"/>
+              <a:gd name="connsiteY8" fmla="*/ 1522 h 613164"/>
+              <a:gd name="connsiteX9" fmla="*/ 1479137 w 4034156"/>
+              <a:gd name="connsiteY9" fmla="*/ 230 h 613164"/>
+            </a:gdLst>
+            <a:ahLst/>
+            <a:cxnLst>
+              <a:cxn ang="0">
+                <a:pos x="connsiteX0" y="connsiteY0"/>
+              </a:cxn>
+              <a:cxn ang="0">
+                <a:pos x="connsiteX1" y="connsiteY1"/>
+              </a:cxn>
+              <a:cxn ang="0">
+                <a:pos x="connsiteX2" y="connsiteY2"/>
+              </a:cxn>
+              <a:cxn ang="0">
+                <a:pos x="connsiteX3" y="connsiteY3"/>
+              </a:cxn>
+              <a:cxn ang="0">
+                <a:pos x="connsiteX4" y="connsiteY4"/>
+              </a:cxn>
+              <a:cxn ang="0">
+                <a:pos x="connsiteX5" y="connsiteY5"/>
+              </a:cxn>
+              <a:cxn ang="0">
+                <a:pos x="connsiteX6" y="connsiteY6"/>
+              </a:cxn>
+              <a:cxn ang="0">
+                <a:pos x="connsiteX7" y="connsiteY7"/>
+              </a:cxn>
+              <a:cxn ang="0">
+                <a:pos x="connsiteX8" y="connsiteY8"/>
+              </a:cxn>
+              <a:cxn ang="0">
+                <a:pos x="connsiteX9" y="connsiteY9"/>
+              </a:cxn>
+            </a:cxnLst>
+            <a:rect l="l" t="t" r="r" b="b"/>
+            <a:pathLst>
+              <a:path w="4034156" h="613164">
+                <a:moveTo>
+                  <a:pt x="1479137" y="230"/>
+                </a:moveTo>
+                <a:cubicBezTo>
+                  <a:pt x="2152575" y="4287"/>
+                  <a:pt x="2854487" y="63583"/>
+                  <a:pt x="3482844" y="298555"/>
+                </a:cubicBezTo>
+                <a:cubicBezTo>
+                  <a:pt x="3599338" y="342114"/>
+                  <a:pt x="3715540" y="384216"/>
+                  <a:pt x="3831590" y="425010"/>
+                </a:cubicBezTo>
+                <a:lnTo>
+                  <a:pt x="4034156" y="494088"/>
+                </a:lnTo>
+                <a:lnTo>
+                  <a:pt x="4034156" y="613164"/>
+                </a:lnTo>
+                <a:lnTo>
+                  <a:pt x="0" y="613164"/>
+                </a:lnTo>
+                <a:lnTo>
+                  <a:pt x="54792" y="512415"/>
+                </a:lnTo>
+                <a:cubicBezTo>
+                  <a:pt x="88888" y="459433"/>
+                  <a:pt x="126502" y="410480"/>
+                  <a:pt x="168327" y="366637"/>
+                </a:cubicBezTo>
+                <a:cubicBezTo>
+                  <a:pt x="428292" y="94062"/>
+                  <a:pt x="821899" y="6565"/>
+                  <a:pt x="1192562" y="1522"/>
+                </a:cubicBezTo>
+                <a:cubicBezTo>
+                  <a:pt x="1287308" y="198"/>
+                  <a:pt x="1382932" y="-349"/>
+                  <a:pt x="1479137" y="230"/>
+                </a:cubicBezTo>
+                <a:close/>
+              </a:path>
+            </a:pathLst>
+          </a:custGeom>
+          <a:solidFill>
+            <a:schemeClr val="accent6"/>
+          </a:solidFill>
+          <a:ln>
+            <a:noFill/>
+          </a:ln>
+        </p:spPr>
+        <p:style>
+          <a:lnRef idx="2">
+            <a:schemeClr val="accent1">
+              <a:shade val="50000"/>
+            </a:schemeClr>
+          </a:lnRef>
+          <a:fillRef idx="1">
+            <a:schemeClr val="accent1"/>
+          </a:fillRef>
+          <a:effectRef idx="0">
+            <a:schemeClr val="accent1"/>
+          </a:effectRef>
+          <a:fontRef idx="minor">
+            <a:schemeClr val="lt1"/>
+          </a:fontRef>
+        </p:style>
+        <p:txBody>
+          <a:bodyPr wrap="square" rtlCol="0" anchor="ctr">
+            <a:noAutofit/>
+          </a:bodyPr>
+          <a:lstStyle/>
+          <a:p>
+            <a:pPr marL="0" marR="0" lvl="0" indent="0" algn="ctr" defTabSz="914400" rtl="0" eaLnBrk="1" fontAlgn="auto" latinLnBrk="0" hangingPunct="1">
+              <a:lnSpc>
+                <a:spcPct val="100000"/>
+              </a:lnSpc>
+              <a:spcBef>
+                <a:spcPts val="0"/>
+              </a:spcBef>
+              <a:spcAft>
+                <a:spcPts val="0"/>
+              </a:spcAft>
+              <a:buClrTx/>
+              <a:buSzTx/>
+              <a:buFontTx/>
+              <a:buNone/>
+              <a:tabLst/>
+              <a:defRPr/>
+            </a:pPr>
+            <a:endParaRPr kumimoji="0" lang="en-US" sz="1500" b="0" i="0" u="none" strike="noStrike" kern="1200" cap="none" spc="0" normalizeH="0" baseline="0" noProof="0">
+              <a:ln>
+                <a:noFill/>
+              </a:ln>
+              <a:solidFill>
+                <a:prstClr val="white"/>
+              </a:solidFill>
+              <a:effectLst/>
+              <a:uLnTx/>
+              <a:uFillTx/>
+              <a:latin typeface="Avenir Next LT Pro" panose="020B0504020202020204" pitchFamily="34" charset="0"/>
+              <a:ea typeface="+mn-ea"/>
+              <a:cs typeface="+mn-cs"/>
+            </a:endParaRPr>
+          </a:p>
+        </p:txBody>
+      </p:sp>
+      <p:sp>
+        <p:nvSpPr>
+          <p:cNvPr id="11" name="Freeform: Shape 10">
+            <a:extLst>
+              <a:ext uri="{FF2B5EF4-FFF2-40B4-BE49-F238E27FC236}">
+                <a16:creationId xmlns:a16="http://schemas.microsoft.com/office/drawing/2014/main" id="{34ABFBEA-4EB0-4D02-A2C0-1733CD3D6F12}"/>
+              </a:ext>
+            </a:extLst>
+          </p:cNvPr>
+          <p:cNvSpPr/>
+          <p:nvPr/>
+        </p:nvSpPr>
+        <p:spPr>
+          <a:xfrm>
+            <a:off x="1" y="688126"/>
+            <a:ext cx="448491" cy="1634252"/>
+          </a:xfrm>
+          <a:custGeom>
+            <a:avLst/>
+            <a:gdLst>
+              <a:gd name="connsiteX0" fmla="*/ 0 w 448491"/>
+              <a:gd name="connsiteY0" fmla="*/ 0 h 1634252"/>
+              <a:gd name="connsiteX1" fmla="*/ 12983 w 448491"/>
+              <a:gd name="connsiteY1" fmla="*/ 10508 h 1634252"/>
+              <a:gd name="connsiteX2" fmla="*/ 441611 w 448491"/>
+              <a:gd name="connsiteY2" fmla="*/ 863751 h 1634252"/>
+              <a:gd name="connsiteX3" fmla="*/ 251011 w 448491"/>
+              <a:gd name="connsiteY3" fmla="*/ 1302895 h 1634252"/>
+              <a:gd name="connsiteX4" fmla="*/ 74605 w 448491"/>
+              <a:gd name="connsiteY4" fmla="*/ 1543249 h 1634252"/>
+              <a:gd name="connsiteX5" fmla="*/ 0 w 448491"/>
+              <a:gd name="connsiteY5" fmla="*/ 1634252 h 1634252"/>
+            </a:gdLst>
+            <a:ahLst/>
+            <a:cxnLst>
+              <a:cxn ang="0">
+                <a:pos x="connsiteX0" y="connsiteY0"/>
+              </a:cxn>
+              <a:cxn ang="0">
+                <a:pos x="connsiteX1" y="connsiteY1"/>
+              </a:cxn>
+              <a:cxn ang="0">
+                <a:pos x="connsiteX2" y="connsiteY2"/>
+              </a:cxn>
+              <a:cxn ang="0">
+                <a:pos x="connsiteX3" y="connsiteY3"/>
+              </a:cxn>
+              <a:cxn ang="0">
+                <a:pos x="connsiteX4" y="connsiteY4"/>
+              </a:cxn>
+              <a:cxn ang="0">
+                <a:pos x="connsiteX5" y="connsiteY5"/>
+              </a:cxn>
+            </a:cxnLst>
+            <a:rect l="l" t="t" r="r" b="b"/>
+            <a:pathLst>
+              <a:path w="448491" h="1634252">
+                <a:moveTo>
+                  <a:pt x="0" y="0"/>
+                </a:moveTo>
+                <a:lnTo>
+                  <a:pt x="12983" y="10508"/>
+                </a:lnTo>
+                <a:cubicBezTo>
+                  <a:pt x="278410" y="241022"/>
+                  <a:pt x="489787" y="530267"/>
+                  <a:pt x="441611" y="863751"/>
+                </a:cubicBezTo>
+                <a:cubicBezTo>
+                  <a:pt x="418542" y="1022632"/>
+                  <a:pt x="337007" y="1166302"/>
+                  <a:pt x="251011" y="1302895"/>
+                </a:cubicBezTo>
+                <a:cubicBezTo>
+                  <a:pt x="215138" y="1359902"/>
+                  <a:pt x="154723" y="1442480"/>
+                  <a:pt x="74605" y="1543249"/>
+                </a:cubicBezTo>
+                <a:lnTo>
+                  <a:pt x="0" y="1634252"/>
+                </a:lnTo>
+                <a:close/>
+              </a:path>
+            </a:pathLst>
+          </a:custGeom>
+          <a:solidFill>
+            <a:schemeClr val="accent1"/>
+          </a:solidFill>
+          <a:ln>
+            <a:noFill/>
+          </a:ln>
+        </p:spPr>
+        <p:style>
+          <a:lnRef idx="2">
+            <a:schemeClr val="accent1">
+              <a:shade val="50000"/>
+            </a:schemeClr>
+          </a:lnRef>
+          <a:fillRef idx="1">
+            <a:schemeClr val="accent1"/>
+          </a:fillRef>
+          <a:effectRef idx="0">
+            <a:schemeClr val="accent1"/>
+          </a:effectRef>
+          <a:fontRef idx="minor">
+            <a:schemeClr val="lt1"/>
+          </a:fontRef>
+        </p:style>
+        <p:txBody>
+          <a:bodyPr wrap="square" rtlCol="0" anchor="ctr">
+            <a:noAutofit/>
+          </a:bodyPr>
+          <a:lstStyle/>
+          <a:p>
+            <a:pPr algn="ctr"/>
+            <a:endParaRPr lang="en-US" sz="900">
+              <a:solidFill>
+                <a:prstClr val="white"/>
+              </a:solidFill>
+              <a:latin typeface="Avenir Next LT Pro" panose="020B0504020202020204" pitchFamily="34" charset="0"/>
+            </a:endParaRPr>
+          </a:p>
+        </p:txBody>
+      </p:sp>
+      <p:sp>
+        <p:nvSpPr>
+          <p:cNvPr id="12" name="Freeform: Shape 11">
+            <a:extLst>
+              <a:ext uri="{FF2B5EF4-FFF2-40B4-BE49-F238E27FC236}">
+                <a16:creationId xmlns:a16="http://schemas.microsoft.com/office/drawing/2014/main" id="{19E083F6-57F4-487B-A766-EA0462B1EED8}"/>
+              </a:ext>
+            </a:extLst>
+          </p:cNvPr>
+          <p:cNvSpPr/>
+          <p:nvPr/>
+        </p:nvSpPr>
+        <p:spPr>
+          <a:xfrm>
+            <a:off x="7309459" y="6144069"/>
+            <a:ext cx="4418271" cy="718159"/>
+          </a:xfrm>
+          <a:custGeom>
+            <a:avLst/>
+            <a:gdLst>
+              <a:gd name="connsiteX0" fmla="*/ 1421452 w 4590626"/>
+              <a:gd name="connsiteY0" fmla="*/ 0 h 713930"/>
+              <a:gd name="connsiteX1" fmla="*/ 3247781 w 4590626"/>
+              <a:gd name="connsiteY1" fmla="*/ 271915 h 713930"/>
+              <a:gd name="connsiteX2" fmla="*/ 4517331 w 4590626"/>
+              <a:gd name="connsiteY2" fmla="*/ 693394 h 713930"/>
+              <a:gd name="connsiteX3" fmla="*/ 4590626 w 4590626"/>
+              <a:gd name="connsiteY3" fmla="*/ 713930 h 713930"/>
+              <a:gd name="connsiteX4" fmla="*/ 0 w 4590626"/>
+              <a:gd name="connsiteY4" fmla="*/ 713930 h 713930"/>
+              <a:gd name="connsiteX5" fmla="*/ 2854 w 4590626"/>
+              <a:gd name="connsiteY5" fmla="*/ 705624 h 713930"/>
+              <a:gd name="connsiteX6" fmla="*/ 226680 w 4590626"/>
+              <a:gd name="connsiteY6" fmla="*/ 333970 h 713930"/>
+              <a:gd name="connsiteX7" fmla="*/ 1160245 w 4590626"/>
+              <a:gd name="connsiteY7" fmla="*/ 1178 h 713930"/>
+              <a:gd name="connsiteX8" fmla="*/ 1421452 w 4590626"/>
+              <a:gd name="connsiteY8" fmla="*/ 0 h 713930"/>
+              <a:gd name="connsiteX0" fmla="*/ 1421452 w 4517331"/>
+              <a:gd name="connsiteY0" fmla="*/ 0 h 713930"/>
+              <a:gd name="connsiteX1" fmla="*/ 3247781 w 4517331"/>
+              <a:gd name="connsiteY1" fmla="*/ 271915 h 713930"/>
+              <a:gd name="connsiteX2" fmla="*/ 4517331 w 4517331"/>
+              <a:gd name="connsiteY2" fmla="*/ 693394 h 713930"/>
+              <a:gd name="connsiteX3" fmla="*/ 0 w 4517331"/>
+              <a:gd name="connsiteY3" fmla="*/ 713930 h 713930"/>
+              <a:gd name="connsiteX4" fmla="*/ 2854 w 4517331"/>
+              <a:gd name="connsiteY4" fmla="*/ 705624 h 713930"/>
+              <a:gd name="connsiteX5" fmla="*/ 226680 w 4517331"/>
+              <a:gd name="connsiteY5" fmla="*/ 333970 h 713930"/>
+              <a:gd name="connsiteX6" fmla="*/ 1160245 w 4517331"/>
+              <a:gd name="connsiteY6" fmla="*/ 1178 h 713930"/>
+              <a:gd name="connsiteX7" fmla="*/ 1421452 w 4517331"/>
+              <a:gd name="connsiteY7" fmla="*/ 0 h 713930"/>
+              <a:gd name="connsiteX0" fmla="*/ 0 w 4608771"/>
+              <a:gd name="connsiteY0" fmla="*/ 713930 h 784834"/>
+              <a:gd name="connsiteX1" fmla="*/ 2854 w 4608771"/>
+              <a:gd name="connsiteY1" fmla="*/ 705624 h 784834"/>
+              <a:gd name="connsiteX2" fmla="*/ 226680 w 4608771"/>
+              <a:gd name="connsiteY2" fmla="*/ 333970 h 784834"/>
+              <a:gd name="connsiteX3" fmla="*/ 1160245 w 4608771"/>
+              <a:gd name="connsiteY3" fmla="*/ 1178 h 784834"/>
+              <a:gd name="connsiteX4" fmla="*/ 1421452 w 4608771"/>
+              <a:gd name="connsiteY4" fmla="*/ 0 h 784834"/>
+              <a:gd name="connsiteX5" fmla="*/ 3247781 w 4608771"/>
+              <a:gd name="connsiteY5" fmla="*/ 271915 h 784834"/>
+              <a:gd name="connsiteX6" fmla="*/ 4608771 w 4608771"/>
+              <a:gd name="connsiteY6" fmla="*/ 784834 h 784834"/>
+              <a:gd name="connsiteX0" fmla="*/ 0 w 4418271"/>
+              <a:gd name="connsiteY0" fmla="*/ 713930 h 718159"/>
+              <a:gd name="connsiteX1" fmla="*/ 2854 w 4418271"/>
+              <a:gd name="connsiteY1" fmla="*/ 705624 h 718159"/>
+              <a:gd name="connsiteX2" fmla="*/ 226680 w 4418271"/>
+              <a:gd name="connsiteY2" fmla="*/ 333970 h 718159"/>
+              <a:gd name="connsiteX3" fmla="*/ 1160245 w 4418271"/>
+              <a:gd name="connsiteY3" fmla="*/ 1178 h 718159"/>
+              <a:gd name="connsiteX4" fmla="*/ 1421452 w 4418271"/>
+              <a:gd name="connsiteY4" fmla="*/ 0 h 718159"/>
+              <a:gd name="connsiteX5" fmla="*/ 3247781 w 4418271"/>
+              <a:gd name="connsiteY5" fmla="*/ 271915 h 718159"/>
+              <a:gd name="connsiteX6" fmla="*/ 4418271 w 4418271"/>
+              <a:gd name="connsiteY6" fmla="*/ 718159 h 718159"/>
+            </a:gdLst>
+            <a:ahLst/>
+            <a:cxnLst>
+              <a:cxn ang="0">
+                <a:pos x="connsiteX0" y="connsiteY0"/>
+              </a:cxn>
+              <a:cxn ang="0">
+                <a:pos x="connsiteX1" y="connsiteY1"/>
+              </a:cxn>
+              <a:cxn ang="0">
+                <a:pos x="connsiteX2" y="connsiteY2"/>
+              </a:cxn>
+              <a:cxn ang="0">
+                <a:pos x="connsiteX3" y="connsiteY3"/>
+              </a:cxn>
+              <a:cxn ang="0">
+                <a:pos x="connsiteX4" y="connsiteY4"/>
+              </a:cxn>
+              <a:cxn ang="0">
+                <a:pos x="connsiteX5" y="connsiteY5"/>
+              </a:cxn>
+              <a:cxn ang="0">
+                <a:pos x="connsiteX6" y="connsiteY6"/>
+              </a:cxn>
+            </a:cxnLst>
+            <a:rect l="l" t="t" r="r" b="b"/>
+            <a:pathLst>
+              <a:path w="4418271" h="718159">
+                <a:moveTo>
+                  <a:pt x="0" y="713930"/>
+                </a:moveTo>
+                <a:lnTo>
+                  <a:pt x="2854" y="705624"/>
+                </a:lnTo>
+                <a:cubicBezTo>
+                  <a:pt x="60059" y="562888"/>
+                  <a:pt x="131373" y="433874"/>
+                  <a:pt x="226680" y="333970"/>
+                </a:cubicBezTo>
+                <a:cubicBezTo>
+                  <a:pt x="463632" y="85526"/>
+                  <a:pt x="822395" y="5774"/>
+                  <a:pt x="1160245" y="1178"/>
+                </a:cubicBezTo>
+                <a:lnTo>
+                  <a:pt x="1421452" y="0"/>
+                </a:lnTo>
+                <a:cubicBezTo>
+                  <a:pt x="2035274" y="3698"/>
+                  <a:pt x="2748311" y="152222"/>
+                  <a:pt x="3247781" y="271915"/>
+                </a:cubicBezTo>
+                <a:cubicBezTo>
+                  <a:pt x="3747251" y="391608"/>
+                  <a:pt x="3902480" y="501606"/>
+                  <a:pt x="4418271" y="718159"/>
+                </a:cubicBezTo>
+              </a:path>
+            </a:pathLst>
+          </a:custGeom>
+          <a:noFill/>
+          <a:ln>
+            <a:solidFill>
+              <a:schemeClr val="accent4"/>
+            </a:solidFill>
+          </a:ln>
+        </p:spPr>
+        <p:style>
+          <a:lnRef idx="2">
+            <a:schemeClr val="accent1">
+              <a:shade val="50000"/>
+            </a:schemeClr>
+          </a:lnRef>
+          <a:fillRef idx="1">
+            <a:schemeClr val="accent1"/>
+          </a:fillRef>
+          <a:effectRef idx="0">
+            <a:schemeClr val="accent1"/>
+          </a:effectRef>
+          <a:fontRef idx="minor">
+            <a:schemeClr val="lt1"/>
+          </a:fontRef>
+        </p:style>
+        <p:txBody>
+          <a:bodyPr rtlCol="0" anchor="ctr"/>
+          <a:lstStyle/>
+          <a:p>
+            <a:pPr marL="0" marR="0" lvl="0" indent="0" algn="ctr" defTabSz="914400" rtl="0" eaLnBrk="1" fontAlgn="auto" latinLnBrk="0" hangingPunct="1">
+              <a:lnSpc>
+                <a:spcPct val="100000"/>
+              </a:lnSpc>
+              <a:spcBef>
+                <a:spcPts val="0"/>
+              </a:spcBef>
+              <a:spcAft>
+                <a:spcPts val="0"/>
+              </a:spcAft>
+              <a:buClrTx/>
+              <a:buSzTx/>
+              <a:buFontTx/>
+              <a:buNone/>
+              <a:tabLst/>
+              <a:defRPr/>
+            </a:pPr>
+            <a:endParaRPr kumimoji="0" lang="en-US" sz="1800" b="0" i="0" u="none" strike="noStrike" kern="1200" cap="none" spc="0" normalizeH="0" baseline="0" noProof="0">
+              <a:ln>
+                <a:noFill/>
+              </a:ln>
+              <a:solidFill>
+                <a:prstClr val="white"/>
+              </a:solidFill>
+              <a:effectLst/>
+              <a:uLnTx/>
+              <a:uFillTx/>
+              <a:latin typeface="Avenir Next LT Pro Light"/>
+              <a:ea typeface="+mn-ea"/>
+              <a:cs typeface="+mn-cs"/>
+            </a:endParaRPr>
+          </a:p>
+        </p:txBody>
+      </p:sp>
+      <p:sp>
+        <p:nvSpPr>
+          <p:cNvPr id="2" name="Title Placeholder 1">
+            <a:extLst>
+              <a:ext uri="{FF2B5EF4-FFF2-40B4-BE49-F238E27FC236}">
+                <a16:creationId xmlns:a16="http://schemas.microsoft.com/office/drawing/2014/main" id="{A3A2F988-7148-4375-83D8-12EE5EBC7BE0}"/>
+              </a:ext>
+            </a:extLst>
+          </p:cNvPr>
+          <p:cNvSpPr>
+            <a:spLocks noGrp="1"/>
+          </p:cNvSpPr>
+          <p:nvPr>
+            <p:ph type="title"/>
+          </p:nvPr>
+        </p:nvSpPr>
+        <p:spPr>
+          <a:xfrm>
+            <a:off x="762000" y="762000"/>
+            <a:ext cx="10668000" cy="1524000"/>
           </a:xfrm>
           <a:prstGeom prst="rect">
             <a:avLst/>
@@ -2790,18 +3309,19 @@
           <a:lstStyle/>
           <a:p>
             <a:r>
-              <a:rPr lang="sk-SK"/>
-              <a:t>Kliknutím upravte štýl predlohy nadpisu</a:t>
-            </a:r>
-          </a:p>
-        </p:txBody>
-      </p:sp>
-      <p:sp>
-        <p:nvSpPr>
-          <p:cNvPr id="3" name="Zástupný text 2">
-            <a:extLst>
-              <a:ext uri="{FF2B5EF4-FFF2-40B4-BE49-F238E27FC236}">
-                <a16:creationId xmlns:a16="http://schemas.microsoft.com/office/drawing/2014/main" id="{0812F692-351E-49DF-84CE-E7EC234429B4}"/>
+              <a:rPr lang="en-US"/>
+              <a:t>Click to edit Master title style</a:t>
+            </a:r>
+            <a:endParaRPr lang="en-US" dirty="0"/>
+          </a:p>
+        </p:txBody>
+      </p:sp>
+      <p:sp>
+        <p:nvSpPr>
+          <p:cNvPr id="3" name="Text Placeholder 2">
+            <a:extLst>
+              <a:ext uri="{FF2B5EF4-FFF2-40B4-BE49-F238E27FC236}">
+                <a16:creationId xmlns:a16="http://schemas.microsoft.com/office/drawing/2014/main" id="{F6896238-C5B3-4F3C-97FA-890E1A51A203}"/>
               </a:ext>
             </a:extLst>
           </p:cNvPr>
@@ -2814,8 +3334,8 @@
         </p:nvSpPr>
         <p:spPr>
           <a:xfrm>
-            <a:off x="838200" y="1825625"/>
-            <a:ext cx="10515600" cy="4351338"/>
+            <a:off x="762000" y="2286000"/>
+            <a:ext cx="10668000" cy="3818083"/>
           </a:xfrm>
           <a:prstGeom prst="rect">
             <a:avLst/>
@@ -2829,46 +3349,47 @@
           <a:p>
             <a:pPr lvl="0"/>
             <a:r>
-              <a:rPr lang="sk-SK"/>
-              <a:t>Kliknite sem a upravte štýly predlohy textu</a:t>
+              <a:rPr lang="en-US"/>
+              <a:t>Click to edit Master text styles</a:t>
             </a:r>
           </a:p>
           <a:p>
             <a:pPr lvl="1"/>
             <a:r>
-              <a:rPr lang="sk-SK"/>
-              <a:t>Druhá úroveň</a:t>
+              <a:rPr lang="en-US"/>
+              <a:t>Second level</a:t>
             </a:r>
           </a:p>
           <a:p>
             <a:pPr lvl="2"/>
             <a:r>
-              <a:rPr lang="sk-SK"/>
-              <a:t>Tretia úroveň</a:t>
+              <a:rPr lang="en-US"/>
+              <a:t>Third level</a:t>
             </a:r>
           </a:p>
           <a:p>
             <a:pPr lvl="3"/>
             <a:r>
-              <a:rPr lang="sk-SK"/>
-              <a:t>Štvrtá úroveň</a:t>
+              <a:rPr lang="en-US"/>
+              <a:t>Fourth level</a:t>
             </a:r>
           </a:p>
           <a:p>
             <a:pPr lvl="4"/>
             <a:r>
-              <a:rPr lang="sk-SK"/>
-              <a:t>Piata úroveň</a:t>
-            </a:r>
-          </a:p>
-        </p:txBody>
-      </p:sp>
-      <p:sp>
-        <p:nvSpPr>
-          <p:cNvPr id="4" name="Zástupný objekt pre dátum 3">
-            <a:extLst>
-              <a:ext uri="{FF2B5EF4-FFF2-40B4-BE49-F238E27FC236}">
-                <a16:creationId xmlns:a16="http://schemas.microsoft.com/office/drawing/2014/main" id="{1B5D768D-3A17-4FCF-AE2E-AA0311CF79E9}"/>
+              <a:rPr lang="en-US"/>
+              <a:t>Fifth level</a:t>
+            </a:r>
+            <a:endParaRPr lang="en-US" dirty="0"/>
+          </a:p>
+        </p:txBody>
+      </p:sp>
+      <p:sp>
+        <p:nvSpPr>
+          <p:cNvPr id="4" name="Date Placeholder 3">
+            <a:extLst>
+              <a:ext uri="{FF2B5EF4-FFF2-40B4-BE49-F238E27FC236}">
+                <a16:creationId xmlns:a16="http://schemas.microsoft.com/office/drawing/2014/main" id="{1D6E4474-0442-4E4B-9E5B-CA7B3951C1DA}"/>
               </a:ext>
             </a:extLst>
           </p:cNvPr>
@@ -2881,8 +3402,57 @@
         </p:nvSpPr>
         <p:spPr>
           <a:xfrm>
-            <a:off x="838200" y="6356350"/>
-            <a:ext cx="2743200" cy="365125"/>
+            <a:off x="9389165" y="194320"/>
+            <a:ext cx="2040835" cy="365125"/>
+          </a:xfrm>
+          <a:prstGeom prst="rect">
+            <a:avLst/>
+          </a:prstGeom>
+        </p:spPr>
+        <p:txBody>
+          <a:bodyPr vert="horz" lIns="91440" tIns="45720" rIns="91440" bIns="45720" rtlCol="0" anchor="ctr"/>
+          <a:lstStyle>
+            <a:lvl1pPr algn="r">
+              <a:defRPr sz="1200">
+                <a:solidFill>
+                  <a:schemeClr val="tx1">
+                    <a:tint val="75000"/>
+                    <a:alpha val="70000"/>
+                  </a:schemeClr>
+                </a:solidFill>
+              </a:defRPr>
+            </a:lvl1pPr>
+          </a:lstStyle>
+          <a:p>
+            <a:fld id="{76969C88-B244-455D-A017-012B25B1ACDD}" type="datetimeFigureOut">
+              <a:rPr lang="en-US" smtClean="0"/>
+              <a:pPr/>
+              <a:t>5/6/2021</a:t>
+            </a:fld>
+            <a:endParaRPr lang="en-US"/>
+          </a:p>
+        </p:txBody>
+      </p:sp>
+      <p:sp>
+        <p:nvSpPr>
+          <p:cNvPr id="5" name="Footer Placeholder 4">
+            <a:extLst>
+              <a:ext uri="{FF2B5EF4-FFF2-40B4-BE49-F238E27FC236}">
+                <a16:creationId xmlns:a16="http://schemas.microsoft.com/office/drawing/2014/main" id="{E0626A98-F887-40E1-B9BA-9D93DE90E022}"/>
+              </a:ext>
+            </a:extLst>
+          </p:cNvPr>
+          <p:cNvSpPr>
+            <a:spLocks noGrp="1"/>
+          </p:cNvSpPr>
+          <p:nvPr>
+            <p:ph type="ftr" sz="quarter" idx="3"/>
+          </p:nvPr>
+        </p:nvSpPr>
+        <p:spPr>
+          <a:xfrm>
+            <a:off x="761999" y="6356350"/>
+            <a:ext cx="6612835" cy="365125"/>
           </a:xfrm>
           <a:prstGeom prst="rect">
             <a:avLst/>
@@ -2896,83 +3466,37 @@
                 <a:solidFill>
                   <a:schemeClr val="tx1">
                     <a:tint val="75000"/>
+                    <a:alpha val="70000"/>
                   </a:schemeClr>
                 </a:solidFill>
               </a:defRPr>
             </a:lvl1pPr>
           </a:lstStyle>
           <a:p>
-            <a:fld id="{879129BF-6D6F-416B-9E10-7101C654B411}" type="datetimeFigureOut">
-              <a:rPr lang="sk-SK" smtClean="0"/>
-              <a:t>21. 4. 2021</a:t>
-            </a:fld>
-            <a:endParaRPr lang="sk-SK"/>
-          </a:p>
-        </p:txBody>
-      </p:sp>
-      <p:sp>
-        <p:nvSpPr>
-          <p:cNvPr id="5" name="Zástupný objekt pre pätu 4">
-            <a:extLst>
-              <a:ext uri="{FF2B5EF4-FFF2-40B4-BE49-F238E27FC236}">
-                <a16:creationId xmlns:a16="http://schemas.microsoft.com/office/drawing/2014/main" id="{48E453E1-0FC9-4DDA-BF1E-F760713CFCC4}"/>
-              </a:ext>
-            </a:extLst>
-          </p:cNvPr>
-          <p:cNvSpPr>
-            <a:spLocks noGrp="1"/>
-          </p:cNvSpPr>
-          <p:nvPr>
-            <p:ph type="ftr" sz="quarter" idx="3"/>
+            <a:endParaRPr lang="en-US" dirty="0"/>
+          </a:p>
+        </p:txBody>
+      </p:sp>
+      <p:sp>
+        <p:nvSpPr>
+          <p:cNvPr id="6" name="Slide Number Placeholder 5">
+            <a:extLst>
+              <a:ext uri="{FF2B5EF4-FFF2-40B4-BE49-F238E27FC236}">
+                <a16:creationId xmlns:a16="http://schemas.microsoft.com/office/drawing/2014/main" id="{482C8119-73F6-4713-9AD3-3628DCDFB8F2}"/>
+              </a:ext>
+            </a:extLst>
+          </p:cNvPr>
+          <p:cNvSpPr>
+            <a:spLocks noGrp="1"/>
+          </p:cNvSpPr>
+          <p:nvPr>
+            <p:ph type="sldNum" sz="quarter" idx="4"/>
           </p:nvPr>
         </p:nvSpPr>
         <p:spPr>
           <a:xfrm>
-            <a:off x="4038600" y="6356350"/>
-            <a:ext cx="4114800" cy="365125"/>
-          </a:xfrm>
-          <a:prstGeom prst="rect">
-            <a:avLst/>
-          </a:prstGeom>
-        </p:spPr>
-        <p:txBody>
-          <a:bodyPr vert="horz" lIns="91440" tIns="45720" rIns="91440" bIns="45720" rtlCol="0" anchor="ctr"/>
-          <a:lstStyle>
-            <a:lvl1pPr algn="ctr">
-              <a:defRPr sz="1200">
-                <a:solidFill>
-                  <a:schemeClr val="tx1">
-                    <a:tint val="75000"/>
-                  </a:schemeClr>
-                </a:solidFill>
-              </a:defRPr>
-            </a:lvl1pPr>
-          </a:lstStyle>
-          <a:p>
-            <a:endParaRPr lang="sk-SK"/>
-          </a:p>
-        </p:txBody>
-      </p:sp>
-      <p:sp>
-        <p:nvSpPr>
-          <p:cNvPr id="6" name="Zástupný objekt pre číslo snímky 5">
-            <a:extLst>
-              <a:ext uri="{FF2B5EF4-FFF2-40B4-BE49-F238E27FC236}">
-                <a16:creationId xmlns:a16="http://schemas.microsoft.com/office/drawing/2014/main" id="{A39A40C5-0D74-441A-AD33-5DBFAA327A73}"/>
-              </a:ext>
-            </a:extLst>
-          </p:cNvPr>
-          <p:cNvSpPr>
-            <a:spLocks noGrp="1"/>
-          </p:cNvSpPr>
-          <p:nvPr>
-            <p:ph type="sldNum" sz="quarter" idx="4"/>
-          </p:nvPr>
-        </p:nvSpPr>
-        <p:spPr>
-          <a:xfrm>
-            <a:off x="8610600" y="6356350"/>
-            <a:ext cx="2743200" cy="365125"/>
+            <a:off x="9906000" y="6356350"/>
+            <a:ext cx="1524000" cy="365125"/>
           </a:xfrm>
           <a:prstGeom prst="rect">
             <a:avLst/>
@@ -2986,40 +3510,42 @@
                 <a:solidFill>
                   <a:schemeClr val="tx1">
                     <a:tint val="75000"/>
+                    <a:alpha val="70000"/>
                   </a:schemeClr>
                 </a:solidFill>
               </a:defRPr>
             </a:lvl1pPr>
           </a:lstStyle>
           <a:p>
-            <a:fld id="{96DEB26D-D4D5-4A23-8451-0E4CCEDFDF69}" type="slidenum">
-              <a:rPr lang="sk-SK" smtClean="0"/>
+            <a:fld id="{07CE569E-9B7C-4CB9-AB80-C0841F922CFF}" type="slidenum">
+              <a:rPr lang="en-US" smtClean="0"/>
+              <a:pPr/>
               <a:t>‹#›</a:t>
             </a:fld>
-            <a:endParaRPr lang="sk-SK"/>
+            <a:endParaRPr lang="en-US"/>
           </a:p>
         </p:txBody>
       </p:sp>
     </p:spTree>
     <p:extLst>
       <p:ext uri="{BB962C8B-B14F-4D97-AF65-F5344CB8AC3E}">
-        <p14:creationId xmlns:p14="http://schemas.microsoft.com/office/powerpoint/2010/main" val="1832649848"/>
+        <p14:creationId xmlns:p14="http://schemas.microsoft.com/office/powerpoint/2010/main" val="3621951432"/>
       </p:ext>
     </p:extLst>
   </p:cSld>
-  <p:clrMap bg1="lt1" tx1="dk1" bg2="lt2" tx2="dk2" accent1="accent1" accent2="accent2" accent3="accent3" accent4="accent4" accent5="accent5" accent6="accent6" hlink="hlink" folHlink="folHlink"/>
+  <p:clrMap bg1="dk1" tx1="lt1" bg2="dk2" tx2="lt2" accent1="accent1" accent2="accent2" accent3="accent3" accent4="accent4" accent5="accent5" accent6="accent6" hlink="hlink" folHlink="folHlink"/>
   <p:sldLayoutIdLst>
-    <p:sldLayoutId id="2147483649" r:id="rId1"/>
-    <p:sldLayoutId id="2147483650" r:id="rId2"/>
-    <p:sldLayoutId id="2147483651" r:id="rId3"/>
-    <p:sldLayoutId id="2147483652" r:id="rId4"/>
-    <p:sldLayoutId id="2147483653" r:id="rId5"/>
-    <p:sldLayoutId id="2147483654" r:id="rId6"/>
-    <p:sldLayoutId id="2147483655" r:id="rId7"/>
-    <p:sldLayoutId id="2147483656" r:id="rId8"/>
-    <p:sldLayoutId id="2147483657" r:id="rId9"/>
-    <p:sldLayoutId id="2147483658" r:id="rId10"/>
-    <p:sldLayoutId id="2147483659" r:id="rId11"/>
+    <p:sldLayoutId id="2147483694" r:id="rId1"/>
+    <p:sldLayoutId id="2147483695" r:id="rId2"/>
+    <p:sldLayoutId id="2147483696" r:id="rId3"/>
+    <p:sldLayoutId id="2147483697" r:id="rId4"/>
+    <p:sldLayoutId id="2147483698" r:id="rId5"/>
+    <p:sldLayoutId id="2147483692" r:id="rId6"/>
+    <p:sldLayoutId id="2147483688" r:id="rId7"/>
+    <p:sldLayoutId id="2147483689" r:id="rId8"/>
+    <p:sldLayoutId id="2147483690" r:id="rId9"/>
+    <p:sldLayoutId id="2147483691" r:id="rId10"/>
+    <p:sldLayoutId id="2147483693" r:id="rId11"/>
   </p:sldLayoutIdLst>
   <p:txStyles>
     <p:titleStyle>
@@ -3044,7 +3570,7 @@
     <p:bodyStyle>
       <a:lvl1pPr marL="228600" indent="-228600" algn="l" defTabSz="914400" rtl="0" eaLnBrk="1" latinLnBrk="0" hangingPunct="1">
         <a:lnSpc>
-          <a:spcPct val="90000"/>
+          <a:spcPct val="125000"/>
         </a:lnSpc>
         <a:spcBef>
           <a:spcPts val="1000"/>
@@ -3053,7 +3579,9 @@
         <a:buChar char="•"/>
         <a:defRPr sz="2800" kern="1200">
           <a:solidFill>
-            <a:schemeClr val="tx1"/>
+            <a:schemeClr val="tx1">
+              <a:alpha val="70000"/>
+            </a:schemeClr>
           </a:solidFill>
           <a:latin typeface="+mn-lt"/>
           <a:ea typeface="+mn-ea"/>
@@ -3062,7 +3590,7 @@
       </a:lvl1pPr>
       <a:lvl2pPr marL="685800" indent="-228600" algn="l" defTabSz="914400" rtl="0" eaLnBrk="1" latinLnBrk="0" hangingPunct="1">
         <a:lnSpc>
-          <a:spcPct val="90000"/>
+          <a:spcPct val="125000"/>
         </a:lnSpc>
         <a:spcBef>
           <a:spcPts val="500"/>
@@ -3071,7 +3599,9 @@
         <a:buChar char="•"/>
         <a:defRPr sz="2400" kern="1200">
           <a:solidFill>
-            <a:schemeClr val="tx1"/>
+            <a:schemeClr val="tx1">
+              <a:alpha val="70000"/>
+            </a:schemeClr>
           </a:solidFill>
           <a:latin typeface="+mn-lt"/>
           <a:ea typeface="+mn-ea"/>
@@ -3080,7 +3610,7 @@
       </a:lvl2pPr>
       <a:lvl3pPr marL="1143000" indent="-228600" algn="l" defTabSz="914400" rtl="0" eaLnBrk="1" latinLnBrk="0" hangingPunct="1">
         <a:lnSpc>
-          <a:spcPct val="90000"/>
+          <a:spcPct val="125000"/>
         </a:lnSpc>
         <a:spcBef>
           <a:spcPts val="500"/>
@@ -3089,7 +3619,9 @@
         <a:buChar char="•"/>
         <a:defRPr sz="2000" kern="1200">
           <a:solidFill>
-            <a:schemeClr val="tx1"/>
+            <a:schemeClr val="tx1">
+              <a:alpha val="70000"/>
+            </a:schemeClr>
           </a:solidFill>
           <a:latin typeface="+mn-lt"/>
           <a:ea typeface="+mn-ea"/>
@@ -3098,7 +3630,7 @@
       </a:lvl3pPr>
       <a:lvl4pPr marL="1600200" indent="-228600" algn="l" defTabSz="914400" rtl="0" eaLnBrk="1" latinLnBrk="0" hangingPunct="1">
         <a:lnSpc>
-          <a:spcPct val="90000"/>
+          <a:spcPct val="125000"/>
         </a:lnSpc>
         <a:spcBef>
           <a:spcPts val="500"/>
@@ -3107,7 +3639,9 @@
         <a:buChar char="•"/>
         <a:defRPr sz="1800" kern="1200">
           <a:solidFill>
-            <a:schemeClr val="tx1"/>
+            <a:schemeClr val="tx1">
+              <a:alpha val="70000"/>
+            </a:schemeClr>
           </a:solidFill>
           <a:latin typeface="+mn-lt"/>
           <a:ea typeface="+mn-ea"/>
@@ -3116,7 +3650,7 @@
       </a:lvl4pPr>
       <a:lvl5pPr marL="2057400" indent="-228600" algn="l" defTabSz="914400" rtl="0" eaLnBrk="1" latinLnBrk="0" hangingPunct="1">
         <a:lnSpc>
-          <a:spcPct val="90000"/>
+          <a:spcPct val="125000"/>
         </a:lnSpc>
         <a:spcBef>
           <a:spcPts val="500"/>
@@ -3125,7 +3659,9 @@
         <a:buChar char="•"/>
         <a:defRPr sz="1800" kern="1200">
           <a:solidFill>
-            <a:schemeClr val="tx1"/>
+            <a:schemeClr val="tx1">
+              <a:alpha val="70000"/>
+            </a:schemeClr>
           </a:solidFill>
           <a:latin typeface="+mn-lt"/>
           <a:ea typeface="+mn-ea"/>
@@ -3207,7 +3743,7 @@
     </p:bodyStyle>
     <p:otherStyle>
       <a:defPPr>
-        <a:defRPr lang="sk-SK"/>
+        <a:defRPr lang="en-US"/>
       </a:defPPr>
       <a:lvl1pPr marL="0" algn="l" defTabSz="914400" rtl="0" eaLnBrk="1" latinLnBrk="0" hangingPunct="1">
         <a:defRPr sz="1800" kern="1200">
@@ -3307,6 +3843,14 @@
 <file path=ppt/slides/slide1.xml><?xml version="1.0" encoding="utf-8"?>
 <p:sld xmlns:a="http://schemas.openxmlformats.org/drawingml/2006/main" xmlns:r="http://schemas.openxmlformats.org/officeDocument/2006/relationships" xmlns:p="http://schemas.openxmlformats.org/presentationml/2006/main">
   <p:cSld>
+    <p:bg>
+      <p:bgPr>
+        <a:solidFill>
+          <a:schemeClr val="bg2"/>
+        </a:solidFill>
+        <a:effectLst/>
+      </p:bgPr>
+    </p:bg>
     <p:spTree>
       <p:nvGrpSpPr>
         <p:cNvPr id="1" name=""/>
@@ -3321,12 +3865,550 @@
           <a:chExt cx="0" cy="0"/>
         </a:xfrm>
       </p:grpSpPr>
+      <p:sp useBgFill="1">
+        <p:nvSpPr>
+          <p:cNvPr id="9" name="Rectangle 8">
+            <a:extLst>
+              <a:ext uri="{FF2B5EF4-FFF2-40B4-BE49-F238E27FC236}">
+                <a16:creationId xmlns:a16="http://schemas.microsoft.com/office/drawing/2014/main" id="{7A18C9FB-EC4C-4DAE-8F7D-C6E5AF607958}"/>
+              </a:ext>
+              <a:ext uri="{C183D7F6-B498-43B3-948B-1728B52AA6E4}">
+                <adec:decorative xmlns:adec="http://schemas.microsoft.com/office/drawing/2017/decorative" val="1"/>
+              </a:ext>
+            </a:extLst>
+          </p:cNvPr>
+          <p:cNvSpPr>
+            <a:spLocks noGrp="1" noRot="1" noChangeAspect="1" noMove="1" noResize="1" noEditPoints="1" noAdjustHandles="1" noChangeArrowheads="1" noChangeShapeType="1" noTextEdit="1"/>
+          </p:cNvSpPr>
+          <p:nvPr>
+            <p:extLst>
+              <p:ext uri="{386F3935-93C4-4BCD-93E2-E3B085C9AB24}">
+                <p16:designElem xmlns:p16="http://schemas.microsoft.com/office/powerpoint/2015/main" val="1"/>
+              </p:ext>
+            </p:extLst>
+          </p:nvPr>
+        </p:nvSpPr>
+        <p:spPr>
+          <a:xfrm>
+            <a:off x="0" y="0"/>
+            <a:ext cx="12192000" cy="6858000"/>
+          </a:xfrm>
+          <a:prstGeom prst="rect">
+            <a:avLst/>
+          </a:prstGeom>
+          <a:ln w="12700" cap="flat" cmpd="sng" algn="ctr">
+            <a:noFill/>
+            <a:prstDash val="solid"/>
+            <a:miter lim="800000"/>
+          </a:ln>
+          <a:effectLst/>
+          <a:extLst>
+            <a:ext uri="{91240B29-F687-4F45-9708-019B960494DF}">
+              <a14:hiddenLine xmlns:a14="http://schemas.microsoft.com/office/drawing/2010/main" w="12700" cap="flat" cmpd="sng" algn="ctr">
+                <a:solidFill>
+                  <a:schemeClr val="accent1">
+                    <a:shade val="50000"/>
+                  </a:schemeClr>
+                </a:solidFill>
+                <a:prstDash val="solid"/>
+                <a:miter lim="800000"/>
+              </a14:hiddenLine>
+            </a:ext>
+          </a:extLst>
+        </p:spPr>
+        <p:style>
+          <a:lnRef idx="2">
+            <a:schemeClr val="accent1">
+              <a:shade val="50000"/>
+            </a:schemeClr>
+          </a:lnRef>
+          <a:fillRef idx="1">
+            <a:schemeClr val="accent1"/>
+          </a:fillRef>
+          <a:effectRef idx="0">
+            <a:schemeClr val="accent1"/>
+          </a:effectRef>
+          <a:fontRef idx="minor">
+            <a:schemeClr val="lt1"/>
+          </a:fontRef>
+        </p:style>
+        <p:txBody>
+          <a:bodyPr rtlCol="0" anchor="ctr"/>
+          <a:lstStyle/>
+          <a:p>
+            <a:endParaRPr lang="en-US" dirty="0"/>
+          </a:p>
+        </p:txBody>
+      </p:sp>
+      <p:pic>
+        <p:nvPicPr>
+          <p:cNvPr id="4" name="Picture 3" descr="Modrý vzor pruhu na bielej pozadie">
+            <a:extLst>
+              <a:ext uri="{FF2B5EF4-FFF2-40B4-BE49-F238E27FC236}">
+                <a16:creationId xmlns:a16="http://schemas.microsoft.com/office/drawing/2014/main" id="{5EF4D8CB-C535-4A52-A5F6-A4A1A6CAAA31}"/>
+              </a:ext>
+            </a:extLst>
+          </p:cNvPr>
+          <p:cNvPicPr>
+            <a:picLocks noChangeAspect="1"/>
+          </p:cNvPicPr>
+          <p:nvPr/>
+        </p:nvPicPr>
+        <p:blipFill rotWithShape="1">
+          <a:blip r:embed="rId2"/>
+          <a:srcRect t="5271" b="16875"/>
+          <a:stretch/>
+        </p:blipFill>
+        <p:spPr>
+          <a:xfrm>
+            <a:off x="20" y="-1"/>
+            <a:ext cx="12191980" cy="6858001"/>
+          </a:xfrm>
+          <a:custGeom>
+            <a:avLst/>
+            <a:gdLst/>
+            <a:ahLst/>
+            <a:cxnLst/>
+            <a:rect l="l" t="t" r="r" b="b"/>
+            <a:pathLst>
+              <a:path w="12191999" h="6857999">
+                <a:moveTo>
+                  <a:pt x="0" y="0"/>
+                </a:moveTo>
+                <a:lnTo>
+                  <a:pt x="12191999" y="0"/>
+                </a:lnTo>
+                <a:lnTo>
+                  <a:pt x="12191999" y="6857999"/>
+                </a:lnTo>
+                <a:lnTo>
+                  <a:pt x="4628129" y="6857999"/>
+                </a:lnTo>
+                <a:lnTo>
+                  <a:pt x="4734519" y="6819371"/>
+                </a:lnTo>
+                <a:cubicBezTo>
+                  <a:pt x="4938119" y="6741181"/>
+                  <a:pt x="5132935" y="6652933"/>
+                  <a:pt x="5315781" y="6551721"/>
+                </a:cubicBezTo>
+                <a:cubicBezTo>
+                  <a:pt x="6619811" y="5830059"/>
+                  <a:pt x="6364610" y="4934281"/>
+                  <a:pt x="6058656" y="3948664"/>
+                </a:cubicBezTo>
+                <a:cubicBezTo>
+                  <a:pt x="5601502" y="2476708"/>
+                  <a:pt x="4958009" y="1222984"/>
+                  <a:pt x="2540911" y="827627"/>
+                </a:cubicBezTo>
+                <a:cubicBezTo>
+                  <a:pt x="1760946" y="699982"/>
+                  <a:pt x="986522" y="591203"/>
+                  <a:pt x="238021" y="541759"/>
+                </a:cubicBezTo>
+                <a:lnTo>
+                  <a:pt x="0" y="529223"/>
+                </a:lnTo>
+                <a:close/>
+              </a:path>
+            </a:pathLst>
+          </a:custGeom>
+        </p:spPr>
+      </p:pic>
+      <p:sp>
+        <p:nvSpPr>
+          <p:cNvPr id="11" name="Freeform: Shape 10">
+            <a:extLst>
+              <a:ext uri="{FF2B5EF4-FFF2-40B4-BE49-F238E27FC236}">
+                <a16:creationId xmlns:a16="http://schemas.microsoft.com/office/drawing/2014/main" id="{3B2B1500-BB55-471C-8A9E-67288297ECE1}"/>
+              </a:ext>
+              <a:ext uri="{C183D7F6-B498-43B3-948B-1728B52AA6E4}">
+                <adec:decorative xmlns:adec="http://schemas.microsoft.com/office/drawing/2017/decorative" val="1"/>
+              </a:ext>
+            </a:extLst>
+          </p:cNvPr>
+          <p:cNvSpPr>
+            <a:spLocks noGrp="1" noRot="1" noChangeAspect="1" noMove="1" noResize="1" noEditPoints="1" noAdjustHandles="1" noChangeArrowheads="1" noChangeShapeType="1" noTextEdit="1"/>
+          </p:cNvSpPr>
+          <p:nvPr>
+            <p:extLst>
+              <p:ext uri="{386F3935-93C4-4BCD-93E2-E3B085C9AB24}">
+                <p16:designElem xmlns:p16="http://schemas.microsoft.com/office/powerpoint/2015/main" val="1"/>
+              </p:ext>
+            </p:extLst>
+          </p:nvPr>
+        </p:nvSpPr>
+        <p:spPr>
+          <a:xfrm>
+            <a:off x="0" y="529224"/>
+            <a:ext cx="6305549" cy="6328777"/>
+          </a:xfrm>
+          <a:custGeom>
+            <a:avLst/>
+            <a:gdLst>
+              <a:gd name="connsiteX0" fmla="*/ 0 w 4212773"/>
+              <a:gd name="connsiteY0" fmla="*/ 0 h 6498740"/>
+              <a:gd name="connsiteX1" fmla="*/ 159023 w 4212773"/>
+              <a:gd name="connsiteY1" fmla="*/ 12872 h 6498740"/>
+              <a:gd name="connsiteX2" fmla="*/ 1697597 w 4212773"/>
+              <a:gd name="connsiteY2" fmla="*/ 306418 h 6498740"/>
+              <a:gd name="connsiteX3" fmla="*/ 4047822 w 4212773"/>
+              <a:gd name="connsiteY3" fmla="*/ 3511272 h 6498740"/>
+              <a:gd name="connsiteX4" fmla="*/ 3551503 w 4212773"/>
+              <a:gd name="connsiteY4" fmla="*/ 6184235 h 6498740"/>
+              <a:gd name="connsiteX5" fmla="*/ 3163159 w 4212773"/>
+              <a:gd name="connsiteY5" fmla="*/ 6459073 h 6498740"/>
+              <a:gd name="connsiteX6" fmla="*/ 3092077 w 4212773"/>
+              <a:gd name="connsiteY6" fmla="*/ 6498740 h 6498740"/>
+              <a:gd name="connsiteX7" fmla="*/ 0 w 4212773"/>
+              <a:gd name="connsiteY7" fmla="*/ 6498740 h 6498740"/>
+              <a:gd name="connsiteX8" fmla="*/ 0 w 4212773"/>
+              <a:gd name="connsiteY8" fmla="*/ 0 h 6498740"/>
+            </a:gdLst>
+            <a:ahLst/>
+            <a:cxnLst>
+              <a:cxn ang="0">
+                <a:pos x="connsiteX0" y="connsiteY0"/>
+              </a:cxn>
+              <a:cxn ang="0">
+                <a:pos x="connsiteX1" y="connsiteY1"/>
+              </a:cxn>
+              <a:cxn ang="0">
+                <a:pos x="connsiteX2" y="connsiteY2"/>
+              </a:cxn>
+              <a:cxn ang="0">
+                <a:pos x="connsiteX3" y="connsiteY3"/>
+              </a:cxn>
+              <a:cxn ang="0">
+                <a:pos x="connsiteX4" y="connsiteY4"/>
+              </a:cxn>
+              <a:cxn ang="0">
+                <a:pos x="connsiteX5" y="connsiteY5"/>
+              </a:cxn>
+              <a:cxn ang="0">
+                <a:pos x="connsiteX6" y="connsiteY6"/>
+              </a:cxn>
+              <a:cxn ang="0">
+                <a:pos x="connsiteX7" y="connsiteY7"/>
+              </a:cxn>
+              <a:cxn ang="0">
+                <a:pos x="connsiteX8" y="connsiteY8"/>
+              </a:cxn>
+            </a:cxnLst>
+            <a:rect l="l" t="t" r="r" b="b"/>
+            <a:pathLst>
+              <a:path w="4212773" h="6498740">
+                <a:moveTo>
+                  <a:pt x="0" y="0"/>
+                </a:moveTo>
+                <a:lnTo>
+                  <a:pt x="159023" y="12872"/>
+                </a:lnTo>
+                <a:cubicBezTo>
+                  <a:pt x="659101" y="63644"/>
+                  <a:pt x="1176498" y="175345"/>
+                  <a:pt x="1697597" y="306418"/>
+                </a:cubicBezTo>
+                <a:cubicBezTo>
+                  <a:pt x="3312474" y="712392"/>
+                  <a:pt x="3742395" y="1999786"/>
+                  <a:pt x="4047822" y="3511272"/>
+                </a:cubicBezTo>
+                <a:cubicBezTo>
+                  <a:pt x="4252232" y="4523358"/>
+                  <a:pt x="4422733" y="5443193"/>
+                  <a:pt x="3551503" y="6184235"/>
+                </a:cubicBezTo>
+                <a:cubicBezTo>
+                  <a:pt x="3429343" y="6288166"/>
+                  <a:pt x="3299185" y="6378784"/>
+                  <a:pt x="3163159" y="6459073"/>
+                </a:cubicBezTo>
+                <a:lnTo>
+                  <a:pt x="3092077" y="6498740"/>
+                </a:lnTo>
+                <a:lnTo>
+                  <a:pt x="0" y="6498740"/>
+                </a:lnTo>
+                <a:lnTo>
+                  <a:pt x="0" y="0"/>
+                </a:lnTo>
+                <a:close/>
+              </a:path>
+            </a:pathLst>
+          </a:custGeom>
+          <a:solidFill>
+            <a:schemeClr val="bg2"/>
+          </a:solidFill>
+          <a:ln>
+            <a:noFill/>
+          </a:ln>
+        </p:spPr>
+        <p:style>
+          <a:lnRef idx="2">
+            <a:schemeClr val="accent1">
+              <a:shade val="50000"/>
+            </a:schemeClr>
+          </a:lnRef>
+          <a:fillRef idx="1">
+            <a:schemeClr val="accent1"/>
+          </a:fillRef>
+          <a:effectRef idx="0">
+            <a:schemeClr val="accent1"/>
+          </a:effectRef>
+          <a:fontRef idx="minor">
+            <a:schemeClr val="lt1"/>
+          </a:fontRef>
+        </p:style>
+        <p:txBody>
+          <a:bodyPr rtlCol="0" anchor="ctr"/>
+          <a:lstStyle/>
+          <a:p>
+            <a:pPr algn="ctr"/>
+            <a:endParaRPr lang="en-US"/>
+          </a:p>
+        </p:txBody>
+      </p:sp>
+      <p:sp>
+        <p:nvSpPr>
+          <p:cNvPr id="13" name="Freeform: Shape 12">
+            <a:extLst>
+              <a:ext uri="{FF2B5EF4-FFF2-40B4-BE49-F238E27FC236}">
+                <a16:creationId xmlns:a16="http://schemas.microsoft.com/office/drawing/2014/main" id="{3045E22C-A99D-41BB-AF14-EF1B1E745A70}"/>
+              </a:ext>
+              <a:ext uri="{C183D7F6-B498-43B3-948B-1728B52AA6E4}">
+                <adec:decorative xmlns:adec="http://schemas.microsoft.com/office/drawing/2017/decorative" val="1"/>
+              </a:ext>
+            </a:extLst>
+          </p:cNvPr>
+          <p:cNvSpPr>
+            <a:spLocks noGrp="1" noRot="1" noChangeAspect="1" noMove="1" noResize="1" noEditPoints="1" noAdjustHandles="1" noChangeArrowheads="1" noChangeShapeType="1" noTextEdit="1"/>
+          </p:cNvSpPr>
+          <p:nvPr>
+            <p:extLst>
+              <p:ext uri="{386F3935-93C4-4BCD-93E2-E3B085C9AB24}">
+                <p16:designElem xmlns:p16="http://schemas.microsoft.com/office/powerpoint/2015/main" val="1"/>
+              </p:ext>
+            </p:extLst>
+          </p:nvPr>
+        </p:nvSpPr>
+        <p:spPr>
+          <a:xfrm>
+            <a:off x="0" y="136525"/>
+            <a:ext cx="6130391" cy="6721476"/>
+          </a:xfrm>
+          <a:custGeom>
+            <a:avLst/>
+            <a:gdLst>
+              <a:gd name="connsiteX0" fmla="*/ 0 w 4033589"/>
+              <a:gd name="connsiteY0" fmla="*/ 0 h 6858000"/>
+              <a:gd name="connsiteX1" fmla="*/ 1878934 w 4033589"/>
+              <a:gd name="connsiteY1" fmla="*/ 0 h 6858000"/>
+              <a:gd name="connsiteX2" fmla="*/ 1882313 w 4033589"/>
+              <a:gd name="connsiteY2" fmla="*/ 2021 h 6858000"/>
+              <a:gd name="connsiteX3" fmla="*/ 3475371 w 4033589"/>
+              <a:gd name="connsiteY3" fmla="*/ 1517967 h 6858000"/>
+              <a:gd name="connsiteX4" fmla="*/ 3975977 w 4033589"/>
+              <a:gd name="connsiteY4" fmla="*/ 4379386 h 6858000"/>
+              <a:gd name="connsiteX5" fmla="*/ 3312864 w 4033589"/>
+              <a:gd name="connsiteY5" fmla="*/ 6852362 h 6858000"/>
+              <a:gd name="connsiteX6" fmla="*/ 3310593 w 4033589"/>
+              <a:gd name="connsiteY6" fmla="*/ 6858000 h 6858000"/>
+              <a:gd name="connsiteX7" fmla="*/ 0 w 4033589"/>
+              <a:gd name="connsiteY7" fmla="*/ 6858000 h 6858000"/>
+              <a:gd name="connsiteX8" fmla="*/ 0 w 4033589"/>
+              <a:gd name="connsiteY8" fmla="*/ 0 h 6858000"/>
+              <a:gd name="connsiteX0" fmla="*/ 0 w 4033589"/>
+              <a:gd name="connsiteY0" fmla="*/ 6858000 h 6858000"/>
+              <a:gd name="connsiteX1" fmla="*/ 1878934 w 4033589"/>
+              <a:gd name="connsiteY1" fmla="*/ 0 h 6858000"/>
+              <a:gd name="connsiteX2" fmla="*/ 1882313 w 4033589"/>
+              <a:gd name="connsiteY2" fmla="*/ 2021 h 6858000"/>
+              <a:gd name="connsiteX3" fmla="*/ 3475371 w 4033589"/>
+              <a:gd name="connsiteY3" fmla="*/ 1517967 h 6858000"/>
+              <a:gd name="connsiteX4" fmla="*/ 3975977 w 4033589"/>
+              <a:gd name="connsiteY4" fmla="*/ 4379386 h 6858000"/>
+              <a:gd name="connsiteX5" fmla="*/ 3312864 w 4033589"/>
+              <a:gd name="connsiteY5" fmla="*/ 6852362 h 6858000"/>
+              <a:gd name="connsiteX6" fmla="*/ 3310593 w 4033589"/>
+              <a:gd name="connsiteY6" fmla="*/ 6858000 h 6858000"/>
+              <a:gd name="connsiteX7" fmla="*/ 0 w 4033589"/>
+              <a:gd name="connsiteY7" fmla="*/ 6858000 h 6858000"/>
+              <a:gd name="connsiteX0" fmla="*/ 1787494 w 3942149"/>
+              <a:gd name="connsiteY0" fmla="*/ 0 h 6949440"/>
+              <a:gd name="connsiteX1" fmla="*/ 1790873 w 3942149"/>
+              <a:gd name="connsiteY1" fmla="*/ 2021 h 6949440"/>
+              <a:gd name="connsiteX2" fmla="*/ 3383931 w 3942149"/>
+              <a:gd name="connsiteY2" fmla="*/ 1517967 h 6949440"/>
+              <a:gd name="connsiteX3" fmla="*/ 3884537 w 3942149"/>
+              <a:gd name="connsiteY3" fmla="*/ 4379386 h 6949440"/>
+              <a:gd name="connsiteX4" fmla="*/ 3221424 w 3942149"/>
+              <a:gd name="connsiteY4" fmla="*/ 6852362 h 6949440"/>
+              <a:gd name="connsiteX5" fmla="*/ 3219153 w 3942149"/>
+              <a:gd name="connsiteY5" fmla="*/ 6858000 h 6949440"/>
+              <a:gd name="connsiteX6" fmla="*/ 0 w 3942149"/>
+              <a:gd name="connsiteY6" fmla="*/ 6949440 h 6949440"/>
+              <a:gd name="connsiteX0" fmla="*/ 1787494 w 3942149"/>
+              <a:gd name="connsiteY0" fmla="*/ 0 h 6949440"/>
+              <a:gd name="connsiteX1" fmla="*/ 1790873 w 3942149"/>
+              <a:gd name="connsiteY1" fmla="*/ 2021 h 6949440"/>
+              <a:gd name="connsiteX2" fmla="*/ 3383931 w 3942149"/>
+              <a:gd name="connsiteY2" fmla="*/ 1517967 h 6949440"/>
+              <a:gd name="connsiteX3" fmla="*/ 3884537 w 3942149"/>
+              <a:gd name="connsiteY3" fmla="*/ 4379386 h 6949440"/>
+              <a:gd name="connsiteX4" fmla="*/ 3221424 w 3942149"/>
+              <a:gd name="connsiteY4" fmla="*/ 6852362 h 6949440"/>
+              <a:gd name="connsiteX5" fmla="*/ 3219153 w 3942149"/>
+              <a:gd name="connsiteY5" fmla="*/ 6858000 h 6949440"/>
+              <a:gd name="connsiteX6" fmla="*/ 0 w 3942149"/>
+              <a:gd name="connsiteY6" fmla="*/ 6949440 h 6949440"/>
+              <a:gd name="connsiteX0" fmla="*/ 0 w 2154655"/>
+              <a:gd name="connsiteY0" fmla="*/ 0 h 6858000"/>
+              <a:gd name="connsiteX1" fmla="*/ 3379 w 2154655"/>
+              <a:gd name="connsiteY1" fmla="*/ 2021 h 6858000"/>
+              <a:gd name="connsiteX2" fmla="*/ 1596437 w 2154655"/>
+              <a:gd name="connsiteY2" fmla="*/ 1517967 h 6858000"/>
+              <a:gd name="connsiteX3" fmla="*/ 2097043 w 2154655"/>
+              <a:gd name="connsiteY3" fmla="*/ 4379386 h 6858000"/>
+              <a:gd name="connsiteX4" fmla="*/ 1433930 w 2154655"/>
+              <a:gd name="connsiteY4" fmla="*/ 6852362 h 6858000"/>
+              <a:gd name="connsiteX5" fmla="*/ 1431659 w 2154655"/>
+              <a:gd name="connsiteY5" fmla="*/ 6858000 h 6858000"/>
+            </a:gdLst>
+            <a:ahLst/>
+            <a:cxnLst>
+              <a:cxn ang="0">
+                <a:pos x="connsiteX0" y="connsiteY0"/>
+              </a:cxn>
+              <a:cxn ang="0">
+                <a:pos x="connsiteX1" y="connsiteY1"/>
+              </a:cxn>
+              <a:cxn ang="0">
+                <a:pos x="connsiteX2" y="connsiteY2"/>
+              </a:cxn>
+              <a:cxn ang="0">
+                <a:pos x="connsiteX3" y="connsiteY3"/>
+              </a:cxn>
+              <a:cxn ang="0">
+                <a:pos x="connsiteX4" y="connsiteY4"/>
+              </a:cxn>
+              <a:cxn ang="0">
+                <a:pos x="connsiteX5" y="connsiteY5"/>
+              </a:cxn>
+            </a:cxnLst>
+            <a:rect l="l" t="t" r="r" b="b"/>
+            <a:pathLst>
+              <a:path w="2154655" h="6858000">
+                <a:moveTo>
+                  <a:pt x="0" y="0"/>
+                </a:moveTo>
+                <a:lnTo>
+                  <a:pt x="3379" y="2021"/>
+                </a:lnTo>
+                <a:cubicBezTo>
+                  <a:pt x="667061" y="423753"/>
+                  <a:pt x="1239365" y="963389"/>
+                  <a:pt x="1596437" y="1517967"/>
+                </a:cubicBezTo>
+                <a:cubicBezTo>
+                  <a:pt x="2133142" y="2350886"/>
+                  <a:pt x="2239839" y="3395752"/>
+                  <a:pt x="2097043" y="4379386"/>
+                </a:cubicBezTo>
+                <a:cubicBezTo>
+                  <a:pt x="2032295" y="4824358"/>
+                  <a:pt x="1812506" y="5869368"/>
+                  <a:pt x="1433930" y="6852362"/>
+                </a:cubicBezTo>
+                <a:lnTo>
+                  <a:pt x="1431659" y="6858000"/>
+                </a:lnTo>
+              </a:path>
+            </a:pathLst>
+          </a:custGeom>
+          <a:noFill/>
+          <a:ln w="19050">
+            <a:solidFill>
+              <a:schemeClr val="accent2">
+                <a:lumMod val="60000"/>
+                <a:lumOff val="40000"/>
+              </a:schemeClr>
+            </a:solidFill>
+          </a:ln>
+        </p:spPr>
+        <p:style>
+          <a:lnRef idx="2">
+            <a:schemeClr val="accent1">
+              <a:shade val="50000"/>
+            </a:schemeClr>
+          </a:lnRef>
+          <a:fillRef idx="1">
+            <a:schemeClr val="accent1"/>
+          </a:fillRef>
+          <a:effectRef idx="0">
+            <a:schemeClr val="accent1"/>
+          </a:effectRef>
+          <a:fontRef idx="minor">
+            <a:schemeClr val="lt1"/>
+          </a:fontRef>
+        </p:style>
+        <p:txBody>
+          <a:bodyPr rtlCol="0" anchor="ctr"/>
+          <a:lstStyle/>
+          <a:p>
+            <a:pPr algn="ctr"/>
+            <a:endParaRPr lang="en-US">
+              <a:solidFill>
+                <a:prstClr val="white"/>
+              </a:solidFill>
+              <a:latin typeface="Avenir Next LT Pro Light"/>
+            </a:endParaRPr>
+          </a:p>
+        </p:txBody>
+      </p:sp>
+      <p:sp>
+        <p:nvSpPr>
+          <p:cNvPr id="3" name="Podnadpis 2">
+            <a:extLst>
+              <a:ext uri="{FF2B5EF4-FFF2-40B4-BE49-F238E27FC236}">
+                <a16:creationId xmlns:a16="http://schemas.microsoft.com/office/drawing/2014/main" id="{54ADA65C-D17D-4B8C-A75F-1AE5FEF2AEAC}"/>
+              </a:ext>
+            </a:extLst>
+          </p:cNvPr>
+          <p:cNvSpPr>
+            <a:spLocks noGrp="1"/>
+          </p:cNvSpPr>
+          <p:nvPr>
+            <p:ph type="subTitle" idx="1"/>
+          </p:nvPr>
+        </p:nvSpPr>
+        <p:spPr>
+          <a:xfrm>
+            <a:off x="762000" y="4571999"/>
+            <a:ext cx="4572000" cy="1524000"/>
+          </a:xfrm>
+        </p:spPr>
+        <p:txBody>
+          <a:bodyPr anchor="b">
+            <a:normAutofit/>
+          </a:bodyPr>
+          <a:lstStyle/>
+          <a:p>
+            <a:pPr algn="l"/>
+            <a:r>
+              <a:rPr lang="sk-SK" dirty="0"/>
+              <a:t>Bc. Juraj Vanko</a:t>
+            </a:r>
+          </a:p>
+        </p:txBody>
+      </p:sp>
       <p:sp>
         <p:nvSpPr>
           <p:cNvPr id="2" name="Nadpis 1">
             <a:extLst>
               <a:ext uri="{FF2B5EF4-FFF2-40B4-BE49-F238E27FC236}">
-                <a16:creationId xmlns:a16="http://schemas.microsoft.com/office/drawing/2014/main" id="{3749B657-D5E0-4A0E-967D-4FFC9AD8DD59}"/>
+                <a16:creationId xmlns:a16="http://schemas.microsoft.com/office/drawing/2014/main" id="{02450F93-1825-4F4A-9878-96DE8A9A0F72}"/>
               </a:ext>
             </a:extLst>
           </p:cNvPr>
@@ -3337,44 +4419,2014 @@
             <p:ph type="ctrTitle"/>
           </p:nvPr>
         </p:nvSpPr>
-        <p:spPr/>
-        <p:txBody>
-          <a:bodyPr/>
-          <a:lstStyle/>
-          <a:p>
-            <a:endParaRPr lang="sk-SK"/>
-          </a:p>
-        </p:txBody>
-      </p:sp>
-      <p:sp>
-        <p:nvSpPr>
-          <p:cNvPr id="3" name="Podnadpis 2">
-            <a:extLst>
-              <a:ext uri="{FF2B5EF4-FFF2-40B4-BE49-F238E27FC236}">
-                <a16:creationId xmlns:a16="http://schemas.microsoft.com/office/drawing/2014/main" id="{D42A267D-F7C0-4784-9BAC-657F6F0C62D3}"/>
-              </a:ext>
-            </a:extLst>
-          </p:cNvPr>
-          <p:cNvSpPr>
-            <a:spLocks noGrp="1"/>
-          </p:cNvSpPr>
-          <p:nvPr>
-            <p:ph type="subTitle" idx="1"/>
-          </p:nvPr>
-        </p:nvSpPr>
-        <p:spPr/>
-        <p:txBody>
-          <a:bodyPr/>
-          <a:lstStyle/>
-          <a:p>
-            <a:endParaRPr lang="sk-SK"/>
+        <p:spPr>
+          <a:xfrm>
+            <a:off x="762000" y="2299787"/>
+            <a:ext cx="4572000" cy="2286000"/>
+          </a:xfrm>
+        </p:spPr>
+        <p:txBody>
+          <a:bodyPr>
+            <a:normAutofit/>
+          </a:bodyPr>
+          <a:lstStyle/>
+          <a:p>
+            <a:pPr algn="l"/>
+            <a:r>
+              <a:rPr lang="sk-SK" sz="4400" dirty="0"/>
+              <a:t>Predikcia hodnotenia čokolády</a:t>
+            </a:r>
           </a:p>
         </p:txBody>
       </p:sp>
     </p:spTree>
     <p:extLst>
       <p:ext uri="{BB962C8B-B14F-4D97-AF65-F5344CB8AC3E}">
-        <p14:creationId xmlns:p14="http://schemas.microsoft.com/office/powerpoint/2010/main" val="3948921924"/>
+        <p14:creationId xmlns:p14="http://schemas.microsoft.com/office/powerpoint/2010/main" val="3294273791"/>
+      </p:ext>
+    </p:extLst>
+  </p:cSld>
+  <p:clrMapOvr>
+    <a:masterClrMapping/>
+  </p:clrMapOvr>
+</p:sld>
+</file>
+
+<file path=ppt/slides/slide2.xml><?xml version="1.0" encoding="utf-8"?>
+<p:sld xmlns:a="http://schemas.openxmlformats.org/drawingml/2006/main" xmlns:r="http://schemas.openxmlformats.org/officeDocument/2006/relationships" xmlns:p="http://schemas.openxmlformats.org/presentationml/2006/main">
+  <p:cSld>
+    <p:spTree>
+      <p:nvGrpSpPr>
+        <p:cNvPr id="1" name=""/>
+        <p:cNvGrpSpPr/>
+        <p:nvPr/>
+      </p:nvGrpSpPr>
+      <p:grpSpPr>
+        <a:xfrm>
+          <a:off x="0" y="0"/>
+          <a:ext cx="0" cy="0"/>
+          <a:chOff x="0" y="0"/>
+          <a:chExt cx="0" cy="0"/>
+        </a:xfrm>
+      </p:grpSpPr>
+      <p:sp>
+        <p:nvSpPr>
+          <p:cNvPr id="2" name="Nadpis 1">
+            <a:extLst>
+              <a:ext uri="{FF2B5EF4-FFF2-40B4-BE49-F238E27FC236}">
+                <a16:creationId xmlns:a16="http://schemas.microsoft.com/office/drawing/2014/main" id="{FD47D5E1-EFF2-4062-8A3E-18525D7FE86E}"/>
+              </a:ext>
+            </a:extLst>
+          </p:cNvPr>
+          <p:cNvSpPr>
+            <a:spLocks noGrp="1"/>
+          </p:cNvSpPr>
+          <p:nvPr>
+            <p:ph type="title"/>
+          </p:nvPr>
+        </p:nvSpPr>
+        <p:spPr/>
+        <p:txBody>
+          <a:bodyPr/>
+          <a:lstStyle/>
+          <a:p>
+            <a:r>
+              <a:rPr lang="sk-SK" dirty="0"/>
+              <a:t>Ciele semestrálneho projektu</a:t>
+            </a:r>
+          </a:p>
+        </p:txBody>
+      </p:sp>
+      <p:sp>
+        <p:nvSpPr>
+          <p:cNvPr id="3" name="Zástupný objekt pre obsah 2">
+            <a:extLst>
+              <a:ext uri="{FF2B5EF4-FFF2-40B4-BE49-F238E27FC236}">
+                <a16:creationId xmlns:a16="http://schemas.microsoft.com/office/drawing/2014/main" id="{E3BC3DED-30E5-4F26-AB10-4D954EC3AB27}"/>
+              </a:ext>
+            </a:extLst>
+          </p:cNvPr>
+          <p:cNvSpPr>
+            <a:spLocks noGrp="1"/>
+          </p:cNvSpPr>
+          <p:nvPr>
+            <p:ph idx="1"/>
+          </p:nvPr>
+        </p:nvSpPr>
+        <p:spPr/>
+        <p:txBody>
+          <a:bodyPr/>
+          <a:lstStyle/>
+          <a:p>
+            <a:r>
+              <a:rPr lang="sk-SK" dirty="0"/>
+              <a:t>Porozumenie vybranému </a:t>
+            </a:r>
+            <a:r>
+              <a:rPr lang="sk-SK" dirty="0" err="1"/>
+              <a:t>datasetu</a:t>
+            </a:r>
+            <a:endParaRPr lang="sk-SK" dirty="0"/>
+          </a:p>
+          <a:p>
+            <a:r>
+              <a:rPr lang="sk-SK" dirty="0"/>
+              <a:t>Analýza dát</a:t>
+            </a:r>
+          </a:p>
+          <a:p>
+            <a:r>
+              <a:rPr lang="sk-SK" dirty="0"/>
+              <a:t>Príprava dát</a:t>
+            </a:r>
+          </a:p>
+          <a:p>
+            <a:r>
+              <a:rPr lang="sk-SK" dirty="0"/>
+              <a:t>Natrénovanie neurónovej siete</a:t>
+            </a:r>
+          </a:p>
+          <a:p>
+            <a:r>
+              <a:rPr lang="sk-SK" dirty="0"/>
+              <a:t>Otestovanie modelu cvičnými dátami</a:t>
+            </a:r>
+          </a:p>
+          <a:p>
+            <a:endParaRPr lang="sk-SK" dirty="0"/>
+          </a:p>
+        </p:txBody>
+      </p:sp>
+    </p:spTree>
+    <p:extLst>
+      <p:ext uri="{BB962C8B-B14F-4D97-AF65-F5344CB8AC3E}">
+        <p14:creationId xmlns:p14="http://schemas.microsoft.com/office/powerpoint/2010/main" val="1148201853"/>
+      </p:ext>
+    </p:extLst>
+  </p:cSld>
+  <p:clrMapOvr>
+    <a:masterClrMapping/>
+  </p:clrMapOvr>
+</p:sld>
+</file>
+
+<file path=ppt/slides/slide3.xml><?xml version="1.0" encoding="utf-8"?>
+<p:sld xmlns:a="http://schemas.openxmlformats.org/drawingml/2006/main" xmlns:r="http://schemas.openxmlformats.org/officeDocument/2006/relationships" xmlns:p="http://schemas.openxmlformats.org/presentationml/2006/main">
+  <p:cSld>
+    <p:bg>
+      <p:bgPr>
+        <a:solidFill>
+          <a:schemeClr val="bg2"/>
+        </a:solidFill>
+        <a:effectLst/>
+      </p:bgPr>
+    </p:bg>
+    <p:spTree>
+      <p:nvGrpSpPr>
+        <p:cNvPr id="1" name=""/>
+        <p:cNvGrpSpPr/>
+        <p:nvPr/>
+      </p:nvGrpSpPr>
+      <p:grpSpPr>
+        <a:xfrm>
+          <a:off x="0" y="0"/>
+          <a:ext cx="0" cy="0"/>
+          <a:chOff x="0" y="0"/>
+          <a:chExt cx="0" cy="0"/>
+        </a:xfrm>
+      </p:grpSpPr>
+      <p:sp>
+        <p:nvSpPr>
+          <p:cNvPr id="15" name="Freeform: Shape 7">
+            <a:extLst>
+              <a:ext uri="{FF2B5EF4-FFF2-40B4-BE49-F238E27FC236}">
+                <a16:creationId xmlns:a16="http://schemas.microsoft.com/office/drawing/2014/main" id="{A6EF5A53-0A64-4CA5-B9C7-1CB97CB5CF1C}"/>
+              </a:ext>
+              <a:ext uri="{C183D7F6-B498-43B3-948B-1728B52AA6E4}">
+                <adec:decorative xmlns:adec="http://schemas.microsoft.com/office/drawing/2017/decorative" val="1"/>
+              </a:ext>
+            </a:extLst>
+          </p:cNvPr>
+          <p:cNvSpPr>
+            <a:spLocks noGrp="1" noRot="1" noChangeAspect="1" noMove="1" noResize="1" noEditPoints="1" noAdjustHandles="1" noChangeArrowheads="1" noChangeShapeType="1" noTextEdit="1"/>
+          </p:cNvSpPr>
+          <p:nvPr>
+            <p:extLst>
+              <p:ext uri="{386F3935-93C4-4BCD-93E2-E3B085C9AB24}">
+                <p16:designElem xmlns:p16="http://schemas.microsoft.com/office/powerpoint/2015/main" val="1"/>
+              </p:ext>
+            </p:extLst>
+          </p:nvPr>
+        </p:nvSpPr>
+        <p:spPr>
+          <a:xfrm>
+            <a:off x="8157843" y="6244836"/>
+            <a:ext cx="4034156" cy="613164"/>
+          </a:xfrm>
+          <a:custGeom>
+            <a:avLst/>
+            <a:gdLst>
+              <a:gd name="connsiteX0" fmla="*/ 1479137 w 4034156"/>
+              <a:gd name="connsiteY0" fmla="*/ 230 h 613164"/>
+              <a:gd name="connsiteX1" fmla="*/ 3482844 w 4034156"/>
+              <a:gd name="connsiteY1" fmla="*/ 298555 h 613164"/>
+              <a:gd name="connsiteX2" fmla="*/ 3831590 w 4034156"/>
+              <a:gd name="connsiteY2" fmla="*/ 425010 h 613164"/>
+              <a:gd name="connsiteX3" fmla="*/ 4034156 w 4034156"/>
+              <a:gd name="connsiteY3" fmla="*/ 494088 h 613164"/>
+              <a:gd name="connsiteX4" fmla="*/ 4034156 w 4034156"/>
+              <a:gd name="connsiteY4" fmla="*/ 613164 h 613164"/>
+              <a:gd name="connsiteX5" fmla="*/ 0 w 4034156"/>
+              <a:gd name="connsiteY5" fmla="*/ 613164 h 613164"/>
+              <a:gd name="connsiteX6" fmla="*/ 54792 w 4034156"/>
+              <a:gd name="connsiteY6" fmla="*/ 512415 h 613164"/>
+              <a:gd name="connsiteX7" fmla="*/ 168327 w 4034156"/>
+              <a:gd name="connsiteY7" fmla="*/ 366637 h 613164"/>
+              <a:gd name="connsiteX8" fmla="*/ 1192562 w 4034156"/>
+              <a:gd name="connsiteY8" fmla="*/ 1522 h 613164"/>
+              <a:gd name="connsiteX9" fmla="*/ 1479137 w 4034156"/>
+              <a:gd name="connsiteY9" fmla="*/ 230 h 613164"/>
+            </a:gdLst>
+            <a:ahLst/>
+            <a:cxnLst>
+              <a:cxn ang="0">
+                <a:pos x="connsiteX0" y="connsiteY0"/>
+              </a:cxn>
+              <a:cxn ang="0">
+                <a:pos x="connsiteX1" y="connsiteY1"/>
+              </a:cxn>
+              <a:cxn ang="0">
+                <a:pos x="connsiteX2" y="connsiteY2"/>
+              </a:cxn>
+              <a:cxn ang="0">
+                <a:pos x="connsiteX3" y="connsiteY3"/>
+              </a:cxn>
+              <a:cxn ang="0">
+                <a:pos x="connsiteX4" y="connsiteY4"/>
+              </a:cxn>
+              <a:cxn ang="0">
+                <a:pos x="connsiteX5" y="connsiteY5"/>
+              </a:cxn>
+              <a:cxn ang="0">
+                <a:pos x="connsiteX6" y="connsiteY6"/>
+              </a:cxn>
+              <a:cxn ang="0">
+                <a:pos x="connsiteX7" y="connsiteY7"/>
+              </a:cxn>
+              <a:cxn ang="0">
+                <a:pos x="connsiteX8" y="connsiteY8"/>
+              </a:cxn>
+              <a:cxn ang="0">
+                <a:pos x="connsiteX9" y="connsiteY9"/>
+              </a:cxn>
+            </a:cxnLst>
+            <a:rect l="l" t="t" r="r" b="b"/>
+            <a:pathLst>
+              <a:path w="4034156" h="613164">
+                <a:moveTo>
+                  <a:pt x="1479137" y="230"/>
+                </a:moveTo>
+                <a:cubicBezTo>
+                  <a:pt x="2152575" y="4287"/>
+                  <a:pt x="2854487" y="63583"/>
+                  <a:pt x="3482844" y="298555"/>
+                </a:cubicBezTo>
+                <a:cubicBezTo>
+                  <a:pt x="3599338" y="342114"/>
+                  <a:pt x="3715540" y="384216"/>
+                  <a:pt x="3831590" y="425010"/>
+                </a:cubicBezTo>
+                <a:lnTo>
+                  <a:pt x="4034156" y="494088"/>
+                </a:lnTo>
+                <a:lnTo>
+                  <a:pt x="4034156" y="613164"/>
+                </a:lnTo>
+                <a:lnTo>
+                  <a:pt x="0" y="613164"/>
+                </a:lnTo>
+                <a:lnTo>
+                  <a:pt x="54792" y="512415"/>
+                </a:lnTo>
+                <a:cubicBezTo>
+                  <a:pt x="88888" y="459433"/>
+                  <a:pt x="126502" y="410480"/>
+                  <a:pt x="168327" y="366637"/>
+                </a:cubicBezTo>
+                <a:cubicBezTo>
+                  <a:pt x="428292" y="94062"/>
+                  <a:pt x="821899" y="6565"/>
+                  <a:pt x="1192562" y="1522"/>
+                </a:cubicBezTo>
+                <a:cubicBezTo>
+                  <a:pt x="1287308" y="198"/>
+                  <a:pt x="1382932" y="-349"/>
+                  <a:pt x="1479137" y="230"/>
+                </a:cubicBezTo>
+                <a:close/>
+              </a:path>
+            </a:pathLst>
+          </a:custGeom>
+          <a:solidFill>
+            <a:schemeClr val="accent6"/>
+          </a:solidFill>
+          <a:ln>
+            <a:noFill/>
+          </a:ln>
+        </p:spPr>
+        <p:style>
+          <a:lnRef idx="2">
+            <a:schemeClr val="accent1">
+              <a:shade val="50000"/>
+            </a:schemeClr>
+          </a:lnRef>
+          <a:fillRef idx="1">
+            <a:schemeClr val="accent1"/>
+          </a:fillRef>
+          <a:effectRef idx="0">
+            <a:schemeClr val="accent1"/>
+          </a:effectRef>
+          <a:fontRef idx="minor">
+            <a:schemeClr val="lt1"/>
+          </a:fontRef>
+        </p:style>
+        <p:txBody>
+          <a:bodyPr wrap="square" rtlCol="0" anchor="ctr">
+            <a:noAutofit/>
+          </a:bodyPr>
+          <a:lstStyle/>
+          <a:p>
+            <a:pPr marL="0" marR="0" lvl="0" indent="0" algn="ctr" defTabSz="914400" rtl="0" eaLnBrk="1" fontAlgn="auto" latinLnBrk="0" hangingPunct="1">
+              <a:lnSpc>
+                <a:spcPct val="100000"/>
+              </a:lnSpc>
+              <a:spcBef>
+                <a:spcPts val="0"/>
+              </a:spcBef>
+              <a:spcAft>
+                <a:spcPts val="0"/>
+              </a:spcAft>
+              <a:buClrTx/>
+              <a:buSzTx/>
+              <a:buFontTx/>
+              <a:buNone/>
+              <a:tabLst/>
+              <a:defRPr/>
+            </a:pPr>
+            <a:endParaRPr kumimoji="0" lang="en-US" sz="1500" b="0" i="0" u="none" strike="noStrike" kern="1200" cap="none" spc="0" normalizeH="0" baseline="0" noProof="0">
+              <a:ln>
+                <a:noFill/>
+              </a:ln>
+              <a:solidFill>
+                <a:prstClr val="white"/>
+              </a:solidFill>
+              <a:effectLst/>
+              <a:uLnTx/>
+              <a:uFillTx/>
+              <a:latin typeface="Avenir Next LT Pro" panose="020B0504020202020204" pitchFamily="34" charset="0"/>
+              <a:ea typeface="+mn-ea"/>
+              <a:cs typeface="+mn-cs"/>
+            </a:endParaRPr>
+          </a:p>
+        </p:txBody>
+      </p:sp>
+      <p:sp>
+        <p:nvSpPr>
+          <p:cNvPr id="17" name="Freeform: Shape 9">
+            <a:extLst>
+              <a:ext uri="{FF2B5EF4-FFF2-40B4-BE49-F238E27FC236}">
+                <a16:creationId xmlns:a16="http://schemas.microsoft.com/office/drawing/2014/main" id="{34ABFBEA-4EB0-4D02-A2C0-1733CD3D6F12}"/>
+              </a:ext>
+              <a:ext uri="{C183D7F6-B498-43B3-948B-1728B52AA6E4}">
+                <adec:decorative xmlns:adec="http://schemas.microsoft.com/office/drawing/2017/decorative" val="1"/>
+              </a:ext>
+            </a:extLst>
+          </p:cNvPr>
+          <p:cNvSpPr>
+            <a:spLocks noGrp="1" noRot="1" noChangeAspect="1" noMove="1" noResize="1" noEditPoints="1" noAdjustHandles="1" noChangeArrowheads="1" noChangeShapeType="1" noTextEdit="1"/>
+          </p:cNvSpPr>
+          <p:nvPr>
+            <p:extLst>
+              <p:ext uri="{386F3935-93C4-4BCD-93E2-E3B085C9AB24}">
+                <p16:designElem xmlns:p16="http://schemas.microsoft.com/office/powerpoint/2015/main" val="1"/>
+              </p:ext>
+            </p:extLst>
+          </p:nvPr>
+        </p:nvSpPr>
+        <p:spPr>
+          <a:xfrm>
+            <a:off x="1" y="688126"/>
+            <a:ext cx="448491" cy="1634252"/>
+          </a:xfrm>
+          <a:custGeom>
+            <a:avLst/>
+            <a:gdLst>
+              <a:gd name="connsiteX0" fmla="*/ 0 w 448491"/>
+              <a:gd name="connsiteY0" fmla="*/ 0 h 1634252"/>
+              <a:gd name="connsiteX1" fmla="*/ 12983 w 448491"/>
+              <a:gd name="connsiteY1" fmla="*/ 10508 h 1634252"/>
+              <a:gd name="connsiteX2" fmla="*/ 441611 w 448491"/>
+              <a:gd name="connsiteY2" fmla="*/ 863751 h 1634252"/>
+              <a:gd name="connsiteX3" fmla="*/ 251011 w 448491"/>
+              <a:gd name="connsiteY3" fmla="*/ 1302895 h 1634252"/>
+              <a:gd name="connsiteX4" fmla="*/ 74605 w 448491"/>
+              <a:gd name="connsiteY4" fmla="*/ 1543249 h 1634252"/>
+              <a:gd name="connsiteX5" fmla="*/ 0 w 448491"/>
+              <a:gd name="connsiteY5" fmla="*/ 1634252 h 1634252"/>
+            </a:gdLst>
+            <a:ahLst/>
+            <a:cxnLst>
+              <a:cxn ang="0">
+                <a:pos x="connsiteX0" y="connsiteY0"/>
+              </a:cxn>
+              <a:cxn ang="0">
+                <a:pos x="connsiteX1" y="connsiteY1"/>
+              </a:cxn>
+              <a:cxn ang="0">
+                <a:pos x="connsiteX2" y="connsiteY2"/>
+              </a:cxn>
+              <a:cxn ang="0">
+                <a:pos x="connsiteX3" y="connsiteY3"/>
+              </a:cxn>
+              <a:cxn ang="0">
+                <a:pos x="connsiteX4" y="connsiteY4"/>
+              </a:cxn>
+              <a:cxn ang="0">
+                <a:pos x="connsiteX5" y="connsiteY5"/>
+              </a:cxn>
+            </a:cxnLst>
+            <a:rect l="l" t="t" r="r" b="b"/>
+            <a:pathLst>
+              <a:path w="448491" h="1634252">
+                <a:moveTo>
+                  <a:pt x="0" y="0"/>
+                </a:moveTo>
+                <a:lnTo>
+                  <a:pt x="12983" y="10508"/>
+                </a:lnTo>
+                <a:cubicBezTo>
+                  <a:pt x="278410" y="241022"/>
+                  <a:pt x="489787" y="530267"/>
+                  <a:pt x="441611" y="863751"/>
+                </a:cubicBezTo>
+                <a:cubicBezTo>
+                  <a:pt x="418542" y="1022632"/>
+                  <a:pt x="337007" y="1166302"/>
+                  <a:pt x="251011" y="1302895"/>
+                </a:cubicBezTo>
+                <a:cubicBezTo>
+                  <a:pt x="215138" y="1359902"/>
+                  <a:pt x="154723" y="1442480"/>
+                  <a:pt x="74605" y="1543249"/>
+                </a:cubicBezTo>
+                <a:lnTo>
+                  <a:pt x="0" y="1634252"/>
+                </a:lnTo>
+                <a:close/>
+              </a:path>
+            </a:pathLst>
+          </a:custGeom>
+          <a:solidFill>
+            <a:schemeClr val="accent1"/>
+          </a:solidFill>
+          <a:ln>
+            <a:noFill/>
+          </a:ln>
+        </p:spPr>
+        <p:style>
+          <a:lnRef idx="2">
+            <a:schemeClr val="accent1">
+              <a:shade val="50000"/>
+            </a:schemeClr>
+          </a:lnRef>
+          <a:fillRef idx="1">
+            <a:schemeClr val="accent1"/>
+          </a:fillRef>
+          <a:effectRef idx="0">
+            <a:schemeClr val="accent1"/>
+          </a:effectRef>
+          <a:fontRef idx="minor">
+            <a:schemeClr val="lt1"/>
+          </a:fontRef>
+        </p:style>
+        <p:txBody>
+          <a:bodyPr wrap="square" rtlCol="0" anchor="ctr">
+            <a:noAutofit/>
+          </a:bodyPr>
+          <a:lstStyle/>
+          <a:p>
+            <a:pPr algn="ctr"/>
+            <a:endParaRPr lang="en-US" sz="900">
+              <a:solidFill>
+                <a:prstClr val="white"/>
+              </a:solidFill>
+              <a:latin typeface="Avenir Next LT Pro" panose="020B0504020202020204" pitchFamily="34" charset="0"/>
+            </a:endParaRPr>
+          </a:p>
+        </p:txBody>
+      </p:sp>
+      <p:sp>
+        <p:nvSpPr>
+          <p:cNvPr id="19" name="Freeform: Shape 11">
+            <a:extLst>
+              <a:ext uri="{FF2B5EF4-FFF2-40B4-BE49-F238E27FC236}">
+                <a16:creationId xmlns:a16="http://schemas.microsoft.com/office/drawing/2014/main" id="{19E083F6-57F4-487B-A766-EA0462B1EED8}"/>
+              </a:ext>
+              <a:ext uri="{C183D7F6-B498-43B3-948B-1728B52AA6E4}">
+                <adec:decorative xmlns:adec="http://schemas.microsoft.com/office/drawing/2017/decorative" val="1"/>
+              </a:ext>
+            </a:extLst>
+          </p:cNvPr>
+          <p:cNvSpPr>
+            <a:spLocks noGrp="1" noRot="1" noChangeAspect="1" noMove="1" noResize="1" noEditPoints="1" noAdjustHandles="1" noChangeArrowheads="1" noChangeShapeType="1" noTextEdit="1"/>
+          </p:cNvSpPr>
+          <p:nvPr>
+            <p:extLst>
+              <p:ext uri="{386F3935-93C4-4BCD-93E2-E3B085C9AB24}">
+                <p16:designElem xmlns:p16="http://schemas.microsoft.com/office/powerpoint/2015/main" val="1"/>
+              </p:ext>
+            </p:extLst>
+          </p:nvPr>
+        </p:nvSpPr>
+        <p:spPr>
+          <a:xfrm>
+            <a:off x="7309459" y="6144069"/>
+            <a:ext cx="4418271" cy="718159"/>
+          </a:xfrm>
+          <a:custGeom>
+            <a:avLst/>
+            <a:gdLst>
+              <a:gd name="connsiteX0" fmla="*/ 1421452 w 4590626"/>
+              <a:gd name="connsiteY0" fmla="*/ 0 h 713930"/>
+              <a:gd name="connsiteX1" fmla="*/ 3247781 w 4590626"/>
+              <a:gd name="connsiteY1" fmla="*/ 271915 h 713930"/>
+              <a:gd name="connsiteX2" fmla="*/ 4517331 w 4590626"/>
+              <a:gd name="connsiteY2" fmla="*/ 693394 h 713930"/>
+              <a:gd name="connsiteX3" fmla="*/ 4590626 w 4590626"/>
+              <a:gd name="connsiteY3" fmla="*/ 713930 h 713930"/>
+              <a:gd name="connsiteX4" fmla="*/ 0 w 4590626"/>
+              <a:gd name="connsiteY4" fmla="*/ 713930 h 713930"/>
+              <a:gd name="connsiteX5" fmla="*/ 2854 w 4590626"/>
+              <a:gd name="connsiteY5" fmla="*/ 705624 h 713930"/>
+              <a:gd name="connsiteX6" fmla="*/ 226680 w 4590626"/>
+              <a:gd name="connsiteY6" fmla="*/ 333970 h 713930"/>
+              <a:gd name="connsiteX7" fmla="*/ 1160245 w 4590626"/>
+              <a:gd name="connsiteY7" fmla="*/ 1178 h 713930"/>
+              <a:gd name="connsiteX8" fmla="*/ 1421452 w 4590626"/>
+              <a:gd name="connsiteY8" fmla="*/ 0 h 713930"/>
+              <a:gd name="connsiteX0" fmla="*/ 1421452 w 4517331"/>
+              <a:gd name="connsiteY0" fmla="*/ 0 h 713930"/>
+              <a:gd name="connsiteX1" fmla="*/ 3247781 w 4517331"/>
+              <a:gd name="connsiteY1" fmla="*/ 271915 h 713930"/>
+              <a:gd name="connsiteX2" fmla="*/ 4517331 w 4517331"/>
+              <a:gd name="connsiteY2" fmla="*/ 693394 h 713930"/>
+              <a:gd name="connsiteX3" fmla="*/ 0 w 4517331"/>
+              <a:gd name="connsiteY3" fmla="*/ 713930 h 713930"/>
+              <a:gd name="connsiteX4" fmla="*/ 2854 w 4517331"/>
+              <a:gd name="connsiteY4" fmla="*/ 705624 h 713930"/>
+              <a:gd name="connsiteX5" fmla="*/ 226680 w 4517331"/>
+              <a:gd name="connsiteY5" fmla="*/ 333970 h 713930"/>
+              <a:gd name="connsiteX6" fmla="*/ 1160245 w 4517331"/>
+              <a:gd name="connsiteY6" fmla="*/ 1178 h 713930"/>
+              <a:gd name="connsiteX7" fmla="*/ 1421452 w 4517331"/>
+              <a:gd name="connsiteY7" fmla="*/ 0 h 713930"/>
+              <a:gd name="connsiteX0" fmla="*/ 0 w 4608771"/>
+              <a:gd name="connsiteY0" fmla="*/ 713930 h 784834"/>
+              <a:gd name="connsiteX1" fmla="*/ 2854 w 4608771"/>
+              <a:gd name="connsiteY1" fmla="*/ 705624 h 784834"/>
+              <a:gd name="connsiteX2" fmla="*/ 226680 w 4608771"/>
+              <a:gd name="connsiteY2" fmla="*/ 333970 h 784834"/>
+              <a:gd name="connsiteX3" fmla="*/ 1160245 w 4608771"/>
+              <a:gd name="connsiteY3" fmla="*/ 1178 h 784834"/>
+              <a:gd name="connsiteX4" fmla="*/ 1421452 w 4608771"/>
+              <a:gd name="connsiteY4" fmla="*/ 0 h 784834"/>
+              <a:gd name="connsiteX5" fmla="*/ 3247781 w 4608771"/>
+              <a:gd name="connsiteY5" fmla="*/ 271915 h 784834"/>
+              <a:gd name="connsiteX6" fmla="*/ 4608771 w 4608771"/>
+              <a:gd name="connsiteY6" fmla="*/ 784834 h 784834"/>
+              <a:gd name="connsiteX0" fmla="*/ 0 w 4418271"/>
+              <a:gd name="connsiteY0" fmla="*/ 713930 h 718159"/>
+              <a:gd name="connsiteX1" fmla="*/ 2854 w 4418271"/>
+              <a:gd name="connsiteY1" fmla="*/ 705624 h 718159"/>
+              <a:gd name="connsiteX2" fmla="*/ 226680 w 4418271"/>
+              <a:gd name="connsiteY2" fmla="*/ 333970 h 718159"/>
+              <a:gd name="connsiteX3" fmla="*/ 1160245 w 4418271"/>
+              <a:gd name="connsiteY3" fmla="*/ 1178 h 718159"/>
+              <a:gd name="connsiteX4" fmla="*/ 1421452 w 4418271"/>
+              <a:gd name="connsiteY4" fmla="*/ 0 h 718159"/>
+              <a:gd name="connsiteX5" fmla="*/ 3247781 w 4418271"/>
+              <a:gd name="connsiteY5" fmla="*/ 271915 h 718159"/>
+              <a:gd name="connsiteX6" fmla="*/ 4418271 w 4418271"/>
+              <a:gd name="connsiteY6" fmla="*/ 718159 h 718159"/>
+            </a:gdLst>
+            <a:ahLst/>
+            <a:cxnLst>
+              <a:cxn ang="0">
+                <a:pos x="connsiteX0" y="connsiteY0"/>
+              </a:cxn>
+              <a:cxn ang="0">
+                <a:pos x="connsiteX1" y="connsiteY1"/>
+              </a:cxn>
+              <a:cxn ang="0">
+                <a:pos x="connsiteX2" y="connsiteY2"/>
+              </a:cxn>
+              <a:cxn ang="0">
+                <a:pos x="connsiteX3" y="connsiteY3"/>
+              </a:cxn>
+              <a:cxn ang="0">
+                <a:pos x="connsiteX4" y="connsiteY4"/>
+              </a:cxn>
+              <a:cxn ang="0">
+                <a:pos x="connsiteX5" y="connsiteY5"/>
+              </a:cxn>
+              <a:cxn ang="0">
+                <a:pos x="connsiteX6" y="connsiteY6"/>
+              </a:cxn>
+            </a:cxnLst>
+            <a:rect l="l" t="t" r="r" b="b"/>
+            <a:pathLst>
+              <a:path w="4418271" h="718159">
+                <a:moveTo>
+                  <a:pt x="0" y="713930"/>
+                </a:moveTo>
+                <a:lnTo>
+                  <a:pt x="2854" y="705624"/>
+                </a:lnTo>
+                <a:cubicBezTo>
+                  <a:pt x="60059" y="562888"/>
+                  <a:pt x="131373" y="433874"/>
+                  <a:pt x="226680" y="333970"/>
+                </a:cubicBezTo>
+                <a:cubicBezTo>
+                  <a:pt x="463632" y="85526"/>
+                  <a:pt x="822395" y="5774"/>
+                  <a:pt x="1160245" y="1178"/>
+                </a:cubicBezTo>
+                <a:lnTo>
+                  <a:pt x="1421452" y="0"/>
+                </a:lnTo>
+                <a:cubicBezTo>
+                  <a:pt x="2035274" y="3698"/>
+                  <a:pt x="2748311" y="152222"/>
+                  <a:pt x="3247781" y="271915"/>
+                </a:cubicBezTo>
+                <a:cubicBezTo>
+                  <a:pt x="3747251" y="391608"/>
+                  <a:pt x="3902480" y="501606"/>
+                  <a:pt x="4418271" y="718159"/>
+                </a:cubicBezTo>
+              </a:path>
+            </a:pathLst>
+          </a:custGeom>
+          <a:noFill/>
+          <a:ln>
+            <a:solidFill>
+              <a:schemeClr val="accent4"/>
+            </a:solidFill>
+          </a:ln>
+        </p:spPr>
+        <p:style>
+          <a:lnRef idx="2">
+            <a:schemeClr val="accent1">
+              <a:shade val="50000"/>
+            </a:schemeClr>
+          </a:lnRef>
+          <a:fillRef idx="1">
+            <a:schemeClr val="accent1"/>
+          </a:fillRef>
+          <a:effectRef idx="0">
+            <a:schemeClr val="accent1"/>
+          </a:effectRef>
+          <a:fontRef idx="minor">
+            <a:schemeClr val="lt1"/>
+          </a:fontRef>
+        </p:style>
+        <p:txBody>
+          <a:bodyPr rtlCol="0" anchor="ctr"/>
+          <a:lstStyle/>
+          <a:p>
+            <a:pPr marL="0" marR="0" lvl="0" indent="0" algn="ctr" defTabSz="914400" rtl="0" eaLnBrk="1" fontAlgn="auto" latinLnBrk="0" hangingPunct="1">
+              <a:lnSpc>
+                <a:spcPct val="100000"/>
+              </a:lnSpc>
+              <a:spcBef>
+                <a:spcPts val="0"/>
+              </a:spcBef>
+              <a:spcAft>
+                <a:spcPts val="0"/>
+              </a:spcAft>
+              <a:buClrTx/>
+              <a:buSzTx/>
+              <a:buFontTx/>
+              <a:buNone/>
+              <a:tabLst/>
+              <a:defRPr/>
+            </a:pPr>
+            <a:endParaRPr kumimoji="0" lang="en-US" sz="1800" b="0" i="0" u="none" strike="noStrike" kern="1200" cap="none" spc="0" normalizeH="0" baseline="0" noProof="0">
+              <a:ln>
+                <a:noFill/>
+              </a:ln>
+              <a:solidFill>
+                <a:prstClr val="white"/>
+              </a:solidFill>
+              <a:effectLst/>
+              <a:uLnTx/>
+              <a:uFillTx/>
+              <a:latin typeface="Avenir Next LT Pro Light"/>
+              <a:ea typeface="+mn-ea"/>
+              <a:cs typeface="+mn-cs"/>
+            </a:endParaRPr>
+          </a:p>
+        </p:txBody>
+      </p:sp>
+      <p:sp useBgFill="1">
+        <p:nvSpPr>
+          <p:cNvPr id="14" name="Rectangle 13">
+            <a:extLst>
+              <a:ext uri="{FF2B5EF4-FFF2-40B4-BE49-F238E27FC236}">
+                <a16:creationId xmlns:a16="http://schemas.microsoft.com/office/drawing/2014/main" id="{7A18C9FB-EC4C-4DAE-8F7D-C6E5AF607958}"/>
+              </a:ext>
+              <a:ext uri="{C183D7F6-B498-43B3-948B-1728B52AA6E4}">
+                <adec:decorative xmlns:adec="http://schemas.microsoft.com/office/drawing/2017/decorative" val="1"/>
+              </a:ext>
+            </a:extLst>
+          </p:cNvPr>
+          <p:cNvSpPr>
+            <a:spLocks noGrp="1" noRot="1" noChangeAspect="1" noMove="1" noResize="1" noEditPoints="1" noAdjustHandles="1" noChangeArrowheads="1" noChangeShapeType="1" noTextEdit="1"/>
+          </p:cNvSpPr>
+          <p:nvPr>
+            <p:extLst>
+              <p:ext uri="{386F3935-93C4-4BCD-93E2-E3B085C9AB24}">
+                <p16:designElem xmlns:p16="http://schemas.microsoft.com/office/powerpoint/2015/main" val="1"/>
+              </p:ext>
+            </p:extLst>
+          </p:nvPr>
+        </p:nvSpPr>
+        <p:spPr>
+          <a:xfrm>
+            <a:off x="0" y="0"/>
+            <a:ext cx="12192000" cy="6858000"/>
+          </a:xfrm>
+          <a:prstGeom prst="rect">
+            <a:avLst/>
+          </a:prstGeom>
+          <a:ln w="12700" cap="flat" cmpd="sng" algn="ctr">
+            <a:noFill/>
+            <a:prstDash val="solid"/>
+            <a:miter lim="800000"/>
+          </a:ln>
+          <a:effectLst/>
+          <a:extLst>
+            <a:ext uri="{91240B29-F687-4F45-9708-019B960494DF}">
+              <a14:hiddenLine xmlns:a14="http://schemas.microsoft.com/office/drawing/2010/main" w="12700" cap="flat" cmpd="sng" algn="ctr">
+                <a:solidFill>
+                  <a:schemeClr val="accent1">
+                    <a:shade val="50000"/>
+                  </a:schemeClr>
+                </a:solidFill>
+                <a:prstDash val="solid"/>
+                <a:miter lim="800000"/>
+              </a14:hiddenLine>
+            </a:ext>
+          </a:extLst>
+        </p:spPr>
+        <p:style>
+          <a:lnRef idx="2">
+            <a:schemeClr val="accent1">
+              <a:shade val="50000"/>
+            </a:schemeClr>
+          </a:lnRef>
+          <a:fillRef idx="1">
+            <a:schemeClr val="accent1"/>
+          </a:fillRef>
+          <a:effectRef idx="0">
+            <a:schemeClr val="accent1"/>
+          </a:effectRef>
+          <a:fontRef idx="minor">
+            <a:schemeClr val="lt1"/>
+          </a:fontRef>
+        </p:style>
+        <p:txBody>
+          <a:bodyPr rtlCol="0" anchor="ctr"/>
+          <a:lstStyle/>
+          <a:p>
+            <a:endParaRPr lang="en-US" dirty="0"/>
+          </a:p>
+        </p:txBody>
+      </p:sp>
+      <p:sp>
+        <p:nvSpPr>
+          <p:cNvPr id="2" name="Nadpis 1">
+            <a:extLst>
+              <a:ext uri="{FF2B5EF4-FFF2-40B4-BE49-F238E27FC236}">
+                <a16:creationId xmlns:a16="http://schemas.microsoft.com/office/drawing/2014/main" id="{B25710B8-8F33-42B4-92D5-36EEF46847E8}"/>
+              </a:ext>
+            </a:extLst>
+          </p:cNvPr>
+          <p:cNvSpPr>
+            <a:spLocks noGrp="1"/>
+          </p:cNvSpPr>
+          <p:nvPr>
+            <p:ph type="title"/>
+          </p:nvPr>
+        </p:nvSpPr>
+        <p:spPr>
+          <a:xfrm>
+            <a:off x="762000" y="464095"/>
+            <a:ext cx="10668000" cy="1085313"/>
+          </a:xfrm>
+        </p:spPr>
+        <p:txBody>
+          <a:bodyPr vert="horz" lIns="91440" tIns="45720" rIns="91440" bIns="45720" rtlCol="0" anchor="b">
+            <a:normAutofit/>
+          </a:bodyPr>
+          <a:lstStyle/>
+          <a:p>
+            <a:r>
+              <a:rPr lang="sk-SK" kern="1200" dirty="0">
+                <a:solidFill>
+                  <a:schemeClr val="tx1"/>
+                </a:solidFill>
+                <a:latin typeface="+mj-lt"/>
+                <a:ea typeface="+mj-ea"/>
+                <a:cs typeface="+mj-cs"/>
+              </a:rPr>
+              <a:t>Ukážka </a:t>
+            </a:r>
+            <a:r>
+              <a:rPr lang="sk-SK" kern="1200" dirty="0" err="1">
+                <a:solidFill>
+                  <a:schemeClr val="tx1"/>
+                </a:solidFill>
+                <a:latin typeface="+mj-lt"/>
+                <a:ea typeface="+mj-ea"/>
+                <a:cs typeface="+mj-cs"/>
+              </a:rPr>
+              <a:t>datasetu</a:t>
+            </a:r>
+            <a:endParaRPr lang="en-US" kern="1200" dirty="0">
+              <a:solidFill>
+                <a:schemeClr val="tx1"/>
+              </a:solidFill>
+              <a:latin typeface="+mj-lt"/>
+              <a:ea typeface="+mj-ea"/>
+              <a:cs typeface="+mj-cs"/>
+            </a:endParaRPr>
+          </a:p>
+        </p:txBody>
+      </p:sp>
+      <p:sp>
+        <p:nvSpPr>
+          <p:cNvPr id="16" name="Freeform: Shape 15">
+            <a:extLst>
+              <a:ext uri="{FF2B5EF4-FFF2-40B4-BE49-F238E27FC236}">
+                <a16:creationId xmlns:a16="http://schemas.microsoft.com/office/drawing/2014/main" id="{00572931-961B-4A48-8B38-E9A9DB6E8111}"/>
+              </a:ext>
+              <a:ext uri="{C183D7F6-B498-43B3-948B-1728B52AA6E4}">
+                <adec:decorative xmlns:adec="http://schemas.microsoft.com/office/drawing/2017/decorative" val="1"/>
+              </a:ext>
+            </a:extLst>
+          </p:cNvPr>
+          <p:cNvSpPr>
+            <a:spLocks noGrp="1" noRot="1" noChangeAspect="1" noMove="1" noResize="1" noEditPoints="1" noAdjustHandles="1" noChangeArrowheads="1" noChangeShapeType="1" noTextEdit="1"/>
+          </p:cNvSpPr>
+          <p:nvPr>
+            <p:extLst>
+              <p:ext uri="{386F3935-93C4-4BCD-93E2-E3B085C9AB24}">
+                <p16:designElem xmlns:p16="http://schemas.microsoft.com/office/powerpoint/2015/main" val="1"/>
+              </p:ext>
+            </p:extLst>
+          </p:nvPr>
+        </p:nvSpPr>
+        <p:spPr>
+          <a:xfrm rot="5400000">
+            <a:off x="615181" y="-615181"/>
+            <a:ext cx="1085312" cy="2315675"/>
+          </a:xfrm>
+          <a:custGeom>
+            <a:avLst/>
+            <a:gdLst>
+              <a:gd name="connsiteX0" fmla="*/ 0 w 1085312"/>
+              <a:gd name="connsiteY0" fmla="*/ 2315675 h 2315675"/>
+              <a:gd name="connsiteX1" fmla="*/ 0 w 1085312"/>
+              <a:gd name="connsiteY1" fmla="*/ 0 h 2315675"/>
+              <a:gd name="connsiteX2" fmla="*/ 53089 w 1085312"/>
+              <a:gd name="connsiteY2" fmla="*/ 4542 h 2315675"/>
+              <a:gd name="connsiteX3" fmla="*/ 790077 w 1085312"/>
+              <a:gd name="connsiteY3" fmla="*/ 872756 h 2315675"/>
+              <a:gd name="connsiteX4" fmla="*/ 1085252 w 1085312"/>
+              <a:gd name="connsiteY4" fmla="*/ 1943649 h 2315675"/>
+              <a:gd name="connsiteX5" fmla="*/ 1064832 w 1085312"/>
+              <a:gd name="connsiteY5" fmla="*/ 2198094 h 2315675"/>
+              <a:gd name="connsiteX6" fmla="*/ 1043734 w 1085312"/>
+              <a:gd name="connsiteY6" fmla="*/ 2315675 h 2315675"/>
+              <a:gd name="connsiteX7" fmla="*/ 0 w 1085312"/>
+              <a:gd name="connsiteY7" fmla="*/ 2315675 h 2315675"/>
+            </a:gdLst>
+            <a:ahLst/>
+            <a:cxnLst>
+              <a:cxn ang="0">
+                <a:pos x="connsiteX0" y="connsiteY0"/>
+              </a:cxn>
+              <a:cxn ang="0">
+                <a:pos x="connsiteX1" y="connsiteY1"/>
+              </a:cxn>
+              <a:cxn ang="0">
+                <a:pos x="connsiteX2" y="connsiteY2"/>
+              </a:cxn>
+              <a:cxn ang="0">
+                <a:pos x="connsiteX3" y="connsiteY3"/>
+              </a:cxn>
+              <a:cxn ang="0">
+                <a:pos x="connsiteX4" y="connsiteY4"/>
+              </a:cxn>
+              <a:cxn ang="0">
+                <a:pos x="connsiteX5" y="connsiteY5"/>
+              </a:cxn>
+              <a:cxn ang="0">
+                <a:pos x="connsiteX6" y="connsiteY6"/>
+              </a:cxn>
+              <a:cxn ang="0">
+                <a:pos x="connsiteX7" y="connsiteY7"/>
+              </a:cxn>
+            </a:cxnLst>
+            <a:rect l="l" t="t" r="r" b="b"/>
+            <a:pathLst>
+              <a:path w="1085312" h="2315675">
+                <a:moveTo>
+                  <a:pt x="0" y="2315675"/>
+                </a:moveTo>
+                <a:lnTo>
+                  <a:pt x="0" y="0"/>
+                </a:lnTo>
+                <a:lnTo>
+                  <a:pt x="53089" y="4542"/>
+                </a:lnTo>
+                <a:cubicBezTo>
+                  <a:pt x="405263" y="73503"/>
+                  <a:pt x="612623" y="486635"/>
+                  <a:pt x="790077" y="872756"/>
+                </a:cubicBezTo>
+                <a:cubicBezTo>
+                  <a:pt x="937425" y="1193596"/>
+                  <a:pt x="1088787" y="1533232"/>
+                  <a:pt x="1085252" y="1943649"/>
+                </a:cubicBezTo>
+                <a:cubicBezTo>
+                  <a:pt x="1084528" y="2029058"/>
+                  <a:pt x="1077341" y="2113833"/>
+                  <a:pt x="1064832" y="2198094"/>
+                </a:cubicBezTo>
+                <a:lnTo>
+                  <a:pt x="1043734" y="2315675"/>
+                </a:lnTo>
+                <a:lnTo>
+                  <a:pt x="0" y="2315675"/>
+                </a:lnTo>
+                <a:close/>
+              </a:path>
+            </a:pathLst>
+          </a:custGeom>
+          <a:solidFill>
+            <a:schemeClr val="accent1"/>
+          </a:solidFill>
+          <a:ln>
+            <a:noFill/>
+          </a:ln>
+        </p:spPr>
+        <p:style>
+          <a:lnRef idx="2">
+            <a:schemeClr val="accent1">
+              <a:shade val="50000"/>
+            </a:schemeClr>
+          </a:lnRef>
+          <a:fillRef idx="1">
+            <a:schemeClr val="accent1"/>
+          </a:fillRef>
+          <a:effectRef idx="0">
+            <a:schemeClr val="accent1"/>
+          </a:effectRef>
+          <a:fontRef idx="minor">
+            <a:schemeClr val="lt1"/>
+          </a:fontRef>
+        </p:style>
+        <p:txBody>
+          <a:bodyPr rtlCol="0" anchor="ctr"/>
+          <a:lstStyle/>
+          <a:p>
+            <a:pPr algn="ctr"/>
+            <a:endParaRPr lang="en-US" sz="900">
+              <a:solidFill>
+                <a:schemeClr val="bg1"/>
+              </a:solidFill>
+              <a:latin typeface="Avenir Next LT Pro" panose="020B0504020202020204" pitchFamily="34" charset="0"/>
+            </a:endParaRPr>
+          </a:p>
+        </p:txBody>
+      </p:sp>
+      <p:sp>
+        <p:nvSpPr>
+          <p:cNvPr id="18" name="Freeform: Shape 17">
+            <a:extLst>
+              <a:ext uri="{FF2B5EF4-FFF2-40B4-BE49-F238E27FC236}">
+                <a16:creationId xmlns:a16="http://schemas.microsoft.com/office/drawing/2014/main" id="{0F29AAD2-96E3-4A6F-9A5E-B6B9E7E11EC4}"/>
+              </a:ext>
+              <a:ext uri="{C183D7F6-B498-43B3-948B-1728B52AA6E4}">
+                <adec:decorative xmlns:adec="http://schemas.microsoft.com/office/drawing/2017/decorative" val="1"/>
+              </a:ext>
+            </a:extLst>
+          </p:cNvPr>
+          <p:cNvSpPr>
+            <a:spLocks noGrp="1" noRot="1" noChangeAspect="1" noMove="1" noResize="1" noEditPoints="1" noAdjustHandles="1" noChangeArrowheads="1" noChangeShapeType="1" noTextEdit="1"/>
+          </p:cNvSpPr>
+          <p:nvPr>
+            <p:extLst>
+              <p:ext uri="{386F3935-93C4-4BCD-93E2-E3B085C9AB24}">
+                <p16:designElem xmlns:p16="http://schemas.microsoft.com/office/powerpoint/2015/main" val="1"/>
+              </p:ext>
+            </p:extLst>
+          </p:nvPr>
+        </p:nvSpPr>
+        <p:spPr>
+          <a:xfrm>
+            <a:off x="7963906" y="5720962"/>
+            <a:ext cx="4228094" cy="1137038"/>
+          </a:xfrm>
+          <a:custGeom>
+            <a:avLst/>
+            <a:gdLst>
+              <a:gd name="connsiteX0" fmla="*/ 1673074 w 4228094"/>
+              <a:gd name="connsiteY0" fmla="*/ 230 h 1137038"/>
+              <a:gd name="connsiteX1" fmla="*/ 3676781 w 4228094"/>
+              <a:gd name="connsiteY1" fmla="*/ 298555 h 1137038"/>
+              <a:gd name="connsiteX2" fmla="*/ 4025527 w 4228094"/>
+              <a:gd name="connsiteY2" fmla="*/ 425010 h 1137038"/>
+              <a:gd name="connsiteX3" fmla="*/ 4228094 w 4228094"/>
+              <a:gd name="connsiteY3" fmla="*/ 494088 h 1137038"/>
+              <a:gd name="connsiteX4" fmla="*/ 4228094 w 4228094"/>
+              <a:gd name="connsiteY4" fmla="*/ 1137038 h 1137038"/>
+              <a:gd name="connsiteX5" fmla="*/ 0 w 4228094"/>
+              <a:gd name="connsiteY5" fmla="*/ 1137038 h 1137038"/>
+              <a:gd name="connsiteX6" fmla="*/ 18109 w 4228094"/>
+              <a:gd name="connsiteY6" fmla="*/ 1068877 h 1137038"/>
+              <a:gd name="connsiteX7" fmla="*/ 362264 w 4228094"/>
+              <a:gd name="connsiteY7" fmla="*/ 366637 h 1137038"/>
+              <a:gd name="connsiteX8" fmla="*/ 1386499 w 4228094"/>
+              <a:gd name="connsiteY8" fmla="*/ 1522 h 1137038"/>
+              <a:gd name="connsiteX9" fmla="*/ 1673074 w 4228094"/>
+              <a:gd name="connsiteY9" fmla="*/ 230 h 1137038"/>
+            </a:gdLst>
+            <a:ahLst/>
+            <a:cxnLst>
+              <a:cxn ang="0">
+                <a:pos x="connsiteX0" y="connsiteY0"/>
+              </a:cxn>
+              <a:cxn ang="0">
+                <a:pos x="connsiteX1" y="connsiteY1"/>
+              </a:cxn>
+              <a:cxn ang="0">
+                <a:pos x="connsiteX2" y="connsiteY2"/>
+              </a:cxn>
+              <a:cxn ang="0">
+                <a:pos x="connsiteX3" y="connsiteY3"/>
+              </a:cxn>
+              <a:cxn ang="0">
+                <a:pos x="connsiteX4" y="connsiteY4"/>
+              </a:cxn>
+              <a:cxn ang="0">
+                <a:pos x="connsiteX5" y="connsiteY5"/>
+              </a:cxn>
+              <a:cxn ang="0">
+                <a:pos x="connsiteX6" y="connsiteY6"/>
+              </a:cxn>
+              <a:cxn ang="0">
+                <a:pos x="connsiteX7" y="connsiteY7"/>
+              </a:cxn>
+              <a:cxn ang="0">
+                <a:pos x="connsiteX8" y="connsiteY8"/>
+              </a:cxn>
+              <a:cxn ang="0">
+                <a:pos x="connsiteX9" y="connsiteY9"/>
+              </a:cxn>
+            </a:cxnLst>
+            <a:rect l="l" t="t" r="r" b="b"/>
+            <a:pathLst>
+              <a:path w="4228094" h="1137038">
+                <a:moveTo>
+                  <a:pt x="1673074" y="230"/>
+                </a:moveTo>
+                <a:cubicBezTo>
+                  <a:pt x="2346512" y="4287"/>
+                  <a:pt x="3048424" y="63583"/>
+                  <a:pt x="3676781" y="298555"/>
+                </a:cubicBezTo>
+                <a:cubicBezTo>
+                  <a:pt x="3793275" y="342114"/>
+                  <a:pt x="3909477" y="384216"/>
+                  <a:pt x="4025527" y="425010"/>
+                </a:cubicBezTo>
+                <a:lnTo>
+                  <a:pt x="4228094" y="494088"/>
+                </a:lnTo>
+                <a:lnTo>
+                  <a:pt x="4228094" y="1137038"/>
+                </a:lnTo>
+                <a:lnTo>
+                  <a:pt x="0" y="1137038"/>
+                </a:lnTo>
+                <a:lnTo>
+                  <a:pt x="18109" y="1068877"/>
+                </a:lnTo>
+                <a:cubicBezTo>
+                  <a:pt x="95047" y="799139"/>
+                  <a:pt x="194962" y="542008"/>
+                  <a:pt x="362264" y="366637"/>
+                </a:cubicBezTo>
+                <a:cubicBezTo>
+                  <a:pt x="622229" y="94062"/>
+                  <a:pt x="1015836" y="6565"/>
+                  <a:pt x="1386499" y="1522"/>
+                </a:cubicBezTo>
+                <a:cubicBezTo>
+                  <a:pt x="1481245" y="198"/>
+                  <a:pt x="1576869" y="-349"/>
+                  <a:pt x="1673074" y="230"/>
+                </a:cubicBezTo>
+                <a:close/>
+              </a:path>
+            </a:pathLst>
+          </a:custGeom>
+          <a:solidFill>
+            <a:schemeClr val="accent6"/>
+          </a:solidFill>
+          <a:ln>
+            <a:noFill/>
+          </a:ln>
+        </p:spPr>
+        <p:style>
+          <a:lnRef idx="2">
+            <a:schemeClr val="accent1">
+              <a:shade val="50000"/>
+            </a:schemeClr>
+          </a:lnRef>
+          <a:fillRef idx="1">
+            <a:schemeClr val="accent1"/>
+          </a:fillRef>
+          <a:effectRef idx="0">
+            <a:schemeClr val="accent1"/>
+          </a:effectRef>
+          <a:fontRef idx="minor">
+            <a:schemeClr val="lt1"/>
+          </a:fontRef>
+        </p:style>
+        <p:txBody>
+          <a:bodyPr rtlCol="0" anchor="ctr"/>
+          <a:lstStyle/>
+          <a:p>
+            <a:pPr lvl="0" algn="ctr"/>
+            <a:endParaRPr lang="en-US" sz="1500">
+              <a:solidFill>
+                <a:schemeClr val="bg1"/>
+              </a:solidFill>
+              <a:latin typeface="Avenir Next LT Pro" panose="020B0504020202020204" pitchFamily="34" charset="0"/>
+            </a:endParaRPr>
+          </a:p>
+        </p:txBody>
+      </p:sp>
+      <p:sp>
+        <p:nvSpPr>
+          <p:cNvPr id="20" name="Freeform: Shape 19">
+            <a:extLst>
+              <a:ext uri="{FF2B5EF4-FFF2-40B4-BE49-F238E27FC236}">
+                <a16:creationId xmlns:a16="http://schemas.microsoft.com/office/drawing/2014/main" id="{4EC84841-2631-44D2-A01B-6AF0CF7F7393}"/>
+              </a:ext>
+              <a:ext uri="{C183D7F6-B498-43B3-948B-1728B52AA6E4}">
+                <adec:decorative xmlns:adec="http://schemas.microsoft.com/office/drawing/2017/decorative" val="1"/>
+              </a:ext>
+            </a:extLst>
+          </p:cNvPr>
+          <p:cNvSpPr>
+            <a:spLocks noGrp="1" noRot="1" noChangeAspect="1" noMove="1" noResize="1" noEditPoints="1" noAdjustHandles="1" noChangeArrowheads="1" noChangeShapeType="1" noTextEdit="1"/>
+          </p:cNvSpPr>
+          <p:nvPr>
+            <p:extLst>
+              <p:ext uri="{386F3935-93C4-4BCD-93E2-E3B085C9AB24}">
+                <p16:designElem xmlns:p16="http://schemas.microsoft.com/office/powerpoint/2015/main" val="1"/>
+              </p:ext>
+            </p:extLst>
+          </p:nvPr>
+        </p:nvSpPr>
+        <p:spPr>
+          <a:xfrm>
+            <a:off x="7153921" y="5620196"/>
+            <a:ext cx="5038078" cy="1237805"/>
+          </a:xfrm>
+          <a:custGeom>
+            <a:avLst/>
+            <a:gdLst>
+              <a:gd name="connsiteX0" fmla="*/ 1576991 w 5038078"/>
+              <a:gd name="connsiteY0" fmla="*/ 210 h 1238015"/>
+              <a:gd name="connsiteX1" fmla="*/ 3403320 w 5038078"/>
+              <a:gd name="connsiteY1" fmla="*/ 272125 h 1238015"/>
+              <a:gd name="connsiteX2" fmla="*/ 4672870 w 5038078"/>
+              <a:gd name="connsiteY2" fmla="*/ 693604 h 1238015"/>
+              <a:gd name="connsiteX3" fmla="*/ 5038078 w 5038078"/>
+              <a:gd name="connsiteY3" fmla="*/ 795929 h 1238015"/>
+              <a:gd name="connsiteX4" fmla="*/ 5038078 w 5038078"/>
+              <a:gd name="connsiteY4" fmla="*/ 1238015 h 1238015"/>
+              <a:gd name="connsiteX5" fmla="*/ 0 w 5038078"/>
+              <a:gd name="connsiteY5" fmla="*/ 1238015 h 1238015"/>
+              <a:gd name="connsiteX6" fmla="*/ 19230 w 5038078"/>
+              <a:gd name="connsiteY6" fmla="*/ 1159819 h 1238015"/>
+              <a:gd name="connsiteX7" fmla="*/ 382219 w 5038078"/>
+              <a:gd name="connsiteY7" fmla="*/ 334180 h 1238015"/>
+              <a:gd name="connsiteX8" fmla="*/ 1315784 w 5038078"/>
+              <a:gd name="connsiteY8" fmla="*/ 1388 h 1238015"/>
+              <a:gd name="connsiteX9" fmla="*/ 1576991 w 5038078"/>
+              <a:gd name="connsiteY9" fmla="*/ 210 h 1238015"/>
+              <a:gd name="connsiteX0" fmla="*/ 0 w 5129518"/>
+              <a:gd name="connsiteY0" fmla="*/ 1237805 h 1329245"/>
+              <a:gd name="connsiteX1" fmla="*/ 19230 w 5129518"/>
+              <a:gd name="connsiteY1" fmla="*/ 1159609 h 1329245"/>
+              <a:gd name="connsiteX2" fmla="*/ 382219 w 5129518"/>
+              <a:gd name="connsiteY2" fmla="*/ 333970 h 1329245"/>
+              <a:gd name="connsiteX3" fmla="*/ 1315784 w 5129518"/>
+              <a:gd name="connsiteY3" fmla="*/ 1178 h 1329245"/>
+              <a:gd name="connsiteX4" fmla="*/ 1576991 w 5129518"/>
+              <a:gd name="connsiteY4" fmla="*/ 0 h 1329245"/>
+              <a:gd name="connsiteX5" fmla="*/ 3403320 w 5129518"/>
+              <a:gd name="connsiteY5" fmla="*/ 271915 h 1329245"/>
+              <a:gd name="connsiteX6" fmla="*/ 4672870 w 5129518"/>
+              <a:gd name="connsiteY6" fmla="*/ 693394 h 1329245"/>
+              <a:gd name="connsiteX7" fmla="*/ 5038078 w 5129518"/>
+              <a:gd name="connsiteY7" fmla="*/ 795719 h 1329245"/>
+              <a:gd name="connsiteX8" fmla="*/ 5129518 w 5129518"/>
+              <a:gd name="connsiteY8" fmla="*/ 1329245 h 1329245"/>
+              <a:gd name="connsiteX0" fmla="*/ 0 w 5129518"/>
+              <a:gd name="connsiteY0" fmla="*/ 1237805 h 1329245"/>
+              <a:gd name="connsiteX1" fmla="*/ 19230 w 5129518"/>
+              <a:gd name="connsiteY1" fmla="*/ 1159609 h 1329245"/>
+              <a:gd name="connsiteX2" fmla="*/ 382219 w 5129518"/>
+              <a:gd name="connsiteY2" fmla="*/ 333970 h 1329245"/>
+              <a:gd name="connsiteX3" fmla="*/ 1315784 w 5129518"/>
+              <a:gd name="connsiteY3" fmla="*/ 1178 h 1329245"/>
+              <a:gd name="connsiteX4" fmla="*/ 1576991 w 5129518"/>
+              <a:gd name="connsiteY4" fmla="*/ 0 h 1329245"/>
+              <a:gd name="connsiteX5" fmla="*/ 3403320 w 5129518"/>
+              <a:gd name="connsiteY5" fmla="*/ 271915 h 1329245"/>
+              <a:gd name="connsiteX6" fmla="*/ 4672870 w 5129518"/>
+              <a:gd name="connsiteY6" fmla="*/ 693394 h 1329245"/>
+              <a:gd name="connsiteX7" fmla="*/ 5038078 w 5129518"/>
+              <a:gd name="connsiteY7" fmla="*/ 795719 h 1329245"/>
+              <a:gd name="connsiteX8" fmla="*/ 5129518 w 5129518"/>
+              <a:gd name="connsiteY8" fmla="*/ 1329245 h 1329245"/>
+              <a:gd name="connsiteX0" fmla="*/ 0 w 5049689"/>
+              <a:gd name="connsiteY0" fmla="*/ 1237805 h 1423588"/>
+              <a:gd name="connsiteX1" fmla="*/ 19230 w 5049689"/>
+              <a:gd name="connsiteY1" fmla="*/ 1159609 h 1423588"/>
+              <a:gd name="connsiteX2" fmla="*/ 382219 w 5049689"/>
+              <a:gd name="connsiteY2" fmla="*/ 333970 h 1423588"/>
+              <a:gd name="connsiteX3" fmla="*/ 1315784 w 5049689"/>
+              <a:gd name="connsiteY3" fmla="*/ 1178 h 1423588"/>
+              <a:gd name="connsiteX4" fmla="*/ 1576991 w 5049689"/>
+              <a:gd name="connsiteY4" fmla="*/ 0 h 1423588"/>
+              <a:gd name="connsiteX5" fmla="*/ 3403320 w 5049689"/>
+              <a:gd name="connsiteY5" fmla="*/ 271915 h 1423588"/>
+              <a:gd name="connsiteX6" fmla="*/ 4672870 w 5049689"/>
+              <a:gd name="connsiteY6" fmla="*/ 693394 h 1423588"/>
+              <a:gd name="connsiteX7" fmla="*/ 5038078 w 5049689"/>
+              <a:gd name="connsiteY7" fmla="*/ 795719 h 1423588"/>
+              <a:gd name="connsiteX8" fmla="*/ 5049689 w 5049689"/>
+              <a:gd name="connsiteY8" fmla="*/ 1423588 h 1423588"/>
+              <a:gd name="connsiteX0" fmla="*/ 0 w 5038078"/>
+              <a:gd name="connsiteY0" fmla="*/ 1237805 h 1237805"/>
+              <a:gd name="connsiteX1" fmla="*/ 19230 w 5038078"/>
+              <a:gd name="connsiteY1" fmla="*/ 1159609 h 1237805"/>
+              <a:gd name="connsiteX2" fmla="*/ 382219 w 5038078"/>
+              <a:gd name="connsiteY2" fmla="*/ 333970 h 1237805"/>
+              <a:gd name="connsiteX3" fmla="*/ 1315784 w 5038078"/>
+              <a:gd name="connsiteY3" fmla="*/ 1178 h 1237805"/>
+              <a:gd name="connsiteX4" fmla="*/ 1576991 w 5038078"/>
+              <a:gd name="connsiteY4" fmla="*/ 0 h 1237805"/>
+              <a:gd name="connsiteX5" fmla="*/ 3403320 w 5038078"/>
+              <a:gd name="connsiteY5" fmla="*/ 271915 h 1237805"/>
+              <a:gd name="connsiteX6" fmla="*/ 4672870 w 5038078"/>
+              <a:gd name="connsiteY6" fmla="*/ 693394 h 1237805"/>
+              <a:gd name="connsiteX7" fmla="*/ 5038078 w 5038078"/>
+              <a:gd name="connsiteY7" fmla="*/ 795719 h 1237805"/>
+            </a:gdLst>
+            <a:ahLst/>
+            <a:cxnLst>
+              <a:cxn ang="0">
+                <a:pos x="connsiteX0" y="connsiteY0"/>
+              </a:cxn>
+              <a:cxn ang="0">
+                <a:pos x="connsiteX1" y="connsiteY1"/>
+              </a:cxn>
+              <a:cxn ang="0">
+                <a:pos x="connsiteX2" y="connsiteY2"/>
+              </a:cxn>
+              <a:cxn ang="0">
+                <a:pos x="connsiteX3" y="connsiteY3"/>
+              </a:cxn>
+              <a:cxn ang="0">
+                <a:pos x="connsiteX4" y="connsiteY4"/>
+              </a:cxn>
+              <a:cxn ang="0">
+                <a:pos x="connsiteX5" y="connsiteY5"/>
+              </a:cxn>
+              <a:cxn ang="0">
+                <a:pos x="connsiteX6" y="connsiteY6"/>
+              </a:cxn>
+              <a:cxn ang="0">
+                <a:pos x="connsiteX7" y="connsiteY7"/>
+              </a:cxn>
+            </a:cxnLst>
+            <a:rect l="l" t="t" r="r" b="b"/>
+            <a:pathLst>
+              <a:path w="5038078" h="1237805">
+                <a:moveTo>
+                  <a:pt x="0" y="1237805"/>
+                </a:moveTo>
+                <a:lnTo>
+                  <a:pt x="19230" y="1159609"/>
+                </a:lnTo>
+                <a:cubicBezTo>
+                  <a:pt x="96961" y="850027"/>
+                  <a:pt x="191605" y="533778"/>
+                  <a:pt x="382219" y="333970"/>
+                </a:cubicBezTo>
+                <a:cubicBezTo>
+                  <a:pt x="619171" y="85526"/>
+                  <a:pt x="977934" y="5774"/>
+                  <a:pt x="1315784" y="1178"/>
+                </a:cubicBezTo>
+                <a:lnTo>
+                  <a:pt x="1576991" y="0"/>
+                </a:lnTo>
+                <a:cubicBezTo>
+                  <a:pt x="2190813" y="3698"/>
+                  <a:pt x="2830589" y="57744"/>
+                  <a:pt x="3403320" y="271915"/>
+                </a:cubicBezTo>
+                <a:cubicBezTo>
+                  <a:pt x="3828046" y="430728"/>
+                  <a:pt x="4248519" y="568281"/>
+                  <a:pt x="4672870" y="693394"/>
+                </a:cubicBezTo>
+                <a:lnTo>
+                  <a:pt x="5038078" y="795719"/>
+                </a:lnTo>
+              </a:path>
+            </a:pathLst>
+          </a:custGeom>
+          <a:noFill/>
+          <a:ln>
+            <a:solidFill>
+              <a:schemeClr val="accent2">
+                <a:lumMod val="60000"/>
+                <a:lumOff val="40000"/>
+              </a:schemeClr>
+            </a:solidFill>
+          </a:ln>
+        </p:spPr>
+        <p:style>
+          <a:lnRef idx="2">
+            <a:schemeClr val="accent1">
+              <a:shade val="50000"/>
+            </a:schemeClr>
+          </a:lnRef>
+          <a:fillRef idx="1">
+            <a:schemeClr val="accent1"/>
+          </a:fillRef>
+          <a:effectRef idx="0">
+            <a:schemeClr val="accent1"/>
+          </a:effectRef>
+          <a:fontRef idx="minor">
+            <a:schemeClr val="lt1"/>
+          </a:fontRef>
+        </p:style>
+        <p:txBody>
+          <a:bodyPr rtlCol="0" anchor="ctr"/>
+          <a:lstStyle/>
+          <a:p>
+            <a:pPr marR="0" lvl="0" indent="0" algn="ctr" fontAlgn="auto">
+              <a:lnSpc>
+                <a:spcPct val="100000"/>
+              </a:lnSpc>
+              <a:spcBef>
+                <a:spcPts val="0"/>
+              </a:spcBef>
+              <a:spcAft>
+                <a:spcPts val="0"/>
+              </a:spcAft>
+              <a:buClrTx/>
+              <a:buSzTx/>
+              <a:buFontTx/>
+              <a:buNone/>
+              <a:tabLst/>
+            </a:pPr>
+            <a:endParaRPr kumimoji="0" lang="en-US" b="0" i="0" u="none" strike="noStrike" cap="none" spc="0" normalizeH="0" baseline="0">
+              <a:ln>
+                <a:noFill/>
+              </a:ln>
+              <a:solidFill>
+                <a:prstClr val="white"/>
+              </a:solidFill>
+              <a:effectLst/>
+              <a:uLnTx/>
+              <a:uFillTx/>
+              <a:latin typeface="Avenir Next LT Pro Light"/>
+            </a:endParaRPr>
+          </a:p>
+        </p:txBody>
+      </p:sp>
+      <p:pic>
+        <p:nvPicPr>
+          <p:cNvPr id="5" name="Obrázok 4">
+            <a:extLst>
+              <a:ext uri="{FF2B5EF4-FFF2-40B4-BE49-F238E27FC236}">
+                <a16:creationId xmlns:a16="http://schemas.microsoft.com/office/drawing/2014/main" id="{5A3954D1-BA29-4E43-B320-90C2548F3A95}"/>
+              </a:ext>
+            </a:extLst>
+          </p:cNvPr>
+          <p:cNvPicPr>
+            <a:picLocks noChangeAspect="1"/>
+          </p:cNvPicPr>
+          <p:nvPr/>
+        </p:nvPicPr>
+        <p:blipFill>
+          <a:blip r:embed="rId2"/>
+          <a:stretch>
+            <a:fillRect/>
+          </a:stretch>
+        </p:blipFill>
+        <p:spPr>
+          <a:xfrm>
+            <a:off x="161925" y="2146739"/>
+            <a:ext cx="11868150" cy="4295775"/>
+          </a:xfrm>
+          <a:prstGeom prst="rect">
+            <a:avLst/>
+          </a:prstGeom>
+        </p:spPr>
+      </p:pic>
+    </p:spTree>
+    <p:extLst>
+      <p:ext uri="{BB962C8B-B14F-4D97-AF65-F5344CB8AC3E}">
+        <p14:creationId xmlns:p14="http://schemas.microsoft.com/office/powerpoint/2010/main" val="1192664386"/>
+      </p:ext>
+    </p:extLst>
+  </p:cSld>
+  <p:clrMapOvr>
+    <a:masterClrMapping/>
+  </p:clrMapOvr>
+</p:sld>
+</file>
+
+<file path=ppt/slides/slide4.xml><?xml version="1.0" encoding="utf-8"?>
+<p:sld xmlns:a="http://schemas.openxmlformats.org/drawingml/2006/main" xmlns:r="http://schemas.openxmlformats.org/officeDocument/2006/relationships" xmlns:p="http://schemas.openxmlformats.org/presentationml/2006/main">
+  <p:cSld>
+    <p:bg>
+      <p:bgPr>
+        <a:solidFill>
+          <a:schemeClr val="bg2"/>
+        </a:solidFill>
+        <a:effectLst/>
+      </p:bgPr>
+    </p:bg>
+    <p:spTree>
+      <p:nvGrpSpPr>
+        <p:cNvPr id="1" name=""/>
+        <p:cNvGrpSpPr/>
+        <p:nvPr/>
+      </p:nvGrpSpPr>
+      <p:grpSpPr>
+        <a:xfrm>
+          <a:off x="0" y="0"/>
+          <a:ext cx="0" cy="0"/>
+          <a:chOff x="0" y="0"/>
+          <a:chExt cx="0" cy="0"/>
+        </a:xfrm>
+      </p:grpSpPr>
+      <p:sp useBgFill="1">
+        <p:nvSpPr>
+          <p:cNvPr id="8" name="Rectangle 7">
+            <a:extLst>
+              <a:ext uri="{FF2B5EF4-FFF2-40B4-BE49-F238E27FC236}">
+                <a16:creationId xmlns:a16="http://schemas.microsoft.com/office/drawing/2014/main" id="{987A0FBA-CC04-4256-A8EB-BB3C543E989C}"/>
+              </a:ext>
+              <a:ext uri="{C183D7F6-B498-43B3-948B-1728B52AA6E4}">
+                <adec:decorative xmlns:adec="http://schemas.microsoft.com/office/drawing/2017/decorative" val="1"/>
+              </a:ext>
+            </a:extLst>
+          </p:cNvPr>
+          <p:cNvSpPr>
+            <a:spLocks noGrp="1" noRot="1" noChangeAspect="1" noMove="1" noResize="1" noEditPoints="1" noAdjustHandles="1" noChangeArrowheads="1" noChangeShapeType="1" noTextEdit="1"/>
+          </p:cNvSpPr>
+          <p:nvPr>
+            <p:extLst>
+              <p:ext uri="{386F3935-93C4-4BCD-93E2-E3B085C9AB24}">
+                <p16:designElem xmlns:p16="http://schemas.microsoft.com/office/powerpoint/2015/main" val="1"/>
+              </p:ext>
+            </p:extLst>
+          </p:nvPr>
+        </p:nvSpPr>
+        <p:spPr>
+          <a:xfrm>
+            <a:off x="0" y="0"/>
+            <a:ext cx="12192000" cy="6858000"/>
+          </a:xfrm>
+          <a:prstGeom prst="rect">
+            <a:avLst/>
+          </a:prstGeom>
+          <a:ln w="12700" cap="flat" cmpd="sng" algn="ctr">
+            <a:noFill/>
+            <a:prstDash val="solid"/>
+            <a:miter lim="800000"/>
+          </a:ln>
+          <a:effectLst/>
+          <a:extLst>
+            <a:ext uri="{91240B29-F687-4F45-9708-019B960494DF}">
+              <a14:hiddenLine xmlns:a14="http://schemas.microsoft.com/office/drawing/2010/main" w="12700" cap="flat" cmpd="sng" algn="ctr">
+                <a:solidFill>
+                  <a:schemeClr val="accent1">
+                    <a:shade val="50000"/>
+                  </a:schemeClr>
+                </a:solidFill>
+                <a:prstDash val="solid"/>
+                <a:miter lim="800000"/>
+              </a14:hiddenLine>
+            </a:ext>
+          </a:extLst>
+        </p:spPr>
+        <p:style>
+          <a:lnRef idx="2">
+            <a:schemeClr val="accent1">
+              <a:shade val="50000"/>
+            </a:schemeClr>
+          </a:lnRef>
+          <a:fillRef idx="1">
+            <a:schemeClr val="accent1"/>
+          </a:fillRef>
+          <a:effectRef idx="0">
+            <a:schemeClr val="accent1"/>
+          </a:effectRef>
+          <a:fontRef idx="minor">
+            <a:schemeClr val="lt1"/>
+          </a:fontRef>
+        </p:style>
+        <p:txBody>
+          <a:bodyPr rtlCol="0" anchor="ctr"/>
+          <a:lstStyle/>
+          <a:p>
+            <a:pPr algn="ctr"/>
+            <a:endParaRPr lang="en-US"/>
+          </a:p>
+        </p:txBody>
+      </p:sp>
+      <p:sp>
+        <p:nvSpPr>
+          <p:cNvPr id="10" name="Freeform: Shape 9">
+            <a:extLst>
+              <a:ext uri="{FF2B5EF4-FFF2-40B4-BE49-F238E27FC236}">
+                <a16:creationId xmlns:a16="http://schemas.microsoft.com/office/drawing/2014/main" id="{3E9B86C0-FDA1-4FEB-807F-B6CA59CE897F}"/>
+              </a:ext>
+              <a:ext uri="{C183D7F6-B498-43B3-948B-1728B52AA6E4}">
+                <adec:decorative xmlns:adec="http://schemas.microsoft.com/office/drawing/2017/decorative" val="1"/>
+              </a:ext>
+            </a:extLst>
+          </p:cNvPr>
+          <p:cNvSpPr>
+            <a:spLocks noGrp="1" noRot="1" noChangeAspect="1" noMove="1" noResize="1" noEditPoints="1" noAdjustHandles="1" noChangeArrowheads="1" noChangeShapeType="1" noTextEdit="1"/>
+          </p:cNvSpPr>
+          <p:nvPr>
+            <p:extLst>
+              <p:ext uri="{386F3935-93C4-4BCD-93E2-E3B085C9AB24}">
+                <p16:designElem xmlns:p16="http://schemas.microsoft.com/office/powerpoint/2015/main" val="1"/>
+              </p:ext>
+            </p:extLst>
+          </p:nvPr>
+        </p:nvSpPr>
+        <p:spPr>
+          <a:xfrm flipH="1">
+            <a:off x="6617019" y="0"/>
+            <a:ext cx="5578823" cy="6028256"/>
+          </a:xfrm>
+          <a:custGeom>
+            <a:avLst/>
+            <a:gdLst>
+              <a:gd name="connsiteX0" fmla="*/ 0 w 5578823"/>
+              <a:gd name="connsiteY0" fmla="*/ 0 h 6028256"/>
+              <a:gd name="connsiteX1" fmla="*/ 3897606 w 5578823"/>
+              <a:gd name="connsiteY1" fmla="*/ 0 h 6028256"/>
+              <a:gd name="connsiteX2" fmla="*/ 4274232 w 5578823"/>
+              <a:gd name="connsiteY2" fmla="*/ 360545 h 6028256"/>
+              <a:gd name="connsiteX3" fmla="*/ 4673934 w 5578823"/>
+              <a:gd name="connsiteY3" fmla="*/ 738354 h 6028256"/>
+              <a:gd name="connsiteX4" fmla="*/ 5421862 w 5578823"/>
+              <a:gd name="connsiteY4" fmla="*/ 1773839 h 6028256"/>
+              <a:gd name="connsiteX5" fmla="*/ 5469198 w 5578823"/>
+              <a:gd name="connsiteY5" fmla="*/ 3329255 h 6028256"/>
+              <a:gd name="connsiteX6" fmla="*/ 4741546 w 5578823"/>
+              <a:gd name="connsiteY6" fmla="*/ 4877588 h 6028256"/>
+              <a:gd name="connsiteX7" fmla="*/ 1325600 w 5578823"/>
+              <a:gd name="connsiteY7" fmla="*/ 5980388 h 6028256"/>
+              <a:gd name="connsiteX8" fmla="*/ 137593 w 5578823"/>
+              <a:gd name="connsiteY8" fmla="*/ 5804042 h 6028256"/>
+              <a:gd name="connsiteX9" fmla="*/ 0 w 5578823"/>
+              <a:gd name="connsiteY9" fmla="*/ 5760161 h 6028256"/>
+            </a:gdLst>
+            <a:ahLst/>
+            <a:cxnLst>
+              <a:cxn ang="0">
+                <a:pos x="connsiteX0" y="connsiteY0"/>
+              </a:cxn>
+              <a:cxn ang="0">
+                <a:pos x="connsiteX1" y="connsiteY1"/>
+              </a:cxn>
+              <a:cxn ang="0">
+                <a:pos x="connsiteX2" y="connsiteY2"/>
+              </a:cxn>
+              <a:cxn ang="0">
+                <a:pos x="connsiteX3" y="connsiteY3"/>
+              </a:cxn>
+              <a:cxn ang="0">
+                <a:pos x="connsiteX4" y="connsiteY4"/>
+              </a:cxn>
+              <a:cxn ang="0">
+                <a:pos x="connsiteX5" y="connsiteY5"/>
+              </a:cxn>
+              <a:cxn ang="0">
+                <a:pos x="connsiteX6" y="connsiteY6"/>
+              </a:cxn>
+              <a:cxn ang="0">
+                <a:pos x="connsiteX7" y="connsiteY7"/>
+              </a:cxn>
+              <a:cxn ang="0">
+                <a:pos x="connsiteX8" y="connsiteY8"/>
+              </a:cxn>
+              <a:cxn ang="0">
+                <a:pos x="connsiteX9" y="connsiteY9"/>
+              </a:cxn>
+            </a:cxnLst>
+            <a:rect l="l" t="t" r="r" b="b"/>
+            <a:pathLst>
+              <a:path w="5578823" h="6028256">
+                <a:moveTo>
+                  <a:pt x="0" y="0"/>
+                </a:moveTo>
+                <a:lnTo>
+                  <a:pt x="3897606" y="0"/>
+                </a:lnTo>
+                <a:lnTo>
+                  <a:pt x="4274232" y="360545"/>
+                </a:lnTo>
+                <a:cubicBezTo>
+                  <a:pt x="4408856" y="488910"/>
+                  <a:pt x="4542134" y="615181"/>
+                  <a:pt x="4673934" y="738354"/>
+                </a:cubicBezTo>
+                <a:cubicBezTo>
+                  <a:pt x="5042663" y="1082881"/>
+                  <a:pt x="5282330" y="1428108"/>
+                  <a:pt x="5421862" y="1773839"/>
+                </a:cubicBezTo>
+                <a:cubicBezTo>
+                  <a:pt x="5631101" y="2292214"/>
+                  <a:pt x="5614731" y="2811325"/>
+                  <a:pt x="5469198" y="3329255"/>
+                </a:cubicBezTo>
+                <a:cubicBezTo>
+                  <a:pt x="5323662" y="3847185"/>
+                  <a:pt x="5048962" y="4363935"/>
+                  <a:pt x="4741546" y="4877588"/>
+                </a:cubicBezTo>
+                <a:cubicBezTo>
+                  <a:pt x="4027238" y="6071494"/>
+                  <a:pt x="2764972" y="6102970"/>
+                  <a:pt x="1325600" y="5980388"/>
+                </a:cubicBezTo>
+                <a:cubicBezTo>
+                  <a:pt x="903947" y="5944442"/>
+                  <a:pt x="499735" y="5907589"/>
+                  <a:pt x="137593" y="5804042"/>
+                </a:cubicBezTo>
+                <a:lnTo>
+                  <a:pt x="0" y="5760161"/>
+                </a:lnTo>
+                <a:close/>
+              </a:path>
+            </a:pathLst>
+          </a:custGeom>
+          <a:solidFill>
+            <a:schemeClr val="accent6"/>
+          </a:solidFill>
+          <a:ln>
+            <a:noFill/>
+          </a:ln>
+        </p:spPr>
+        <p:style>
+          <a:lnRef idx="2">
+            <a:schemeClr val="accent1">
+              <a:shade val="50000"/>
+            </a:schemeClr>
+          </a:lnRef>
+          <a:fillRef idx="1">
+            <a:schemeClr val="accent1"/>
+          </a:fillRef>
+          <a:effectRef idx="0">
+            <a:schemeClr val="accent1"/>
+          </a:effectRef>
+          <a:fontRef idx="minor">
+            <a:schemeClr val="lt1"/>
+          </a:fontRef>
+        </p:style>
+        <p:txBody>
+          <a:bodyPr rtlCol="0" anchor="ctr"/>
+          <a:lstStyle/>
+          <a:p>
+            <a:pPr algn="ctr"/>
+            <a:endParaRPr lang="en-US"/>
+          </a:p>
+        </p:txBody>
+      </p:sp>
+      <p:sp>
+        <p:nvSpPr>
+          <p:cNvPr id="12" name="Freeform: Shape 11">
+            <a:extLst>
+              <a:ext uri="{FF2B5EF4-FFF2-40B4-BE49-F238E27FC236}">
+                <a16:creationId xmlns:a16="http://schemas.microsoft.com/office/drawing/2014/main" id="{3362A0EA-3E81-4464-94B8-70BE5870EDC0}"/>
+              </a:ext>
+              <a:ext uri="{C183D7F6-B498-43B3-948B-1728B52AA6E4}">
+                <adec:decorative xmlns:adec="http://schemas.microsoft.com/office/drawing/2017/decorative" val="1"/>
+              </a:ext>
+            </a:extLst>
+          </p:cNvPr>
+          <p:cNvSpPr>
+            <a:spLocks noGrp="1" noRot="1" noChangeAspect="1" noMove="1" noResize="1" noEditPoints="1" noAdjustHandles="1" noChangeArrowheads="1" noChangeShapeType="1" noTextEdit="1"/>
+          </p:cNvSpPr>
+          <p:nvPr>
+            <p:extLst>
+              <p:ext uri="{386F3935-93C4-4BCD-93E2-E3B085C9AB24}">
+                <p16:designElem xmlns:p16="http://schemas.microsoft.com/office/powerpoint/2015/main" val="1"/>
+              </p:ext>
+            </p:extLst>
+          </p:nvPr>
+        </p:nvSpPr>
+        <p:spPr>
+          <a:xfrm flipH="1">
+            <a:off x="6487883" y="0"/>
+            <a:ext cx="5704117" cy="6096000"/>
+          </a:xfrm>
+          <a:custGeom>
+            <a:avLst/>
+            <a:gdLst>
+              <a:gd name="connsiteX0" fmla="*/ 0 w 5704117"/>
+              <a:gd name="connsiteY0" fmla="*/ 0 h 6096000"/>
+              <a:gd name="connsiteX1" fmla="*/ 4562795 w 5704117"/>
+              <a:gd name="connsiteY1" fmla="*/ 0 h 6096000"/>
+              <a:gd name="connsiteX2" fmla="*/ 4721192 w 5704117"/>
+              <a:gd name="connsiteY2" fmla="*/ 133595 h 6096000"/>
+              <a:gd name="connsiteX3" fmla="*/ 5467522 w 5704117"/>
+              <a:gd name="connsiteY3" fmla="*/ 1054328 h 6096000"/>
+              <a:gd name="connsiteX4" fmla="*/ 5538873 w 5704117"/>
+              <a:gd name="connsiteY4" fmla="*/ 2897564 h 6096000"/>
+              <a:gd name="connsiteX5" fmla="*/ 4442050 w 5704117"/>
+              <a:gd name="connsiteY5" fmla="*/ 4732407 h 6096000"/>
+              <a:gd name="connsiteX6" fmla="*/ 93046 w 5704117"/>
+              <a:gd name="connsiteY6" fmla="*/ 6082857 h 6096000"/>
+              <a:gd name="connsiteX7" fmla="*/ 0 w 5704117"/>
+              <a:gd name="connsiteY7" fmla="*/ 6078450 h 6096000"/>
+              <a:gd name="connsiteX0" fmla="*/ 4562795 w 5704117"/>
+              <a:gd name="connsiteY0" fmla="*/ 0 h 6096000"/>
+              <a:gd name="connsiteX1" fmla="*/ 4721192 w 5704117"/>
+              <a:gd name="connsiteY1" fmla="*/ 133595 h 6096000"/>
+              <a:gd name="connsiteX2" fmla="*/ 5467522 w 5704117"/>
+              <a:gd name="connsiteY2" fmla="*/ 1054328 h 6096000"/>
+              <a:gd name="connsiteX3" fmla="*/ 5538873 w 5704117"/>
+              <a:gd name="connsiteY3" fmla="*/ 2897564 h 6096000"/>
+              <a:gd name="connsiteX4" fmla="*/ 4442050 w 5704117"/>
+              <a:gd name="connsiteY4" fmla="*/ 4732407 h 6096000"/>
+              <a:gd name="connsiteX5" fmla="*/ 93046 w 5704117"/>
+              <a:gd name="connsiteY5" fmla="*/ 6082857 h 6096000"/>
+              <a:gd name="connsiteX6" fmla="*/ 0 w 5704117"/>
+              <a:gd name="connsiteY6" fmla="*/ 6078450 h 6096000"/>
+              <a:gd name="connsiteX7" fmla="*/ 91440 w 5704117"/>
+              <a:gd name="connsiteY7" fmla="*/ 91440 h 6096000"/>
+              <a:gd name="connsiteX0" fmla="*/ 4562795 w 5704117"/>
+              <a:gd name="connsiteY0" fmla="*/ 0 h 6096000"/>
+              <a:gd name="connsiteX1" fmla="*/ 4721192 w 5704117"/>
+              <a:gd name="connsiteY1" fmla="*/ 133595 h 6096000"/>
+              <a:gd name="connsiteX2" fmla="*/ 5467522 w 5704117"/>
+              <a:gd name="connsiteY2" fmla="*/ 1054328 h 6096000"/>
+              <a:gd name="connsiteX3" fmla="*/ 5538873 w 5704117"/>
+              <a:gd name="connsiteY3" fmla="*/ 2897564 h 6096000"/>
+              <a:gd name="connsiteX4" fmla="*/ 4442050 w 5704117"/>
+              <a:gd name="connsiteY4" fmla="*/ 4732407 h 6096000"/>
+              <a:gd name="connsiteX5" fmla="*/ 93046 w 5704117"/>
+              <a:gd name="connsiteY5" fmla="*/ 6082857 h 6096000"/>
+              <a:gd name="connsiteX6" fmla="*/ 0 w 5704117"/>
+              <a:gd name="connsiteY6" fmla="*/ 6078450 h 6096000"/>
+            </a:gdLst>
+            <a:ahLst/>
+            <a:cxnLst>
+              <a:cxn ang="0">
+                <a:pos x="connsiteX0" y="connsiteY0"/>
+              </a:cxn>
+              <a:cxn ang="0">
+                <a:pos x="connsiteX1" y="connsiteY1"/>
+              </a:cxn>
+              <a:cxn ang="0">
+                <a:pos x="connsiteX2" y="connsiteY2"/>
+              </a:cxn>
+              <a:cxn ang="0">
+                <a:pos x="connsiteX3" y="connsiteY3"/>
+              </a:cxn>
+              <a:cxn ang="0">
+                <a:pos x="connsiteX4" y="connsiteY4"/>
+              </a:cxn>
+              <a:cxn ang="0">
+                <a:pos x="connsiteX5" y="connsiteY5"/>
+              </a:cxn>
+              <a:cxn ang="0">
+                <a:pos x="connsiteX6" y="connsiteY6"/>
+              </a:cxn>
+            </a:cxnLst>
+            <a:rect l="l" t="t" r="r" b="b"/>
+            <a:pathLst>
+              <a:path w="5704117" h="6096000">
+                <a:moveTo>
+                  <a:pt x="4562795" y="0"/>
+                </a:moveTo>
+                <a:lnTo>
+                  <a:pt x="4721192" y="133595"/>
+                </a:lnTo>
+                <a:cubicBezTo>
+                  <a:pt x="5067135" y="440105"/>
+                  <a:pt x="5309779" y="747048"/>
+                  <a:pt x="5467522" y="1054328"/>
+                </a:cubicBezTo>
+                <a:cubicBezTo>
+                  <a:pt x="5782917" y="1668625"/>
+                  <a:pt x="5758242" y="2283795"/>
+                  <a:pt x="5538873" y="2897564"/>
+                </a:cubicBezTo>
+                <a:cubicBezTo>
+                  <a:pt x="5319500" y="3511334"/>
+                  <a:pt x="4905433" y="4123706"/>
+                  <a:pt x="4442050" y="4732407"/>
+                </a:cubicBezTo>
+                <a:cubicBezTo>
+                  <a:pt x="3499930" y="5970384"/>
+                  <a:pt x="1925433" y="6153690"/>
+                  <a:pt x="93046" y="6082857"/>
+                </a:cubicBezTo>
+                <a:lnTo>
+                  <a:pt x="0" y="6078450"/>
+                </a:lnTo>
+              </a:path>
+            </a:pathLst>
+          </a:custGeom>
+          <a:noFill/>
+          <a:ln w="19050">
+            <a:solidFill>
+              <a:schemeClr val="accent2">
+                <a:lumMod val="60000"/>
+                <a:lumOff val="40000"/>
+              </a:schemeClr>
+            </a:solidFill>
+          </a:ln>
+        </p:spPr>
+        <p:style>
+          <a:lnRef idx="2">
+            <a:schemeClr val="accent1">
+              <a:shade val="50000"/>
+            </a:schemeClr>
+          </a:lnRef>
+          <a:fillRef idx="1">
+            <a:schemeClr val="accent1"/>
+          </a:fillRef>
+          <a:effectRef idx="0">
+            <a:schemeClr val="accent1"/>
+          </a:effectRef>
+          <a:fontRef idx="minor">
+            <a:schemeClr val="lt1"/>
+          </a:fontRef>
+        </p:style>
+        <p:txBody>
+          <a:bodyPr wrap="square" rtlCol="0" anchor="ctr">
+            <a:noAutofit/>
+          </a:bodyPr>
+          <a:lstStyle/>
+          <a:p>
+            <a:pPr algn="ctr"/>
+            <a:endParaRPr lang="en-US">
+              <a:solidFill>
+                <a:prstClr val="white"/>
+              </a:solidFill>
+              <a:latin typeface="Avenir Next LT Pro Light"/>
+            </a:endParaRPr>
+          </a:p>
+        </p:txBody>
+      </p:sp>
+      <p:sp>
+        <p:nvSpPr>
+          <p:cNvPr id="3" name="Zástupný objekt pre obsah 2">
+            <a:extLst>
+              <a:ext uri="{FF2B5EF4-FFF2-40B4-BE49-F238E27FC236}">
+                <a16:creationId xmlns:a16="http://schemas.microsoft.com/office/drawing/2014/main" id="{5938D600-566F-49B5-ACC7-531C99C4C41D}"/>
+              </a:ext>
+            </a:extLst>
+          </p:cNvPr>
+          <p:cNvSpPr>
+            <a:spLocks noGrp="1"/>
+          </p:cNvSpPr>
+          <p:nvPr>
+            <p:ph idx="1"/>
+          </p:nvPr>
+        </p:nvSpPr>
+        <p:spPr>
+          <a:xfrm>
+            <a:off x="762000" y="2286000"/>
+            <a:ext cx="5334000" cy="3810001"/>
+          </a:xfrm>
+        </p:spPr>
+        <p:txBody>
+          <a:bodyPr>
+            <a:normAutofit/>
+          </a:bodyPr>
+          <a:lstStyle/>
+          <a:p>
+            <a:r>
+              <a:rPr lang="sk-SK" sz="2400" dirty="0"/>
+              <a:t>Skladajú sa zo 1795 záznamov a 8 stĺpcov</a:t>
+            </a:r>
+          </a:p>
+          <a:p>
+            <a:r>
+              <a:rPr lang="sk-SK" sz="2400" dirty="0"/>
+              <a:t>Dáta obsahujú číselné aj textové hodnoty</a:t>
+            </a:r>
+          </a:p>
+          <a:p>
+            <a:r>
+              <a:rPr lang="sk-SK" sz="2400" dirty="0"/>
+              <a:t>Neúplné dáta, obsahujú prázdne hodnoty</a:t>
+            </a:r>
+          </a:p>
+          <a:p>
+            <a:r>
+              <a:rPr lang="sk-SK" sz="2400" dirty="0"/>
+              <a:t>Nutnosť úpravy dát</a:t>
+            </a:r>
+          </a:p>
+        </p:txBody>
+      </p:sp>
+      <p:sp>
+        <p:nvSpPr>
+          <p:cNvPr id="2" name="Nadpis 1">
+            <a:extLst>
+              <a:ext uri="{FF2B5EF4-FFF2-40B4-BE49-F238E27FC236}">
+                <a16:creationId xmlns:a16="http://schemas.microsoft.com/office/drawing/2014/main" id="{54366531-E3F9-43C3-A81E-6B2ED540B1E3}"/>
+              </a:ext>
+            </a:extLst>
+          </p:cNvPr>
+          <p:cNvSpPr>
+            <a:spLocks noGrp="1"/>
+          </p:cNvSpPr>
+          <p:nvPr>
+            <p:ph type="title"/>
+          </p:nvPr>
+        </p:nvSpPr>
+        <p:spPr>
+          <a:xfrm>
+            <a:off x="762000" y="762000"/>
+            <a:ext cx="5334000" cy="1524000"/>
+          </a:xfrm>
+        </p:spPr>
+        <p:txBody>
+          <a:bodyPr>
+            <a:normAutofit/>
+          </a:bodyPr>
+          <a:lstStyle/>
+          <a:p>
+            <a:r>
+              <a:rPr lang="sk-SK" sz="3200" dirty="0"/>
+              <a:t>Obsah </a:t>
+            </a:r>
+            <a:r>
+              <a:rPr lang="sk-SK" sz="3200" dirty="0" err="1"/>
+              <a:t>datasetu</a:t>
+            </a:r>
+            <a:endParaRPr lang="sk-SK" sz="3200" dirty="0"/>
+          </a:p>
+        </p:txBody>
+      </p:sp>
+    </p:spTree>
+    <p:extLst>
+      <p:ext uri="{BB962C8B-B14F-4D97-AF65-F5344CB8AC3E}">
+        <p14:creationId xmlns:p14="http://schemas.microsoft.com/office/powerpoint/2010/main" val="4136615068"/>
       </p:ext>
     </p:extLst>
   </p:cSld>
@@ -3385,150 +6437,56 @@
 </file>
 
 <file path=ppt/theme/theme1.xml><?xml version="1.0" encoding="utf-8"?>
-<a:theme xmlns:a="http://schemas.openxmlformats.org/drawingml/2006/main" name="Motív Office">
+<a:theme xmlns:a="http://schemas.openxmlformats.org/drawingml/2006/main" name="PebbleVTI">
   <a:themeElements>
-    <a:clrScheme name="Office">
+    <a:clrScheme name="AnalogousFromLightSeedLeftStep">
       <a:dk1>
-        <a:sysClr val="windowText" lastClr="000000"/>
+        <a:srgbClr val="000000"/>
       </a:dk1>
       <a:lt1>
-        <a:sysClr val="window" lastClr="FFFFFF"/>
+        <a:srgbClr val="FFFFFF"/>
       </a:lt1>
       <a:dk2>
-        <a:srgbClr val="44546A"/>
+        <a:srgbClr val="24393F"/>
       </a:dk2>
       <a:lt2>
-        <a:srgbClr val="E7E6E6"/>
+        <a:srgbClr val="E8E6E2"/>
       </a:lt2>
       <a:accent1>
-        <a:srgbClr val="4472C4"/>
+        <a:srgbClr val="7CA2E1"/>
       </a:accent1>
       <a:accent2>
-        <a:srgbClr val="ED7D31"/>
+        <a:srgbClr val="46B0CB"/>
       </a:accent2>
       <a:accent3>
-        <a:srgbClr val="A5A5A5"/>
+        <a:srgbClr val="59B29F"/>
       </a:accent3>
       <a:accent4>
-        <a:srgbClr val="FFC000"/>
+        <a:srgbClr val="4FB675"/>
       </a:accent4>
       <a:accent5>
-        <a:srgbClr val="5B9BD5"/>
+        <a:srgbClr val="55B850"/>
       </a:accent5>
       <a:accent6>
-        <a:srgbClr val="70AD47"/>
+        <a:srgbClr val="7AB04C"/>
       </a:accent6>
       <a:hlink>
-        <a:srgbClr val="0563C1"/>
+        <a:srgbClr val="967F5B"/>
       </a:hlink>
       <a:folHlink>
-        <a:srgbClr val="954F72"/>
+        <a:srgbClr val="7F7F7F"/>
       </a:folHlink>
     </a:clrScheme>
-    <a:fontScheme name="Office">
+    <a:fontScheme name="Custom 4">
       <a:majorFont>
-        <a:latin typeface="Calibri Light" panose="020F0302020204030204"/>
+        <a:latin typeface="Sitka Subheading"/>
         <a:ea typeface=""/>
         <a:cs typeface=""/>
-        <a:font script="Jpan" typeface="游ゴシック Light"/>
-        <a:font script="Hang" typeface="맑은 고딕"/>
-        <a:font script="Hans" typeface="等线 Light"/>
-        <a:font script="Hant" typeface="新細明體"/>
-        <a:font script="Arab" typeface="Times New Roman"/>
-        <a:font script="Hebr" typeface="Times New Roman"/>
-        <a:font script="Thai" typeface="Angsana New"/>
-        <a:font script="Ethi" typeface="Nyala"/>
-        <a:font script="Beng" typeface="Vrinda"/>
-        <a:font script="Gujr" typeface="Shruti"/>
-        <a:font script="Khmr" typeface="MoolBoran"/>
-        <a:font script="Knda" typeface="Tunga"/>
-        <a:font script="Guru" typeface="Raavi"/>
-        <a:font script="Cans" typeface="Euphemia"/>
-        <a:font script="Cher" typeface="Plantagenet Cherokee"/>
-        <a:font script="Yiii" typeface="Microsoft Yi Baiti"/>
-        <a:font script="Tibt" typeface="Microsoft Himalaya"/>
-        <a:font script="Thaa" typeface="MV Boli"/>
-        <a:font script="Deva" typeface="Mangal"/>
-        <a:font script="Telu" typeface="Gautami"/>
-        <a:font script="Taml" typeface="Latha"/>
-        <a:font script="Syrc" typeface="Estrangelo Edessa"/>
-        <a:font script="Orya" typeface="Kalinga"/>
-        <a:font script="Mlym" typeface="Kartika"/>
-        <a:font script="Laoo" typeface="DokChampa"/>
-        <a:font script="Sinh" typeface="Iskoola Pota"/>
-        <a:font script="Mong" typeface="Mongolian Baiti"/>
-        <a:font script="Viet" typeface="Times New Roman"/>
-        <a:font script="Uigh" typeface="Microsoft Uighur"/>
-        <a:font script="Geor" typeface="Sylfaen"/>
-        <a:font script="Armn" typeface="Arial"/>
-        <a:font script="Bugi" typeface="Leelawadee UI"/>
-        <a:font script="Bopo" typeface="Microsoft JhengHei"/>
-        <a:font script="Java" typeface="Javanese Text"/>
-        <a:font script="Lisu" typeface="Segoe UI"/>
-        <a:font script="Mymr" typeface="Myanmar Text"/>
-        <a:font script="Nkoo" typeface="Ebrima"/>
-        <a:font script="Olck" typeface="Nirmala UI"/>
-        <a:font script="Osma" typeface="Ebrima"/>
-        <a:font script="Phag" typeface="Phagspa"/>
-        <a:font script="Syrn" typeface="Estrangelo Edessa"/>
-        <a:font script="Syrj" typeface="Estrangelo Edessa"/>
-        <a:font script="Syre" typeface="Estrangelo Edessa"/>
-        <a:font script="Sora" typeface="Nirmala UI"/>
-        <a:font script="Tale" typeface="Microsoft Tai Le"/>
-        <a:font script="Talu" typeface="Microsoft New Tai Lue"/>
-        <a:font script="Tfng" typeface="Ebrima"/>
       </a:majorFont>
       <a:minorFont>
-        <a:latin typeface="Calibri" panose="020F0502020204030204"/>
+        <a:latin typeface="Avenir Next LT Pro"/>
         <a:ea typeface=""/>
         <a:cs typeface=""/>
-        <a:font script="Jpan" typeface="游ゴシック"/>
-        <a:font script="Hang" typeface="맑은 고딕"/>
-        <a:font script="Hans" typeface="等线"/>
-        <a:font script="Hant" typeface="新細明體"/>
-        <a:font script="Arab" typeface="Arial"/>
-        <a:font script="Hebr" typeface="Arial"/>
-        <a:font script="Thai" typeface="Cordia New"/>
-        <a:font script="Ethi" typeface="Nyala"/>
-        <a:font script="Beng" typeface="Vrinda"/>
-        <a:font script="Gujr" typeface="Shruti"/>
-        <a:font script="Khmr" typeface="DaunPenh"/>
-        <a:font script="Knda" typeface="Tunga"/>
-        <a:font script="Guru" typeface="Raavi"/>
-        <a:font script="Cans" typeface="Euphemia"/>
-        <a:font script="Cher" typeface="Plantagenet Cherokee"/>
-        <a:font script="Yiii" typeface="Microsoft Yi Baiti"/>
-        <a:font script="Tibt" typeface="Microsoft Himalaya"/>
-        <a:font script="Thaa" typeface="MV Boli"/>
-        <a:font script="Deva" typeface="Mangal"/>
-        <a:font script="Telu" typeface="Gautami"/>
-        <a:font script="Taml" typeface="Latha"/>
-        <a:font script="Syrc" typeface="Estrangelo Edessa"/>
-        <a:font script="Orya" typeface="Kalinga"/>
-        <a:font script="Mlym" typeface="Kartika"/>
-        <a:font script="Laoo" typeface="DokChampa"/>
-        <a:font script="Sinh" typeface="Iskoola Pota"/>
-        <a:font script="Mong" typeface="Mongolian Baiti"/>
-        <a:font script="Viet" typeface="Arial"/>
-        <a:font script="Uigh" typeface="Microsoft Uighur"/>
-        <a:font script="Geor" typeface="Sylfaen"/>
-        <a:font script="Armn" typeface="Arial"/>
-        <a:font script="Bugi" typeface="Leelawadee UI"/>
-        <a:font script="Bopo" typeface="Microsoft JhengHei"/>
-        <a:font script="Java" typeface="Javanese Text"/>
-        <a:font script="Lisu" typeface="Segoe UI"/>
-        <a:font script="Mymr" typeface="Myanmar Text"/>
-        <a:font script="Nkoo" typeface="Ebrima"/>
-        <a:font script="Olck" typeface="Nirmala UI"/>
-        <a:font script="Osma" typeface="Ebrima"/>
-        <a:font script="Phag" typeface="Phagspa"/>
-        <a:font script="Syrn" typeface="Estrangelo Edessa"/>
-        <a:font script="Syrj" typeface="Estrangelo Edessa"/>
-        <a:font script="Syre" typeface="Estrangelo Edessa"/>
-        <a:font script="Sora" typeface="Nirmala UI"/>
-        <a:font script="Tale" typeface="Microsoft Tai Le"/>
-        <a:font script="Talu" typeface="Microsoft New Tai Lue"/>
-        <a:font script="Tfng" typeface="Ebrima"/>
       </a:minorFont>
     </a:fontScheme>
     <a:fmtScheme name="Office">
@@ -3673,7 +6631,7 @@
   <a:extraClrSchemeLst/>
   <a:extLst>
     <a:ext uri="{05A4C25C-085E-4340-85A3-A5531E510DB2}">
-      <thm15:themeFamily xmlns:thm15="http://schemas.microsoft.com/office/thememl/2012/main" name="Office Theme" id="{62F939B6-93AF-4DB8-9C6B-D6C7DFDC589F}" vid="{4A3C46E8-61CC-4603-A589-7422A47A8E4A}"/>
+      <thm15:themeFamily xmlns:thm15="http://schemas.microsoft.com/office/thememl/2012/main" name="PebbleVTI" id="{8B4DB91D-6BB4-4BA3-973A-733D3AF2680E}" vid="{9A19CF0D-2077-4BF4-BAA5-86934C336D59}"/>
     </a:ext>
   </a:extLst>
 </a:theme>

--- a/VankoJ_NS2021.pptx
+++ b/VankoJ_NS2021.pptx
@@ -9,6 +9,15 @@
     <p:sldId id="257" r:id="rId3"/>
     <p:sldId id="258" r:id="rId4"/>
     <p:sldId id="259" r:id="rId5"/>
+    <p:sldId id="261" r:id="rId6"/>
+    <p:sldId id="262" r:id="rId7"/>
+    <p:sldId id="260" r:id="rId8"/>
+    <p:sldId id="263" r:id="rId9"/>
+    <p:sldId id="264" r:id="rId10"/>
+    <p:sldId id="267" r:id="rId11"/>
+    <p:sldId id="265" r:id="rId12"/>
+    <p:sldId id="266" r:id="rId13"/>
+    <p:sldId id="268" r:id="rId14"/>
   </p:sldIdLst>
   <p:sldSz cx="12192000" cy="6858000"/>
   <p:notesSz cx="6858000" cy="9144000"/>
@@ -107,6 +116,11 @@
       </a:defRPr>
     </a:lvl9pPr>
   </p:defaultTextStyle>
+  <p:extLst>
+    <p:ext uri="{EFAFB233-063F-42B5-8137-9DF3F51BA10A}">
+      <p15:sldGuideLst xmlns:p15="http://schemas.microsoft.com/office/powerpoint/2012/main"/>
+    </p:ext>
+  </p:extLst>
 </p:presentation>
 </file>
 
@@ -4452,6 +4466,608 @@
 </p:sld>
 </file>
 
+<file path=ppt/slides/slide10.xml><?xml version="1.0" encoding="utf-8"?>
+<p:sld xmlns:a="http://schemas.openxmlformats.org/drawingml/2006/main" xmlns:r="http://schemas.openxmlformats.org/officeDocument/2006/relationships" xmlns:p="http://schemas.openxmlformats.org/presentationml/2006/main">
+  <p:cSld>
+    <p:spTree>
+      <p:nvGrpSpPr>
+        <p:cNvPr id="1" name=""/>
+        <p:cNvGrpSpPr/>
+        <p:nvPr/>
+      </p:nvGrpSpPr>
+      <p:grpSpPr>
+        <a:xfrm>
+          <a:off x="0" y="0"/>
+          <a:ext cx="0" cy="0"/>
+          <a:chOff x="0" y="0"/>
+          <a:chExt cx="0" cy="0"/>
+        </a:xfrm>
+      </p:grpSpPr>
+      <p:sp>
+        <p:nvSpPr>
+          <p:cNvPr id="2" name="Nadpis 1">
+            <a:extLst>
+              <a:ext uri="{FF2B5EF4-FFF2-40B4-BE49-F238E27FC236}">
+                <a16:creationId xmlns:a16="http://schemas.microsoft.com/office/drawing/2014/main" id="{97B8F722-528A-4C2E-B106-3E0BFE93A786}"/>
+              </a:ext>
+            </a:extLst>
+          </p:cNvPr>
+          <p:cNvSpPr>
+            <a:spLocks noGrp="1"/>
+          </p:cNvSpPr>
+          <p:nvPr>
+            <p:ph type="title"/>
+          </p:nvPr>
+        </p:nvSpPr>
+        <p:spPr/>
+        <p:txBody>
+          <a:bodyPr/>
+          <a:lstStyle/>
+          <a:p>
+            <a:r>
+              <a:rPr lang="sk-SK" dirty="0"/>
+              <a:t>Matematické vyjadrenia aktivačných funkcii</a:t>
+            </a:r>
+          </a:p>
+        </p:txBody>
+      </p:sp>
+      <p:pic>
+        <p:nvPicPr>
+          <p:cNvPr id="5" name="Obrázok 4">
+            <a:extLst>
+              <a:ext uri="{FF2B5EF4-FFF2-40B4-BE49-F238E27FC236}">
+                <a16:creationId xmlns:a16="http://schemas.microsoft.com/office/drawing/2014/main" id="{9C11567C-1D3C-425B-B026-40B8ACCDDCDC}"/>
+              </a:ext>
+            </a:extLst>
+          </p:cNvPr>
+          <p:cNvPicPr>
+            <a:picLocks noChangeAspect="1"/>
+          </p:cNvPicPr>
+          <p:nvPr/>
+        </p:nvPicPr>
+        <p:blipFill>
+          <a:blip r:embed="rId2"/>
+          <a:stretch>
+            <a:fillRect/>
+          </a:stretch>
+        </p:blipFill>
+        <p:spPr>
+          <a:xfrm>
+            <a:off x="1540969" y="3534561"/>
+            <a:ext cx="2505075" cy="942975"/>
+          </a:xfrm>
+          <a:prstGeom prst="rect">
+            <a:avLst/>
+          </a:prstGeom>
+        </p:spPr>
+      </p:pic>
+      <p:sp>
+        <p:nvSpPr>
+          <p:cNvPr id="6" name="BlokTextu 5">
+            <a:extLst>
+              <a:ext uri="{FF2B5EF4-FFF2-40B4-BE49-F238E27FC236}">
+                <a16:creationId xmlns:a16="http://schemas.microsoft.com/office/drawing/2014/main" id="{47516D79-0B15-4204-A287-9CACC1CCADEC}"/>
+              </a:ext>
+            </a:extLst>
+          </p:cNvPr>
+          <p:cNvSpPr txBox="1"/>
+          <p:nvPr/>
+        </p:nvSpPr>
+        <p:spPr>
+          <a:xfrm>
+            <a:off x="1896861" y="2954107"/>
+            <a:ext cx="1793290" cy="369332"/>
+          </a:xfrm>
+          <a:prstGeom prst="rect">
+            <a:avLst/>
+          </a:prstGeom>
+          <a:noFill/>
+        </p:spPr>
+        <p:txBody>
+          <a:bodyPr wrap="square" rtlCol="0">
+            <a:spAutoFit/>
+          </a:bodyPr>
+          <a:lstStyle/>
+          <a:p>
+            <a:pPr algn="ctr"/>
+            <a:r>
+              <a:rPr lang="sk-SK" dirty="0" err="1"/>
+              <a:t>ReLu</a:t>
+            </a:r>
+            <a:endParaRPr lang="sk-SK" dirty="0"/>
+          </a:p>
+        </p:txBody>
+      </p:sp>
+      <p:pic>
+        <p:nvPicPr>
+          <p:cNvPr id="8" name="Obrázok 7">
+            <a:extLst>
+              <a:ext uri="{FF2B5EF4-FFF2-40B4-BE49-F238E27FC236}">
+                <a16:creationId xmlns:a16="http://schemas.microsoft.com/office/drawing/2014/main" id="{E3C0084C-3721-4F40-8EE8-4BB06752B886}"/>
+              </a:ext>
+            </a:extLst>
+          </p:cNvPr>
+          <p:cNvPicPr>
+            <a:picLocks noChangeAspect="1"/>
+          </p:cNvPicPr>
+          <p:nvPr/>
+        </p:nvPicPr>
+        <p:blipFill>
+          <a:blip r:embed="rId3"/>
+          <a:stretch>
+            <a:fillRect/>
+          </a:stretch>
+        </p:blipFill>
+        <p:spPr>
+          <a:xfrm>
+            <a:off x="6119674" y="3586948"/>
+            <a:ext cx="3067050" cy="838200"/>
+          </a:xfrm>
+          <a:prstGeom prst="rect">
+            <a:avLst/>
+          </a:prstGeom>
+        </p:spPr>
+      </p:pic>
+      <p:sp>
+        <p:nvSpPr>
+          <p:cNvPr id="9" name="BlokTextu 8">
+            <a:extLst>
+              <a:ext uri="{FF2B5EF4-FFF2-40B4-BE49-F238E27FC236}">
+                <a16:creationId xmlns:a16="http://schemas.microsoft.com/office/drawing/2014/main" id="{AAF555F8-2257-48D5-BCF9-44A8DB829635}"/>
+              </a:ext>
+            </a:extLst>
+          </p:cNvPr>
+          <p:cNvSpPr txBox="1"/>
+          <p:nvPr/>
+        </p:nvSpPr>
+        <p:spPr>
+          <a:xfrm>
+            <a:off x="6701172" y="2964459"/>
+            <a:ext cx="1793290" cy="369332"/>
+          </a:xfrm>
+          <a:prstGeom prst="rect">
+            <a:avLst/>
+          </a:prstGeom>
+          <a:noFill/>
+        </p:spPr>
+        <p:txBody>
+          <a:bodyPr wrap="square" rtlCol="0">
+            <a:spAutoFit/>
+          </a:bodyPr>
+          <a:lstStyle/>
+          <a:p>
+            <a:pPr algn="ctr"/>
+            <a:r>
+              <a:rPr lang="sk-SK" dirty="0" err="1"/>
+              <a:t>Softmax</a:t>
+            </a:r>
+            <a:endParaRPr lang="sk-SK" dirty="0"/>
+          </a:p>
+        </p:txBody>
+      </p:sp>
+    </p:spTree>
+    <p:extLst>
+      <p:ext uri="{BB962C8B-B14F-4D97-AF65-F5344CB8AC3E}">
+        <p14:creationId xmlns:p14="http://schemas.microsoft.com/office/powerpoint/2010/main" val="785237393"/>
+      </p:ext>
+    </p:extLst>
+  </p:cSld>
+  <p:clrMapOvr>
+    <a:masterClrMapping/>
+  </p:clrMapOvr>
+</p:sld>
+</file>
+
+<file path=ppt/slides/slide11.xml><?xml version="1.0" encoding="utf-8"?>
+<p:sld xmlns:a="http://schemas.openxmlformats.org/drawingml/2006/main" xmlns:r="http://schemas.openxmlformats.org/officeDocument/2006/relationships" xmlns:p="http://schemas.openxmlformats.org/presentationml/2006/main">
+  <p:cSld>
+    <p:spTree>
+      <p:nvGrpSpPr>
+        <p:cNvPr id="1" name=""/>
+        <p:cNvGrpSpPr/>
+        <p:nvPr/>
+      </p:nvGrpSpPr>
+      <p:grpSpPr>
+        <a:xfrm>
+          <a:off x="0" y="0"/>
+          <a:ext cx="0" cy="0"/>
+          <a:chOff x="0" y="0"/>
+          <a:chExt cx="0" cy="0"/>
+        </a:xfrm>
+      </p:grpSpPr>
+      <p:sp>
+        <p:nvSpPr>
+          <p:cNvPr id="2" name="Nadpis 1">
+            <a:extLst>
+              <a:ext uri="{FF2B5EF4-FFF2-40B4-BE49-F238E27FC236}">
+                <a16:creationId xmlns:a16="http://schemas.microsoft.com/office/drawing/2014/main" id="{65A0B296-A36E-4E61-A926-F4F48C4F198E}"/>
+              </a:ext>
+            </a:extLst>
+          </p:cNvPr>
+          <p:cNvSpPr>
+            <a:spLocks noGrp="1"/>
+          </p:cNvSpPr>
+          <p:nvPr>
+            <p:ph type="title"/>
+          </p:nvPr>
+        </p:nvSpPr>
+        <p:spPr/>
+        <p:txBody>
+          <a:bodyPr/>
+          <a:lstStyle/>
+          <a:p>
+            <a:r>
+              <a:rPr lang="sk-SK" dirty="0"/>
+              <a:t>Kompilácia a trénovanie </a:t>
+            </a:r>
+          </a:p>
+        </p:txBody>
+      </p:sp>
+      <p:sp>
+        <p:nvSpPr>
+          <p:cNvPr id="3" name="Zástupný objekt pre obsah 2">
+            <a:extLst>
+              <a:ext uri="{FF2B5EF4-FFF2-40B4-BE49-F238E27FC236}">
+                <a16:creationId xmlns:a16="http://schemas.microsoft.com/office/drawing/2014/main" id="{AD57636A-E2B0-43C8-B79F-912DDFAA4D3C}"/>
+              </a:ext>
+            </a:extLst>
+          </p:cNvPr>
+          <p:cNvSpPr>
+            <a:spLocks noGrp="1"/>
+          </p:cNvSpPr>
+          <p:nvPr>
+            <p:ph idx="1"/>
+          </p:nvPr>
+        </p:nvSpPr>
+        <p:spPr/>
+        <p:txBody>
+          <a:bodyPr/>
+          <a:lstStyle/>
+          <a:p>
+            <a:r>
+              <a:rPr lang="sk-SK" dirty="0"/>
+              <a:t>Kompilácia z dôvodu potreby </a:t>
+            </a:r>
+            <a:r>
+              <a:rPr lang="sk-SK" dirty="0" err="1"/>
+              <a:t>optimazéru</a:t>
+            </a:r>
+            <a:r>
+              <a:rPr lang="sk-SK" dirty="0"/>
+              <a:t> a </a:t>
+            </a:r>
+            <a:r>
+              <a:rPr lang="sk-SK" dirty="0" err="1"/>
+              <a:t>funkci</a:t>
+            </a:r>
+            <a:r>
+              <a:rPr lang="sk-SK" dirty="0"/>
+              <a:t> merania rozdielu medzi cieľovými výsledkami a predikciou</a:t>
+            </a:r>
+          </a:p>
+          <a:p>
+            <a:r>
+              <a:rPr lang="sk-SK" dirty="0"/>
+              <a:t>Trénovanie:</a:t>
+            </a:r>
+          </a:p>
+          <a:p>
+            <a:r>
+              <a:rPr lang="sk-SK" dirty="0"/>
+              <a:t>Veľkosť dávky (</a:t>
+            </a:r>
+            <a:r>
+              <a:rPr lang="sk-SK" dirty="0" err="1"/>
+              <a:t>batch_size</a:t>
+            </a:r>
+            <a:r>
+              <a:rPr lang="sk-SK" dirty="0"/>
+              <a:t>) = 64</a:t>
+            </a:r>
+          </a:p>
+          <a:p>
+            <a:r>
+              <a:rPr lang="sk-SK" dirty="0"/>
+              <a:t>Epochy = 90</a:t>
+            </a:r>
+          </a:p>
+        </p:txBody>
+      </p:sp>
+    </p:spTree>
+    <p:extLst>
+      <p:ext uri="{BB962C8B-B14F-4D97-AF65-F5344CB8AC3E}">
+        <p14:creationId xmlns:p14="http://schemas.microsoft.com/office/powerpoint/2010/main" val="3508148642"/>
+      </p:ext>
+    </p:extLst>
+  </p:cSld>
+  <p:clrMapOvr>
+    <a:masterClrMapping/>
+  </p:clrMapOvr>
+</p:sld>
+</file>
+
+<file path=ppt/slides/slide12.xml><?xml version="1.0" encoding="utf-8"?>
+<p:sld xmlns:a="http://schemas.openxmlformats.org/drawingml/2006/main" xmlns:r="http://schemas.openxmlformats.org/officeDocument/2006/relationships" xmlns:p="http://schemas.openxmlformats.org/presentationml/2006/main">
+  <p:cSld>
+    <p:spTree>
+      <p:nvGrpSpPr>
+        <p:cNvPr id="1" name=""/>
+        <p:cNvGrpSpPr/>
+        <p:nvPr/>
+      </p:nvGrpSpPr>
+      <p:grpSpPr>
+        <a:xfrm>
+          <a:off x="0" y="0"/>
+          <a:ext cx="0" cy="0"/>
+          <a:chOff x="0" y="0"/>
+          <a:chExt cx="0" cy="0"/>
+        </a:xfrm>
+      </p:grpSpPr>
+      <p:sp>
+        <p:nvSpPr>
+          <p:cNvPr id="2" name="Nadpis 1">
+            <a:extLst>
+              <a:ext uri="{FF2B5EF4-FFF2-40B4-BE49-F238E27FC236}">
+                <a16:creationId xmlns:a16="http://schemas.microsoft.com/office/drawing/2014/main" id="{6DEF2DC5-4BE4-4EBB-97B3-38C3B90245BE}"/>
+              </a:ext>
+            </a:extLst>
+          </p:cNvPr>
+          <p:cNvSpPr>
+            <a:spLocks noGrp="1"/>
+          </p:cNvSpPr>
+          <p:nvPr>
+            <p:ph type="title"/>
+          </p:nvPr>
+        </p:nvSpPr>
+        <p:spPr>
+          <a:xfrm>
+            <a:off x="682074" y="438150"/>
+            <a:ext cx="10668000" cy="818367"/>
+          </a:xfrm>
+        </p:spPr>
+        <p:txBody>
+          <a:bodyPr/>
+          <a:lstStyle/>
+          <a:p>
+            <a:r>
+              <a:rPr lang="sk-SK" dirty="0"/>
+              <a:t>Ilustrácia modelu</a:t>
+            </a:r>
+          </a:p>
+        </p:txBody>
+      </p:sp>
+      <p:pic>
+        <p:nvPicPr>
+          <p:cNvPr id="5" name="Obrázok 4">
+            <a:extLst>
+              <a:ext uri="{FF2B5EF4-FFF2-40B4-BE49-F238E27FC236}">
+                <a16:creationId xmlns:a16="http://schemas.microsoft.com/office/drawing/2014/main" id="{77A3868D-C463-4022-BBAE-2BD2ED28360A}"/>
+              </a:ext>
+            </a:extLst>
+          </p:cNvPr>
+          <p:cNvPicPr>
+            <a:picLocks noChangeAspect="1"/>
+          </p:cNvPicPr>
+          <p:nvPr/>
+        </p:nvPicPr>
+        <p:blipFill>
+          <a:blip r:embed="rId2">
+            <a:extLst>
+              <a:ext uri="{28A0092B-C50C-407E-A947-70E740481C1C}">
+                <a14:useLocalDpi xmlns:a14="http://schemas.microsoft.com/office/drawing/2010/main" val="0"/>
+              </a:ext>
+            </a:extLst>
+          </a:blip>
+          <a:stretch>
+            <a:fillRect/>
+          </a:stretch>
+        </p:blipFill>
+        <p:spPr>
+          <a:xfrm>
+            <a:off x="2819400" y="1389867"/>
+            <a:ext cx="6800850" cy="5223131"/>
+          </a:xfrm>
+          <a:prstGeom prst="rect">
+            <a:avLst/>
+          </a:prstGeom>
+        </p:spPr>
+      </p:pic>
+    </p:spTree>
+    <p:extLst>
+      <p:ext uri="{BB962C8B-B14F-4D97-AF65-F5344CB8AC3E}">
+        <p14:creationId xmlns:p14="http://schemas.microsoft.com/office/powerpoint/2010/main" val="515453462"/>
+      </p:ext>
+    </p:extLst>
+  </p:cSld>
+  <p:clrMapOvr>
+    <a:masterClrMapping/>
+  </p:clrMapOvr>
+</p:sld>
+</file>
+
+<file path=ppt/slides/slide13.xml><?xml version="1.0" encoding="utf-8"?>
+<p:sld xmlns:a="http://schemas.openxmlformats.org/drawingml/2006/main" xmlns:r="http://schemas.openxmlformats.org/officeDocument/2006/relationships" xmlns:p="http://schemas.openxmlformats.org/presentationml/2006/main">
+  <p:cSld>
+    <p:spTree>
+      <p:nvGrpSpPr>
+        <p:cNvPr id="1" name=""/>
+        <p:cNvGrpSpPr/>
+        <p:nvPr/>
+      </p:nvGrpSpPr>
+      <p:grpSpPr>
+        <a:xfrm>
+          <a:off x="0" y="0"/>
+          <a:ext cx="0" cy="0"/>
+          <a:chOff x="0" y="0"/>
+          <a:chExt cx="0" cy="0"/>
+        </a:xfrm>
+      </p:grpSpPr>
+      <p:sp>
+        <p:nvSpPr>
+          <p:cNvPr id="2" name="Nadpis 1">
+            <a:extLst>
+              <a:ext uri="{FF2B5EF4-FFF2-40B4-BE49-F238E27FC236}">
+                <a16:creationId xmlns:a16="http://schemas.microsoft.com/office/drawing/2014/main" id="{3996C773-30AF-4DD5-9CCE-D0D84CFA647A}"/>
+              </a:ext>
+            </a:extLst>
+          </p:cNvPr>
+          <p:cNvSpPr>
+            <a:spLocks noGrp="1"/>
+          </p:cNvSpPr>
+          <p:nvPr>
+            <p:ph type="title"/>
+          </p:nvPr>
+        </p:nvSpPr>
+        <p:spPr>
+          <a:xfrm>
+            <a:off x="762000" y="389138"/>
+            <a:ext cx="10668000" cy="1524000"/>
+          </a:xfrm>
+        </p:spPr>
+        <p:txBody>
+          <a:bodyPr/>
+          <a:lstStyle/>
+          <a:p>
+            <a:r>
+              <a:rPr lang="sk-SK" dirty="0"/>
+              <a:t>Výsledky trénovania modelu</a:t>
+            </a:r>
+          </a:p>
+        </p:txBody>
+      </p:sp>
+      <p:pic>
+        <p:nvPicPr>
+          <p:cNvPr id="7" name="Obrázok 6">
+            <a:extLst>
+              <a:ext uri="{FF2B5EF4-FFF2-40B4-BE49-F238E27FC236}">
+                <a16:creationId xmlns:a16="http://schemas.microsoft.com/office/drawing/2014/main" id="{BB210DC5-9258-46FF-AE66-29E415BCE5C9}"/>
+              </a:ext>
+            </a:extLst>
+          </p:cNvPr>
+          <p:cNvPicPr>
+            <a:picLocks noChangeAspect="1"/>
+          </p:cNvPicPr>
+          <p:nvPr/>
+        </p:nvPicPr>
+        <p:blipFill>
+          <a:blip r:embed="rId2"/>
+          <a:stretch>
+            <a:fillRect/>
+          </a:stretch>
+        </p:blipFill>
+        <p:spPr>
+          <a:xfrm>
+            <a:off x="1038225" y="5634037"/>
+            <a:ext cx="4591050" cy="581025"/>
+          </a:xfrm>
+          <a:prstGeom prst="rect">
+            <a:avLst/>
+          </a:prstGeom>
+        </p:spPr>
+      </p:pic>
+      <p:pic>
+        <p:nvPicPr>
+          <p:cNvPr id="11" name="Obrázok 10">
+            <a:extLst>
+              <a:ext uri="{FF2B5EF4-FFF2-40B4-BE49-F238E27FC236}">
+                <a16:creationId xmlns:a16="http://schemas.microsoft.com/office/drawing/2014/main" id="{F3766026-7110-49C4-897B-260EFA5DDF54}"/>
+              </a:ext>
+            </a:extLst>
+          </p:cNvPr>
+          <p:cNvPicPr>
+            <a:picLocks noChangeAspect="1"/>
+          </p:cNvPicPr>
+          <p:nvPr/>
+        </p:nvPicPr>
+        <p:blipFill>
+          <a:blip r:embed="rId3"/>
+          <a:stretch>
+            <a:fillRect/>
+          </a:stretch>
+        </p:blipFill>
+        <p:spPr>
+          <a:xfrm>
+            <a:off x="7019925" y="5634037"/>
+            <a:ext cx="4133850" cy="609600"/>
+          </a:xfrm>
+          <a:prstGeom prst="rect">
+            <a:avLst/>
+          </a:prstGeom>
+        </p:spPr>
+      </p:pic>
+      <p:pic>
+        <p:nvPicPr>
+          <p:cNvPr id="13" name="Obrázok 12">
+            <a:extLst>
+              <a:ext uri="{FF2B5EF4-FFF2-40B4-BE49-F238E27FC236}">
+                <a16:creationId xmlns:a16="http://schemas.microsoft.com/office/drawing/2014/main" id="{C27F2309-16D5-4AAF-9979-BF750B58128C}"/>
+              </a:ext>
+            </a:extLst>
+          </p:cNvPr>
+          <p:cNvPicPr>
+            <a:picLocks noChangeAspect="1"/>
+          </p:cNvPicPr>
+          <p:nvPr/>
+        </p:nvPicPr>
+        <p:blipFill>
+          <a:blip r:embed="rId4"/>
+          <a:stretch>
+            <a:fillRect/>
+          </a:stretch>
+        </p:blipFill>
+        <p:spPr>
+          <a:xfrm>
+            <a:off x="890587" y="1913138"/>
+            <a:ext cx="4886325" cy="3543300"/>
+          </a:xfrm>
+          <a:prstGeom prst="rect">
+            <a:avLst/>
+          </a:prstGeom>
+        </p:spPr>
+      </p:pic>
+      <p:pic>
+        <p:nvPicPr>
+          <p:cNvPr id="15" name="Obrázok 14">
+            <a:extLst>
+              <a:ext uri="{FF2B5EF4-FFF2-40B4-BE49-F238E27FC236}">
+                <a16:creationId xmlns:a16="http://schemas.microsoft.com/office/drawing/2014/main" id="{EE1B8822-F734-4701-9335-1440947C95B1}"/>
+              </a:ext>
+            </a:extLst>
+          </p:cNvPr>
+          <p:cNvPicPr>
+            <a:picLocks noChangeAspect="1"/>
+          </p:cNvPicPr>
+          <p:nvPr/>
+        </p:nvPicPr>
+        <p:blipFill>
+          <a:blip r:embed="rId5"/>
+          <a:stretch>
+            <a:fillRect/>
+          </a:stretch>
+        </p:blipFill>
+        <p:spPr>
+          <a:xfrm>
+            <a:off x="6729412" y="2008388"/>
+            <a:ext cx="4886325" cy="3352800"/>
+          </a:xfrm>
+          <a:prstGeom prst="rect">
+            <a:avLst/>
+          </a:prstGeom>
+        </p:spPr>
+      </p:pic>
+    </p:spTree>
+    <p:extLst>
+      <p:ext uri="{BB962C8B-B14F-4D97-AF65-F5344CB8AC3E}">
+        <p14:creationId xmlns:p14="http://schemas.microsoft.com/office/powerpoint/2010/main" val="3832184853"/>
+      </p:ext>
+    </p:extLst>
+  </p:cSld>
+  <p:clrMapOvr>
+    <a:masterClrMapping/>
+  </p:clrMapOvr>
+</p:sld>
+</file>
+
 <file path=ppt/slides/slide2.xml><?xml version="1.0" encoding="utf-8"?>
 <p:sld xmlns:a="http://schemas.openxmlformats.org/drawingml/2006/main" xmlns:r="http://schemas.openxmlformats.org/officeDocument/2006/relationships" xmlns:p="http://schemas.openxmlformats.org/presentationml/2006/main">
   <p:cSld>
@@ -6360,7 +6976,7 @@
           <a:p>
             <a:r>
               <a:rPr lang="sk-SK" sz="2400" dirty="0"/>
-              <a:t>Skladajú sa zo 1795 záznamov a 8 stĺpcov</a:t>
+              <a:t>Skladá sa zo 1795 záznamov a 8 stĺpcov</a:t>
             </a:r>
           </a:p>
           <a:p>
@@ -6427,6 +7043,3576 @@
     <p:extLst>
       <p:ext uri="{BB962C8B-B14F-4D97-AF65-F5344CB8AC3E}">
         <p14:creationId xmlns:p14="http://schemas.microsoft.com/office/powerpoint/2010/main" val="4136615068"/>
+      </p:ext>
+    </p:extLst>
+  </p:cSld>
+  <p:clrMapOvr>
+    <a:masterClrMapping/>
+  </p:clrMapOvr>
+</p:sld>
+</file>
+
+<file path=ppt/slides/slide5.xml><?xml version="1.0" encoding="utf-8"?>
+<p:sld xmlns:a="http://schemas.openxmlformats.org/drawingml/2006/main" xmlns:r="http://schemas.openxmlformats.org/officeDocument/2006/relationships" xmlns:p="http://schemas.openxmlformats.org/presentationml/2006/main">
+  <p:cSld>
+    <p:bg>
+      <p:bgPr>
+        <a:solidFill>
+          <a:schemeClr val="bg2"/>
+        </a:solidFill>
+        <a:effectLst/>
+      </p:bgPr>
+    </p:bg>
+    <p:spTree>
+      <p:nvGrpSpPr>
+        <p:cNvPr id="1" name=""/>
+        <p:cNvGrpSpPr/>
+        <p:nvPr/>
+      </p:nvGrpSpPr>
+      <p:grpSpPr>
+        <a:xfrm>
+          <a:off x="0" y="0"/>
+          <a:ext cx="0" cy="0"/>
+          <a:chOff x="0" y="0"/>
+          <a:chExt cx="0" cy="0"/>
+        </a:xfrm>
+      </p:grpSpPr>
+      <p:sp>
+        <p:nvSpPr>
+          <p:cNvPr id="23" name="Freeform: Shape 22">
+            <a:extLst>
+              <a:ext uri="{FF2B5EF4-FFF2-40B4-BE49-F238E27FC236}">
+                <a16:creationId xmlns:a16="http://schemas.microsoft.com/office/drawing/2014/main" id="{A6EF5A53-0A64-4CA5-B9C7-1CB97CB5CF1C}"/>
+              </a:ext>
+              <a:ext uri="{C183D7F6-B498-43B3-948B-1728B52AA6E4}">
+                <adec:decorative xmlns:adec="http://schemas.microsoft.com/office/drawing/2017/decorative" val="1"/>
+              </a:ext>
+            </a:extLst>
+          </p:cNvPr>
+          <p:cNvSpPr>
+            <a:spLocks noGrp="1" noRot="1" noChangeAspect="1" noMove="1" noResize="1" noEditPoints="1" noAdjustHandles="1" noChangeArrowheads="1" noChangeShapeType="1" noTextEdit="1"/>
+          </p:cNvSpPr>
+          <p:nvPr>
+            <p:extLst>
+              <p:ext uri="{386F3935-93C4-4BCD-93E2-E3B085C9AB24}">
+                <p16:designElem xmlns:p16="http://schemas.microsoft.com/office/powerpoint/2015/main" val="1"/>
+              </p:ext>
+            </p:extLst>
+          </p:nvPr>
+        </p:nvSpPr>
+        <p:spPr>
+          <a:xfrm>
+            <a:off x="8157843" y="6244836"/>
+            <a:ext cx="4034156" cy="613164"/>
+          </a:xfrm>
+          <a:custGeom>
+            <a:avLst/>
+            <a:gdLst>
+              <a:gd name="connsiteX0" fmla="*/ 1479137 w 4034156"/>
+              <a:gd name="connsiteY0" fmla="*/ 230 h 613164"/>
+              <a:gd name="connsiteX1" fmla="*/ 3482844 w 4034156"/>
+              <a:gd name="connsiteY1" fmla="*/ 298555 h 613164"/>
+              <a:gd name="connsiteX2" fmla="*/ 3831590 w 4034156"/>
+              <a:gd name="connsiteY2" fmla="*/ 425010 h 613164"/>
+              <a:gd name="connsiteX3" fmla="*/ 4034156 w 4034156"/>
+              <a:gd name="connsiteY3" fmla="*/ 494088 h 613164"/>
+              <a:gd name="connsiteX4" fmla="*/ 4034156 w 4034156"/>
+              <a:gd name="connsiteY4" fmla="*/ 613164 h 613164"/>
+              <a:gd name="connsiteX5" fmla="*/ 0 w 4034156"/>
+              <a:gd name="connsiteY5" fmla="*/ 613164 h 613164"/>
+              <a:gd name="connsiteX6" fmla="*/ 54792 w 4034156"/>
+              <a:gd name="connsiteY6" fmla="*/ 512415 h 613164"/>
+              <a:gd name="connsiteX7" fmla="*/ 168327 w 4034156"/>
+              <a:gd name="connsiteY7" fmla="*/ 366637 h 613164"/>
+              <a:gd name="connsiteX8" fmla="*/ 1192562 w 4034156"/>
+              <a:gd name="connsiteY8" fmla="*/ 1522 h 613164"/>
+              <a:gd name="connsiteX9" fmla="*/ 1479137 w 4034156"/>
+              <a:gd name="connsiteY9" fmla="*/ 230 h 613164"/>
+            </a:gdLst>
+            <a:ahLst/>
+            <a:cxnLst>
+              <a:cxn ang="0">
+                <a:pos x="connsiteX0" y="connsiteY0"/>
+              </a:cxn>
+              <a:cxn ang="0">
+                <a:pos x="connsiteX1" y="connsiteY1"/>
+              </a:cxn>
+              <a:cxn ang="0">
+                <a:pos x="connsiteX2" y="connsiteY2"/>
+              </a:cxn>
+              <a:cxn ang="0">
+                <a:pos x="connsiteX3" y="connsiteY3"/>
+              </a:cxn>
+              <a:cxn ang="0">
+                <a:pos x="connsiteX4" y="connsiteY4"/>
+              </a:cxn>
+              <a:cxn ang="0">
+                <a:pos x="connsiteX5" y="connsiteY5"/>
+              </a:cxn>
+              <a:cxn ang="0">
+                <a:pos x="connsiteX6" y="connsiteY6"/>
+              </a:cxn>
+              <a:cxn ang="0">
+                <a:pos x="connsiteX7" y="connsiteY7"/>
+              </a:cxn>
+              <a:cxn ang="0">
+                <a:pos x="connsiteX8" y="connsiteY8"/>
+              </a:cxn>
+              <a:cxn ang="0">
+                <a:pos x="connsiteX9" y="connsiteY9"/>
+              </a:cxn>
+            </a:cxnLst>
+            <a:rect l="l" t="t" r="r" b="b"/>
+            <a:pathLst>
+              <a:path w="4034156" h="613164">
+                <a:moveTo>
+                  <a:pt x="1479137" y="230"/>
+                </a:moveTo>
+                <a:cubicBezTo>
+                  <a:pt x="2152575" y="4287"/>
+                  <a:pt x="2854487" y="63583"/>
+                  <a:pt x="3482844" y="298555"/>
+                </a:cubicBezTo>
+                <a:cubicBezTo>
+                  <a:pt x="3599338" y="342114"/>
+                  <a:pt x="3715540" y="384216"/>
+                  <a:pt x="3831590" y="425010"/>
+                </a:cubicBezTo>
+                <a:lnTo>
+                  <a:pt x="4034156" y="494088"/>
+                </a:lnTo>
+                <a:lnTo>
+                  <a:pt x="4034156" y="613164"/>
+                </a:lnTo>
+                <a:lnTo>
+                  <a:pt x="0" y="613164"/>
+                </a:lnTo>
+                <a:lnTo>
+                  <a:pt x="54792" y="512415"/>
+                </a:lnTo>
+                <a:cubicBezTo>
+                  <a:pt x="88888" y="459433"/>
+                  <a:pt x="126502" y="410480"/>
+                  <a:pt x="168327" y="366637"/>
+                </a:cubicBezTo>
+                <a:cubicBezTo>
+                  <a:pt x="428292" y="94062"/>
+                  <a:pt x="821899" y="6565"/>
+                  <a:pt x="1192562" y="1522"/>
+                </a:cubicBezTo>
+                <a:cubicBezTo>
+                  <a:pt x="1287308" y="198"/>
+                  <a:pt x="1382932" y="-349"/>
+                  <a:pt x="1479137" y="230"/>
+                </a:cubicBezTo>
+                <a:close/>
+              </a:path>
+            </a:pathLst>
+          </a:custGeom>
+          <a:solidFill>
+            <a:schemeClr val="accent6"/>
+          </a:solidFill>
+          <a:ln>
+            <a:noFill/>
+          </a:ln>
+        </p:spPr>
+        <p:style>
+          <a:lnRef idx="2">
+            <a:schemeClr val="accent1">
+              <a:shade val="50000"/>
+            </a:schemeClr>
+          </a:lnRef>
+          <a:fillRef idx="1">
+            <a:schemeClr val="accent1"/>
+          </a:fillRef>
+          <a:effectRef idx="0">
+            <a:schemeClr val="accent1"/>
+          </a:effectRef>
+          <a:fontRef idx="minor">
+            <a:schemeClr val="lt1"/>
+          </a:fontRef>
+        </p:style>
+        <p:txBody>
+          <a:bodyPr wrap="square" rtlCol="0" anchor="ctr">
+            <a:noAutofit/>
+          </a:bodyPr>
+          <a:lstStyle/>
+          <a:p>
+            <a:pPr marL="0" marR="0" lvl="0" indent="0" algn="ctr" defTabSz="914400" rtl="0" eaLnBrk="1" fontAlgn="auto" latinLnBrk="0" hangingPunct="1">
+              <a:lnSpc>
+                <a:spcPct val="100000"/>
+              </a:lnSpc>
+              <a:spcBef>
+                <a:spcPts val="0"/>
+              </a:spcBef>
+              <a:spcAft>
+                <a:spcPts val="0"/>
+              </a:spcAft>
+              <a:buClrTx/>
+              <a:buSzTx/>
+              <a:buFontTx/>
+              <a:buNone/>
+              <a:tabLst/>
+              <a:defRPr/>
+            </a:pPr>
+            <a:endParaRPr kumimoji="0" lang="en-US" sz="1500" b="0" i="0" u="none" strike="noStrike" kern="1200" cap="none" spc="0" normalizeH="0" baseline="0" noProof="0">
+              <a:ln>
+                <a:noFill/>
+              </a:ln>
+              <a:solidFill>
+                <a:prstClr val="white"/>
+              </a:solidFill>
+              <a:effectLst/>
+              <a:uLnTx/>
+              <a:uFillTx/>
+              <a:latin typeface="Avenir Next LT Pro" panose="020B0504020202020204" pitchFamily="34" charset="0"/>
+              <a:ea typeface="+mn-ea"/>
+              <a:cs typeface="+mn-cs"/>
+            </a:endParaRPr>
+          </a:p>
+        </p:txBody>
+      </p:sp>
+      <p:sp>
+        <p:nvSpPr>
+          <p:cNvPr id="25" name="Freeform: Shape 24">
+            <a:extLst>
+              <a:ext uri="{FF2B5EF4-FFF2-40B4-BE49-F238E27FC236}">
+                <a16:creationId xmlns:a16="http://schemas.microsoft.com/office/drawing/2014/main" id="{34ABFBEA-4EB0-4D02-A2C0-1733CD3D6F12}"/>
+              </a:ext>
+              <a:ext uri="{C183D7F6-B498-43B3-948B-1728B52AA6E4}">
+                <adec:decorative xmlns:adec="http://schemas.microsoft.com/office/drawing/2017/decorative" val="1"/>
+              </a:ext>
+            </a:extLst>
+          </p:cNvPr>
+          <p:cNvSpPr>
+            <a:spLocks noGrp="1" noRot="1" noChangeAspect="1" noMove="1" noResize="1" noEditPoints="1" noAdjustHandles="1" noChangeArrowheads="1" noChangeShapeType="1" noTextEdit="1"/>
+          </p:cNvSpPr>
+          <p:nvPr>
+            <p:extLst>
+              <p:ext uri="{386F3935-93C4-4BCD-93E2-E3B085C9AB24}">
+                <p16:designElem xmlns:p16="http://schemas.microsoft.com/office/powerpoint/2015/main" val="1"/>
+              </p:ext>
+            </p:extLst>
+          </p:nvPr>
+        </p:nvSpPr>
+        <p:spPr>
+          <a:xfrm>
+            <a:off x="1" y="688126"/>
+            <a:ext cx="448491" cy="1634252"/>
+          </a:xfrm>
+          <a:custGeom>
+            <a:avLst/>
+            <a:gdLst>
+              <a:gd name="connsiteX0" fmla="*/ 0 w 448491"/>
+              <a:gd name="connsiteY0" fmla="*/ 0 h 1634252"/>
+              <a:gd name="connsiteX1" fmla="*/ 12983 w 448491"/>
+              <a:gd name="connsiteY1" fmla="*/ 10508 h 1634252"/>
+              <a:gd name="connsiteX2" fmla="*/ 441611 w 448491"/>
+              <a:gd name="connsiteY2" fmla="*/ 863751 h 1634252"/>
+              <a:gd name="connsiteX3" fmla="*/ 251011 w 448491"/>
+              <a:gd name="connsiteY3" fmla="*/ 1302895 h 1634252"/>
+              <a:gd name="connsiteX4" fmla="*/ 74605 w 448491"/>
+              <a:gd name="connsiteY4" fmla="*/ 1543249 h 1634252"/>
+              <a:gd name="connsiteX5" fmla="*/ 0 w 448491"/>
+              <a:gd name="connsiteY5" fmla="*/ 1634252 h 1634252"/>
+            </a:gdLst>
+            <a:ahLst/>
+            <a:cxnLst>
+              <a:cxn ang="0">
+                <a:pos x="connsiteX0" y="connsiteY0"/>
+              </a:cxn>
+              <a:cxn ang="0">
+                <a:pos x="connsiteX1" y="connsiteY1"/>
+              </a:cxn>
+              <a:cxn ang="0">
+                <a:pos x="connsiteX2" y="connsiteY2"/>
+              </a:cxn>
+              <a:cxn ang="0">
+                <a:pos x="connsiteX3" y="connsiteY3"/>
+              </a:cxn>
+              <a:cxn ang="0">
+                <a:pos x="connsiteX4" y="connsiteY4"/>
+              </a:cxn>
+              <a:cxn ang="0">
+                <a:pos x="connsiteX5" y="connsiteY5"/>
+              </a:cxn>
+            </a:cxnLst>
+            <a:rect l="l" t="t" r="r" b="b"/>
+            <a:pathLst>
+              <a:path w="448491" h="1634252">
+                <a:moveTo>
+                  <a:pt x="0" y="0"/>
+                </a:moveTo>
+                <a:lnTo>
+                  <a:pt x="12983" y="10508"/>
+                </a:lnTo>
+                <a:cubicBezTo>
+                  <a:pt x="278410" y="241022"/>
+                  <a:pt x="489787" y="530267"/>
+                  <a:pt x="441611" y="863751"/>
+                </a:cubicBezTo>
+                <a:cubicBezTo>
+                  <a:pt x="418542" y="1022632"/>
+                  <a:pt x="337007" y="1166302"/>
+                  <a:pt x="251011" y="1302895"/>
+                </a:cubicBezTo>
+                <a:cubicBezTo>
+                  <a:pt x="215138" y="1359902"/>
+                  <a:pt x="154723" y="1442480"/>
+                  <a:pt x="74605" y="1543249"/>
+                </a:cubicBezTo>
+                <a:lnTo>
+                  <a:pt x="0" y="1634252"/>
+                </a:lnTo>
+                <a:close/>
+              </a:path>
+            </a:pathLst>
+          </a:custGeom>
+          <a:solidFill>
+            <a:schemeClr val="accent1"/>
+          </a:solidFill>
+          <a:ln>
+            <a:noFill/>
+          </a:ln>
+        </p:spPr>
+        <p:style>
+          <a:lnRef idx="2">
+            <a:schemeClr val="accent1">
+              <a:shade val="50000"/>
+            </a:schemeClr>
+          </a:lnRef>
+          <a:fillRef idx="1">
+            <a:schemeClr val="accent1"/>
+          </a:fillRef>
+          <a:effectRef idx="0">
+            <a:schemeClr val="accent1"/>
+          </a:effectRef>
+          <a:fontRef idx="minor">
+            <a:schemeClr val="lt1"/>
+          </a:fontRef>
+        </p:style>
+        <p:txBody>
+          <a:bodyPr wrap="square" rtlCol="0" anchor="ctr">
+            <a:noAutofit/>
+          </a:bodyPr>
+          <a:lstStyle/>
+          <a:p>
+            <a:pPr algn="ctr"/>
+            <a:endParaRPr lang="en-US" sz="900">
+              <a:solidFill>
+                <a:prstClr val="white"/>
+              </a:solidFill>
+              <a:latin typeface="Avenir Next LT Pro" panose="020B0504020202020204" pitchFamily="34" charset="0"/>
+            </a:endParaRPr>
+          </a:p>
+        </p:txBody>
+      </p:sp>
+      <p:sp>
+        <p:nvSpPr>
+          <p:cNvPr id="27" name="Freeform: Shape 26">
+            <a:extLst>
+              <a:ext uri="{FF2B5EF4-FFF2-40B4-BE49-F238E27FC236}">
+                <a16:creationId xmlns:a16="http://schemas.microsoft.com/office/drawing/2014/main" id="{19E083F6-57F4-487B-A766-EA0462B1EED8}"/>
+              </a:ext>
+              <a:ext uri="{C183D7F6-B498-43B3-948B-1728B52AA6E4}">
+                <adec:decorative xmlns:adec="http://schemas.microsoft.com/office/drawing/2017/decorative" val="1"/>
+              </a:ext>
+            </a:extLst>
+          </p:cNvPr>
+          <p:cNvSpPr>
+            <a:spLocks noGrp="1" noRot="1" noChangeAspect="1" noMove="1" noResize="1" noEditPoints="1" noAdjustHandles="1" noChangeArrowheads="1" noChangeShapeType="1" noTextEdit="1"/>
+          </p:cNvSpPr>
+          <p:nvPr>
+            <p:extLst>
+              <p:ext uri="{386F3935-93C4-4BCD-93E2-E3B085C9AB24}">
+                <p16:designElem xmlns:p16="http://schemas.microsoft.com/office/powerpoint/2015/main" val="1"/>
+              </p:ext>
+            </p:extLst>
+          </p:nvPr>
+        </p:nvSpPr>
+        <p:spPr>
+          <a:xfrm>
+            <a:off x="7309459" y="6144069"/>
+            <a:ext cx="4418271" cy="718159"/>
+          </a:xfrm>
+          <a:custGeom>
+            <a:avLst/>
+            <a:gdLst>
+              <a:gd name="connsiteX0" fmla="*/ 1421452 w 4590626"/>
+              <a:gd name="connsiteY0" fmla="*/ 0 h 713930"/>
+              <a:gd name="connsiteX1" fmla="*/ 3247781 w 4590626"/>
+              <a:gd name="connsiteY1" fmla="*/ 271915 h 713930"/>
+              <a:gd name="connsiteX2" fmla="*/ 4517331 w 4590626"/>
+              <a:gd name="connsiteY2" fmla="*/ 693394 h 713930"/>
+              <a:gd name="connsiteX3" fmla="*/ 4590626 w 4590626"/>
+              <a:gd name="connsiteY3" fmla="*/ 713930 h 713930"/>
+              <a:gd name="connsiteX4" fmla="*/ 0 w 4590626"/>
+              <a:gd name="connsiteY4" fmla="*/ 713930 h 713930"/>
+              <a:gd name="connsiteX5" fmla="*/ 2854 w 4590626"/>
+              <a:gd name="connsiteY5" fmla="*/ 705624 h 713930"/>
+              <a:gd name="connsiteX6" fmla="*/ 226680 w 4590626"/>
+              <a:gd name="connsiteY6" fmla="*/ 333970 h 713930"/>
+              <a:gd name="connsiteX7" fmla="*/ 1160245 w 4590626"/>
+              <a:gd name="connsiteY7" fmla="*/ 1178 h 713930"/>
+              <a:gd name="connsiteX8" fmla="*/ 1421452 w 4590626"/>
+              <a:gd name="connsiteY8" fmla="*/ 0 h 713930"/>
+              <a:gd name="connsiteX0" fmla="*/ 1421452 w 4517331"/>
+              <a:gd name="connsiteY0" fmla="*/ 0 h 713930"/>
+              <a:gd name="connsiteX1" fmla="*/ 3247781 w 4517331"/>
+              <a:gd name="connsiteY1" fmla="*/ 271915 h 713930"/>
+              <a:gd name="connsiteX2" fmla="*/ 4517331 w 4517331"/>
+              <a:gd name="connsiteY2" fmla="*/ 693394 h 713930"/>
+              <a:gd name="connsiteX3" fmla="*/ 0 w 4517331"/>
+              <a:gd name="connsiteY3" fmla="*/ 713930 h 713930"/>
+              <a:gd name="connsiteX4" fmla="*/ 2854 w 4517331"/>
+              <a:gd name="connsiteY4" fmla="*/ 705624 h 713930"/>
+              <a:gd name="connsiteX5" fmla="*/ 226680 w 4517331"/>
+              <a:gd name="connsiteY5" fmla="*/ 333970 h 713930"/>
+              <a:gd name="connsiteX6" fmla="*/ 1160245 w 4517331"/>
+              <a:gd name="connsiteY6" fmla="*/ 1178 h 713930"/>
+              <a:gd name="connsiteX7" fmla="*/ 1421452 w 4517331"/>
+              <a:gd name="connsiteY7" fmla="*/ 0 h 713930"/>
+              <a:gd name="connsiteX0" fmla="*/ 0 w 4608771"/>
+              <a:gd name="connsiteY0" fmla="*/ 713930 h 784834"/>
+              <a:gd name="connsiteX1" fmla="*/ 2854 w 4608771"/>
+              <a:gd name="connsiteY1" fmla="*/ 705624 h 784834"/>
+              <a:gd name="connsiteX2" fmla="*/ 226680 w 4608771"/>
+              <a:gd name="connsiteY2" fmla="*/ 333970 h 784834"/>
+              <a:gd name="connsiteX3" fmla="*/ 1160245 w 4608771"/>
+              <a:gd name="connsiteY3" fmla="*/ 1178 h 784834"/>
+              <a:gd name="connsiteX4" fmla="*/ 1421452 w 4608771"/>
+              <a:gd name="connsiteY4" fmla="*/ 0 h 784834"/>
+              <a:gd name="connsiteX5" fmla="*/ 3247781 w 4608771"/>
+              <a:gd name="connsiteY5" fmla="*/ 271915 h 784834"/>
+              <a:gd name="connsiteX6" fmla="*/ 4608771 w 4608771"/>
+              <a:gd name="connsiteY6" fmla="*/ 784834 h 784834"/>
+              <a:gd name="connsiteX0" fmla="*/ 0 w 4418271"/>
+              <a:gd name="connsiteY0" fmla="*/ 713930 h 718159"/>
+              <a:gd name="connsiteX1" fmla="*/ 2854 w 4418271"/>
+              <a:gd name="connsiteY1" fmla="*/ 705624 h 718159"/>
+              <a:gd name="connsiteX2" fmla="*/ 226680 w 4418271"/>
+              <a:gd name="connsiteY2" fmla="*/ 333970 h 718159"/>
+              <a:gd name="connsiteX3" fmla="*/ 1160245 w 4418271"/>
+              <a:gd name="connsiteY3" fmla="*/ 1178 h 718159"/>
+              <a:gd name="connsiteX4" fmla="*/ 1421452 w 4418271"/>
+              <a:gd name="connsiteY4" fmla="*/ 0 h 718159"/>
+              <a:gd name="connsiteX5" fmla="*/ 3247781 w 4418271"/>
+              <a:gd name="connsiteY5" fmla="*/ 271915 h 718159"/>
+              <a:gd name="connsiteX6" fmla="*/ 4418271 w 4418271"/>
+              <a:gd name="connsiteY6" fmla="*/ 718159 h 718159"/>
+            </a:gdLst>
+            <a:ahLst/>
+            <a:cxnLst>
+              <a:cxn ang="0">
+                <a:pos x="connsiteX0" y="connsiteY0"/>
+              </a:cxn>
+              <a:cxn ang="0">
+                <a:pos x="connsiteX1" y="connsiteY1"/>
+              </a:cxn>
+              <a:cxn ang="0">
+                <a:pos x="connsiteX2" y="connsiteY2"/>
+              </a:cxn>
+              <a:cxn ang="0">
+                <a:pos x="connsiteX3" y="connsiteY3"/>
+              </a:cxn>
+              <a:cxn ang="0">
+                <a:pos x="connsiteX4" y="connsiteY4"/>
+              </a:cxn>
+              <a:cxn ang="0">
+                <a:pos x="connsiteX5" y="connsiteY5"/>
+              </a:cxn>
+              <a:cxn ang="0">
+                <a:pos x="connsiteX6" y="connsiteY6"/>
+              </a:cxn>
+            </a:cxnLst>
+            <a:rect l="l" t="t" r="r" b="b"/>
+            <a:pathLst>
+              <a:path w="4418271" h="718159">
+                <a:moveTo>
+                  <a:pt x="0" y="713930"/>
+                </a:moveTo>
+                <a:lnTo>
+                  <a:pt x="2854" y="705624"/>
+                </a:lnTo>
+                <a:cubicBezTo>
+                  <a:pt x="60059" y="562888"/>
+                  <a:pt x="131373" y="433874"/>
+                  <a:pt x="226680" y="333970"/>
+                </a:cubicBezTo>
+                <a:cubicBezTo>
+                  <a:pt x="463632" y="85526"/>
+                  <a:pt x="822395" y="5774"/>
+                  <a:pt x="1160245" y="1178"/>
+                </a:cubicBezTo>
+                <a:lnTo>
+                  <a:pt x="1421452" y="0"/>
+                </a:lnTo>
+                <a:cubicBezTo>
+                  <a:pt x="2035274" y="3698"/>
+                  <a:pt x="2748311" y="152222"/>
+                  <a:pt x="3247781" y="271915"/>
+                </a:cubicBezTo>
+                <a:cubicBezTo>
+                  <a:pt x="3747251" y="391608"/>
+                  <a:pt x="3902480" y="501606"/>
+                  <a:pt x="4418271" y="718159"/>
+                </a:cubicBezTo>
+              </a:path>
+            </a:pathLst>
+          </a:custGeom>
+          <a:noFill/>
+          <a:ln>
+            <a:solidFill>
+              <a:schemeClr val="accent4"/>
+            </a:solidFill>
+          </a:ln>
+        </p:spPr>
+        <p:style>
+          <a:lnRef idx="2">
+            <a:schemeClr val="accent1">
+              <a:shade val="50000"/>
+            </a:schemeClr>
+          </a:lnRef>
+          <a:fillRef idx="1">
+            <a:schemeClr val="accent1"/>
+          </a:fillRef>
+          <a:effectRef idx="0">
+            <a:schemeClr val="accent1"/>
+          </a:effectRef>
+          <a:fontRef idx="minor">
+            <a:schemeClr val="lt1"/>
+          </a:fontRef>
+        </p:style>
+        <p:txBody>
+          <a:bodyPr rtlCol="0" anchor="ctr"/>
+          <a:lstStyle/>
+          <a:p>
+            <a:pPr marL="0" marR="0" lvl="0" indent="0" algn="ctr" defTabSz="914400" rtl="0" eaLnBrk="1" fontAlgn="auto" latinLnBrk="0" hangingPunct="1">
+              <a:lnSpc>
+                <a:spcPct val="100000"/>
+              </a:lnSpc>
+              <a:spcBef>
+                <a:spcPts val="0"/>
+              </a:spcBef>
+              <a:spcAft>
+                <a:spcPts val="0"/>
+              </a:spcAft>
+              <a:buClrTx/>
+              <a:buSzTx/>
+              <a:buFontTx/>
+              <a:buNone/>
+              <a:tabLst/>
+              <a:defRPr/>
+            </a:pPr>
+            <a:endParaRPr kumimoji="0" lang="en-US" sz="1800" b="0" i="0" u="none" strike="noStrike" kern="1200" cap="none" spc="0" normalizeH="0" baseline="0" noProof="0">
+              <a:ln>
+                <a:noFill/>
+              </a:ln>
+              <a:solidFill>
+                <a:prstClr val="white"/>
+              </a:solidFill>
+              <a:effectLst/>
+              <a:uLnTx/>
+              <a:uFillTx/>
+              <a:latin typeface="Avenir Next LT Pro Light"/>
+              <a:ea typeface="+mn-ea"/>
+              <a:cs typeface="+mn-cs"/>
+            </a:endParaRPr>
+          </a:p>
+        </p:txBody>
+      </p:sp>
+      <p:sp useBgFill="1">
+        <p:nvSpPr>
+          <p:cNvPr id="29" name="Rectangle 28">
+            <a:extLst>
+              <a:ext uri="{FF2B5EF4-FFF2-40B4-BE49-F238E27FC236}">
+                <a16:creationId xmlns:a16="http://schemas.microsoft.com/office/drawing/2014/main" id="{7A18C9FB-EC4C-4DAE-8F7D-C6E5AF607958}"/>
+              </a:ext>
+              <a:ext uri="{C183D7F6-B498-43B3-948B-1728B52AA6E4}">
+                <adec:decorative xmlns:adec="http://schemas.microsoft.com/office/drawing/2017/decorative" val="1"/>
+              </a:ext>
+            </a:extLst>
+          </p:cNvPr>
+          <p:cNvSpPr>
+            <a:spLocks noGrp="1" noRot="1" noChangeAspect="1" noMove="1" noResize="1" noEditPoints="1" noAdjustHandles="1" noChangeArrowheads="1" noChangeShapeType="1" noTextEdit="1"/>
+          </p:cNvSpPr>
+          <p:nvPr>
+            <p:extLst>
+              <p:ext uri="{386F3935-93C4-4BCD-93E2-E3B085C9AB24}">
+                <p16:designElem xmlns:p16="http://schemas.microsoft.com/office/powerpoint/2015/main" val="1"/>
+              </p:ext>
+            </p:extLst>
+          </p:nvPr>
+        </p:nvSpPr>
+        <p:spPr>
+          <a:xfrm>
+            <a:off x="0" y="0"/>
+            <a:ext cx="12192000" cy="6858000"/>
+          </a:xfrm>
+          <a:prstGeom prst="rect">
+            <a:avLst/>
+          </a:prstGeom>
+          <a:ln w="12700" cap="flat" cmpd="sng" algn="ctr">
+            <a:noFill/>
+            <a:prstDash val="solid"/>
+            <a:miter lim="800000"/>
+          </a:ln>
+          <a:effectLst/>
+          <a:extLst>
+            <a:ext uri="{91240B29-F687-4F45-9708-019B960494DF}">
+              <a14:hiddenLine xmlns:a14="http://schemas.microsoft.com/office/drawing/2010/main" w="12700" cap="flat" cmpd="sng" algn="ctr">
+                <a:solidFill>
+                  <a:schemeClr val="accent1">
+                    <a:shade val="50000"/>
+                  </a:schemeClr>
+                </a:solidFill>
+                <a:prstDash val="solid"/>
+                <a:miter lim="800000"/>
+              </a14:hiddenLine>
+            </a:ext>
+          </a:extLst>
+        </p:spPr>
+        <p:style>
+          <a:lnRef idx="2">
+            <a:schemeClr val="accent1">
+              <a:shade val="50000"/>
+            </a:schemeClr>
+          </a:lnRef>
+          <a:fillRef idx="1">
+            <a:schemeClr val="accent1"/>
+          </a:fillRef>
+          <a:effectRef idx="0">
+            <a:schemeClr val="accent1"/>
+          </a:effectRef>
+          <a:fontRef idx="minor">
+            <a:schemeClr val="lt1"/>
+          </a:fontRef>
+        </p:style>
+        <p:txBody>
+          <a:bodyPr rtlCol="0" anchor="ctr"/>
+          <a:lstStyle/>
+          <a:p>
+            <a:endParaRPr lang="en-US" dirty="0"/>
+          </a:p>
+        </p:txBody>
+      </p:sp>
+      <p:sp>
+        <p:nvSpPr>
+          <p:cNvPr id="31" name="Freeform: Shape 30">
+            <a:extLst>
+              <a:ext uri="{FF2B5EF4-FFF2-40B4-BE49-F238E27FC236}">
+                <a16:creationId xmlns:a16="http://schemas.microsoft.com/office/drawing/2014/main" id="{8C3ED992-EB89-4C2F-8A9A-947E91BC61F8}"/>
+              </a:ext>
+              <a:ext uri="{C183D7F6-B498-43B3-948B-1728B52AA6E4}">
+                <adec:decorative xmlns:adec="http://schemas.microsoft.com/office/drawing/2017/decorative" val="1"/>
+              </a:ext>
+            </a:extLst>
+          </p:cNvPr>
+          <p:cNvSpPr>
+            <a:spLocks noGrp="1" noRot="1" noChangeAspect="1" noMove="1" noResize="1" noEditPoints="1" noAdjustHandles="1" noChangeArrowheads="1" noChangeShapeType="1" noTextEdit="1"/>
+          </p:cNvSpPr>
+          <p:nvPr>
+            <p:extLst>
+              <p:ext uri="{386F3935-93C4-4BCD-93E2-E3B085C9AB24}">
+                <p16:designElem xmlns:p16="http://schemas.microsoft.com/office/powerpoint/2015/main" val="1"/>
+              </p:ext>
+            </p:extLst>
+          </p:nvPr>
+        </p:nvSpPr>
+        <p:spPr>
+          <a:xfrm>
+            <a:off x="0" y="0"/>
+            <a:ext cx="6096000" cy="6858000"/>
+          </a:xfrm>
+          <a:custGeom>
+            <a:avLst/>
+            <a:gdLst>
+              <a:gd name="connsiteX0" fmla="*/ 0 w 6096000"/>
+              <a:gd name="connsiteY0" fmla="*/ 0 h 6858000"/>
+              <a:gd name="connsiteX1" fmla="*/ 2758239 w 6096000"/>
+              <a:gd name="connsiteY1" fmla="*/ 0 h 6858000"/>
+              <a:gd name="connsiteX2" fmla="*/ 2916747 w 6096000"/>
+              <a:gd name="connsiteY2" fmla="*/ 218181 h 6858000"/>
+              <a:gd name="connsiteX3" fmla="*/ 4839749 w 6096000"/>
+              <a:gd name="connsiteY3" fmla="*/ 2631787 h 6858000"/>
+              <a:gd name="connsiteX4" fmla="*/ 6095001 w 6096000"/>
+              <a:gd name="connsiteY4" fmla="*/ 5672947 h 6858000"/>
+              <a:gd name="connsiteX5" fmla="*/ 5792922 w 6096000"/>
+              <a:gd name="connsiteY5" fmla="*/ 6612444 h 6858000"/>
+              <a:gd name="connsiteX6" fmla="*/ 5671607 w 6096000"/>
+              <a:gd name="connsiteY6" fmla="*/ 6771753 h 6858000"/>
+              <a:gd name="connsiteX7" fmla="*/ 5591643 w 6096000"/>
+              <a:gd name="connsiteY7" fmla="*/ 6858000 h 6858000"/>
+              <a:gd name="connsiteX8" fmla="*/ 0 w 6096000"/>
+              <a:gd name="connsiteY8" fmla="*/ 6858000 h 6858000"/>
+            </a:gdLst>
+            <a:ahLst/>
+            <a:cxnLst>
+              <a:cxn ang="0">
+                <a:pos x="connsiteX0" y="connsiteY0"/>
+              </a:cxn>
+              <a:cxn ang="0">
+                <a:pos x="connsiteX1" y="connsiteY1"/>
+              </a:cxn>
+              <a:cxn ang="0">
+                <a:pos x="connsiteX2" y="connsiteY2"/>
+              </a:cxn>
+              <a:cxn ang="0">
+                <a:pos x="connsiteX3" y="connsiteY3"/>
+              </a:cxn>
+              <a:cxn ang="0">
+                <a:pos x="connsiteX4" y="connsiteY4"/>
+              </a:cxn>
+              <a:cxn ang="0">
+                <a:pos x="connsiteX5" y="connsiteY5"/>
+              </a:cxn>
+              <a:cxn ang="0">
+                <a:pos x="connsiteX6" y="connsiteY6"/>
+              </a:cxn>
+              <a:cxn ang="0">
+                <a:pos x="connsiteX7" y="connsiteY7"/>
+              </a:cxn>
+              <a:cxn ang="0">
+                <a:pos x="connsiteX8" y="connsiteY8"/>
+              </a:cxn>
+            </a:cxnLst>
+            <a:rect l="l" t="t" r="r" b="b"/>
+            <a:pathLst>
+              <a:path w="6096000" h="6858000">
+                <a:moveTo>
+                  <a:pt x="0" y="0"/>
+                </a:moveTo>
+                <a:lnTo>
+                  <a:pt x="2758239" y="0"/>
+                </a:lnTo>
+                <a:lnTo>
+                  <a:pt x="2916747" y="218181"/>
+                </a:lnTo>
+                <a:cubicBezTo>
+                  <a:pt x="3525935" y="1023180"/>
+                  <a:pt x="4281133" y="1818277"/>
+                  <a:pt x="4839749" y="2631787"/>
+                </a:cubicBezTo>
+                <a:cubicBezTo>
+                  <a:pt x="5571203" y="3696928"/>
+                  <a:pt x="6122704" y="4799581"/>
+                  <a:pt x="6095001" y="5672947"/>
+                </a:cubicBezTo>
+                <a:cubicBezTo>
+                  <a:pt x="6083564" y="6040467"/>
+                  <a:pt x="5972980" y="6348559"/>
+                  <a:pt x="5792922" y="6612444"/>
+                </a:cubicBezTo>
+                <a:cubicBezTo>
+                  <a:pt x="5755410" y="6667420"/>
+                  <a:pt x="5714882" y="6720477"/>
+                  <a:pt x="5671607" y="6771753"/>
+                </a:cubicBezTo>
+                <a:lnTo>
+                  <a:pt x="5591643" y="6858000"/>
+                </a:lnTo>
+                <a:lnTo>
+                  <a:pt x="0" y="6858000"/>
+                </a:lnTo>
+                <a:close/>
+              </a:path>
+            </a:pathLst>
+          </a:custGeom>
+          <a:solidFill>
+            <a:schemeClr val="accent6"/>
+          </a:solidFill>
+          <a:ln>
+            <a:noFill/>
+          </a:ln>
+        </p:spPr>
+        <p:style>
+          <a:lnRef idx="2">
+            <a:schemeClr val="accent1">
+              <a:shade val="50000"/>
+            </a:schemeClr>
+          </a:lnRef>
+          <a:fillRef idx="1">
+            <a:schemeClr val="accent1"/>
+          </a:fillRef>
+          <a:effectRef idx="0">
+            <a:schemeClr val="accent1"/>
+          </a:effectRef>
+          <a:fontRef idx="minor">
+            <a:schemeClr val="lt1"/>
+          </a:fontRef>
+        </p:style>
+        <p:txBody>
+          <a:bodyPr wrap="square" rtlCol="0" anchor="ctr">
+            <a:noAutofit/>
+          </a:bodyPr>
+          <a:lstStyle/>
+          <a:p>
+            <a:pPr algn="ctr"/>
+            <a:endParaRPr lang="en-US"/>
+          </a:p>
+        </p:txBody>
+      </p:sp>
+      <p:sp>
+        <p:nvSpPr>
+          <p:cNvPr id="33" name="Freeform: Shape 32">
+            <a:extLst>
+              <a:ext uri="{FF2B5EF4-FFF2-40B4-BE49-F238E27FC236}">
+                <a16:creationId xmlns:a16="http://schemas.microsoft.com/office/drawing/2014/main" id="{55F5D1E8-E605-4EFC-8912-6E191F84FE26}"/>
+              </a:ext>
+              <a:ext uri="{C183D7F6-B498-43B3-948B-1728B52AA6E4}">
+                <adec:decorative xmlns:adec="http://schemas.microsoft.com/office/drawing/2017/decorative" val="1"/>
+              </a:ext>
+            </a:extLst>
+          </p:cNvPr>
+          <p:cNvSpPr>
+            <a:spLocks noGrp="1" noRot="1" noChangeAspect="1" noMove="1" noResize="1" noEditPoints="1" noAdjustHandles="1" noChangeArrowheads="1" noChangeShapeType="1" noTextEdit="1"/>
+          </p:cNvSpPr>
+          <p:nvPr>
+            <p:extLst>
+              <p:ext uri="{386F3935-93C4-4BCD-93E2-E3B085C9AB24}">
+                <p16:designElem xmlns:p16="http://schemas.microsoft.com/office/powerpoint/2015/main" val="1"/>
+              </p:ext>
+            </p:extLst>
+          </p:nvPr>
+        </p:nvSpPr>
+        <p:spPr>
+          <a:xfrm rot="7789134">
+            <a:off x="2400596" y="454890"/>
+            <a:ext cx="3969651" cy="5948221"/>
+          </a:xfrm>
+          <a:custGeom>
+            <a:avLst/>
+            <a:gdLst>
+              <a:gd name="connsiteX0" fmla="*/ 4594048 w 9861488"/>
+              <a:gd name="connsiteY0" fmla="*/ 11458472 h 11458472"/>
+              <a:gd name="connsiteX1" fmla="*/ 0 w 9861488"/>
+              <a:gd name="connsiteY1" fmla="*/ 5948221 h 11458472"/>
+              <a:gd name="connsiteX2" fmla="*/ 1863 w 9861488"/>
+              <a:gd name="connsiteY2" fmla="*/ 5698862 h 11458472"/>
+              <a:gd name="connsiteX3" fmla="*/ 320025 w 9861488"/>
+              <a:gd name="connsiteY3" fmla="*/ 3799836 h 11458472"/>
+              <a:gd name="connsiteX4" fmla="*/ 3430486 w 9861488"/>
+              <a:gd name="connsiteY4" fmla="*/ 295907 h 11458472"/>
+              <a:gd name="connsiteX5" fmla="*/ 3863859 w 9861488"/>
+              <a:gd name="connsiteY5" fmla="*/ 55612 h 11458472"/>
+              <a:gd name="connsiteX6" fmla="*/ 3969651 w 9861488"/>
+              <a:gd name="connsiteY6" fmla="*/ 0 h 11458472"/>
+              <a:gd name="connsiteX7" fmla="*/ 9861488 w 9861488"/>
+              <a:gd name="connsiteY7" fmla="*/ 7066862 h 11458472"/>
+              <a:gd name="connsiteX8" fmla="*/ 4594048 w 9861488"/>
+              <a:gd name="connsiteY8" fmla="*/ 11458472 h 11458472"/>
+              <a:gd name="connsiteX0" fmla="*/ 0 w 9861488"/>
+              <a:gd name="connsiteY0" fmla="*/ 5948221 h 11549912"/>
+              <a:gd name="connsiteX1" fmla="*/ 1863 w 9861488"/>
+              <a:gd name="connsiteY1" fmla="*/ 5698862 h 11549912"/>
+              <a:gd name="connsiteX2" fmla="*/ 320025 w 9861488"/>
+              <a:gd name="connsiteY2" fmla="*/ 3799836 h 11549912"/>
+              <a:gd name="connsiteX3" fmla="*/ 3430486 w 9861488"/>
+              <a:gd name="connsiteY3" fmla="*/ 295907 h 11549912"/>
+              <a:gd name="connsiteX4" fmla="*/ 3863859 w 9861488"/>
+              <a:gd name="connsiteY4" fmla="*/ 55612 h 11549912"/>
+              <a:gd name="connsiteX5" fmla="*/ 3969651 w 9861488"/>
+              <a:gd name="connsiteY5" fmla="*/ 0 h 11549912"/>
+              <a:gd name="connsiteX6" fmla="*/ 9861488 w 9861488"/>
+              <a:gd name="connsiteY6" fmla="*/ 7066862 h 11549912"/>
+              <a:gd name="connsiteX7" fmla="*/ 4685488 w 9861488"/>
+              <a:gd name="connsiteY7" fmla="*/ 11549912 h 11549912"/>
+              <a:gd name="connsiteX0" fmla="*/ 0 w 9861488"/>
+              <a:gd name="connsiteY0" fmla="*/ 5948221 h 7066862"/>
+              <a:gd name="connsiteX1" fmla="*/ 1863 w 9861488"/>
+              <a:gd name="connsiteY1" fmla="*/ 5698862 h 7066862"/>
+              <a:gd name="connsiteX2" fmla="*/ 320025 w 9861488"/>
+              <a:gd name="connsiteY2" fmla="*/ 3799836 h 7066862"/>
+              <a:gd name="connsiteX3" fmla="*/ 3430486 w 9861488"/>
+              <a:gd name="connsiteY3" fmla="*/ 295907 h 7066862"/>
+              <a:gd name="connsiteX4" fmla="*/ 3863859 w 9861488"/>
+              <a:gd name="connsiteY4" fmla="*/ 55612 h 7066862"/>
+              <a:gd name="connsiteX5" fmla="*/ 3969651 w 9861488"/>
+              <a:gd name="connsiteY5" fmla="*/ 0 h 7066862"/>
+              <a:gd name="connsiteX6" fmla="*/ 9861488 w 9861488"/>
+              <a:gd name="connsiteY6" fmla="*/ 7066862 h 7066862"/>
+              <a:gd name="connsiteX0" fmla="*/ 0 w 3969651"/>
+              <a:gd name="connsiteY0" fmla="*/ 5948221 h 5948221"/>
+              <a:gd name="connsiteX1" fmla="*/ 1863 w 3969651"/>
+              <a:gd name="connsiteY1" fmla="*/ 5698862 h 5948221"/>
+              <a:gd name="connsiteX2" fmla="*/ 320025 w 3969651"/>
+              <a:gd name="connsiteY2" fmla="*/ 3799836 h 5948221"/>
+              <a:gd name="connsiteX3" fmla="*/ 3430486 w 3969651"/>
+              <a:gd name="connsiteY3" fmla="*/ 295907 h 5948221"/>
+              <a:gd name="connsiteX4" fmla="*/ 3863859 w 3969651"/>
+              <a:gd name="connsiteY4" fmla="*/ 55612 h 5948221"/>
+              <a:gd name="connsiteX5" fmla="*/ 3969651 w 3969651"/>
+              <a:gd name="connsiteY5" fmla="*/ 0 h 5948221"/>
+            </a:gdLst>
+            <a:ahLst/>
+            <a:cxnLst>
+              <a:cxn ang="0">
+                <a:pos x="connsiteX0" y="connsiteY0"/>
+              </a:cxn>
+              <a:cxn ang="0">
+                <a:pos x="connsiteX1" y="connsiteY1"/>
+              </a:cxn>
+              <a:cxn ang="0">
+                <a:pos x="connsiteX2" y="connsiteY2"/>
+              </a:cxn>
+              <a:cxn ang="0">
+                <a:pos x="connsiteX3" y="connsiteY3"/>
+              </a:cxn>
+              <a:cxn ang="0">
+                <a:pos x="connsiteX4" y="connsiteY4"/>
+              </a:cxn>
+              <a:cxn ang="0">
+                <a:pos x="connsiteX5" y="connsiteY5"/>
+              </a:cxn>
+            </a:cxnLst>
+            <a:rect l="l" t="t" r="r" b="b"/>
+            <a:pathLst>
+              <a:path w="3969651" h="5948221">
+                <a:moveTo>
+                  <a:pt x="0" y="5948221"/>
+                </a:moveTo>
+                <a:lnTo>
+                  <a:pt x="1863" y="5698862"/>
+                </a:lnTo>
+                <a:cubicBezTo>
+                  <a:pt x="27184" y="5017139"/>
+                  <a:pt x="133214" y="4368297"/>
+                  <a:pt x="320025" y="3799836"/>
+                </a:cubicBezTo>
+                <a:cubicBezTo>
+                  <a:pt x="810579" y="2305232"/>
+                  <a:pt x="2027133" y="1118138"/>
+                  <a:pt x="3430486" y="295907"/>
+                </a:cubicBezTo>
+                <a:cubicBezTo>
+                  <a:pt x="3545941" y="228312"/>
+                  <a:pt x="3692079" y="146862"/>
+                  <a:pt x="3863859" y="55612"/>
+                </a:cubicBezTo>
+                <a:lnTo>
+                  <a:pt x="3969651" y="0"/>
+                </a:lnTo>
+              </a:path>
+            </a:pathLst>
+          </a:custGeom>
+          <a:noFill/>
+          <a:ln w="19050">
+            <a:solidFill>
+              <a:schemeClr val="accent2">
+                <a:lumMod val="60000"/>
+                <a:lumOff val="40000"/>
+              </a:schemeClr>
+            </a:solidFill>
+          </a:ln>
+        </p:spPr>
+        <p:style>
+          <a:lnRef idx="2">
+            <a:schemeClr val="accent1">
+              <a:shade val="50000"/>
+            </a:schemeClr>
+          </a:lnRef>
+          <a:fillRef idx="1">
+            <a:schemeClr val="accent1"/>
+          </a:fillRef>
+          <a:effectRef idx="0">
+            <a:schemeClr val="accent1"/>
+          </a:effectRef>
+          <a:fontRef idx="minor">
+            <a:schemeClr val="lt1"/>
+          </a:fontRef>
+        </p:style>
+        <p:txBody>
+          <a:bodyPr rtlCol="0" anchor="ctr"/>
+          <a:lstStyle/>
+          <a:p>
+            <a:pPr marL="0" marR="0" lvl="0" indent="0" algn="ctr" defTabSz="914400" rtl="0" eaLnBrk="1" fontAlgn="auto" latinLnBrk="0" hangingPunct="1">
+              <a:lnSpc>
+                <a:spcPct val="100000"/>
+              </a:lnSpc>
+              <a:spcBef>
+                <a:spcPts val="0"/>
+              </a:spcBef>
+              <a:spcAft>
+                <a:spcPts val="0"/>
+              </a:spcAft>
+              <a:buClrTx/>
+              <a:buSzTx/>
+              <a:buFontTx/>
+              <a:buNone/>
+              <a:tabLst/>
+              <a:defRPr/>
+            </a:pPr>
+            <a:endParaRPr kumimoji="0" lang="en-US" sz="1800" b="0" i="0" u="none" strike="noStrike" kern="1200" cap="none" spc="0" normalizeH="0" baseline="0" noProof="0">
+              <a:ln>
+                <a:noFill/>
+              </a:ln>
+              <a:solidFill>
+                <a:prstClr val="white"/>
+              </a:solidFill>
+              <a:effectLst/>
+              <a:uLnTx/>
+              <a:uFillTx/>
+              <a:latin typeface="Avenir Next LT Pro Light"/>
+              <a:ea typeface="+mn-ea"/>
+              <a:cs typeface="+mn-cs"/>
+            </a:endParaRPr>
+          </a:p>
+        </p:txBody>
+      </p:sp>
+      <p:sp>
+        <p:nvSpPr>
+          <p:cNvPr id="2" name="Nadpis 1">
+            <a:extLst>
+              <a:ext uri="{FF2B5EF4-FFF2-40B4-BE49-F238E27FC236}">
+                <a16:creationId xmlns:a16="http://schemas.microsoft.com/office/drawing/2014/main" id="{CEDF9F1F-370A-4D7D-9181-AA7E79E8EDB2}"/>
+              </a:ext>
+            </a:extLst>
+          </p:cNvPr>
+          <p:cNvSpPr>
+            <a:spLocks noGrp="1"/>
+          </p:cNvSpPr>
+          <p:nvPr>
+            <p:ph type="title"/>
+          </p:nvPr>
+        </p:nvSpPr>
+        <p:spPr>
+          <a:xfrm>
+            <a:off x="6858000" y="1524000"/>
+            <a:ext cx="4572000" cy="2286000"/>
+          </a:xfrm>
+        </p:spPr>
+        <p:txBody>
+          <a:bodyPr vert="horz" lIns="91440" tIns="45720" rIns="91440" bIns="45720" rtlCol="0" anchor="b">
+            <a:normAutofit/>
+          </a:bodyPr>
+          <a:lstStyle/>
+          <a:p>
+            <a:r>
+              <a:rPr lang="en-US" kern="1200">
+                <a:solidFill>
+                  <a:schemeClr val="tx1"/>
+                </a:solidFill>
+                <a:latin typeface="+mj-lt"/>
+                <a:ea typeface="+mj-ea"/>
+                <a:cs typeface="+mj-cs"/>
+              </a:rPr>
+              <a:t>Čokolády a ich percentný obsah bôbov</a:t>
+            </a:r>
+          </a:p>
+        </p:txBody>
+      </p:sp>
+      <p:sp>
+        <p:nvSpPr>
+          <p:cNvPr id="3" name="Zástupný objekt pre obsah 2">
+            <a:extLst>
+              <a:ext uri="{FF2B5EF4-FFF2-40B4-BE49-F238E27FC236}">
+                <a16:creationId xmlns:a16="http://schemas.microsoft.com/office/drawing/2014/main" id="{6B2802E2-9A66-4A12-984D-748A365FB0E6}"/>
+              </a:ext>
+            </a:extLst>
+          </p:cNvPr>
+          <p:cNvSpPr>
+            <a:spLocks noGrp="1"/>
+          </p:cNvSpPr>
+          <p:nvPr>
+            <p:ph idx="1"/>
+          </p:nvPr>
+        </p:nvSpPr>
+        <p:spPr>
+          <a:xfrm>
+            <a:off x="6858000" y="4571999"/>
+            <a:ext cx="4572000" cy="1524000"/>
+          </a:xfrm>
+        </p:spPr>
+        <p:txBody>
+          <a:bodyPr vert="horz" lIns="91440" tIns="45720" rIns="91440" bIns="45720" rtlCol="0">
+            <a:normAutofit/>
+          </a:bodyPr>
+          <a:lstStyle/>
+          <a:p>
+            <a:pPr marL="0" indent="0">
+              <a:buNone/>
+            </a:pPr>
+            <a:r>
+              <a:rPr lang="en-US" sz="2400" kern="1200" dirty="0" err="1">
+                <a:solidFill>
+                  <a:schemeClr val="tx1">
+                    <a:alpha val="70000"/>
+                  </a:schemeClr>
+                </a:solidFill>
+                <a:latin typeface="+mn-lt"/>
+                <a:ea typeface="+mn-ea"/>
+                <a:cs typeface="+mn-cs"/>
+              </a:rPr>
+              <a:t>Najviac</a:t>
+            </a:r>
+            <a:r>
+              <a:rPr lang="en-US" sz="2400" kern="1200" dirty="0">
+                <a:solidFill>
+                  <a:schemeClr val="tx1">
+                    <a:alpha val="70000"/>
+                  </a:schemeClr>
+                </a:solidFill>
+                <a:latin typeface="+mn-lt"/>
+                <a:ea typeface="+mn-ea"/>
+                <a:cs typeface="+mn-cs"/>
+              </a:rPr>
+              <a:t> </a:t>
+            </a:r>
+            <a:r>
+              <a:rPr lang="en-US" sz="2400" kern="1200" dirty="0" err="1">
+                <a:solidFill>
+                  <a:schemeClr val="tx1">
+                    <a:alpha val="70000"/>
+                  </a:schemeClr>
+                </a:solidFill>
+                <a:latin typeface="+mn-lt"/>
+                <a:ea typeface="+mn-ea"/>
+                <a:cs typeface="+mn-cs"/>
+              </a:rPr>
+              <a:t>čokolád</a:t>
+            </a:r>
+            <a:r>
+              <a:rPr lang="en-US" sz="2400" kern="1200" dirty="0">
+                <a:solidFill>
+                  <a:schemeClr val="tx1">
+                    <a:alpha val="70000"/>
+                  </a:schemeClr>
+                </a:solidFill>
+                <a:latin typeface="+mn-lt"/>
+                <a:ea typeface="+mn-ea"/>
+                <a:cs typeface="+mn-cs"/>
+              </a:rPr>
+              <a:t>, </a:t>
+            </a:r>
+            <a:r>
+              <a:rPr lang="en-US" sz="2400" kern="1200" dirty="0" err="1">
+                <a:solidFill>
+                  <a:schemeClr val="tx1">
+                    <a:alpha val="70000"/>
+                  </a:schemeClr>
+                </a:solidFill>
+                <a:latin typeface="+mn-lt"/>
+                <a:ea typeface="+mn-ea"/>
+                <a:cs typeface="+mn-cs"/>
+              </a:rPr>
+              <a:t>ktoré</a:t>
+            </a:r>
+            <a:r>
+              <a:rPr lang="en-US" sz="2400" kern="1200" dirty="0">
+                <a:solidFill>
+                  <a:schemeClr val="tx1">
+                    <a:alpha val="70000"/>
+                  </a:schemeClr>
+                </a:solidFill>
+                <a:latin typeface="+mn-lt"/>
+                <a:ea typeface="+mn-ea"/>
+                <a:cs typeface="+mn-cs"/>
+              </a:rPr>
+              <a:t> </a:t>
+            </a:r>
+            <a:r>
+              <a:rPr lang="en-US" sz="2400" kern="1200" dirty="0" err="1">
+                <a:solidFill>
+                  <a:schemeClr val="tx1">
+                    <a:alpha val="70000"/>
+                  </a:schemeClr>
+                </a:solidFill>
+                <a:latin typeface="+mn-lt"/>
+                <a:ea typeface="+mn-ea"/>
+                <a:cs typeface="+mn-cs"/>
+              </a:rPr>
+              <a:t>sú</a:t>
+            </a:r>
+            <a:r>
+              <a:rPr lang="en-US" sz="2400" kern="1200" dirty="0">
+                <a:solidFill>
+                  <a:schemeClr val="tx1">
+                    <a:alpha val="70000"/>
+                  </a:schemeClr>
+                </a:solidFill>
+                <a:latin typeface="+mn-lt"/>
+                <a:ea typeface="+mn-ea"/>
+                <a:cs typeface="+mn-cs"/>
+              </a:rPr>
+              <a:t> v </a:t>
+            </a:r>
+            <a:r>
+              <a:rPr lang="en-US" sz="2400" kern="1200" dirty="0" err="1">
+                <a:solidFill>
+                  <a:schemeClr val="tx1">
+                    <a:alpha val="70000"/>
+                  </a:schemeClr>
+                </a:solidFill>
+                <a:latin typeface="+mn-lt"/>
+                <a:ea typeface="+mn-ea"/>
+                <a:cs typeface="+mn-cs"/>
+              </a:rPr>
+              <a:t>tomto</a:t>
+            </a:r>
+            <a:r>
+              <a:rPr lang="en-US" sz="2400" kern="1200" dirty="0">
+                <a:solidFill>
+                  <a:schemeClr val="tx1">
+                    <a:alpha val="70000"/>
+                  </a:schemeClr>
+                </a:solidFill>
+                <a:latin typeface="+mn-lt"/>
+                <a:ea typeface="+mn-ea"/>
+                <a:cs typeface="+mn-cs"/>
+              </a:rPr>
+              <a:t> </a:t>
+            </a:r>
+            <a:r>
+              <a:rPr lang="en-US" sz="2400" kern="1200" dirty="0" err="1">
+                <a:solidFill>
+                  <a:schemeClr val="tx1">
+                    <a:alpha val="70000"/>
+                  </a:schemeClr>
+                </a:solidFill>
+                <a:latin typeface="+mn-lt"/>
+                <a:ea typeface="+mn-ea"/>
+                <a:cs typeface="+mn-cs"/>
+              </a:rPr>
+              <a:t>datasete</a:t>
+            </a:r>
+            <a:r>
+              <a:rPr lang="en-US" sz="2400" kern="1200" dirty="0">
+                <a:solidFill>
+                  <a:schemeClr val="tx1">
+                    <a:alpha val="70000"/>
+                  </a:schemeClr>
+                </a:solidFill>
+                <a:latin typeface="+mn-lt"/>
+                <a:ea typeface="+mn-ea"/>
+                <a:cs typeface="+mn-cs"/>
+              </a:rPr>
+              <a:t> </a:t>
+            </a:r>
+            <a:r>
+              <a:rPr lang="en-US" sz="2400" kern="1200" dirty="0" err="1">
+                <a:solidFill>
+                  <a:schemeClr val="tx1">
+                    <a:alpha val="70000"/>
+                  </a:schemeClr>
+                </a:solidFill>
+                <a:latin typeface="+mn-lt"/>
+                <a:ea typeface="+mn-ea"/>
+                <a:cs typeface="+mn-cs"/>
+              </a:rPr>
+              <a:t>má</a:t>
+            </a:r>
+            <a:r>
+              <a:rPr lang="en-US" sz="2400" kern="1200" dirty="0">
+                <a:solidFill>
+                  <a:schemeClr val="tx1">
+                    <a:alpha val="70000"/>
+                  </a:schemeClr>
+                </a:solidFill>
+                <a:latin typeface="+mn-lt"/>
+                <a:ea typeface="+mn-ea"/>
+                <a:cs typeface="+mn-cs"/>
+              </a:rPr>
+              <a:t> </a:t>
+            </a:r>
+            <a:r>
+              <a:rPr lang="en-US" sz="2400" kern="1200" dirty="0" err="1">
+                <a:solidFill>
+                  <a:schemeClr val="tx1">
+                    <a:alpha val="70000"/>
+                  </a:schemeClr>
+                </a:solidFill>
+                <a:latin typeface="+mn-lt"/>
+                <a:ea typeface="+mn-ea"/>
+                <a:cs typeface="+mn-cs"/>
+              </a:rPr>
+              <a:t>len</a:t>
+            </a:r>
+            <a:r>
+              <a:rPr lang="en-US" sz="2400" kern="1200" dirty="0">
+                <a:solidFill>
+                  <a:schemeClr val="tx1">
+                    <a:alpha val="70000"/>
+                  </a:schemeClr>
+                </a:solidFill>
+                <a:latin typeface="+mn-lt"/>
+                <a:ea typeface="+mn-ea"/>
+                <a:cs typeface="+mn-cs"/>
+              </a:rPr>
+              <a:t> 70%</a:t>
+            </a:r>
+          </a:p>
+        </p:txBody>
+      </p:sp>
+      <p:pic>
+        <p:nvPicPr>
+          <p:cNvPr id="5" name="Obrázok 4">
+            <a:extLst>
+              <a:ext uri="{FF2B5EF4-FFF2-40B4-BE49-F238E27FC236}">
+                <a16:creationId xmlns:a16="http://schemas.microsoft.com/office/drawing/2014/main" id="{5905A71A-94A4-4A56-B166-7DAF67542D6A}"/>
+              </a:ext>
+            </a:extLst>
+          </p:cNvPr>
+          <p:cNvPicPr>
+            <a:picLocks noChangeAspect="1"/>
+          </p:cNvPicPr>
+          <p:nvPr/>
+        </p:nvPicPr>
+        <p:blipFill>
+          <a:blip r:embed="rId2"/>
+          <a:stretch>
+            <a:fillRect/>
+          </a:stretch>
+        </p:blipFill>
+        <p:spPr>
+          <a:xfrm>
+            <a:off x="761999" y="1995487"/>
+            <a:ext cx="5334000" cy="2867025"/>
+          </a:xfrm>
+          <a:prstGeom prst="rect">
+            <a:avLst/>
+          </a:prstGeom>
+        </p:spPr>
+      </p:pic>
+    </p:spTree>
+    <p:extLst>
+      <p:ext uri="{BB962C8B-B14F-4D97-AF65-F5344CB8AC3E}">
+        <p14:creationId xmlns:p14="http://schemas.microsoft.com/office/powerpoint/2010/main" val="2829124070"/>
+      </p:ext>
+    </p:extLst>
+  </p:cSld>
+  <p:clrMapOvr>
+    <a:masterClrMapping/>
+  </p:clrMapOvr>
+</p:sld>
+</file>
+
+<file path=ppt/slides/slide6.xml><?xml version="1.0" encoding="utf-8"?>
+<p:sld xmlns:a="http://schemas.openxmlformats.org/drawingml/2006/main" xmlns:r="http://schemas.openxmlformats.org/officeDocument/2006/relationships" xmlns:p="http://schemas.openxmlformats.org/presentationml/2006/main">
+  <p:cSld>
+    <p:bg>
+      <p:bgPr>
+        <a:solidFill>
+          <a:schemeClr val="bg2"/>
+        </a:solidFill>
+        <a:effectLst/>
+      </p:bgPr>
+    </p:bg>
+    <p:spTree>
+      <p:nvGrpSpPr>
+        <p:cNvPr id="1" name=""/>
+        <p:cNvGrpSpPr/>
+        <p:nvPr/>
+      </p:nvGrpSpPr>
+      <p:grpSpPr>
+        <a:xfrm>
+          <a:off x="0" y="0"/>
+          <a:ext cx="0" cy="0"/>
+          <a:chOff x="0" y="0"/>
+          <a:chExt cx="0" cy="0"/>
+        </a:xfrm>
+      </p:grpSpPr>
+      <p:sp useBgFill="1">
+        <p:nvSpPr>
+          <p:cNvPr id="25" name="Rectangle 24">
+            <a:extLst>
+              <a:ext uri="{FF2B5EF4-FFF2-40B4-BE49-F238E27FC236}">
+                <a16:creationId xmlns:a16="http://schemas.microsoft.com/office/drawing/2014/main" id="{987A0FBA-CC04-4256-A8EB-BB3C543E989C}"/>
+              </a:ext>
+              <a:ext uri="{C183D7F6-B498-43B3-948B-1728B52AA6E4}">
+                <adec:decorative xmlns:adec="http://schemas.microsoft.com/office/drawing/2017/decorative" val="1"/>
+              </a:ext>
+            </a:extLst>
+          </p:cNvPr>
+          <p:cNvSpPr>
+            <a:spLocks noGrp="1" noRot="1" noChangeAspect="1" noMove="1" noResize="1" noEditPoints="1" noAdjustHandles="1" noChangeArrowheads="1" noChangeShapeType="1" noTextEdit="1"/>
+          </p:cNvSpPr>
+          <p:nvPr>
+            <p:extLst>
+              <p:ext uri="{386F3935-93C4-4BCD-93E2-E3B085C9AB24}">
+                <p16:designElem xmlns:p16="http://schemas.microsoft.com/office/powerpoint/2015/main" val="1"/>
+              </p:ext>
+            </p:extLst>
+          </p:nvPr>
+        </p:nvSpPr>
+        <p:spPr>
+          <a:xfrm>
+            <a:off x="0" y="0"/>
+            <a:ext cx="12192000" cy="6858000"/>
+          </a:xfrm>
+          <a:prstGeom prst="rect">
+            <a:avLst/>
+          </a:prstGeom>
+          <a:ln w="12700" cap="flat" cmpd="sng" algn="ctr">
+            <a:noFill/>
+            <a:prstDash val="solid"/>
+            <a:miter lim="800000"/>
+          </a:ln>
+          <a:effectLst/>
+          <a:extLst>
+            <a:ext uri="{91240B29-F687-4F45-9708-019B960494DF}">
+              <a14:hiddenLine xmlns:a14="http://schemas.microsoft.com/office/drawing/2010/main" w="12700" cap="flat" cmpd="sng" algn="ctr">
+                <a:solidFill>
+                  <a:schemeClr val="accent1">
+                    <a:shade val="50000"/>
+                  </a:schemeClr>
+                </a:solidFill>
+                <a:prstDash val="solid"/>
+                <a:miter lim="800000"/>
+              </a14:hiddenLine>
+            </a:ext>
+          </a:extLst>
+        </p:spPr>
+        <p:style>
+          <a:lnRef idx="2">
+            <a:schemeClr val="accent1">
+              <a:shade val="50000"/>
+            </a:schemeClr>
+          </a:lnRef>
+          <a:fillRef idx="1">
+            <a:schemeClr val="accent1"/>
+          </a:fillRef>
+          <a:effectRef idx="0">
+            <a:schemeClr val="accent1"/>
+          </a:effectRef>
+          <a:fontRef idx="minor">
+            <a:schemeClr val="lt1"/>
+          </a:fontRef>
+        </p:style>
+        <p:txBody>
+          <a:bodyPr rtlCol="0" anchor="ctr"/>
+          <a:lstStyle/>
+          <a:p>
+            <a:pPr algn="ctr"/>
+            <a:endParaRPr lang="en-US"/>
+          </a:p>
+        </p:txBody>
+      </p:sp>
+      <p:sp>
+        <p:nvSpPr>
+          <p:cNvPr id="27" name="Freeform: Shape 26">
+            <a:extLst>
+              <a:ext uri="{FF2B5EF4-FFF2-40B4-BE49-F238E27FC236}">
+                <a16:creationId xmlns:a16="http://schemas.microsoft.com/office/drawing/2014/main" id="{66FC6F62-FEC6-45C4-B697-39FDA62A9666}"/>
+              </a:ext>
+              <a:ext uri="{C183D7F6-B498-43B3-948B-1728B52AA6E4}">
+                <adec:decorative xmlns:adec="http://schemas.microsoft.com/office/drawing/2017/decorative" val="1"/>
+              </a:ext>
+            </a:extLst>
+          </p:cNvPr>
+          <p:cNvSpPr>
+            <a:spLocks noGrp="1" noRot="1" noChangeAspect="1" noMove="1" noResize="1" noEditPoints="1" noAdjustHandles="1" noChangeArrowheads="1" noChangeShapeType="1" noTextEdit="1"/>
+          </p:cNvSpPr>
+          <p:nvPr>
+            <p:extLst>
+              <p:ext uri="{386F3935-93C4-4BCD-93E2-E3B085C9AB24}">
+                <p16:designElem xmlns:p16="http://schemas.microsoft.com/office/powerpoint/2015/main" val="1"/>
+              </p:ext>
+            </p:extLst>
+          </p:nvPr>
+        </p:nvSpPr>
+        <p:spPr>
+          <a:xfrm rot="16200000" flipH="1">
+            <a:off x="10653162" y="-776838"/>
+            <a:ext cx="762001" cy="2315675"/>
+          </a:xfrm>
+          <a:custGeom>
+            <a:avLst/>
+            <a:gdLst>
+              <a:gd name="connsiteX0" fmla="*/ 0 w 1085312"/>
+              <a:gd name="connsiteY0" fmla="*/ 2315675 h 2315675"/>
+              <a:gd name="connsiteX1" fmla="*/ 0 w 1085312"/>
+              <a:gd name="connsiteY1" fmla="*/ 0 h 2315675"/>
+              <a:gd name="connsiteX2" fmla="*/ 53089 w 1085312"/>
+              <a:gd name="connsiteY2" fmla="*/ 4542 h 2315675"/>
+              <a:gd name="connsiteX3" fmla="*/ 790077 w 1085312"/>
+              <a:gd name="connsiteY3" fmla="*/ 872756 h 2315675"/>
+              <a:gd name="connsiteX4" fmla="*/ 1085252 w 1085312"/>
+              <a:gd name="connsiteY4" fmla="*/ 1943649 h 2315675"/>
+              <a:gd name="connsiteX5" fmla="*/ 1064832 w 1085312"/>
+              <a:gd name="connsiteY5" fmla="*/ 2198094 h 2315675"/>
+              <a:gd name="connsiteX6" fmla="*/ 1043734 w 1085312"/>
+              <a:gd name="connsiteY6" fmla="*/ 2315675 h 2315675"/>
+              <a:gd name="connsiteX7" fmla="*/ 0 w 1085312"/>
+              <a:gd name="connsiteY7" fmla="*/ 2315675 h 2315675"/>
+            </a:gdLst>
+            <a:ahLst/>
+            <a:cxnLst>
+              <a:cxn ang="0">
+                <a:pos x="connsiteX0" y="connsiteY0"/>
+              </a:cxn>
+              <a:cxn ang="0">
+                <a:pos x="connsiteX1" y="connsiteY1"/>
+              </a:cxn>
+              <a:cxn ang="0">
+                <a:pos x="connsiteX2" y="connsiteY2"/>
+              </a:cxn>
+              <a:cxn ang="0">
+                <a:pos x="connsiteX3" y="connsiteY3"/>
+              </a:cxn>
+              <a:cxn ang="0">
+                <a:pos x="connsiteX4" y="connsiteY4"/>
+              </a:cxn>
+              <a:cxn ang="0">
+                <a:pos x="connsiteX5" y="connsiteY5"/>
+              </a:cxn>
+              <a:cxn ang="0">
+                <a:pos x="connsiteX6" y="connsiteY6"/>
+              </a:cxn>
+              <a:cxn ang="0">
+                <a:pos x="connsiteX7" y="connsiteY7"/>
+              </a:cxn>
+            </a:cxnLst>
+            <a:rect l="l" t="t" r="r" b="b"/>
+            <a:pathLst>
+              <a:path w="1085312" h="2315675">
+                <a:moveTo>
+                  <a:pt x="0" y="2315675"/>
+                </a:moveTo>
+                <a:lnTo>
+                  <a:pt x="0" y="0"/>
+                </a:lnTo>
+                <a:lnTo>
+                  <a:pt x="53089" y="4542"/>
+                </a:lnTo>
+                <a:cubicBezTo>
+                  <a:pt x="405263" y="73503"/>
+                  <a:pt x="612623" y="486635"/>
+                  <a:pt x="790077" y="872756"/>
+                </a:cubicBezTo>
+                <a:cubicBezTo>
+                  <a:pt x="937425" y="1193596"/>
+                  <a:pt x="1088787" y="1533232"/>
+                  <a:pt x="1085252" y="1943649"/>
+                </a:cubicBezTo>
+                <a:cubicBezTo>
+                  <a:pt x="1084528" y="2029058"/>
+                  <a:pt x="1077341" y="2113833"/>
+                  <a:pt x="1064832" y="2198094"/>
+                </a:cubicBezTo>
+                <a:lnTo>
+                  <a:pt x="1043734" y="2315675"/>
+                </a:lnTo>
+                <a:lnTo>
+                  <a:pt x="0" y="2315675"/>
+                </a:lnTo>
+                <a:close/>
+              </a:path>
+            </a:pathLst>
+          </a:custGeom>
+          <a:solidFill>
+            <a:schemeClr val="accent1"/>
+          </a:solidFill>
+          <a:ln>
+            <a:noFill/>
+          </a:ln>
+        </p:spPr>
+        <p:style>
+          <a:lnRef idx="2">
+            <a:schemeClr val="accent1">
+              <a:shade val="50000"/>
+            </a:schemeClr>
+          </a:lnRef>
+          <a:fillRef idx="1">
+            <a:schemeClr val="accent1"/>
+          </a:fillRef>
+          <a:effectRef idx="0">
+            <a:schemeClr val="accent1"/>
+          </a:effectRef>
+          <a:fontRef idx="minor">
+            <a:schemeClr val="lt1"/>
+          </a:fontRef>
+        </p:style>
+        <p:txBody>
+          <a:bodyPr rtlCol="0" anchor="ctr"/>
+          <a:lstStyle/>
+          <a:p>
+            <a:pPr algn="ctr"/>
+            <a:endParaRPr lang="en-US" sz="900">
+              <a:solidFill>
+                <a:prstClr val="white"/>
+              </a:solidFill>
+              <a:latin typeface="Avenir Next LT Pro" panose="020B0504020202020204" pitchFamily="34" charset="0"/>
+            </a:endParaRPr>
+          </a:p>
+        </p:txBody>
+      </p:sp>
+      <p:pic>
+        <p:nvPicPr>
+          <p:cNvPr id="8" name="Obrázok 7">
+            <a:extLst>
+              <a:ext uri="{FF2B5EF4-FFF2-40B4-BE49-F238E27FC236}">
+                <a16:creationId xmlns:a16="http://schemas.microsoft.com/office/drawing/2014/main" id="{AEC1994F-7EC3-45F0-97FF-08B420FC430D}"/>
+              </a:ext>
+            </a:extLst>
+          </p:cNvPr>
+          <p:cNvPicPr>
+            <a:picLocks noChangeAspect="1"/>
+          </p:cNvPicPr>
+          <p:nvPr/>
+        </p:nvPicPr>
+        <p:blipFill rotWithShape="1">
+          <a:blip r:embed="rId2"/>
+          <a:srcRect l="31572" r="21285" b="-2"/>
+          <a:stretch/>
+        </p:blipFill>
+        <p:spPr>
+          <a:xfrm>
+            <a:off x="762000" y="762001"/>
+            <a:ext cx="4572000" cy="5334000"/>
+          </a:xfrm>
+          <a:prstGeom prst="rect">
+            <a:avLst/>
+          </a:prstGeom>
+        </p:spPr>
+      </p:pic>
+      <p:grpSp>
+        <p:nvGrpSpPr>
+          <p:cNvPr id="29" name="Group 28">
+            <a:extLst>
+              <a:ext uri="{FF2B5EF4-FFF2-40B4-BE49-F238E27FC236}">
+                <a16:creationId xmlns:a16="http://schemas.microsoft.com/office/drawing/2014/main" id="{F8D7210F-BCFD-46C1-9A2C-3717368B1A78}"/>
+              </a:ext>
+              <a:ext uri="{C183D7F6-B498-43B3-948B-1728B52AA6E4}">
+                <adec:decorative xmlns:adec="http://schemas.microsoft.com/office/drawing/2017/decorative" val="1"/>
+              </a:ext>
+            </a:extLst>
+          </p:cNvPr>
+          <p:cNvGrpSpPr>
+            <a:grpSpLocks noGrp="1" noUngrp="1" noRot="1" noChangeAspect="1" noMove="1" noResize="1"/>
+          </p:cNvGrpSpPr>
+          <p:nvPr>
+            <p:extLst>
+              <p:ext uri="{386F3935-93C4-4BCD-93E2-E3B085C9AB24}">
+                <p16:designElem xmlns:p16="http://schemas.microsoft.com/office/powerpoint/2015/main" val="1"/>
+              </p:ext>
+            </p:extLst>
+          </p:nvPr>
+        </p:nvGrpSpPr>
+        <p:grpSpPr>
+          <a:xfrm flipH="1">
+            <a:off x="-1" y="5829359"/>
+            <a:ext cx="4333875" cy="1028642"/>
+            <a:chOff x="7153921" y="5829359"/>
+            <a:chExt cx="5038079" cy="1028642"/>
+          </a:xfrm>
+        </p:grpSpPr>
+        <p:sp>
+          <p:nvSpPr>
+            <p:cNvPr id="30" name="Freeform: Shape 29">
+              <a:extLst>
+                <a:ext uri="{FF2B5EF4-FFF2-40B4-BE49-F238E27FC236}">
+                  <a16:creationId xmlns:a16="http://schemas.microsoft.com/office/drawing/2014/main" id="{2C96BB9F-FD85-4689-A888-9A5AA0A145B6}"/>
+                </a:ext>
+                <a:ext uri="{C183D7F6-B498-43B3-948B-1728B52AA6E4}">
+                  <adec:decorative xmlns:adec="http://schemas.microsoft.com/office/drawing/2017/decorative" val="1"/>
+                </a:ext>
+              </a:extLst>
+            </p:cNvPr>
+            <p:cNvSpPr/>
+            <p:nvPr>
+              <p:extLst>
+                <p:ext uri="{386F3935-93C4-4BCD-93E2-E3B085C9AB24}">
+                  <p16:designElem xmlns:p16="http://schemas.microsoft.com/office/powerpoint/2015/main" val="1"/>
+                </p:ext>
+              </p:extLst>
+            </p:nvPr>
+          </p:nvSpPr>
+          <p:spPr>
+            <a:xfrm>
+              <a:off x="7963906" y="5913098"/>
+              <a:ext cx="4228094" cy="944903"/>
+            </a:xfrm>
+            <a:custGeom>
+              <a:avLst/>
+              <a:gdLst>
+                <a:gd name="connsiteX0" fmla="*/ 1673074 w 4228094"/>
+                <a:gd name="connsiteY0" fmla="*/ 230 h 1137038"/>
+                <a:gd name="connsiteX1" fmla="*/ 3676781 w 4228094"/>
+                <a:gd name="connsiteY1" fmla="*/ 298555 h 1137038"/>
+                <a:gd name="connsiteX2" fmla="*/ 4025527 w 4228094"/>
+                <a:gd name="connsiteY2" fmla="*/ 425010 h 1137038"/>
+                <a:gd name="connsiteX3" fmla="*/ 4228094 w 4228094"/>
+                <a:gd name="connsiteY3" fmla="*/ 494088 h 1137038"/>
+                <a:gd name="connsiteX4" fmla="*/ 4228094 w 4228094"/>
+                <a:gd name="connsiteY4" fmla="*/ 1137038 h 1137038"/>
+                <a:gd name="connsiteX5" fmla="*/ 0 w 4228094"/>
+                <a:gd name="connsiteY5" fmla="*/ 1137038 h 1137038"/>
+                <a:gd name="connsiteX6" fmla="*/ 18109 w 4228094"/>
+                <a:gd name="connsiteY6" fmla="*/ 1068877 h 1137038"/>
+                <a:gd name="connsiteX7" fmla="*/ 362264 w 4228094"/>
+                <a:gd name="connsiteY7" fmla="*/ 366637 h 1137038"/>
+                <a:gd name="connsiteX8" fmla="*/ 1386499 w 4228094"/>
+                <a:gd name="connsiteY8" fmla="*/ 1522 h 1137038"/>
+                <a:gd name="connsiteX9" fmla="*/ 1673074 w 4228094"/>
+                <a:gd name="connsiteY9" fmla="*/ 230 h 1137038"/>
+              </a:gdLst>
+              <a:ahLst/>
+              <a:cxnLst>
+                <a:cxn ang="0">
+                  <a:pos x="connsiteX0" y="connsiteY0"/>
+                </a:cxn>
+                <a:cxn ang="0">
+                  <a:pos x="connsiteX1" y="connsiteY1"/>
+                </a:cxn>
+                <a:cxn ang="0">
+                  <a:pos x="connsiteX2" y="connsiteY2"/>
+                </a:cxn>
+                <a:cxn ang="0">
+                  <a:pos x="connsiteX3" y="connsiteY3"/>
+                </a:cxn>
+                <a:cxn ang="0">
+                  <a:pos x="connsiteX4" y="connsiteY4"/>
+                </a:cxn>
+                <a:cxn ang="0">
+                  <a:pos x="connsiteX5" y="connsiteY5"/>
+                </a:cxn>
+                <a:cxn ang="0">
+                  <a:pos x="connsiteX6" y="connsiteY6"/>
+                </a:cxn>
+                <a:cxn ang="0">
+                  <a:pos x="connsiteX7" y="connsiteY7"/>
+                </a:cxn>
+                <a:cxn ang="0">
+                  <a:pos x="connsiteX8" y="connsiteY8"/>
+                </a:cxn>
+                <a:cxn ang="0">
+                  <a:pos x="connsiteX9" y="connsiteY9"/>
+                </a:cxn>
+              </a:cxnLst>
+              <a:rect l="l" t="t" r="r" b="b"/>
+              <a:pathLst>
+                <a:path w="4228094" h="1137038">
+                  <a:moveTo>
+                    <a:pt x="1673074" y="230"/>
+                  </a:moveTo>
+                  <a:cubicBezTo>
+                    <a:pt x="2346512" y="4287"/>
+                    <a:pt x="3048424" y="63583"/>
+                    <a:pt x="3676781" y="298555"/>
+                  </a:cubicBezTo>
+                  <a:cubicBezTo>
+                    <a:pt x="3793275" y="342114"/>
+                    <a:pt x="3909477" y="384216"/>
+                    <a:pt x="4025527" y="425010"/>
+                  </a:cubicBezTo>
+                  <a:lnTo>
+                    <a:pt x="4228094" y="494088"/>
+                  </a:lnTo>
+                  <a:lnTo>
+                    <a:pt x="4228094" y="1137038"/>
+                  </a:lnTo>
+                  <a:lnTo>
+                    <a:pt x="0" y="1137038"/>
+                  </a:lnTo>
+                  <a:lnTo>
+                    <a:pt x="18109" y="1068877"/>
+                  </a:lnTo>
+                  <a:cubicBezTo>
+                    <a:pt x="95047" y="799139"/>
+                    <a:pt x="194962" y="542008"/>
+                    <a:pt x="362264" y="366637"/>
+                  </a:cubicBezTo>
+                  <a:cubicBezTo>
+                    <a:pt x="622229" y="94062"/>
+                    <a:pt x="1015836" y="6565"/>
+                    <a:pt x="1386499" y="1522"/>
+                  </a:cubicBezTo>
+                  <a:cubicBezTo>
+                    <a:pt x="1481245" y="198"/>
+                    <a:pt x="1576869" y="-349"/>
+                    <a:pt x="1673074" y="230"/>
+                  </a:cubicBezTo>
+                  <a:close/>
+                </a:path>
+              </a:pathLst>
+            </a:custGeom>
+            <a:solidFill>
+              <a:schemeClr val="accent6"/>
+            </a:solidFill>
+            <a:ln>
+              <a:noFill/>
+            </a:ln>
+          </p:spPr>
+          <p:style>
+            <a:lnRef idx="2">
+              <a:schemeClr val="accent1">
+                <a:shade val="50000"/>
+              </a:schemeClr>
+            </a:lnRef>
+            <a:fillRef idx="1">
+              <a:schemeClr val="accent1"/>
+            </a:fillRef>
+            <a:effectRef idx="0">
+              <a:schemeClr val="accent1"/>
+            </a:effectRef>
+            <a:fontRef idx="minor">
+              <a:schemeClr val="lt1"/>
+            </a:fontRef>
+          </p:style>
+          <p:txBody>
+            <a:bodyPr rtlCol="0" anchor="ctr"/>
+            <a:lstStyle/>
+            <a:p>
+              <a:pPr lvl="0" algn="ctr"/>
+              <a:endParaRPr lang="en-US" sz="1500">
+                <a:solidFill>
+                  <a:schemeClr val="bg1"/>
+                </a:solidFill>
+                <a:latin typeface="Avenir Next LT Pro" panose="020B0504020202020204" pitchFamily="34" charset="0"/>
+              </a:endParaRPr>
+            </a:p>
+          </p:txBody>
+        </p:sp>
+        <p:sp>
+          <p:nvSpPr>
+            <p:cNvPr id="31" name="Freeform: Shape 30">
+              <a:extLst>
+                <a:ext uri="{FF2B5EF4-FFF2-40B4-BE49-F238E27FC236}">
+                  <a16:creationId xmlns:a16="http://schemas.microsoft.com/office/drawing/2014/main" id="{78545FC7-27EF-4BF9-A88F-35F089DF6976}"/>
+                </a:ext>
+                <a:ext uri="{C183D7F6-B498-43B3-948B-1728B52AA6E4}">
+                  <adec:decorative xmlns:adec="http://schemas.microsoft.com/office/drawing/2017/decorative" val="1"/>
+                </a:ext>
+              </a:extLst>
+            </p:cNvPr>
+            <p:cNvSpPr/>
+            <p:nvPr>
+              <p:extLst>
+                <p:ext uri="{386F3935-93C4-4BCD-93E2-E3B085C9AB24}">
+                  <p16:designElem xmlns:p16="http://schemas.microsoft.com/office/powerpoint/2015/main" val="1"/>
+                </p:ext>
+              </p:extLst>
+            </p:nvPr>
+          </p:nvSpPr>
+          <p:spPr>
+            <a:xfrm>
+              <a:off x="7153921" y="5829359"/>
+              <a:ext cx="5038078" cy="1028642"/>
+            </a:xfrm>
+            <a:custGeom>
+              <a:avLst/>
+              <a:gdLst>
+                <a:gd name="connsiteX0" fmla="*/ 1576991 w 5038078"/>
+                <a:gd name="connsiteY0" fmla="*/ 210 h 1238015"/>
+                <a:gd name="connsiteX1" fmla="*/ 3403320 w 5038078"/>
+                <a:gd name="connsiteY1" fmla="*/ 272125 h 1238015"/>
+                <a:gd name="connsiteX2" fmla="*/ 4672870 w 5038078"/>
+                <a:gd name="connsiteY2" fmla="*/ 693604 h 1238015"/>
+                <a:gd name="connsiteX3" fmla="*/ 5038078 w 5038078"/>
+                <a:gd name="connsiteY3" fmla="*/ 795929 h 1238015"/>
+                <a:gd name="connsiteX4" fmla="*/ 5038078 w 5038078"/>
+                <a:gd name="connsiteY4" fmla="*/ 1238015 h 1238015"/>
+                <a:gd name="connsiteX5" fmla="*/ 0 w 5038078"/>
+                <a:gd name="connsiteY5" fmla="*/ 1238015 h 1238015"/>
+                <a:gd name="connsiteX6" fmla="*/ 19230 w 5038078"/>
+                <a:gd name="connsiteY6" fmla="*/ 1159819 h 1238015"/>
+                <a:gd name="connsiteX7" fmla="*/ 382219 w 5038078"/>
+                <a:gd name="connsiteY7" fmla="*/ 334180 h 1238015"/>
+                <a:gd name="connsiteX8" fmla="*/ 1315784 w 5038078"/>
+                <a:gd name="connsiteY8" fmla="*/ 1388 h 1238015"/>
+                <a:gd name="connsiteX9" fmla="*/ 1576991 w 5038078"/>
+                <a:gd name="connsiteY9" fmla="*/ 210 h 1238015"/>
+                <a:gd name="connsiteX0" fmla="*/ 0 w 5129518"/>
+                <a:gd name="connsiteY0" fmla="*/ 1237805 h 1329245"/>
+                <a:gd name="connsiteX1" fmla="*/ 19230 w 5129518"/>
+                <a:gd name="connsiteY1" fmla="*/ 1159609 h 1329245"/>
+                <a:gd name="connsiteX2" fmla="*/ 382219 w 5129518"/>
+                <a:gd name="connsiteY2" fmla="*/ 333970 h 1329245"/>
+                <a:gd name="connsiteX3" fmla="*/ 1315784 w 5129518"/>
+                <a:gd name="connsiteY3" fmla="*/ 1178 h 1329245"/>
+                <a:gd name="connsiteX4" fmla="*/ 1576991 w 5129518"/>
+                <a:gd name="connsiteY4" fmla="*/ 0 h 1329245"/>
+                <a:gd name="connsiteX5" fmla="*/ 3403320 w 5129518"/>
+                <a:gd name="connsiteY5" fmla="*/ 271915 h 1329245"/>
+                <a:gd name="connsiteX6" fmla="*/ 4672870 w 5129518"/>
+                <a:gd name="connsiteY6" fmla="*/ 693394 h 1329245"/>
+                <a:gd name="connsiteX7" fmla="*/ 5038078 w 5129518"/>
+                <a:gd name="connsiteY7" fmla="*/ 795719 h 1329245"/>
+                <a:gd name="connsiteX8" fmla="*/ 5129518 w 5129518"/>
+                <a:gd name="connsiteY8" fmla="*/ 1329245 h 1329245"/>
+                <a:gd name="connsiteX0" fmla="*/ 0 w 5129518"/>
+                <a:gd name="connsiteY0" fmla="*/ 1237805 h 1329245"/>
+                <a:gd name="connsiteX1" fmla="*/ 19230 w 5129518"/>
+                <a:gd name="connsiteY1" fmla="*/ 1159609 h 1329245"/>
+                <a:gd name="connsiteX2" fmla="*/ 382219 w 5129518"/>
+                <a:gd name="connsiteY2" fmla="*/ 333970 h 1329245"/>
+                <a:gd name="connsiteX3" fmla="*/ 1315784 w 5129518"/>
+                <a:gd name="connsiteY3" fmla="*/ 1178 h 1329245"/>
+                <a:gd name="connsiteX4" fmla="*/ 1576991 w 5129518"/>
+                <a:gd name="connsiteY4" fmla="*/ 0 h 1329245"/>
+                <a:gd name="connsiteX5" fmla="*/ 3403320 w 5129518"/>
+                <a:gd name="connsiteY5" fmla="*/ 271915 h 1329245"/>
+                <a:gd name="connsiteX6" fmla="*/ 4672870 w 5129518"/>
+                <a:gd name="connsiteY6" fmla="*/ 693394 h 1329245"/>
+                <a:gd name="connsiteX7" fmla="*/ 5038078 w 5129518"/>
+                <a:gd name="connsiteY7" fmla="*/ 795719 h 1329245"/>
+                <a:gd name="connsiteX8" fmla="*/ 5129518 w 5129518"/>
+                <a:gd name="connsiteY8" fmla="*/ 1329245 h 1329245"/>
+                <a:gd name="connsiteX0" fmla="*/ 0 w 5049689"/>
+                <a:gd name="connsiteY0" fmla="*/ 1237805 h 1423588"/>
+                <a:gd name="connsiteX1" fmla="*/ 19230 w 5049689"/>
+                <a:gd name="connsiteY1" fmla="*/ 1159609 h 1423588"/>
+                <a:gd name="connsiteX2" fmla="*/ 382219 w 5049689"/>
+                <a:gd name="connsiteY2" fmla="*/ 333970 h 1423588"/>
+                <a:gd name="connsiteX3" fmla="*/ 1315784 w 5049689"/>
+                <a:gd name="connsiteY3" fmla="*/ 1178 h 1423588"/>
+                <a:gd name="connsiteX4" fmla="*/ 1576991 w 5049689"/>
+                <a:gd name="connsiteY4" fmla="*/ 0 h 1423588"/>
+                <a:gd name="connsiteX5" fmla="*/ 3403320 w 5049689"/>
+                <a:gd name="connsiteY5" fmla="*/ 271915 h 1423588"/>
+                <a:gd name="connsiteX6" fmla="*/ 4672870 w 5049689"/>
+                <a:gd name="connsiteY6" fmla="*/ 693394 h 1423588"/>
+                <a:gd name="connsiteX7" fmla="*/ 5038078 w 5049689"/>
+                <a:gd name="connsiteY7" fmla="*/ 795719 h 1423588"/>
+                <a:gd name="connsiteX8" fmla="*/ 5049689 w 5049689"/>
+                <a:gd name="connsiteY8" fmla="*/ 1423588 h 1423588"/>
+                <a:gd name="connsiteX0" fmla="*/ 0 w 5038078"/>
+                <a:gd name="connsiteY0" fmla="*/ 1237805 h 1237805"/>
+                <a:gd name="connsiteX1" fmla="*/ 19230 w 5038078"/>
+                <a:gd name="connsiteY1" fmla="*/ 1159609 h 1237805"/>
+                <a:gd name="connsiteX2" fmla="*/ 382219 w 5038078"/>
+                <a:gd name="connsiteY2" fmla="*/ 333970 h 1237805"/>
+                <a:gd name="connsiteX3" fmla="*/ 1315784 w 5038078"/>
+                <a:gd name="connsiteY3" fmla="*/ 1178 h 1237805"/>
+                <a:gd name="connsiteX4" fmla="*/ 1576991 w 5038078"/>
+                <a:gd name="connsiteY4" fmla="*/ 0 h 1237805"/>
+                <a:gd name="connsiteX5" fmla="*/ 3403320 w 5038078"/>
+                <a:gd name="connsiteY5" fmla="*/ 271915 h 1237805"/>
+                <a:gd name="connsiteX6" fmla="*/ 4672870 w 5038078"/>
+                <a:gd name="connsiteY6" fmla="*/ 693394 h 1237805"/>
+                <a:gd name="connsiteX7" fmla="*/ 5038078 w 5038078"/>
+                <a:gd name="connsiteY7" fmla="*/ 795719 h 1237805"/>
+              </a:gdLst>
+              <a:ahLst/>
+              <a:cxnLst>
+                <a:cxn ang="0">
+                  <a:pos x="connsiteX0" y="connsiteY0"/>
+                </a:cxn>
+                <a:cxn ang="0">
+                  <a:pos x="connsiteX1" y="connsiteY1"/>
+                </a:cxn>
+                <a:cxn ang="0">
+                  <a:pos x="connsiteX2" y="connsiteY2"/>
+                </a:cxn>
+                <a:cxn ang="0">
+                  <a:pos x="connsiteX3" y="connsiteY3"/>
+                </a:cxn>
+                <a:cxn ang="0">
+                  <a:pos x="connsiteX4" y="connsiteY4"/>
+                </a:cxn>
+                <a:cxn ang="0">
+                  <a:pos x="connsiteX5" y="connsiteY5"/>
+                </a:cxn>
+                <a:cxn ang="0">
+                  <a:pos x="connsiteX6" y="connsiteY6"/>
+                </a:cxn>
+                <a:cxn ang="0">
+                  <a:pos x="connsiteX7" y="connsiteY7"/>
+                </a:cxn>
+              </a:cxnLst>
+              <a:rect l="l" t="t" r="r" b="b"/>
+              <a:pathLst>
+                <a:path w="5038078" h="1237805">
+                  <a:moveTo>
+                    <a:pt x="0" y="1237805"/>
+                  </a:moveTo>
+                  <a:lnTo>
+                    <a:pt x="19230" y="1159609"/>
+                  </a:lnTo>
+                  <a:cubicBezTo>
+                    <a:pt x="96961" y="850027"/>
+                    <a:pt x="191605" y="533778"/>
+                    <a:pt x="382219" y="333970"/>
+                  </a:cubicBezTo>
+                  <a:cubicBezTo>
+                    <a:pt x="619171" y="85526"/>
+                    <a:pt x="977934" y="5774"/>
+                    <a:pt x="1315784" y="1178"/>
+                  </a:cubicBezTo>
+                  <a:lnTo>
+                    <a:pt x="1576991" y="0"/>
+                  </a:lnTo>
+                  <a:cubicBezTo>
+                    <a:pt x="2190813" y="3698"/>
+                    <a:pt x="2830589" y="57744"/>
+                    <a:pt x="3403320" y="271915"/>
+                  </a:cubicBezTo>
+                  <a:cubicBezTo>
+                    <a:pt x="3828046" y="430728"/>
+                    <a:pt x="4248519" y="568281"/>
+                    <a:pt x="4672870" y="693394"/>
+                  </a:cubicBezTo>
+                  <a:lnTo>
+                    <a:pt x="5038078" y="795719"/>
+                  </a:lnTo>
+                </a:path>
+              </a:pathLst>
+            </a:custGeom>
+            <a:noFill/>
+            <a:ln w="19050">
+              <a:solidFill>
+                <a:schemeClr val="accent2">
+                  <a:lumMod val="60000"/>
+                  <a:lumOff val="40000"/>
+                </a:schemeClr>
+              </a:solidFill>
+            </a:ln>
+          </p:spPr>
+          <p:style>
+            <a:lnRef idx="2">
+              <a:schemeClr val="accent1">
+                <a:shade val="50000"/>
+              </a:schemeClr>
+            </a:lnRef>
+            <a:fillRef idx="1">
+              <a:schemeClr val="accent1"/>
+            </a:fillRef>
+            <a:effectRef idx="0">
+              <a:schemeClr val="accent1"/>
+            </a:effectRef>
+            <a:fontRef idx="minor">
+              <a:schemeClr val="lt1"/>
+            </a:fontRef>
+          </p:style>
+          <p:txBody>
+            <a:bodyPr rtlCol="0" anchor="ctr"/>
+            <a:lstStyle/>
+            <a:p>
+              <a:pPr algn="ctr"/>
+              <a:endParaRPr lang="en-US">
+                <a:solidFill>
+                  <a:prstClr val="white"/>
+                </a:solidFill>
+                <a:latin typeface="Avenir Next LT Pro Light"/>
+              </a:endParaRPr>
+            </a:p>
+          </p:txBody>
+        </p:sp>
+      </p:grpSp>
+      <p:sp>
+        <p:nvSpPr>
+          <p:cNvPr id="3" name="Zástupný objekt pre obsah 2">
+            <a:extLst>
+              <a:ext uri="{FF2B5EF4-FFF2-40B4-BE49-F238E27FC236}">
+                <a16:creationId xmlns:a16="http://schemas.microsoft.com/office/drawing/2014/main" id="{6B2802E2-9A66-4A12-984D-748A365FB0E6}"/>
+              </a:ext>
+            </a:extLst>
+          </p:cNvPr>
+          <p:cNvSpPr>
+            <a:spLocks noGrp="1"/>
+          </p:cNvSpPr>
+          <p:nvPr>
+            <p:ph idx="1"/>
+          </p:nvPr>
+        </p:nvSpPr>
+        <p:spPr>
+          <a:xfrm>
+            <a:off x="6096000" y="2286000"/>
+            <a:ext cx="5334000" cy="3810001"/>
+          </a:xfrm>
+        </p:spPr>
+        <p:txBody>
+          <a:bodyPr vert="horz" lIns="91440" tIns="45720" rIns="91440" bIns="45720" rtlCol="0">
+            <a:normAutofit/>
+          </a:bodyPr>
+          <a:lstStyle/>
+          <a:p>
+            <a:pPr marL="0" indent="0">
+              <a:buNone/>
+            </a:pPr>
+            <a:r>
+              <a:rPr lang="sk-SK" sz="2400" kern="1200">
+                <a:latin typeface="+mn-lt"/>
+                <a:ea typeface="+mn-ea"/>
+                <a:cs typeface="+mn-cs"/>
+              </a:rPr>
+              <a:t>Najčastejším hodnotením je od 3.5 / 5, čo je 70%.</a:t>
+            </a:r>
+          </a:p>
+          <a:p>
+            <a:pPr marL="0" indent="0">
+              <a:buNone/>
+            </a:pPr>
+            <a:r>
+              <a:rPr lang="sk-SK" sz="2400" kern="1200">
+                <a:latin typeface="+mn-lt"/>
+                <a:ea typeface="+mn-ea"/>
+                <a:cs typeface="+mn-cs"/>
+              </a:rPr>
+              <a:t>Rovnako, ako najčastejší obsah bôbov v čokoládach</a:t>
+            </a:r>
+            <a:endParaRPr lang="en-US" sz="2400" kern="1200">
+              <a:latin typeface="+mn-lt"/>
+              <a:ea typeface="+mn-ea"/>
+              <a:cs typeface="+mn-cs"/>
+            </a:endParaRPr>
+          </a:p>
+        </p:txBody>
+      </p:sp>
+      <p:sp>
+        <p:nvSpPr>
+          <p:cNvPr id="2" name="Nadpis 1">
+            <a:extLst>
+              <a:ext uri="{FF2B5EF4-FFF2-40B4-BE49-F238E27FC236}">
+                <a16:creationId xmlns:a16="http://schemas.microsoft.com/office/drawing/2014/main" id="{CEDF9F1F-370A-4D7D-9181-AA7E79E8EDB2}"/>
+              </a:ext>
+            </a:extLst>
+          </p:cNvPr>
+          <p:cNvSpPr>
+            <a:spLocks noGrp="1"/>
+          </p:cNvSpPr>
+          <p:nvPr>
+            <p:ph type="title"/>
+          </p:nvPr>
+        </p:nvSpPr>
+        <p:spPr>
+          <a:xfrm>
+            <a:off x="6096000" y="762000"/>
+            <a:ext cx="5334000" cy="1524000"/>
+          </a:xfrm>
+        </p:spPr>
+        <p:txBody>
+          <a:bodyPr vert="horz" lIns="91440" tIns="45720" rIns="91440" bIns="45720" rtlCol="0">
+            <a:normAutofit/>
+          </a:bodyPr>
+          <a:lstStyle/>
+          <a:p>
+            <a:r>
+              <a:rPr lang="sk-SK" sz="3200" kern="1200">
+                <a:latin typeface="+mj-lt"/>
+                <a:ea typeface="+mj-ea"/>
+                <a:cs typeface="+mj-cs"/>
+              </a:rPr>
+              <a:t>Hodnotenia čokolád</a:t>
+            </a:r>
+            <a:endParaRPr lang="en-US" sz="3200" kern="1200">
+              <a:latin typeface="+mj-lt"/>
+              <a:ea typeface="+mj-ea"/>
+              <a:cs typeface="+mj-cs"/>
+            </a:endParaRPr>
+          </a:p>
+        </p:txBody>
+      </p:sp>
+    </p:spTree>
+    <p:extLst>
+      <p:ext uri="{BB962C8B-B14F-4D97-AF65-F5344CB8AC3E}">
+        <p14:creationId xmlns:p14="http://schemas.microsoft.com/office/powerpoint/2010/main" val="293717670"/>
+      </p:ext>
+    </p:extLst>
+  </p:cSld>
+  <p:clrMapOvr>
+    <a:masterClrMapping/>
+  </p:clrMapOvr>
+</p:sld>
+</file>
+
+<file path=ppt/slides/slide7.xml><?xml version="1.0" encoding="utf-8"?>
+<p:sld xmlns:a="http://schemas.openxmlformats.org/drawingml/2006/main" xmlns:r="http://schemas.openxmlformats.org/officeDocument/2006/relationships" xmlns:p="http://schemas.openxmlformats.org/presentationml/2006/main">
+  <p:cSld>
+    <p:bg>
+      <p:bgPr>
+        <a:solidFill>
+          <a:schemeClr val="bg2"/>
+        </a:solidFill>
+        <a:effectLst/>
+      </p:bgPr>
+    </p:bg>
+    <p:spTree>
+      <p:nvGrpSpPr>
+        <p:cNvPr id="1" name=""/>
+        <p:cNvGrpSpPr/>
+        <p:nvPr/>
+      </p:nvGrpSpPr>
+      <p:grpSpPr>
+        <a:xfrm>
+          <a:off x="0" y="0"/>
+          <a:ext cx="0" cy="0"/>
+          <a:chOff x="0" y="0"/>
+          <a:chExt cx="0" cy="0"/>
+        </a:xfrm>
+      </p:grpSpPr>
+      <p:sp useBgFill="1">
+        <p:nvSpPr>
+          <p:cNvPr id="28" name="Rectangle 27">
+            <a:extLst>
+              <a:ext uri="{FF2B5EF4-FFF2-40B4-BE49-F238E27FC236}">
+                <a16:creationId xmlns:a16="http://schemas.microsoft.com/office/drawing/2014/main" id="{075615F8-B807-416B-8DBB-536E4371AA51}"/>
+              </a:ext>
+              <a:ext uri="{C183D7F6-B498-43B3-948B-1728B52AA6E4}">
+                <adec:decorative xmlns:adec="http://schemas.microsoft.com/office/drawing/2017/decorative" val="1"/>
+              </a:ext>
+            </a:extLst>
+          </p:cNvPr>
+          <p:cNvSpPr>
+            <a:spLocks noGrp="1" noRot="1" noChangeAspect="1" noMove="1" noResize="1" noEditPoints="1" noAdjustHandles="1" noChangeArrowheads="1" noChangeShapeType="1" noTextEdit="1"/>
+          </p:cNvSpPr>
+          <p:nvPr>
+            <p:extLst>
+              <p:ext uri="{386F3935-93C4-4BCD-93E2-E3B085C9AB24}">
+                <p16:designElem xmlns:p16="http://schemas.microsoft.com/office/powerpoint/2015/main" val="1"/>
+              </p:ext>
+            </p:extLst>
+          </p:nvPr>
+        </p:nvSpPr>
+        <p:spPr>
+          <a:xfrm>
+            <a:off x="0" y="0"/>
+            <a:ext cx="12192000" cy="6858000"/>
+          </a:xfrm>
+          <a:prstGeom prst="rect">
+            <a:avLst/>
+          </a:prstGeom>
+          <a:ln w="12700" cap="flat" cmpd="sng" algn="ctr">
+            <a:noFill/>
+            <a:prstDash val="solid"/>
+            <a:miter lim="800000"/>
+          </a:ln>
+          <a:effectLst/>
+          <a:extLst>
+            <a:ext uri="{91240B29-F687-4F45-9708-019B960494DF}">
+              <a14:hiddenLine xmlns:a14="http://schemas.microsoft.com/office/drawing/2010/main" w="12700" cap="flat" cmpd="sng" algn="ctr">
+                <a:solidFill>
+                  <a:schemeClr val="accent1">
+                    <a:shade val="50000"/>
+                  </a:schemeClr>
+                </a:solidFill>
+                <a:prstDash val="solid"/>
+                <a:miter lim="800000"/>
+              </a14:hiddenLine>
+            </a:ext>
+          </a:extLst>
+        </p:spPr>
+        <p:style>
+          <a:lnRef idx="2">
+            <a:schemeClr val="accent1">
+              <a:shade val="50000"/>
+            </a:schemeClr>
+          </a:lnRef>
+          <a:fillRef idx="1">
+            <a:schemeClr val="accent1"/>
+          </a:fillRef>
+          <a:effectRef idx="0">
+            <a:schemeClr val="accent1"/>
+          </a:effectRef>
+          <a:fontRef idx="minor">
+            <a:schemeClr val="lt1"/>
+          </a:fontRef>
+        </p:style>
+        <p:txBody>
+          <a:bodyPr rtlCol="0" anchor="ctr"/>
+          <a:lstStyle/>
+          <a:p>
+            <a:pPr marL="0" marR="0" lvl="0" indent="0" algn="ctr" defTabSz="914400" rtl="0" eaLnBrk="1" fontAlgn="auto" latinLnBrk="0" hangingPunct="1">
+              <a:lnSpc>
+                <a:spcPct val="100000"/>
+              </a:lnSpc>
+              <a:spcBef>
+                <a:spcPts val="0"/>
+              </a:spcBef>
+              <a:spcAft>
+                <a:spcPts val="0"/>
+              </a:spcAft>
+              <a:buClrTx/>
+              <a:buSzTx/>
+              <a:buFontTx/>
+              <a:buNone/>
+              <a:tabLst/>
+              <a:defRPr/>
+            </a:pPr>
+            <a:endParaRPr kumimoji="0" lang="en-US" sz="1800" b="0" i="0" u="none" strike="noStrike" kern="1200" cap="none" spc="0" normalizeH="0" baseline="0" noProof="0">
+              <a:ln>
+                <a:noFill/>
+              </a:ln>
+              <a:solidFill>
+                <a:prstClr val="white"/>
+              </a:solidFill>
+              <a:effectLst/>
+              <a:uLnTx/>
+              <a:uFillTx/>
+              <a:latin typeface="Avenir Next LT Pro Light"/>
+              <a:ea typeface="+mn-ea"/>
+              <a:cs typeface="+mn-cs"/>
+            </a:endParaRPr>
+          </a:p>
+        </p:txBody>
+      </p:sp>
+      <p:sp>
+        <p:nvSpPr>
+          <p:cNvPr id="30" name="Freeform: Shape 29">
+            <a:extLst>
+              <a:ext uri="{FF2B5EF4-FFF2-40B4-BE49-F238E27FC236}">
+                <a16:creationId xmlns:a16="http://schemas.microsoft.com/office/drawing/2014/main" id="{DE23B919-7EE2-497D-9E13-AA4D85F50F13}"/>
+              </a:ext>
+              <a:ext uri="{C183D7F6-B498-43B3-948B-1728B52AA6E4}">
+                <adec:decorative xmlns:adec="http://schemas.microsoft.com/office/drawing/2017/decorative" val="1"/>
+              </a:ext>
+            </a:extLst>
+          </p:cNvPr>
+          <p:cNvSpPr>
+            <a:spLocks noGrp="1" noRot="1" noChangeAspect="1" noMove="1" noResize="1" noEditPoints="1" noAdjustHandles="1" noChangeArrowheads="1" noChangeShapeType="1" noTextEdit="1"/>
+          </p:cNvSpPr>
+          <p:nvPr>
+            <p:extLst>
+              <p:ext uri="{386F3935-93C4-4BCD-93E2-E3B085C9AB24}">
+                <p16:designElem xmlns:p16="http://schemas.microsoft.com/office/powerpoint/2015/main" val="1"/>
+              </p:ext>
+            </p:extLst>
+          </p:nvPr>
+        </p:nvSpPr>
+        <p:spPr>
+          <a:xfrm>
+            <a:off x="8048983" y="4136571"/>
+            <a:ext cx="3381017" cy="2219779"/>
+          </a:xfrm>
+          <a:custGeom>
+            <a:avLst/>
+            <a:gdLst>
+              <a:gd name="connsiteX0" fmla="*/ 237621 w 453152"/>
+              <a:gd name="connsiteY0" fmla="*/ 965 h 401867"/>
+              <a:gd name="connsiteX1" fmla="*/ 370246 w 453152"/>
+              <a:gd name="connsiteY1" fmla="*/ 23666 h 401867"/>
+              <a:gd name="connsiteX2" fmla="*/ 437392 w 453152"/>
+              <a:gd name="connsiteY2" fmla="*/ 198545 h 401867"/>
+              <a:gd name="connsiteX3" fmla="*/ 67745 w 453152"/>
+              <a:gd name="connsiteY3" fmla="*/ 392003 h 401867"/>
+              <a:gd name="connsiteX4" fmla="*/ 911 w 453152"/>
+              <a:gd name="connsiteY4" fmla="*/ 254095 h 401867"/>
+              <a:gd name="connsiteX5" fmla="*/ 115564 w 453152"/>
+              <a:gd name="connsiteY5" fmla="*/ 51160 h 401867"/>
+              <a:gd name="connsiteX6" fmla="*/ 237621 w 453152"/>
+              <a:gd name="connsiteY6" fmla="*/ 965 h 401867"/>
+            </a:gdLst>
+            <a:ahLst/>
+            <a:cxnLst>
+              <a:cxn ang="0">
+                <a:pos x="connsiteX0" y="connsiteY0"/>
+              </a:cxn>
+              <a:cxn ang="0">
+                <a:pos x="connsiteX1" y="connsiteY1"/>
+              </a:cxn>
+              <a:cxn ang="0">
+                <a:pos x="connsiteX2" y="connsiteY2"/>
+              </a:cxn>
+              <a:cxn ang="0">
+                <a:pos x="connsiteX3" y="connsiteY3"/>
+              </a:cxn>
+              <a:cxn ang="0">
+                <a:pos x="connsiteX4" y="connsiteY4"/>
+              </a:cxn>
+              <a:cxn ang="0">
+                <a:pos x="connsiteX5" y="connsiteY5"/>
+              </a:cxn>
+              <a:cxn ang="0">
+                <a:pos x="connsiteX6" y="connsiteY6"/>
+              </a:cxn>
+            </a:cxnLst>
+            <a:rect l="l" t="t" r="r" b="b"/>
+            <a:pathLst>
+              <a:path w="453152" h="401867">
+                <a:moveTo>
+                  <a:pt x="237621" y="965"/>
+                </a:moveTo>
+                <a:cubicBezTo>
+                  <a:pt x="283632" y="-2971"/>
+                  <a:pt x="331405" y="5243"/>
+                  <a:pt x="370246" y="23666"/>
+                </a:cubicBezTo>
+                <a:cubicBezTo>
+                  <a:pt x="436830" y="55275"/>
+                  <a:pt x="477168" y="116810"/>
+                  <a:pt x="437392" y="198545"/>
+                </a:cubicBezTo>
+                <a:cubicBezTo>
+                  <a:pt x="391568" y="292624"/>
+                  <a:pt x="176850" y="441630"/>
+                  <a:pt x="67745" y="392003"/>
+                </a:cubicBezTo>
+                <a:cubicBezTo>
+                  <a:pt x="18056" y="369372"/>
+                  <a:pt x="-5012" y="308398"/>
+                  <a:pt x="911" y="254095"/>
+                </a:cubicBezTo>
+                <a:cubicBezTo>
+                  <a:pt x="9203" y="178033"/>
+                  <a:pt x="61012" y="103094"/>
+                  <a:pt x="115564" y="51160"/>
+                </a:cubicBezTo>
+                <a:cubicBezTo>
+                  <a:pt x="147361" y="20985"/>
+                  <a:pt x="191610" y="4900"/>
+                  <a:pt x="237621" y="965"/>
+                </a:cubicBezTo>
+                <a:close/>
+              </a:path>
+            </a:pathLst>
+          </a:custGeom>
+          <a:solidFill>
+            <a:schemeClr val="accent6"/>
+          </a:solidFill>
+          <a:ln>
+            <a:noFill/>
+          </a:ln>
+        </p:spPr>
+        <p:style>
+          <a:lnRef idx="2">
+            <a:schemeClr val="accent1">
+              <a:shade val="50000"/>
+            </a:schemeClr>
+          </a:lnRef>
+          <a:fillRef idx="1">
+            <a:schemeClr val="accent1"/>
+          </a:fillRef>
+          <a:effectRef idx="0">
+            <a:schemeClr val="accent1"/>
+          </a:effectRef>
+          <a:fontRef idx="minor">
+            <a:schemeClr val="lt1"/>
+          </a:fontRef>
+        </p:style>
+        <p:txBody>
+          <a:bodyPr rtlCol="0" anchor="ctr"/>
+          <a:lstStyle/>
+          <a:p>
+            <a:pPr algn="ctr"/>
+            <a:endParaRPr lang="en-US"/>
+          </a:p>
+        </p:txBody>
+      </p:sp>
+      <p:sp>
+        <p:nvSpPr>
+          <p:cNvPr id="32" name="Freeform: Shape 31">
+            <a:extLst>
+              <a:ext uri="{FF2B5EF4-FFF2-40B4-BE49-F238E27FC236}">
+                <a16:creationId xmlns:a16="http://schemas.microsoft.com/office/drawing/2014/main" id="{23A9D9E6-3919-418C-B3AA-BD8152086A72}"/>
+              </a:ext>
+              <a:ext uri="{C183D7F6-B498-43B3-948B-1728B52AA6E4}">
+                <adec:decorative xmlns:adec="http://schemas.microsoft.com/office/drawing/2017/decorative" val="1"/>
+              </a:ext>
+            </a:extLst>
+          </p:cNvPr>
+          <p:cNvSpPr>
+            <a:spLocks noGrp="1" noRot="1" noChangeAspect="1" noMove="1" noResize="1" noEditPoints="1" noAdjustHandles="1" noChangeArrowheads="1" noChangeShapeType="1" noTextEdit="1"/>
+          </p:cNvSpPr>
+          <p:nvPr>
+            <p:extLst>
+              <p:ext uri="{386F3935-93C4-4BCD-93E2-E3B085C9AB24}">
+                <p16:designElem xmlns:p16="http://schemas.microsoft.com/office/powerpoint/2015/main" val="1"/>
+              </p:ext>
+            </p:extLst>
+          </p:nvPr>
+        </p:nvSpPr>
+        <p:spPr>
+          <a:xfrm rot="18584418">
+            <a:off x="3663391" y="2134929"/>
+            <a:ext cx="7016810" cy="3217070"/>
+          </a:xfrm>
+          <a:custGeom>
+            <a:avLst/>
+            <a:gdLst>
+              <a:gd name="connsiteX0" fmla="*/ 6578327 w 7016810"/>
+              <a:gd name="connsiteY0" fmla="*/ 747813 h 3217070"/>
+              <a:gd name="connsiteX1" fmla="*/ 6899586 w 7016810"/>
+              <a:gd name="connsiteY1" fmla="*/ 1348391 h 3217070"/>
+              <a:gd name="connsiteX2" fmla="*/ 6546865 w 7016810"/>
+              <a:gd name="connsiteY2" fmla="*/ 2370096 h 3217070"/>
+              <a:gd name="connsiteX3" fmla="*/ 5242831 w 7016810"/>
+              <a:gd name="connsiteY3" fmla="*/ 2689242 h 3217070"/>
+              <a:gd name="connsiteX4" fmla="*/ 2836315 w 7016810"/>
+              <a:gd name="connsiteY4" fmla="*/ 3070479 h 3217070"/>
+              <a:gd name="connsiteX5" fmla="*/ 817744 w 7016810"/>
+              <a:gd name="connsiteY5" fmla="*/ 3207342 h 3217070"/>
+              <a:gd name="connsiteX6" fmla="*/ 760277 w 7016810"/>
+              <a:gd name="connsiteY6" fmla="*/ 3201955 h 3217070"/>
+              <a:gd name="connsiteX7" fmla="*/ 0 w 7016810"/>
+              <a:gd name="connsiteY7" fmla="*/ 2287507 h 3217070"/>
+              <a:gd name="connsiteX8" fmla="*/ 45397 w 7016810"/>
+              <a:gd name="connsiteY8" fmla="*/ 2228424 h 3217070"/>
+              <a:gd name="connsiteX9" fmla="*/ 1813715 w 7016810"/>
+              <a:gd name="connsiteY9" fmla="*/ 583834 h 3217070"/>
+              <a:gd name="connsiteX10" fmla="*/ 2506347 w 7016810"/>
+              <a:gd name="connsiteY10" fmla="*/ 181751 h 3217070"/>
+              <a:gd name="connsiteX11" fmla="*/ 3784997 w 7016810"/>
+              <a:gd name="connsiteY11" fmla="*/ 117 h 3217070"/>
+              <a:gd name="connsiteX12" fmla="*/ 5229348 w 7016810"/>
+              <a:gd name="connsiteY12" fmla="*/ 123377 h 3217070"/>
+              <a:gd name="connsiteX13" fmla="*/ 6578327 w 7016810"/>
+              <a:gd name="connsiteY13" fmla="*/ 747813 h 3217070"/>
+            </a:gdLst>
+            <a:ahLst/>
+            <a:cxnLst>
+              <a:cxn ang="0">
+                <a:pos x="connsiteX0" y="connsiteY0"/>
+              </a:cxn>
+              <a:cxn ang="0">
+                <a:pos x="connsiteX1" y="connsiteY1"/>
+              </a:cxn>
+              <a:cxn ang="0">
+                <a:pos x="connsiteX2" y="connsiteY2"/>
+              </a:cxn>
+              <a:cxn ang="0">
+                <a:pos x="connsiteX3" y="connsiteY3"/>
+              </a:cxn>
+              <a:cxn ang="0">
+                <a:pos x="connsiteX4" y="connsiteY4"/>
+              </a:cxn>
+              <a:cxn ang="0">
+                <a:pos x="connsiteX5" y="connsiteY5"/>
+              </a:cxn>
+              <a:cxn ang="0">
+                <a:pos x="connsiteX6" y="connsiteY6"/>
+              </a:cxn>
+              <a:cxn ang="0">
+                <a:pos x="connsiteX7" y="connsiteY7"/>
+              </a:cxn>
+              <a:cxn ang="0">
+                <a:pos x="connsiteX8" y="connsiteY8"/>
+              </a:cxn>
+              <a:cxn ang="0">
+                <a:pos x="connsiteX9" y="connsiteY9"/>
+              </a:cxn>
+              <a:cxn ang="0">
+                <a:pos x="connsiteX10" y="connsiteY10"/>
+              </a:cxn>
+              <a:cxn ang="0">
+                <a:pos x="connsiteX11" y="connsiteY11"/>
+              </a:cxn>
+              <a:cxn ang="0">
+                <a:pos x="connsiteX12" y="connsiteY12"/>
+              </a:cxn>
+              <a:cxn ang="0">
+                <a:pos x="connsiteX13" y="connsiteY13"/>
+              </a:cxn>
+            </a:cxnLst>
+            <a:rect l="l" t="t" r="r" b="b"/>
+            <a:pathLst>
+              <a:path w="7016810" h="3217070">
+                <a:moveTo>
+                  <a:pt x="6578327" y="747813"/>
+                </a:moveTo>
+                <a:cubicBezTo>
+                  <a:pt x="6724350" y="927127"/>
+                  <a:pt x="6818188" y="1131736"/>
+                  <a:pt x="6899586" y="1348391"/>
+                </a:cubicBezTo>
+                <a:cubicBezTo>
+                  <a:pt x="7044853" y="1735247"/>
+                  <a:pt x="7166023" y="2086842"/>
+                  <a:pt x="6546865" y="2370096"/>
+                </a:cubicBezTo>
+                <a:cubicBezTo>
+                  <a:pt x="6176452" y="2539595"/>
+                  <a:pt x="5702565" y="2616459"/>
+                  <a:pt x="5242831" y="2689242"/>
+                </a:cubicBezTo>
+                <a:cubicBezTo>
+                  <a:pt x="4440660" y="2816322"/>
+                  <a:pt x="3638486" y="2943401"/>
+                  <a:pt x="2836315" y="3070479"/>
+                </a:cubicBezTo>
+                <a:cubicBezTo>
+                  <a:pt x="2247146" y="3163789"/>
+                  <a:pt x="1447214" y="3245856"/>
+                  <a:pt x="817744" y="3207342"/>
+                </a:cubicBezTo>
+                <a:lnTo>
+                  <a:pt x="760277" y="3201955"/>
+                </a:lnTo>
+                <a:lnTo>
+                  <a:pt x="0" y="2287507"/>
+                </a:lnTo>
+                <a:lnTo>
+                  <a:pt x="45397" y="2228424"/>
+                </a:lnTo>
+                <a:cubicBezTo>
+                  <a:pt x="503782" y="1675968"/>
+                  <a:pt x="1230454" y="1100941"/>
+                  <a:pt x="1813715" y="583834"/>
+                </a:cubicBezTo>
+                <a:cubicBezTo>
+                  <a:pt x="2017628" y="403005"/>
+                  <a:pt x="2250695" y="272754"/>
+                  <a:pt x="2506347" y="181751"/>
+                </a:cubicBezTo>
+                <a:cubicBezTo>
+                  <a:pt x="2889654" y="45291"/>
+                  <a:pt x="3323518" y="-2704"/>
+                  <a:pt x="3784997" y="117"/>
+                </a:cubicBezTo>
+                <a:cubicBezTo>
+                  <a:pt x="4246478" y="2939"/>
+                  <a:pt x="4735574" y="56576"/>
+                  <a:pt x="5229348" y="123377"/>
+                </a:cubicBezTo>
+                <a:cubicBezTo>
+                  <a:pt x="5946627" y="220364"/>
+                  <a:pt x="6334955" y="448956"/>
+                  <a:pt x="6578327" y="747813"/>
+                </a:cubicBezTo>
+                <a:close/>
+              </a:path>
+            </a:pathLst>
+          </a:custGeom>
+          <a:solidFill>
+            <a:schemeClr val="accent6"/>
+          </a:solidFill>
+          <a:ln>
+            <a:noFill/>
+          </a:ln>
+        </p:spPr>
+        <p:style>
+          <a:lnRef idx="2">
+            <a:schemeClr val="accent1">
+              <a:shade val="50000"/>
+            </a:schemeClr>
+          </a:lnRef>
+          <a:fillRef idx="1">
+            <a:schemeClr val="accent1"/>
+          </a:fillRef>
+          <a:effectRef idx="0">
+            <a:schemeClr val="accent1"/>
+          </a:effectRef>
+          <a:fontRef idx="minor">
+            <a:schemeClr val="lt1"/>
+          </a:fontRef>
+        </p:style>
+        <p:txBody>
+          <a:bodyPr rtlCol="0" anchor="ctr"/>
+          <a:lstStyle/>
+          <a:p>
+            <a:pPr algn="ctr"/>
+            <a:endParaRPr lang="en-US"/>
+          </a:p>
+        </p:txBody>
+      </p:sp>
+      <p:sp>
+        <p:nvSpPr>
+          <p:cNvPr id="34" name="Freeform: Shape 33">
+            <a:extLst>
+              <a:ext uri="{FF2B5EF4-FFF2-40B4-BE49-F238E27FC236}">
+                <a16:creationId xmlns:a16="http://schemas.microsoft.com/office/drawing/2014/main" id="{9E1C692D-C0CD-4831-9654-3A9D28BD9D3F}"/>
+              </a:ext>
+              <a:ext uri="{C183D7F6-B498-43B3-948B-1728B52AA6E4}">
+                <adec:decorative xmlns:adec="http://schemas.microsoft.com/office/drawing/2017/decorative" val="1"/>
+              </a:ext>
+            </a:extLst>
+          </p:cNvPr>
+          <p:cNvSpPr>
+            <a:spLocks noGrp="1" noRot="1" noChangeAspect="1" noMove="1" noResize="1" noEditPoints="1" noAdjustHandles="1" noChangeArrowheads="1" noChangeShapeType="1" noTextEdit="1"/>
+          </p:cNvSpPr>
+          <p:nvPr>
+            <p:extLst>
+              <p:ext uri="{386F3935-93C4-4BCD-93E2-E3B085C9AB24}">
+                <p16:designElem xmlns:p16="http://schemas.microsoft.com/office/powerpoint/2015/main" val="1"/>
+              </p:ext>
+            </p:extLst>
+          </p:nvPr>
+        </p:nvSpPr>
+        <p:spPr>
+          <a:xfrm rot="19831192">
+            <a:off x="9899191" y="346730"/>
+            <a:ext cx="3242038" cy="3517726"/>
+          </a:xfrm>
+          <a:custGeom>
+            <a:avLst/>
+            <a:gdLst>
+              <a:gd name="connsiteX0" fmla="*/ 2788324 w 3242038"/>
+              <a:gd name="connsiteY0" fmla="*/ 0 h 3517726"/>
+              <a:gd name="connsiteX1" fmla="*/ 3242038 w 3242038"/>
+              <a:gd name="connsiteY1" fmla="*/ 256492 h 3517726"/>
+              <a:gd name="connsiteX2" fmla="*/ 1398414 w 3242038"/>
+              <a:gd name="connsiteY2" fmla="*/ 3517726 h 3517726"/>
+              <a:gd name="connsiteX3" fmla="*/ 1296165 w 3242038"/>
+              <a:gd name="connsiteY3" fmla="*/ 3512750 h 3517726"/>
+              <a:gd name="connsiteX4" fmla="*/ 722368 w 3242038"/>
+              <a:gd name="connsiteY4" fmla="*/ 3295873 h 3517726"/>
+              <a:gd name="connsiteX5" fmla="*/ 119744 w 3242038"/>
+              <a:gd name="connsiteY5" fmla="*/ 1346871 h 3517726"/>
+              <a:gd name="connsiteX6" fmla="*/ 1268876 w 3242038"/>
+              <a:gd name="connsiteY6" fmla="*/ 452981 h 3517726"/>
+              <a:gd name="connsiteX7" fmla="*/ 2526079 w 3242038"/>
+              <a:gd name="connsiteY7" fmla="*/ 58537 h 3517726"/>
+            </a:gdLst>
+            <a:ahLst/>
+            <a:cxnLst>
+              <a:cxn ang="0">
+                <a:pos x="connsiteX0" y="connsiteY0"/>
+              </a:cxn>
+              <a:cxn ang="0">
+                <a:pos x="connsiteX1" y="connsiteY1"/>
+              </a:cxn>
+              <a:cxn ang="0">
+                <a:pos x="connsiteX2" y="connsiteY2"/>
+              </a:cxn>
+              <a:cxn ang="0">
+                <a:pos x="connsiteX3" y="connsiteY3"/>
+              </a:cxn>
+              <a:cxn ang="0">
+                <a:pos x="connsiteX4" y="connsiteY4"/>
+              </a:cxn>
+              <a:cxn ang="0">
+                <a:pos x="connsiteX5" y="connsiteY5"/>
+              </a:cxn>
+              <a:cxn ang="0">
+                <a:pos x="connsiteX6" y="connsiteY6"/>
+              </a:cxn>
+              <a:cxn ang="0">
+                <a:pos x="connsiteX7" y="connsiteY7"/>
+              </a:cxn>
+            </a:cxnLst>
+            <a:rect l="l" t="t" r="r" b="b"/>
+            <a:pathLst>
+              <a:path w="3242038" h="3517726">
+                <a:moveTo>
+                  <a:pt x="2788324" y="0"/>
+                </a:moveTo>
+                <a:lnTo>
+                  <a:pt x="3242038" y="256492"/>
+                </a:lnTo>
+                <a:lnTo>
+                  <a:pt x="1398414" y="3517726"/>
+                </a:lnTo>
+                <a:lnTo>
+                  <a:pt x="1296165" y="3512750"/>
+                </a:lnTo>
+                <a:cubicBezTo>
+                  <a:pt x="1105706" y="3492316"/>
+                  <a:pt x="913143" y="3425685"/>
+                  <a:pt x="722368" y="3295873"/>
+                </a:cubicBezTo>
+                <a:cubicBezTo>
+                  <a:pt x="45118" y="2835132"/>
+                  <a:pt x="-156318" y="1926952"/>
+                  <a:pt x="119744" y="1346871"/>
+                </a:cubicBezTo>
+                <a:cubicBezTo>
+                  <a:pt x="300975" y="965581"/>
+                  <a:pt x="750420" y="662741"/>
+                  <a:pt x="1268876" y="452981"/>
+                </a:cubicBezTo>
+                <a:cubicBezTo>
+                  <a:pt x="1482145" y="366760"/>
+                  <a:pt x="1978802" y="192176"/>
+                  <a:pt x="2526079" y="58537"/>
+                </a:cubicBezTo>
+                <a:close/>
+              </a:path>
+            </a:pathLst>
+          </a:custGeom>
+          <a:solidFill>
+            <a:schemeClr val="accent6"/>
+          </a:solidFill>
+          <a:ln>
+            <a:noFill/>
+          </a:ln>
+        </p:spPr>
+        <p:style>
+          <a:lnRef idx="2">
+            <a:schemeClr val="accent1">
+              <a:shade val="50000"/>
+            </a:schemeClr>
+          </a:lnRef>
+          <a:fillRef idx="1">
+            <a:schemeClr val="accent1"/>
+          </a:fillRef>
+          <a:effectRef idx="0">
+            <a:schemeClr val="accent1"/>
+          </a:effectRef>
+          <a:fontRef idx="minor">
+            <a:schemeClr val="lt1"/>
+          </a:fontRef>
+        </p:style>
+        <p:txBody>
+          <a:bodyPr rtlCol="0" anchor="ctr"/>
+          <a:lstStyle/>
+          <a:p>
+            <a:pPr algn="ctr"/>
+            <a:endParaRPr lang="en-US"/>
+          </a:p>
+        </p:txBody>
+      </p:sp>
+      <p:sp>
+        <p:nvSpPr>
+          <p:cNvPr id="36" name="Freeform: Shape 35">
+            <a:extLst>
+              <a:ext uri="{FF2B5EF4-FFF2-40B4-BE49-F238E27FC236}">
+                <a16:creationId xmlns:a16="http://schemas.microsoft.com/office/drawing/2014/main" id="{657A9FFC-4E6A-4731-AD4B-A0018BF95E7C}"/>
+              </a:ext>
+              <a:ext uri="{C183D7F6-B498-43B3-948B-1728B52AA6E4}">
+                <adec:decorative xmlns:adec="http://schemas.microsoft.com/office/drawing/2017/decorative" val="1"/>
+              </a:ext>
+            </a:extLst>
+          </p:cNvPr>
+          <p:cNvSpPr>
+            <a:spLocks noGrp="1" noRot="1" noChangeAspect="1" noMove="1" noResize="1" noEditPoints="1" noAdjustHandles="1" noChangeArrowheads="1" noChangeShapeType="1" noTextEdit="1"/>
+          </p:cNvSpPr>
+          <p:nvPr>
+            <p:extLst>
+              <p:ext uri="{386F3935-93C4-4BCD-93E2-E3B085C9AB24}">
+                <p16:designElem xmlns:p16="http://schemas.microsoft.com/office/powerpoint/2015/main" val="1"/>
+              </p:ext>
+            </p:extLst>
+          </p:nvPr>
+        </p:nvSpPr>
+        <p:spPr>
+          <a:xfrm>
+            <a:off x="4826000" y="533400"/>
+            <a:ext cx="4788638" cy="6329048"/>
+          </a:xfrm>
+          <a:custGeom>
+            <a:avLst/>
+            <a:gdLst>
+              <a:gd name="connsiteX0" fmla="*/ 3173139 w 4448352"/>
+              <a:gd name="connsiteY0" fmla="*/ 74 h 6025492"/>
+              <a:gd name="connsiteX1" fmla="*/ 3840337 w 4448352"/>
+              <a:gd name="connsiteY1" fmla="*/ 136997 h 6025492"/>
+              <a:gd name="connsiteX2" fmla="*/ 4400480 w 4448352"/>
+              <a:gd name="connsiteY2" fmla="*/ 1061406 h 6025492"/>
+              <a:gd name="connsiteX3" fmla="*/ 3812207 w 4448352"/>
+              <a:gd name="connsiteY3" fmla="*/ 2268177 h 6025492"/>
+              <a:gd name="connsiteX4" fmla="*/ 2566852 w 4448352"/>
+              <a:gd name="connsiteY4" fmla="*/ 4362395 h 6025492"/>
+              <a:gd name="connsiteX5" fmla="*/ 1381603 w 4448352"/>
+              <a:gd name="connsiteY5" fmla="*/ 6002073 h 6025492"/>
+              <a:gd name="connsiteX6" fmla="*/ 1358105 w 4448352"/>
+              <a:gd name="connsiteY6" fmla="*/ 6025492 h 6025492"/>
+              <a:gd name="connsiteX7" fmla="*/ 147593 w 4448352"/>
+              <a:gd name="connsiteY7" fmla="*/ 6025492 h 6025492"/>
+              <a:gd name="connsiteX8" fmla="*/ 135095 w 4448352"/>
+              <a:gd name="connsiteY8" fmla="*/ 5970139 h 6025492"/>
+              <a:gd name="connsiteX9" fmla="*/ 989 w 4448352"/>
+              <a:gd name="connsiteY9" fmla="*/ 3558990 h 6025492"/>
+              <a:gd name="connsiteX10" fmla="*/ 134613 w 4448352"/>
+              <a:gd name="connsiteY10" fmla="*/ 2769335 h 6025492"/>
+              <a:gd name="connsiteX11" fmla="*/ 812398 w 4448352"/>
+              <a:gd name="connsiteY11" fmla="*/ 1669996 h 6025492"/>
+              <a:gd name="connsiteX12" fmla="*/ 1830565 w 4448352"/>
+              <a:gd name="connsiteY12" fmla="*/ 638164 h 6025492"/>
+              <a:gd name="connsiteX13" fmla="*/ 3173139 w 4448352"/>
+              <a:gd name="connsiteY13" fmla="*/ 74 h 6025492"/>
+              <a:gd name="connsiteX0" fmla="*/ 147593 w 4448352"/>
+              <a:gd name="connsiteY0" fmla="*/ 6025492 h 6112608"/>
+              <a:gd name="connsiteX1" fmla="*/ 135095 w 4448352"/>
+              <a:gd name="connsiteY1" fmla="*/ 5970139 h 6112608"/>
+              <a:gd name="connsiteX2" fmla="*/ 989 w 4448352"/>
+              <a:gd name="connsiteY2" fmla="*/ 3558990 h 6112608"/>
+              <a:gd name="connsiteX3" fmla="*/ 134613 w 4448352"/>
+              <a:gd name="connsiteY3" fmla="*/ 2769335 h 6112608"/>
+              <a:gd name="connsiteX4" fmla="*/ 812398 w 4448352"/>
+              <a:gd name="connsiteY4" fmla="*/ 1669996 h 6112608"/>
+              <a:gd name="connsiteX5" fmla="*/ 1830565 w 4448352"/>
+              <a:gd name="connsiteY5" fmla="*/ 638164 h 6112608"/>
+              <a:gd name="connsiteX6" fmla="*/ 3173139 w 4448352"/>
+              <a:gd name="connsiteY6" fmla="*/ 74 h 6112608"/>
+              <a:gd name="connsiteX7" fmla="*/ 3840337 w 4448352"/>
+              <a:gd name="connsiteY7" fmla="*/ 136997 h 6112608"/>
+              <a:gd name="connsiteX8" fmla="*/ 4400480 w 4448352"/>
+              <a:gd name="connsiteY8" fmla="*/ 1061406 h 6112608"/>
+              <a:gd name="connsiteX9" fmla="*/ 3812207 w 4448352"/>
+              <a:gd name="connsiteY9" fmla="*/ 2268177 h 6112608"/>
+              <a:gd name="connsiteX10" fmla="*/ 2566852 w 4448352"/>
+              <a:gd name="connsiteY10" fmla="*/ 4362395 h 6112608"/>
+              <a:gd name="connsiteX11" fmla="*/ 1381603 w 4448352"/>
+              <a:gd name="connsiteY11" fmla="*/ 6002073 h 6112608"/>
+              <a:gd name="connsiteX12" fmla="*/ 1457187 w 4448352"/>
+              <a:gd name="connsiteY12" fmla="*/ 6112608 h 6112608"/>
+              <a:gd name="connsiteX0" fmla="*/ 147593 w 4448352"/>
+              <a:gd name="connsiteY0" fmla="*/ 6025492 h 6025492"/>
+              <a:gd name="connsiteX1" fmla="*/ 135095 w 4448352"/>
+              <a:gd name="connsiteY1" fmla="*/ 5970139 h 6025492"/>
+              <a:gd name="connsiteX2" fmla="*/ 989 w 4448352"/>
+              <a:gd name="connsiteY2" fmla="*/ 3558990 h 6025492"/>
+              <a:gd name="connsiteX3" fmla="*/ 134613 w 4448352"/>
+              <a:gd name="connsiteY3" fmla="*/ 2769335 h 6025492"/>
+              <a:gd name="connsiteX4" fmla="*/ 812398 w 4448352"/>
+              <a:gd name="connsiteY4" fmla="*/ 1669996 h 6025492"/>
+              <a:gd name="connsiteX5" fmla="*/ 1830565 w 4448352"/>
+              <a:gd name="connsiteY5" fmla="*/ 638164 h 6025492"/>
+              <a:gd name="connsiteX6" fmla="*/ 3173139 w 4448352"/>
+              <a:gd name="connsiteY6" fmla="*/ 74 h 6025492"/>
+              <a:gd name="connsiteX7" fmla="*/ 3840337 w 4448352"/>
+              <a:gd name="connsiteY7" fmla="*/ 136997 h 6025492"/>
+              <a:gd name="connsiteX8" fmla="*/ 4400480 w 4448352"/>
+              <a:gd name="connsiteY8" fmla="*/ 1061406 h 6025492"/>
+              <a:gd name="connsiteX9" fmla="*/ 3812207 w 4448352"/>
+              <a:gd name="connsiteY9" fmla="*/ 2268177 h 6025492"/>
+              <a:gd name="connsiteX10" fmla="*/ 2566852 w 4448352"/>
+              <a:gd name="connsiteY10" fmla="*/ 4362395 h 6025492"/>
+              <a:gd name="connsiteX11" fmla="*/ 1381603 w 4448352"/>
+              <a:gd name="connsiteY11" fmla="*/ 6002073 h 6025492"/>
+              <a:gd name="connsiteX0" fmla="*/ 147593 w 4448352"/>
+              <a:gd name="connsiteY0" fmla="*/ 6025492 h 6029730"/>
+              <a:gd name="connsiteX1" fmla="*/ 135095 w 4448352"/>
+              <a:gd name="connsiteY1" fmla="*/ 5970139 h 6029730"/>
+              <a:gd name="connsiteX2" fmla="*/ 989 w 4448352"/>
+              <a:gd name="connsiteY2" fmla="*/ 3558990 h 6029730"/>
+              <a:gd name="connsiteX3" fmla="*/ 134613 w 4448352"/>
+              <a:gd name="connsiteY3" fmla="*/ 2769335 h 6029730"/>
+              <a:gd name="connsiteX4" fmla="*/ 812398 w 4448352"/>
+              <a:gd name="connsiteY4" fmla="*/ 1669996 h 6029730"/>
+              <a:gd name="connsiteX5" fmla="*/ 1830565 w 4448352"/>
+              <a:gd name="connsiteY5" fmla="*/ 638164 h 6029730"/>
+              <a:gd name="connsiteX6" fmla="*/ 3173139 w 4448352"/>
+              <a:gd name="connsiteY6" fmla="*/ 74 h 6029730"/>
+              <a:gd name="connsiteX7" fmla="*/ 3840337 w 4448352"/>
+              <a:gd name="connsiteY7" fmla="*/ 136997 h 6029730"/>
+              <a:gd name="connsiteX8" fmla="*/ 4400480 w 4448352"/>
+              <a:gd name="connsiteY8" fmla="*/ 1061406 h 6029730"/>
+              <a:gd name="connsiteX9" fmla="*/ 3812207 w 4448352"/>
+              <a:gd name="connsiteY9" fmla="*/ 2268177 h 6029730"/>
+              <a:gd name="connsiteX10" fmla="*/ 2566852 w 4448352"/>
+              <a:gd name="connsiteY10" fmla="*/ 4362395 h 6029730"/>
+              <a:gd name="connsiteX11" fmla="*/ 1397330 w 4448352"/>
+              <a:gd name="connsiteY11" fmla="*/ 6029730 h 6029730"/>
+            </a:gdLst>
+            <a:ahLst/>
+            <a:cxnLst>
+              <a:cxn ang="0">
+                <a:pos x="connsiteX0" y="connsiteY0"/>
+              </a:cxn>
+              <a:cxn ang="0">
+                <a:pos x="connsiteX1" y="connsiteY1"/>
+              </a:cxn>
+              <a:cxn ang="0">
+                <a:pos x="connsiteX2" y="connsiteY2"/>
+              </a:cxn>
+              <a:cxn ang="0">
+                <a:pos x="connsiteX3" y="connsiteY3"/>
+              </a:cxn>
+              <a:cxn ang="0">
+                <a:pos x="connsiteX4" y="connsiteY4"/>
+              </a:cxn>
+              <a:cxn ang="0">
+                <a:pos x="connsiteX5" y="connsiteY5"/>
+              </a:cxn>
+              <a:cxn ang="0">
+                <a:pos x="connsiteX6" y="connsiteY6"/>
+              </a:cxn>
+              <a:cxn ang="0">
+                <a:pos x="connsiteX7" y="connsiteY7"/>
+              </a:cxn>
+              <a:cxn ang="0">
+                <a:pos x="connsiteX8" y="connsiteY8"/>
+              </a:cxn>
+              <a:cxn ang="0">
+                <a:pos x="connsiteX9" y="connsiteY9"/>
+              </a:cxn>
+              <a:cxn ang="0">
+                <a:pos x="connsiteX10" y="connsiteY10"/>
+              </a:cxn>
+              <a:cxn ang="0">
+                <a:pos x="connsiteX11" y="connsiteY11"/>
+              </a:cxn>
+            </a:cxnLst>
+            <a:rect l="l" t="t" r="r" b="b"/>
+            <a:pathLst>
+              <a:path w="4448352" h="6029730">
+                <a:moveTo>
+                  <a:pt x="147593" y="6025492"/>
+                </a:moveTo>
+                <a:lnTo>
+                  <a:pt x="135095" y="5970139"/>
+                </a:lnTo>
+                <a:cubicBezTo>
+                  <a:pt x="3334" y="5264474"/>
+                  <a:pt x="25734" y="4338079"/>
+                  <a:pt x="989" y="3558990"/>
+                </a:cubicBezTo>
+                <a:cubicBezTo>
+                  <a:pt x="-7696" y="3286585"/>
+                  <a:pt x="41149" y="3024098"/>
+                  <a:pt x="134613" y="2769335"/>
+                </a:cubicBezTo>
+                <a:cubicBezTo>
+                  <a:pt x="274734" y="2387350"/>
+                  <a:pt x="515201" y="2023048"/>
+                  <a:pt x="812398" y="1669996"/>
+                </a:cubicBezTo>
+                <a:cubicBezTo>
+                  <a:pt x="1109596" y="1316945"/>
+                  <a:pt x="1463524" y="975145"/>
+                  <a:pt x="1830565" y="638164"/>
+                </a:cubicBezTo>
+                <a:cubicBezTo>
+                  <a:pt x="2363706" y="148617"/>
+                  <a:pt x="2787743" y="-3847"/>
+                  <a:pt x="3173139" y="74"/>
+                </a:cubicBezTo>
+                <a:cubicBezTo>
+                  <a:pt x="3404376" y="2427"/>
+                  <a:pt x="3621702" y="61078"/>
+                  <a:pt x="3840337" y="136997"/>
+                </a:cubicBezTo>
+                <a:cubicBezTo>
+                  <a:pt x="4230681" y="272614"/>
+                  <a:pt x="4578505" y="404218"/>
+                  <a:pt x="4400480" y="1061406"/>
+                </a:cubicBezTo>
+                <a:cubicBezTo>
+                  <a:pt x="4294008" y="1454598"/>
+                  <a:pt x="4050152" y="1868133"/>
+                  <a:pt x="3812207" y="2268177"/>
+                </a:cubicBezTo>
+                <a:cubicBezTo>
+                  <a:pt x="3397089" y="2966250"/>
+                  <a:pt x="2969331" y="3735470"/>
+                  <a:pt x="2566852" y="4362395"/>
+                </a:cubicBezTo>
+                <a:cubicBezTo>
+                  <a:pt x="2164373" y="4989320"/>
+                  <a:pt x="1829370" y="5570322"/>
+                  <a:pt x="1397330" y="6029730"/>
+                </a:cubicBezTo>
+              </a:path>
+            </a:pathLst>
+          </a:custGeom>
+          <a:noFill/>
+          <a:ln w="19050">
+            <a:solidFill>
+              <a:schemeClr val="accent2">
+                <a:lumMod val="60000"/>
+                <a:lumOff val="40000"/>
+              </a:schemeClr>
+            </a:solidFill>
+          </a:ln>
+        </p:spPr>
+        <p:style>
+          <a:lnRef idx="2">
+            <a:schemeClr val="accent1">
+              <a:shade val="50000"/>
+            </a:schemeClr>
+          </a:lnRef>
+          <a:fillRef idx="1">
+            <a:schemeClr val="accent1"/>
+          </a:fillRef>
+          <a:effectRef idx="0">
+            <a:schemeClr val="accent1"/>
+          </a:effectRef>
+          <a:fontRef idx="minor">
+            <a:schemeClr val="lt1"/>
+          </a:fontRef>
+        </p:style>
+        <p:txBody>
+          <a:bodyPr wrap="square" rtlCol="0" anchor="ctr">
+            <a:noAutofit/>
+          </a:bodyPr>
+          <a:lstStyle/>
+          <a:p>
+            <a:pPr algn="ctr"/>
+            <a:endParaRPr lang="en-US">
+              <a:solidFill>
+                <a:prstClr val="white"/>
+              </a:solidFill>
+              <a:latin typeface="Avenir Next LT Pro Light"/>
+            </a:endParaRPr>
+          </a:p>
+        </p:txBody>
+      </p:sp>
+      <p:sp>
+        <p:nvSpPr>
+          <p:cNvPr id="3" name="Zástupný objekt pre obsah 2">
+            <a:extLst>
+              <a:ext uri="{FF2B5EF4-FFF2-40B4-BE49-F238E27FC236}">
+                <a16:creationId xmlns:a16="http://schemas.microsoft.com/office/drawing/2014/main" id="{F1EAF8FF-8173-4068-A3F7-20E519E4C817}"/>
+              </a:ext>
+            </a:extLst>
+          </p:cNvPr>
+          <p:cNvSpPr>
+            <a:spLocks noGrp="1"/>
+          </p:cNvSpPr>
+          <p:nvPr>
+            <p:ph idx="1"/>
+          </p:nvPr>
+        </p:nvSpPr>
+        <p:spPr>
+          <a:xfrm>
+            <a:off x="762000" y="3056083"/>
+            <a:ext cx="3810000" cy="3048000"/>
+          </a:xfrm>
+        </p:spPr>
+        <p:txBody>
+          <a:bodyPr>
+            <a:normAutofit/>
+          </a:bodyPr>
+          <a:lstStyle/>
+          <a:p>
+            <a:pPr>
+              <a:lnSpc>
+                <a:spcPct val="115000"/>
+              </a:lnSpc>
+            </a:pPr>
+            <a:r>
+              <a:rPr lang="sk-SK" sz="2200"/>
+              <a:t>Zmena názvov stĺpcov</a:t>
+            </a:r>
+          </a:p>
+          <a:p>
+            <a:pPr>
+              <a:lnSpc>
+                <a:spcPct val="115000"/>
+              </a:lnSpc>
+            </a:pPr>
+            <a:r>
+              <a:rPr lang="sk-SK" sz="2200"/>
+              <a:t>Odstránenie nulových riadkov</a:t>
+            </a:r>
+          </a:p>
+          <a:p>
+            <a:pPr>
+              <a:lnSpc>
+                <a:spcPct val="115000"/>
+              </a:lnSpc>
+            </a:pPr>
+            <a:r>
+              <a:rPr lang="sk-SK" sz="2200"/>
+              <a:t>Preformátovanie textu </a:t>
+            </a:r>
+            <a:r>
+              <a:rPr lang="sk-SK" sz="2200" err="1"/>
+              <a:t>CocoaPercent</a:t>
+            </a:r>
+            <a:endParaRPr lang="sk-SK" sz="2200"/>
+          </a:p>
+          <a:p>
+            <a:pPr>
+              <a:lnSpc>
+                <a:spcPct val="115000"/>
+              </a:lnSpc>
+            </a:pPr>
+            <a:r>
+              <a:rPr lang="sk-SK" sz="2200"/>
+              <a:t>Zmena mierky hodnotenia</a:t>
+            </a:r>
+          </a:p>
+          <a:p>
+            <a:pPr>
+              <a:lnSpc>
+                <a:spcPct val="115000"/>
+              </a:lnSpc>
+            </a:pPr>
+            <a:endParaRPr lang="sk-SK" sz="2200"/>
+          </a:p>
+          <a:p>
+            <a:pPr>
+              <a:lnSpc>
+                <a:spcPct val="115000"/>
+              </a:lnSpc>
+            </a:pPr>
+            <a:endParaRPr lang="sk-SK" sz="2200"/>
+          </a:p>
+        </p:txBody>
+      </p:sp>
+      <p:sp>
+        <p:nvSpPr>
+          <p:cNvPr id="2" name="Nadpis 1">
+            <a:extLst>
+              <a:ext uri="{FF2B5EF4-FFF2-40B4-BE49-F238E27FC236}">
+                <a16:creationId xmlns:a16="http://schemas.microsoft.com/office/drawing/2014/main" id="{C04A745D-E678-494F-9D58-DB9DC50B4E2E}"/>
+              </a:ext>
+            </a:extLst>
+          </p:cNvPr>
+          <p:cNvSpPr>
+            <a:spLocks noGrp="1"/>
+          </p:cNvSpPr>
+          <p:nvPr>
+            <p:ph type="title"/>
+          </p:nvPr>
+        </p:nvSpPr>
+        <p:spPr>
+          <a:xfrm>
+            <a:off x="762000" y="1532083"/>
+            <a:ext cx="4408811" cy="1524000"/>
+          </a:xfrm>
+        </p:spPr>
+        <p:txBody>
+          <a:bodyPr anchor="t">
+            <a:normAutofit/>
+          </a:bodyPr>
+          <a:lstStyle/>
+          <a:p>
+            <a:r>
+              <a:rPr lang="sk-SK" sz="3200" dirty="0"/>
+              <a:t>Príprava </a:t>
+            </a:r>
+            <a:r>
+              <a:rPr lang="sk-SK" sz="3200" dirty="0" err="1"/>
+              <a:t>datasetu</a:t>
+            </a:r>
+            <a:endParaRPr lang="sk-SK" sz="3200" dirty="0"/>
+          </a:p>
+        </p:txBody>
+      </p:sp>
+      <p:pic>
+        <p:nvPicPr>
+          <p:cNvPr id="11" name="Obrázok 10">
+            <a:extLst>
+              <a:ext uri="{FF2B5EF4-FFF2-40B4-BE49-F238E27FC236}">
+                <a16:creationId xmlns:a16="http://schemas.microsoft.com/office/drawing/2014/main" id="{09363F37-6F38-4FAB-B7D6-A44247AB59E4}"/>
+              </a:ext>
+            </a:extLst>
+          </p:cNvPr>
+          <p:cNvPicPr>
+            <a:picLocks noChangeAspect="1"/>
+          </p:cNvPicPr>
+          <p:nvPr/>
+        </p:nvPicPr>
+        <p:blipFill>
+          <a:blip r:embed="rId2"/>
+          <a:stretch>
+            <a:fillRect/>
+          </a:stretch>
+        </p:blipFill>
+        <p:spPr>
+          <a:xfrm>
+            <a:off x="5009292" y="1762125"/>
+            <a:ext cx="4961753" cy="2592515"/>
+          </a:xfrm>
+          <a:prstGeom prst="rect">
+            <a:avLst/>
+          </a:prstGeom>
+        </p:spPr>
+      </p:pic>
+      <p:pic>
+        <p:nvPicPr>
+          <p:cNvPr id="5" name="Obrázok 4">
+            <a:extLst>
+              <a:ext uri="{FF2B5EF4-FFF2-40B4-BE49-F238E27FC236}">
+                <a16:creationId xmlns:a16="http://schemas.microsoft.com/office/drawing/2014/main" id="{60BA97C1-7BCC-4A79-8D1F-B771C464C7AC}"/>
+              </a:ext>
+            </a:extLst>
+          </p:cNvPr>
+          <p:cNvPicPr>
+            <a:picLocks noChangeAspect="1"/>
+          </p:cNvPicPr>
+          <p:nvPr/>
+        </p:nvPicPr>
+        <p:blipFill>
+          <a:blip r:embed="rId3"/>
+          <a:stretch>
+            <a:fillRect/>
+          </a:stretch>
+        </p:blipFill>
+        <p:spPr>
+          <a:xfrm>
+            <a:off x="10135506" y="1762125"/>
+            <a:ext cx="1810623" cy="2286000"/>
+          </a:xfrm>
+          <a:prstGeom prst="rect">
+            <a:avLst/>
+          </a:prstGeom>
+        </p:spPr>
+      </p:pic>
+      <p:pic>
+        <p:nvPicPr>
+          <p:cNvPr id="7" name="Obrázok 6">
+            <a:extLst>
+              <a:ext uri="{FF2B5EF4-FFF2-40B4-BE49-F238E27FC236}">
+                <a16:creationId xmlns:a16="http://schemas.microsoft.com/office/drawing/2014/main" id="{8324CAA4-7869-4021-9CF3-6C621E18A670}"/>
+              </a:ext>
+            </a:extLst>
+          </p:cNvPr>
+          <p:cNvPicPr>
+            <a:picLocks noChangeAspect="1"/>
+          </p:cNvPicPr>
+          <p:nvPr/>
+        </p:nvPicPr>
+        <p:blipFill>
+          <a:blip r:embed="rId4"/>
+          <a:stretch>
+            <a:fillRect/>
+          </a:stretch>
+        </p:blipFill>
+        <p:spPr>
+          <a:xfrm>
+            <a:off x="5046885" y="4870042"/>
+            <a:ext cx="6966603" cy="1219153"/>
+          </a:xfrm>
+          <a:prstGeom prst="rect">
+            <a:avLst/>
+          </a:prstGeom>
+        </p:spPr>
+      </p:pic>
+    </p:spTree>
+    <p:extLst>
+      <p:ext uri="{BB962C8B-B14F-4D97-AF65-F5344CB8AC3E}">
+        <p14:creationId xmlns:p14="http://schemas.microsoft.com/office/powerpoint/2010/main" val="3173798839"/>
+      </p:ext>
+    </p:extLst>
+  </p:cSld>
+  <p:clrMapOvr>
+    <a:masterClrMapping/>
+  </p:clrMapOvr>
+</p:sld>
+</file>
+
+<file path=ppt/slides/slide8.xml><?xml version="1.0" encoding="utf-8"?>
+<p:sld xmlns:a="http://schemas.openxmlformats.org/drawingml/2006/main" xmlns:r="http://schemas.openxmlformats.org/officeDocument/2006/relationships" xmlns:p="http://schemas.openxmlformats.org/presentationml/2006/main">
+  <p:cSld>
+    <p:spTree>
+      <p:nvGrpSpPr>
+        <p:cNvPr id="1" name=""/>
+        <p:cNvGrpSpPr/>
+        <p:nvPr/>
+      </p:nvGrpSpPr>
+      <p:grpSpPr>
+        <a:xfrm>
+          <a:off x="0" y="0"/>
+          <a:ext cx="0" cy="0"/>
+          <a:chOff x="0" y="0"/>
+          <a:chExt cx="0" cy="0"/>
+        </a:xfrm>
+      </p:grpSpPr>
+      <p:sp>
+        <p:nvSpPr>
+          <p:cNvPr id="2" name="Nadpis 1">
+            <a:extLst>
+              <a:ext uri="{FF2B5EF4-FFF2-40B4-BE49-F238E27FC236}">
+                <a16:creationId xmlns:a16="http://schemas.microsoft.com/office/drawing/2014/main" id="{AAFF9657-41D2-46BD-89F7-94D5E3C8F5A4}"/>
+              </a:ext>
+            </a:extLst>
+          </p:cNvPr>
+          <p:cNvSpPr>
+            <a:spLocks noGrp="1"/>
+          </p:cNvSpPr>
+          <p:nvPr>
+            <p:ph type="title"/>
+          </p:nvPr>
+        </p:nvSpPr>
+        <p:spPr/>
+        <p:txBody>
+          <a:bodyPr/>
+          <a:lstStyle/>
+          <a:p>
+            <a:r>
+              <a:rPr lang="sk-SK" dirty="0"/>
+              <a:t>Príprava dát 2.	</a:t>
+            </a:r>
+          </a:p>
+        </p:txBody>
+      </p:sp>
+      <p:sp>
+        <p:nvSpPr>
+          <p:cNvPr id="3" name="Zástupný objekt pre obsah 2">
+            <a:extLst>
+              <a:ext uri="{FF2B5EF4-FFF2-40B4-BE49-F238E27FC236}">
+                <a16:creationId xmlns:a16="http://schemas.microsoft.com/office/drawing/2014/main" id="{94A20CBD-1A53-43C7-8697-A9EBD693259E}"/>
+              </a:ext>
+            </a:extLst>
+          </p:cNvPr>
+          <p:cNvSpPr>
+            <a:spLocks noGrp="1"/>
+          </p:cNvSpPr>
+          <p:nvPr>
+            <p:ph idx="1"/>
+          </p:nvPr>
+        </p:nvSpPr>
+        <p:spPr/>
+        <p:txBody>
+          <a:bodyPr/>
+          <a:lstStyle/>
+          <a:p>
+            <a:r>
+              <a:rPr lang="sk-SK" dirty="0"/>
+              <a:t>Rozdelenie dát na </a:t>
+            </a:r>
+            <a:r>
+              <a:rPr lang="sk-SK" dirty="0" err="1"/>
+              <a:t>trénovaciu</a:t>
+            </a:r>
+            <a:r>
+              <a:rPr lang="sk-SK" dirty="0"/>
+              <a:t> a testovaciu množinu (80% / 20%)</a:t>
+            </a:r>
+          </a:p>
+          <a:p>
+            <a:r>
+              <a:rPr lang="sk-SK" dirty="0"/>
+              <a:t>Kategorizovanie premenných </a:t>
+            </a:r>
+            <a:r>
+              <a:rPr lang="sk-SK" dirty="0" err="1"/>
+              <a:t>OneHotEncoderom</a:t>
+            </a:r>
+            <a:r>
+              <a:rPr lang="sk-SK" dirty="0"/>
+              <a:t> (1 / 0)</a:t>
+            </a:r>
+          </a:p>
+          <a:p>
+            <a:r>
+              <a:rPr lang="sk-SK" dirty="0"/>
+              <a:t>Škálovanie hodnôt pomocou </a:t>
+            </a:r>
+            <a:r>
+              <a:rPr lang="sk-SK" dirty="0" err="1"/>
+              <a:t>StandardScaleru</a:t>
+            </a:r>
+            <a:endParaRPr lang="sk-SK" dirty="0"/>
+          </a:p>
+          <a:p>
+            <a:r>
+              <a:rPr lang="sk-SK" dirty="0"/>
+              <a:t>Vytvorenie parciálnych množín pre validáciu </a:t>
+            </a:r>
+            <a:r>
+              <a:rPr lang="sk-SK" dirty="0" err="1"/>
+              <a:t>Keras</a:t>
+            </a:r>
+            <a:r>
+              <a:rPr lang="sk-SK" dirty="0"/>
+              <a:t> modelu</a:t>
+            </a:r>
+          </a:p>
+          <a:p>
+            <a:endParaRPr lang="sk-SK" dirty="0"/>
+          </a:p>
+        </p:txBody>
+      </p:sp>
+    </p:spTree>
+    <p:extLst>
+      <p:ext uri="{BB962C8B-B14F-4D97-AF65-F5344CB8AC3E}">
+        <p14:creationId xmlns:p14="http://schemas.microsoft.com/office/powerpoint/2010/main" val="2044455199"/>
+      </p:ext>
+    </p:extLst>
+  </p:cSld>
+  <p:clrMapOvr>
+    <a:masterClrMapping/>
+  </p:clrMapOvr>
+</p:sld>
+</file>
+
+<file path=ppt/slides/slide9.xml><?xml version="1.0" encoding="utf-8"?>
+<p:sld xmlns:a="http://schemas.openxmlformats.org/drawingml/2006/main" xmlns:r="http://schemas.openxmlformats.org/officeDocument/2006/relationships" xmlns:p="http://schemas.openxmlformats.org/presentationml/2006/main">
+  <p:cSld>
+    <p:spTree>
+      <p:nvGrpSpPr>
+        <p:cNvPr id="1" name=""/>
+        <p:cNvGrpSpPr/>
+        <p:nvPr/>
+      </p:nvGrpSpPr>
+      <p:grpSpPr>
+        <a:xfrm>
+          <a:off x="0" y="0"/>
+          <a:ext cx="0" cy="0"/>
+          <a:chOff x="0" y="0"/>
+          <a:chExt cx="0" cy="0"/>
+        </a:xfrm>
+      </p:grpSpPr>
+      <p:sp>
+        <p:nvSpPr>
+          <p:cNvPr id="2" name="Nadpis 1">
+            <a:extLst>
+              <a:ext uri="{FF2B5EF4-FFF2-40B4-BE49-F238E27FC236}">
+                <a16:creationId xmlns:a16="http://schemas.microsoft.com/office/drawing/2014/main" id="{A41A0D65-4AC2-44D7-8678-7054CAFD05CE}"/>
+              </a:ext>
+            </a:extLst>
+          </p:cNvPr>
+          <p:cNvSpPr>
+            <a:spLocks noGrp="1"/>
+          </p:cNvSpPr>
+          <p:nvPr>
+            <p:ph type="title"/>
+          </p:nvPr>
+        </p:nvSpPr>
+        <p:spPr/>
+        <p:txBody>
+          <a:bodyPr/>
+          <a:lstStyle/>
+          <a:p>
+            <a:r>
+              <a:rPr lang="sk-SK" dirty="0"/>
+              <a:t>Tvorba modelu </a:t>
+            </a:r>
+            <a:r>
+              <a:rPr lang="sk-SK" dirty="0" err="1"/>
+              <a:t>Keras</a:t>
+            </a:r>
+            <a:endParaRPr lang="sk-SK" dirty="0"/>
+          </a:p>
+        </p:txBody>
+      </p:sp>
+      <p:sp>
+        <p:nvSpPr>
+          <p:cNvPr id="3" name="Zástupný objekt pre obsah 2">
+            <a:extLst>
+              <a:ext uri="{FF2B5EF4-FFF2-40B4-BE49-F238E27FC236}">
+                <a16:creationId xmlns:a16="http://schemas.microsoft.com/office/drawing/2014/main" id="{5AE13418-6C51-4C1F-9D28-A8F8952AA575}"/>
+              </a:ext>
+            </a:extLst>
+          </p:cNvPr>
+          <p:cNvSpPr>
+            <a:spLocks noGrp="1"/>
+          </p:cNvSpPr>
+          <p:nvPr>
+            <p:ph idx="1"/>
+          </p:nvPr>
+        </p:nvSpPr>
+        <p:spPr/>
+        <p:txBody>
+          <a:bodyPr/>
+          <a:lstStyle/>
+          <a:p>
+            <a:r>
+              <a:rPr lang="sk-SK" dirty="0"/>
+              <a:t>Výber Sekvenčného modelu</a:t>
+            </a:r>
+          </a:p>
+          <a:p>
+            <a:r>
+              <a:rPr lang="sk-SK" dirty="0"/>
+              <a:t>1 vstupná vrstva, 3 skryté vrstvy, 1 výstupná vrstva</a:t>
+            </a:r>
+          </a:p>
+          <a:p>
+            <a:r>
+              <a:rPr lang="sk-SK" dirty="0"/>
+              <a:t>1. skrytá vrstva (</a:t>
+            </a:r>
+            <a:r>
+              <a:rPr lang="sk-SK" dirty="0" err="1"/>
+              <a:t>relu</a:t>
+            </a:r>
+            <a:r>
+              <a:rPr lang="sk-SK" dirty="0"/>
+              <a:t>)</a:t>
+            </a:r>
+          </a:p>
+          <a:p>
+            <a:r>
+              <a:rPr lang="sk-SK" dirty="0"/>
+              <a:t>2. skrytá vrstva (</a:t>
+            </a:r>
+            <a:r>
+              <a:rPr lang="sk-SK" dirty="0" err="1"/>
+              <a:t>droput</a:t>
+            </a:r>
+            <a:r>
+              <a:rPr lang="sk-SK" dirty="0"/>
+              <a:t>)</a:t>
+            </a:r>
+          </a:p>
+          <a:p>
+            <a:r>
+              <a:rPr lang="sk-SK" dirty="0"/>
+              <a:t>3. skrytá vrstva (</a:t>
+            </a:r>
+            <a:r>
+              <a:rPr lang="sk-SK" dirty="0" err="1"/>
+              <a:t>softmax</a:t>
+            </a:r>
+            <a:r>
+              <a:rPr lang="sk-SK" dirty="0"/>
+              <a:t>)</a:t>
+            </a:r>
+          </a:p>
+          <a:p>
+            <a:endParaRPr lang="sk-SK" dirty="0"/>
+          </a:p>
+        </p:txBody>
+      </p:sp>
+    </p:spTree>
+    <p:extLst>
+      <p:ext uri="{BB962C8B-B14F-4D97-AF65-F5344CB8AC3E}">
+        <p14:creationId xmlns:p14="http://schemas.microsoft.com/office/powerpoint/2010/main" val="2639749794"/>
       </p:ext>
     </p:extLst>
   </p:cSld>

--- a/VankoJ_NS2021.pptx
+++ b/VankoJ_NS2021.pptx
@@ -18,6 +18,8 @@
     <p:sldId id="265" r:id="rId12"/>
     <p:sldId id="266" r:id="rId13"/>
     <p:sldId id="268" r:id="rId14"/>
+    <p:sldId id="269" r:id="rId15"/>
+    <p:sldId id="270" r:id="rId16"/>
   </p:sldIdLst>
   <p:sldSz cx="12192000" cy="6858000"/>
   <p:notesSz cx="6858000" cy="9144000"/>
@@ -271,7 +273,7 @@
           <a:p>
             <a:fld id="{76969C88-B244-455D-A017-012B25B1ACDD}" type="datetimeFigureOut">
               <a:rPr lang="en-US" smtClean="0"/>
-              <a:t>5/6/2021</a:t>
+              <a:t>5/7/2021</a:t>
             </a:fld>
             <a:endParaRPr lang="en-US"/>
           </a:p>
@@ -469,7 +471,7 @@
           <a:p>
             <a:fld id="{76969C88-B244-455D-A017-012B25B1ACDD}" type="datetimeFigureOut">
               <a:rPr lang="en-US" smtClean="0"/>
-              <a:t>5/6/2021</a:t>
+              <a:t>5/7/2021</a:t>
             </a:fld>
             <a:endParaRPr lang="en-US"/>
           </a:p>
@@ -677,7 +679,7 @@
           <a:p>
             <a:fld id="{76969C88-B244-455D-A017-012B25B1ACDD}" type="datetimeFigureOut">
               <a:rPr lang="en-US" smtClean="0"/>
-              <a:t>5/6/2021</a:t>
+              <a:t>5/7/2021</a:t>
             </a:fld>
             <a:endParaRPr lang="en-US"/>
           </a:p>
@@ -876,7 +878,7 @@
           <a:p>
             <a:fld id="{76969C88-B244-455D-A017-012B25B1ACDD}" type="datetimeFigureOut">
               <a:rPr lang="en-US" smtClean="0"/>
-              <a:t>5/6/2021</a:t>
+              <a:t>5/7/2021</a:t>
             </a:fld>
             <a:endParaRPr lang="en-US"/>
           </a:p>
@@ -1151,7 +1153,7 @@
           <a:p>
             <a:fld id="{76969C88-B244-455D-A017-012B25B1ACDD}" type="datetimeFigureOut">
               <a:rPr lang="en-US" smtClean="0"/>
-              <a:t>5/6/2021</a:t>
+              <a:t>5/7/2021</a:t>
             </a:fld>
             <a:endParaRPr lang="en-US"/>
           </a:p>
@@ -1416,7 +1418,7 @@
           <a:p>
             <a:fld id="{76969C88-B244-455D-A017-012B25B1ACDD}" type="datetimeFigureOut">
               <a:rPr lang="en-US" smtClean="0"/>
-              <a:t>5/6/2021</a:t>
+              <a:t>5/7/2021</a:t>
             </a:fld>
             <a:endParaRPr lang="en-US"/>
           </a:p>
@@ -1828,7 +1830,7 @@
           <a:p>
             <a:fld id="{76969C88-B244-455D-A017-012B25B1ACDD}" type="datetimeFigureOut">
               <a:rPr lang="en-US" smtClean="0"/>
-              <a:t>5/6/2021</a:t>
+              <a:t>5/7/2021</a:t>
             </a:fld>
             <a:endParaRPr lang="en-US"/>
           </a:p>
@@ -1969,7 +1971,7 @@
           <a:p>
             <a:fld id="{76969C88-B244-455D-A017-012B25B1ACDD}" type="datetimeFigureOut">
               <a:rPr lang="en-US" smtClean="0"/>
-              <a:t>5/6/2021</a:t>
+              <a:t>5/7/2021</a:t>
             </a:fld>
             <a:endParaRPr lang="en-US"/>
           </a:p>
@@ -2082,7 +2084,7 @@
           <a:p>
             <a:fld id="{76969C88-B244-455D-A017-012B25B1ACDD}" type="datetimeFigureOut">
               <a:rPr lang="en-US" smtClean="0"/>
-              <a:t>5/6/2021</a:t>
+              <a:t>5/7/2021</a:t>
             </a:fld>
             <a:endParaRPr lang="en-US"/>
           </a:p>
@@ -2394,7 +2396,7 @@
           <a:p>
             <a:fld id="{76969C88-B244-455D-A017-012B25B1ACDD}" type="datetimeFigureOut">
               <a:rPr lang="en-US" smtClean="0"/>
-              <a:t>5/6/2021</a:t>
+              <a:t>5/7/2021</a:t>
             </a:fld>
             <a:endParaRPr lang="en-US"/>
           </a:p>
@@ -2685,7 +2687,7 @@
           <a:p>
             <a:fld id="{76969C88-B244-455D-A017-012B25B1ACDD}" type="datetimeFigureOut">
               <a:rPr lang="en-US" smtClean="0"/>
-              <a:t>5/6/2021</a:t>
+              <a:t>5/7/2021</a:t>
             </a:fld>
             <a:endParaRPr lang="en-US"/>
           </a:p>
@@ -3441,7 +3443,7 @@
             <a:fld id="{76969C88-B244-455D-A017-012B25B1ACDD}" type="datetimeFigureOut">
               <a:rPr lang="en-US" smtClean="0"/>
               <a:pPr/>
-              <a:t>5/6/2021</a:t>
+              <a:t>5/7/2021</a:t>
             </a:fld>
             <a:endParaRPr lang="en-US"/>
           </a:p>
@@ -5059,6 +5061,1422 @@
     <p:extLst>
       <p:ext uri="{BB962C8B-B14F-4D97-AF65-F5344CB8AC3E}">
         <p14:creationId xmlns:p14="http://schemas.microsoft.com/office/powerpoint/2010/main" val="3832184853"/>
+      </p:ext>
+    </p:extLst>
+  </p:cSld>
+  <p:clrMapOvr>
+    <a:masterClrMapping/>
+  </p:clrMapOvr>
+</p:sld>
+</file>
+
+<file path=ppt/slides/slide14.xml><?xml version="1.0" encoding="utf-8"?>
+<p:sld xmlns:a="http://schemas.openxmlformats.org/drawingml/2006/main" xmlns:r="http://schemas.openxmlformats.org/officeDocument/2006/relationships" xmlns:p="http://schemas.openxmlformats.org/presentationml/2006/main">
+  <p:cSld>
+    <p:bg>
+      <p:bgPr>
+        <a:solidFill>
+          <a:schemeClr val="bg2"/>
+        </a:solidFill>
+        <a:effectLst/>
+      </p:bgPr>
+    </p:bg>
+    <p:spTree>
+      <p:nvGrpSpPr>
+        <p:cNvPr id="1" name=""/>
+        <p:cNvGrpSpPr/>
+        <p:nvPr/>
+      </p:nvGrpSpPr>
+      <p:grpSpPr>
+        <a:xfrm>
+          <a:off x="0" y="0"/>
+          <a:ext cx="0" cy="0"/>
+          <a:chOff x="0" y="0"/>
+          <a:chExt cx="0" cy="0"/>
+        </a:xfrm>
+      </p:grpSpPr>
+      <p:sp>
+        <p:nvSpPr>
+          <p:cNvPr id="8" name="Freeform: Shape 7">
+            <a:extLst>
+              <a:ext uri="{FF2B5EF4-FFF2-40B4-BE49-F238E27FC236}">
+                <a16:creationId xmlns:a16="http://schemas.microsoft.com/office/drawing/2014/main" id="{A6EF5A53-0A64-4CA5-B9C7-1CB97CB5CF1C}"/>
+              </a:ext>
+              <a:ext uri="{C183D7F6-B498-43B3-948B-1728B52AA6E4}">
+                <adec:decorative xmlns:adec="http://schemas.microsoft.com/office/drawing/2017/decorative" val="1"/>
+              </a:ext>
+            </a:extLst>
+          </p:cNvPr>
+          <p:cNvSpPr>
+            <a:spLocks noGrp="1" noRot="1" noChangeAspect="1" noMove="1" noResize="1" noEditPoints="1" noAdjustHandles="1" noChangeArrowheads="1" noChangeShapeType="1" noTextEdit="1"/>
+          </p:cNvSpPr>
+          <p:nvPr>
+            <p:extLst>
+              <p:ext uri="{386F3935-93C4-4BCD-93E2-E3B085C9AB24}">
+                <p16:designElem xmlns:p16="http://schemas.microsoft.com/office/powerpoint/2015/main" val="1"/>
+              </p:ext>
+            </p:extLst>
+          </p:nvPr>
+        </p:nvSpPr>
+        <p:spPr>
+          <a:xfrm>
+            <a:off x="8157843" y="6244836"/>
+            <a:ext cx="4034156" cy="613164"/>
+          </a:xfrm>
+          <a:custGeom>
+            <a:avLst/>
+            <a:gdLst>
+              <a:gd name="connsiteX0" fmla="*/ 1479137 w 4034156"/>
+              <a:gd name="connsiteY0" fmla="*/ 230 h 613164"/>
+              <a:gd name="connsiteX1" fmla="*/ 3482844 w 4034156"/>
+              <a:gd name="connsiteY1" fmla="*/ 298555 h 613164"/>
+              <a:gd name="connsiteX2" fmla="*/ 3831590 w 4034156"/>
+              <a:gd name="connsiteY2" fmla="*/ 425010 h 613164"/>
+              <a:gd name="connsiteX3" fmla="*/ 4034156 w 4034156"/>
+              <a:gd name="connsiteY3" fmla="*/ 494088 h 613164"/>
+              <a:gd name="connsiteX4" fmla="*/ 4034156 w 4034156"/>
+              <a:gd name="connsiteY4" fmla="*/ 613164 h 613164"/>
+              <a:gd name="connsiteX5" fmla="*/ 0 w 4034156"/>
+              <a:gd name="connsiteY5" fmla="*/ 613164 h 613164"/>
+              <a:gd name="connsiteX6" fmla="*/ 54792 w 4034156"/>
+              <a:gd name="connsiteY6" fmla="*/ 512415 h 613164"/>
+              <a:gd name="connsiteX7" fmla="*/ 168327 w 4034156"/>
+              <a:gd name="connsiteY7" fmla="*/ 366637 h 613164"/>
+              <a:gd name="connsiteX8" fmla="*/ 1192562 w 4034156"/>
+              <a:gd name="connsiteY8" fmla="*/ 1522 h 613164"/>
+              <a:gd name="connsiteX9" fmla="*/ 1479137 w 4034156"/>
+              <a:gd name="connsiteY9" fmla="*/ 230 h 613164"/>
+            </a:gdLst>
+            <a:ahLst/>
+            <a:cxnLst>
+              <a:cxn ang="0">
+                <a:pos x="connsiteX0" y="connsiteY0"/>
+              </a:cxn>
+              <a:cxn ang="0">
+                <a:pos x="connsiteX1" y="connsiteY1"/>
+              </a:cxn>
+              <a:cxn ang="0">
+                <a:pos x="connsiteX2" y="connsiteY2"/>
+              </a:cxn>
+              <a:cxn ang="0">
+                <a:pos x="connsiteX3" y="connsiteY3"/>
+              </a:cxn>
+              <a:cxn ang="0">
+                <a:pos x="connsiteX4" y="connsiteY4"/>
+              </a:cxn>
+              <a:cxn ang="0">
+                <a:pos x="connsiteX5" y="connsiteY5"/>
+              </a:cxn>
+              <a:cxn ang="0">
+                <a:pos x="connsiteX6" y="connsiteY6"/>
+              </a:cxn>
+              <a:cxn ang="0">
+                <a:pos x="connsiteX7" y="connsiteY7"/>
+              </a:cxn>
+              <a:cxn ang="0">
+                <a:pos x="connsiteX8" y="connsiteY8"/>
+              </a:cxn>
+              <a:cxn ang="0">
+                <a:pos x="connsiteX9" y="connsiteY9"/>
+              </a:cxn>
+            </a:cxnLst>
+            <a:rect l="l" t="t" r="r" b="b"/>
+            <a:pathLst>
+              <a:path w="4034156" h="613164">
+                <a:moveTo>
+                  <a:pt x="1479137" y="230"/>
+                </a:moveTo>
+                <a:cubicBezTo>
+                  <a:pt x="2152575" y="4287"/>
+                  <a:pt x="2854487" y="63583"/>
+                  <a:pt x="3482844" y="298555"/>
+                </a:cubicBezTo>
+                <a:cubicBezTo>
+                  <a:pt x="3599338" y="342114"/>
+                  <a:pt x="3715540" y="384216"/>
+                  <a:pt x="3831590" y="425010"/>
+                </a:cubicBezTo>
+                <a:lnTo>
+                  <a:pt x="4034156" y="494088"/>
+                </a:lnTo>
+                <a:lnTo>
+                  <a:pt x="4034156" y="613164"/>
+                </a:lnTo>
+                <a:lnTo>
+                  <a:pt x="0" y="613164"/>
+                </a:lnTo>
+                <a:lnTo>
+                  <a:pt x="54792" y="512415"/>
+                </a:lnTo>
+                <a:cubicBezTo>
+                  <a:pt x="88888" y="459433"/>
+                  <a:pt x="126502" y="410480"/>
+                  <a:pt x="168327" y="366637"/>
+                </a:cubicBezTo>
+                <a:cubicBezTo>
+                  <a:pt x="428292" y="94062"/>
+                  <a:pt x="821899" y="6565"/>
+                  <a:pt x="1192562" y="1522"/>
+                </a:cubicBezTo>
+                <a:cubicBezTo>
+                  <a:pt x="1287308" y="198"/>
+                  <a:pt x="1382932" y="-349"/>
+                  <a:pt x="1479137" y="230"/>
+                </a:cubicBezTo>
+                <a:close/>
+              </a:path>
+            </a:pathLst>
+          </a:custGeom>
+          <a:solidFill>
+            <a:schemeClr val="accent6"/>
+          </a:solidFill>
+          <a:ln>
+            <a:noFill/>
+          </a:ln>
+        </p:spPr>
+        <p:style>
+          <a:lnRef idx="2">
+            <a:schemeClr val="accent1">
+              <a:shade val="50000"/>
+            </a:schemeClr>
+          </a:lnRef>
+          <a:fillRef idx="1">
+            <a:schemeClr val="accent1"/>
+          </a:fillRef>
+          <a:effectRef idx="0">
+            <a:schemeClr val="accent1"/>
+          </a:effectRef>
+          <a:fontRef idx="minor">
+            <a:schemeClr val="lt1"/>
+          </a:fontRef>
+        </p:style>
+        <p:txBody>
+          <a:bodyPr wrap="square" rtlCol="0" anchor="ctr">
+            <a:noAutofit/>
+          </a:bodyPr>
+          <a:lstStyle/>
+          <a:p>
+            <a:pPr marL="0" marR="0" lvl="0" indent="0" algn="ctr" defTabSz="914400" rtl="0" eaLnBrk="1" fontAlgn="auto" latinLnBrk="0" hangingPunct="1">
+              <a:lnSpc>
+                <a:spcPct val="100000"/>
+              </a:lnSpc>
+              <a:spcBef>
+                <a:spcPts val="0"/>
+              </a:spcBef>
+              <a:spcAft>
+                <a:spcPts val="0"/>
+              </a:spcAft>
+              <a:buClrTx/>
+              <a:buSzTx/>
+              <a:buFontTx/>
+              <a:buNone/>
+              <a:tabLst/>
+              <a:defRPr/>
+            </a:pPr>
+            <a:endParaRPr kumimoji="0" lang="en-US" sz="1500" b="0" i="0" u="none" strike="noStrike" kern="1200" cap="none" spc="0" normalizeH="0" baseline="0" noProof="0">
+              <a:ln>
+                <a:noFill/>
+              </a:ln>
+              <a:solidFill>
+                <a:prstClr val="white"/>
+              </a:solidFill>
+              <a:effectLst/>
+              <a:uLnTx/>
+              <a:uFillTx/>
+              <a:latin typeface="Avenir Next LT Pro" panose="020B0504020202020204" pitchFamily="34" charset="0"/>
+              <a:ea typeface="+mn-ea"/>
+              <a:cs typeface="+mn-cs"/>
+            </a:endParaRPr>
+          </a:p>
+        </p:txBody>
+      </p:sp>
+      <p:sp>
+        <p:nvSpPr>
+          <p:cNvPr id="10" name="Freeform: Shape 9">
+            <a:extLst>
+              <a:ext uri="{FF2B5EF4-FFF2-40B4-BE49-F238E27FC236}">
+                <a16:creationId xmlns:a16="http://schemas.microsoft.com/office/drawing/2014/main" id="{34ABFBEA-4EB0-4D02-A2C0-1733CD3D6F12}"/>
+              </a:ext>
+              <a:ext uri="{C183D7F6-B498-43B3-948B-1728B52AA6E4}">
+                <adec:decorative xmlns:adec="http://schemas.microsoft.com/office/drawing/2017/decorative" val="1"/>
+              </a:ext>
+            </a:extLst>
+          </p:cNvPr>
+          <p:cNvSpPr>
+            <a:spLocks noGrp="1" noRot="1" noChangeAspect="1" noMove="1" noResize="1" noEditPoints="1" noAdjustHandles="1" noChangeArrowheads="1" noChangeShapeType="1" noTextEdit="1"/>
+          </p:cNvSpPr>
+          <p:nvPr>
+            <p:extLst>
+              <p:ext uri="{386F3935-93C4-4BCD-93E2-E3B085C9AB24}">
+                <p16:designElem xmlns:p16="http://schemas.microsoft.com/office/powerpoint/2015/main" val="1"/>
+              </p:ext>
+            </p:extLst>
+          </p:nvPr>
+        </p:nvSpPr>
+        <p:spPr>
+          <a:xfrm>
+            <a:off x="1" y="688126"/>
+            <a:ext cx="448491" cy="1634252"/>
+          </a:xfrm>
+          <a:custGeom>
+            <a:avLst/>
+            <a:gdLst>
+              <a:gd name="connsiteX0" fmla="*/ 0 w 448491"/>
+              <a:gd name="connsiteY0" fmla="*/ 0 h 1634252"/>
+              <a:gd name="connsiteX1" fmla="*/ 12983 w 448491"/>
+              <a:gd name="connsiteY1" fmla="*/ 10508 h 1634252"/>
+              <a:gd name="connsiteX2" fmla="*/ 441611 w 448491"/>
+              <a:gd name="connsiteY2" fmla="*/ 863751 h 1634252"/>
+              <a:gd name="connsiteX3" fmla="*/ 251011 w 448491"/>
+              <a:gd name="connsiteY3" fmla="*/ 1302895 h 1634252"/>
+              <a:gd name="connsiteX4" fmla="*/ 74605 w 448491"/>
+              <a:gd name="connsiteY4" fmla="*/ 1543249 h 1634252"/>
+              <a:gd name="connsiteX5" fmla="*/ 0 w 448491"/>
+              <a:gd name="connsiteY5" fmla="*/ 1634252 h 1634252"/>
+            </a:gdLst>
+            <a:ahLst/>
+            <a:cxnLst>
+              <a:cxn ang="0">
+                <a:pos x="connsiteX0" y="connsiteY0"/>
+              </a:cxn>
+              <a:cxn ang="0">
+                <a:pos x="connsiteX1" y="connsiteY1"/>
+              </a:cxn>
+              <a:cxn ang="0">
+                <a:pos x="connsiteX2" y="connsiteY2"/>
+              </a:cxn>
+              <a:cxn ang="0">
+                <a:pos x="connsiteX3" y="connsiteY3"/>
+              </a:cxn>
+              <a:cxn ang="0">
+                <a:pos x="connsiteX4" y="connsiteY4"/>
+              </a:cxn>
+              <a:cxn ang="0">
+                <a:pos x="connsiteX5" y="connsiteY5"/>
+              </a:cxn>
+            </a:cxnLst>
+            <a:rect l="l" t="t" r="r" b="b"/>
+            <a:pathLst>
+              <a:path w="448491" h="1634252">
+                <a:moveTo>
+                  <a:pt x="0" y="0"/>
+                </a:moveTo>
+                <a:lnTo>
+                  <a:pt x="12983" y="10508"/>
+                </a:lnTo>
+                <a:cubicBezTo>
+                  <a:pt x="278410" y="241022"/>
+                  <a:pt x="489787" y="530267"/>
+                  <a:pt x="441611" y="863751"/>
+                </a:cubicBezTo>
+                <a:cubicBezTo>
+                  <a:pt x="418542" y="1022632"/>
+                  <a:pt x="337007" y="1166302"/>
+                  <a:pt x="251011" y="1302895"/>
+                </a:cubicBezTo>
+                <a:cubicBezTo>
+                  <a:pt x="215138" y="1359902"/>
+                  <a:pt x="154723" y="1442480"/>
+                  <a:pt x="74605" y="1543249"/>
+                </a:cubicBezTo>
+                <a:lnTo>
+                  <a:pt x="0" y="1634252"/>
+                </a:lnTo>
+                <a:close/>
+              </a:path>
+            </a:pathLst>
+          </a:custGeom>
+          <a:solidFill>
+            <a:schemeClr val="accent1"/>
+          </a:solidFill>
+          <a:ln>
+            <a:noFill/>
+          </a:ln>
+        </p:spPr>
+        <p:style>
+          <a:lnRef idx="2">
+            <a:schemeClr val="accent1">
+              <a:shade val="50000"/>
+            </a:schemeClr>
+          </a:lnRef>
+          <a:fillRef idx="1">
+            <a:schemeClr val="accent1"/>
+          </a:fillRef>
+          <a:effectRef idx="0">
+            <a:schemeClr val="accent1"/>
+          </a:effectRef>
+          <a:fontRef idx="minor">
+            <a:schemeClr val="lt1"/>
+          </a:fontRef>
+        </p:style>
+        <p:txBody>
+          <a:bodyPr wrap="square" rtlCol="0" anchor="ctr">
+            <a:noAutofit/>
+          </a:bodyPr>
+          <a:lstStyle/>
+          <a:p>
+            <a:pPr algn="ctr"/>
+            <a:endParaRPr lang="en-US" sz="900">
+              <a:solidFill>
+                <a:prstClr val="white"/>
+              </a:solidFill>
+              <a:latin typeface="Avenir Next LT Pro" panose="020B0504020202020204" pitchFamily="34" charset="0"/>
+            </a:endParaRPr>
+          </a:p>
+        </p:txBody>
+      </p:sp>
+      <p:sp>
+        <p:nvSpPr>
+          <p:cNvPr id="12" name="Freeform: Shape 11">
+            <a:extLst>
+              <a:ext uri="{FF2B5EF4-FFF2-40B4-BE49-F238E27FC236}">
+                <a16:creationId xmlns:a16="http://schemas.microsoft.com/office/drawing/2014/main" id="{19E083F6-57F4-487B-A766-EA0462B1EED8}"/>
+              </a:ext>
+              <a:ext uri="{C183D7F6-B498-43B3-948B-1728B52AA6E4}">
+                <adec:decorative xmlns:adec="http://schemas.microsoft.com/office/drawing/2017/decorative" val="1"/>
+              </a:ext>
+            </a:extLst>
+          </p:cNvPr>
+          <p:cNvSpPr>
+            <a:spLocks noGrp="1" noRot="1" noChangeAspect="1" noMove="1" noResize="1" noEditPoints="1" noAdjustHandles="1" noChangeArrowheads="1" noChangeShapeType="1" noTextEdit="1"/>
+          </p:cNvSpPr>
+          <p:nvPr>
+            <p:extLst>
+              <p:ext uri="{386F3935-93C4-4BCD-93E2-E3B085C9AB24}">
+                <p16:designElem xmlns:p16="http://schemas.microsoft.com/office/powerpoint/2015/main" val="1"/>
+              </p:ext>
+            </p:extLst>
+          </p:nvPr>
+        </p:nvSpPr>
+        <p:spPr>
+          <a:xfrm>
+            <a:off x="7309459" y="6144069"/>
+            <a:ext cx="4418271" cy="718159"/>
+          </a:xfrm>
+          <a:custGeom>
+            <a:avLst/>
+            <a:gdLst>
+              <a:gd name="connsiteX0" fmla="*/ 1421452 w 4590626"/>
+              <a:gd name="connsiteY0" fmla="*/ 0 h 713930"/>
+              <a:gd name="connsiteX1" fmla="*/ 3247781 w 4590626"/>
+              <a:gd name="connsiteY1" fmla="*/ 271915 h 713930"/>
+              <a:gd name="connsiteX2" fmla="*/ 4517331 w 4590626"/>
+              <a:gd name="connsiteY2" fmla="*/ 693394 h 713930"/>
+              <a:gd name="connsiteX3" fmla="*/ 4590626 w 4590626"/>
+              <a:gd name="connsiteY3" fmla="*/ 713930 h 713930"/>
+              <a:gd name="connsiteX4" fmla="*/ 0 w 4590626"/>
+              <a:gd name="connsiteY4" fmla="*/ 713930 h 713930"/>
+              <a:gd name="connsiteX5" fmla="*/ 2854 w 4590626"/>
+              <a:gd name="connsiteY5" fmla="*/ 705624 h 713930"/>
+              <a:gd name="connsiteX6" fmla="*/ 226680 w 4590626"/>
+              <a:gd name="connsiteY6" fmla="*/ 333970 h 713930"/>
+              <a:gd name="connsiteX7" fmla="*/ 1160245 w 4590626"/>
+              <a:gd name="connsiteY7" fmla="*/ 1178 h 713930"/>
+              <a:gd name="connsiteX8" fmla="*/ 1421452 w 4590626"/>
+              <a:gd name="connsiteY8" fmla="*/ 0 h 713930"/>
+              <a:gd name="connsiteX0" fmla="*/ 1421452 w 4517331"/>
+              <a:gd name="connsiteY0" fmla="*/ 0 h 713930"/>
+              <a:gd name="connsiteX1" fmla="*/ 3247781 w 4517331"/>
+              <a:gd name="connsiteY1" fmla="*/ 271915 h 713930"/>
+              <a:gd name="connsiteX2" fmla="*/ 4517331 w 4517331"/>
+              <a:gd name="connsiteY2" fmla="*/ 693394 h 713930"/>
+              <a:gd name="connsiteX3" fmla="*/ 0 w 4517331"/>
+              <a:gd name="connsiteY3" fmla="*/ 713930 h 713930"/>
+              <a:gd name="connsiteX4" fmla="*/ 2854 w 4517331"/>
+              <a:gd name="connsiteY4" fmla="*/ 705624 h 713930"/>
+              <a:gd name="connsiteX5" fmla="*/ 226680 w 4517331"/>
+              <a:gd name="connsiteY5" fmla="*/ 333970 h 713930"/>
+              <a:gd name="connsiteX6" fmla="*/ 1160245 w 4517331"/>
+              <a:gd name="connsiteY6" fmla="*/ 1178 h 713930"/>
+              <a:gd name="connsiteX7" fmla="*/ 1421452 w 4517331"/>
+              <a:gd name="connsiteY7" fmla="*/ 0 h 713930"/>
+              <a:gd name="connsiteX0" fmla="*/ 0 w 4608771"/>
+              <a:gd name="connsiteY0" fmla="*/ 713930 h 784834"/>
+              <a:gd name="connsiteX1" fmla="*/ 2854 w 4608771"/>
+              <a:gd name="connsiteY1" fmla="*/ 705624 h 784834"/>
+              <a:gd name="connsiteX2" fmla="*/ 226680 w 4608771"/>
+              <a:gd name="connsiteY2" fmla="*/ 333970 h 784834"/>
+              <a:gd name="connsiteX3" fmla="*/ 1160245 w 4608771"/>
+              <a:gd name="connsiteY3" fmla="*/ 1178 h 784834"/>
+              <a:gd name="connsiteX4" fmla="*/ 1421452 w 4608771"/>
+              <a:gd name="connsiteY4" fmla="*/ 0 h 784834"/>
+              <a:gd name="connsiteX5" fmla="*/ 3247781 w 4608771"/>
+              <a:gd name="connsiteY5" fmla="*/ 271915 h 784834"/>
+              <a:gd name="connsiteX6" fmla="*/ 4608771 w 4608771"/>
+              <a:gd name="connsiteY6" fmla="*/ 784834 h 784834"/>
+              <a:gd name="connsiteX0" fmla="*/ 0 w 4418271"/>
+              <a:gd name="connsiteY0" fmla="*/ 713930 h 718159"/>
+              <a:gd name="connsiteX1" fmla="*/ 2854 w 4418271"/>
+              <a:gd name="connsiteY1" fmla="*/ 705624 h 718159"/>
+              <a:gd name="connsiteX2" fmla="*/ 226680 w 4418271"/>
+              <a:gd name="connsiteY2" fmla="*/ 333970 h 718159"/>
+              <a:gd name="connsiteX3" fmla="*/ 1160245 w 4418271"/>
+              <a:gd name="connsiteY3" fmla="*/ 1178 h 718159"/>
+              <a:gd name="connsiteX4" fmla="*/ 1421452 w 4418271"/>
+              <a:gd name="connsiteY4" fmla="*/ 0 h 718159"/>
+              <a:gd name="connsiteX5" fmla="*/ 3247781 w 4418271"/>
+              <a:gd name="connsiteY5" fmla="*/ 271915 h 718159"/>
+              <a:gd name="connsiteX6" fmla="*/ 4418271 w 4418271"/>
+              <a:gd name="connsiteY6" fmla="*/ 718159 h 718159"/>
+            </a:gdLst>
+            <a:ahLst/>
+            <a:cxnLst>
+              <a:cxn ang="0">
+                <a:pos x="connsiteX0" y="connsiteY0"/>
+              </a:cxn>
+              <a:cxn ang="0">
+                <a:pos x="connsiteX1" y="connsiteY1"/>
+              </a:cxn>
+              <a:cxn ang="0">
+                <a:pos x="connsiteX2" y="connsiteY2"/>
+              </a:cxn>
+              <a:cxn ang="0">
+                <a:pos x="connsiteX3" y="connsiteY3"/>
+              </a:cxn>
+              <a:cxn ang="0">
+                <a:pos x="connsiteX4" y="connsiteY4"/>
+              </a:cxn>
+              <a:cxn ang="0">
+                <a:pos x="connsiteX5" y="connsiteY5"/>
+              </a:cxn>
+              <a:cxn ang="0">
+                <a:pos x="connsiteX6" y="connsiteY6"/>
+              </a:cxn>
+            </a:cxnLst>
+            <a:rect l="l" t="t" r="r" b="b"/>
+            <a:pathLst>
+              <a:path w="4418271" h="718159">
+                <a:moveTo>
+                  <a:pt x="0" y="713930"/>
+                </a:moveTo>
+                <a:lnTo>
+                  <a:pt x="2854" y="705624"/>
+                </a:lnTo>
+                <a:cubicBezTo>
+                  <a:pt x="60059" y="562888"/>
+                  <a:pt x="131373" y="433874"/>
+                  <a:pt x="226680" y="333970"/>
+                </a:cubicBezTo>
+                <a:cubicBezTo>
+                  <a:pt x="463632" y="85526"/>
+                  <a:pt x="822395" y="5774"/>
+                  <a:pt x="1160245" y="1178"/>
+                </a:cubicBezTo>
+                <a:lnTo>
+                  <a:pt x="1421452" y="0"/>
+                </a:lnTo>
+                <a:cubicBezTo>
+                  <a:pt x="2035274" y="3698"/>
+                  <a:pt x="2748311" y="152222"/>
+                  <a:pt x="3247781" y="271915"/>
+                </a:cubicBezTo>
+                <a:cubicBezTo>
+                  <a:pt x="3747251" y="391608"/>
+                  <a:pt x="3902480" y="501606"/>
+                  <a:pt x="4418271" y="718159"/>
+                </a:cubicBezTo>
+              </a:path>
+            </a:pathLst>
+          </a:custGeom>
+          <a:noFill/>
+          <a:ln>
+            <a:solidFill>
+              <a:schemeClr val="accent4"/>
+            </a:solidFill>
+          </a:ln>
+        </p:spPr>
+        <p:style>
+          <a:lnRef idx="2">
+            <a:schemeClr val="accent1">
+              <a:shade val="50000"/>
+            </a:schemeClr>
+          </a:lnRef>
+          <a:fillRef idx="1">
+            <a:schemeClr val="accent1"/>
+          </a:fillRef>
+          <a:effectRef idx="0">
+            <a:schemeClr val="accent1"/>
+          </a:effectRef>
+          <a:fontRef idx="minor">
+            <a:schemeClr val="lt1"/>
+          </a:fontRef>
+        </p:style>
+        <p:txBody>
+          <a:bodyPr rtlCol="0" anchor="ctr"/>
+          <a:lstStyle/>
+          <a:p>
+            <a:pPr marL="0" marR="0" lvl="0" indent="0" algn="ctr" defTabSz="914400" rtl="0" eaLnBrk="1" fontAlgn="auto" latinLnBrk="0" hangingPunct="1">
+              <a:lnSpc>
+                <a:spcPct val="100000"/>
+              </a:lnSpc>
+              <a:spcBef>
+                <a:spcPts val="0"/>
+              </a:spcBef>
+              <a:spcAft>
+                <a:spcPts val="0"/>
+              </a:spcAft>
+              <a:buClrTx/>
+              <a:buSzTx/>
+              <a:buFontTx/>
+              <a:buNone/>
+              <a:tabLst/>
+              <a:defRPr/>
+            </a:pPr>
+            <a:endParaRPr kumimoji="0" lang="en-US" sz="1800" b="0" i="0" u="none" strike="noStrike" kern="1200" cap="none" spc="0" normalizeH="0" baseline="0" noProof="0">
+              <a:ln>
+                <a:noFill/>
+              </a:ln>
+              <a:solidFill>
+                <a:prstClr val="white"/>
+              </a:solidFill>
+              <a:effectLst/>
+              <a:uLnTx/>
+              <a:uFillTx/>
+              <a:latin typeface="Avenir Next LT Pro Light"/>
+              <a:ea typeface="+mn-ea"/>
+              <a:cs typeface="+mn-cs"/>
+            </a:endParaRPr>
+          </a:p>
+        </p:txBody>
+      </p:sp>
+      <p:sp useBgFill="1">
+        <p:nvSpPr>
+          <p:cNvPr id="14" name="Rectangle 13">
+            <a:extLst>
+              <a:ext uri="{FF2B5EF4-FFF2-40B4-BE49-F238E27FC236}">
+                <a16:creationId xmlns:a16="http://schemas.microsoft.com/office/drawing/2014/main" id="{7A18C9FB-EC4C-4DAE-8F7D-C6E5AF607958}"/>
+              </a:ext>
+              <a:ext uri="{C183D7F6-B498-43B3-948B-1728B52AA6E4}">
+                <adec:decorative xmlns:adec="http://schemas.microsoft.com/office/drawing/2017/decorative" val="1"/>
+              </a:ext>
+            </a:extLst>
+          </p:cNvPr>
+          <p:cNvSpPr>
+            <a:spLocks noGrp="1" noRot="1" noChangeAspect="1" noMove="1" noResize="1" noEditPoints="1" noAdjustHandles="1" noChangeArrowheads="1" noChangeShapeType="1" noTextEdit="1"/>
+          </p:cNvSpPr>
+          <p:nvPr>
+            <p:extLst>
+              <p:ext uri="{386F3935-93C4-4BCD-93E2-E3B085C9AB24}">
+                <p16:designElem xmlns:p16="http://schemas.microsoft.com/office/powerpoint/2015/main" val="1"/>
+              </p:ext>
+            </p:extLst>
+          </p:nvPr>
+        </p:nvSpPr>
+        <p:spPr>
+          <a:xfrm>
+            <a:off x="0" y="0"/>
+            <a:ext cx="12192000" cy="6858000"/>
+          </a:xfrm>
+          <a:prstGeom prst="rect">
+            <a:avLst/>
+          </a:prstGeom>
+          <a:ln w="12700" cap="flat" cmpd="sng" algn="ctr">
+            <a:noFill/>
+            <a:prstDash val="solid"/>
+            <a:miter lim="800000"/>
+          </a:ln>
+          <a:effectLst/>
+          <a:extLst>
+            <a:ext uri="{91240B29-F687-4F45-9708-019B960494DF}">
+              <a14:hiddenLine xmlns:a14="http://schemas.microsoft.com/office/drawing/2010/main" w="12700" cap="flat" cmpd="sng" algn="ctr">
+                <a:solidFill>
+                  <a:schemeClr val="accent1">
+                    <a:shade val="50000"/>
+                  </a:schemeClr>
+                </a:solidFill>
+                <a:prstDash val="solid"/>
+                <a:miter lim="800000"/>
+              </a14:hiddenLine>
+            </a:ext>
+          </a:extLst>
+        </p:spPr>
+        <p:style>
+          <a:lnRef idx="2">
+            <a:schemeClr val="accent1">
+              <a:shade val="50000"/>
+            </a:schemeClr>
+          </a:lnRef>
+          <a:fillRef idx="1">
+            <a:schemeClr val="accent1"/>
+          </a:fillRef>
+          <a:effectRef idx="0">
+            <a:schemeClr val="accent1"/>
+          </a:effectRef>
+          <a:fontRef idx="minor">
+            <a:schemeClr val="lt1"/>
+          </a:fontRef>
+        </p:style>
+        <p:txBody>
+          <a:bodyPr rtlCol="0" anchor="ctr"/>
+          <a:lstStyle/>
+          <a:p>
+            <a:endParaRPr lang="en-US" dirty="0"/>
+          </a:p>
+        </p:txBody>
+      </p:sp>
+      <p:sp>
+        <p:nvSpPr>
+          <p:cNvPr id="2" name="Nadpis 1">
+            <a:extLst>
+              <a:ext uri="{FF2B5EF4-FFF2-40B4-BE49-F238E27FC236}">
+                <a16:creationId xmlns:a16="http://schemas.microsoft.com/office/drawing/2014/main" id="{4FD0A9BC-E6E6-4279-AC17-31B361EBD9D3}"/>
+              </a:ext>
+            </a:extLst>
+          </p:cNvPr>
+          <p:cNvSpPr>
+            <a:spLocks noGrp="1"/>
+          </p:cNvSpPr>
+          <p:nvPr>
+            <p:ph type="title"/>
+          </p:nvPr>
+        </p:nvSpPr>
+        <p:spPr>
+          <a:xfrm>
+            <a:off x="762000" y="1524000"/>
+            <a:ext cx="10668000" cy="2286000"/>
+          </a:xfrm>
+        </p:spPr>
+        <p:txBody>
+          <a:bodyPr vert="horz" lIns="91440" tIns="45720" rIns="91440" bIns="45720" rtlCol="0" anchor="b">
+            <a:normAutofit/>
+          </a:bodyPr>
+          <a:lstStyle/>
+          <a:p>
+            <a:r>
+              <a:rPr lang="sk-SK" kern="1200" dirty="0">
+                <a:solidFill>
+                  <a:schemeClr val="tx1"/>
+                </a:solidFill>
+                <a:latin typeface="+mj-lt"/>
+                <a:ea typeface="+mj-ea"/>
+                <a:cs typeface="+mj-cs"/>
+              </a:rPr>
+              <a:t>Ďakujem za pozornosť.</a:t>
+            </a:r>
+            <a:endParaRPr lang="en-US" kern="1200" dirty="0">
+              <a:solidFill>
+                <a:schemeClr val="tx1"/>
+              </a:solidFill>
+              <a:latin typeface="+mj-lt"/>
+              <a:ea typeface="+mj-ea"/>
+              <a:cs typeface="+mj-cs"/>
+            </a:endParaRPr>
+          </a:p>
+        </p:txBody>
+      </p:sp>
+      <p:sp>
+        <p:nvSpPr>
+          <p:cNvPr id="16" name="Freeform: Shape 15">
+            <a:extLst>
+              <a:ext uri="{FF2B5EF4-FFF2-40B4-BE49-F238E27FC236}">
+                <a16:creationId xmlns:a16="http://schemas.microsoft.com/office/drawing/2014/main" id="{00572931-961B-4A48-8B38-E9A9DB6E8111}"/>
+              </a:ext>
+              <a:ext uri="{C183D7F6-B498-43B3-948B-1728B52AA6E4}">
+                <adec:decorative xmlns:adec="http://schemas.microsoft.com/office/drawing/2017/decorative" val="1"/>
+              </a:ext>
+            </a:extLst>
+          </p:cNvPr>
+          <p:cNvSpPr>
+            <a:spLocks noGrp="1" noRot="1" noChangeAspect="1" noMove="1" noResize="1" noEditPoints="1" noAdjustHandles="1" noChangeArrowheads="1" noChangeShapeType="1" noTextEdit="1"/>
+          </p:cNvSpPr>
+          <p:nvPr>
+            <p:extLst>
+              <p:ext uri="{386F3935-93C4-4BCD-93E2-E3B085C9AB24}">
+                <p16:designElem xmlns:p16="http://schemas.microsoft.com/office/powerpoint/2015/main" val="1"/>
+              </p:ext>
+            </p:extLst>
+          </p:nvPr>
+        </p:nvSpPr>
+        <p:spPr>
+          <a:xfrm rot="5400000">
+            <a:off x="615181" y="-615181"/>
+            <a:ext cx="1085312" cy="2315675"/>
+          </a:xfrm>
+          <a:custGeom>
+            <a:avLst/>
+            <a:gdLst>
+              <a:gd name="connsiteX0" fmla="*/ 0 w 1085312"/>
+              <a:gd name="connsiteY0" fmla="*/ 2315675 h 2315675"/>
+              <a:gd name="connsiteX1" fmla="*/ 0 w 1085312"/>
+              <a:gd name="connsiteY1" fmla="*/ 0 h 2315675"/>
+              <a:gd name="connsiteX2" fmla="*/ 53089 w 1085312"/>
+              <a:gd name="connsiteY2" fmla="*/ 4542 h 2315675"/>
+              <a:gd name="connsiteX3" fmla="*/ 790077 w 1085312"/>
+              <a:gd name="connsiteY3" fmla="*/ 872756 h 2315675"/>
+              <a:gd name="connsiteX4" fmla="*/ 1085252 w 1085312"/>
+              <a:gd name="connsiteY4" fmla="*/ 1943649 h 2315675"/>
+              <a:gd name="connsiteX5" fmla="*/ 1064832 w 1085312"/>
+              <a:gd name="connsiteY5" fmla="*/ 2198094 h 2315675"/>
+              <a:gd name="connsiteX6" fmla="*/ 1043734 w 1085312"/>
+              <a:gd name="connsiteY6" fmla="*/ 2315675 h 2315675"/>
+              <a:gd name="connsiteX7" fmla="*/ 0 w 1085312"/>
+              <a:gd name="connsiteY7" fmla="*/ 2315675 h 2315675"/>
+            </a:gdLst>
+            <a:ahLst/>
+            <a:cxnLst>
+              <a:cxn ang="0">
+                <a:pos x="connsiteX0" y="connsiteY0"/>
+              </a:cxn>
+              <a:cxn ang="0">
+                <a:pos x="connsiteX1" y="connsiteY1"/>
+              </a:cxn>
+              <a:cxn ang="0">
+                <a:pos x="connsiteX2" y="connsiteY2"/>
+              </a:cxn>
+              <a:cxn ang="0">
+                <a:pos x="connsiteX3" y="connsiteY3"/>
+              </a:cxn>
+              <a:cxn ang="0">
+                <a:pos x="connsiteX4" y="connsiteY4"/>
+              </a:cxn>
+              <a:cxn ang="0">
+                <a:pos x="connsiteX5" y="connsiteY5"/>
+              </a:cxn>
+              <a:cxn ang="0">
+                <a:pos x="connsiteX6" y="connsiteY6"/>
+              </a:cxn>
+              <a:cxn ang="0">
+                <a:pos x="connsiteX7" y="connsiteY7"/>
+              </a:cxn>
+            </a:cxnLst>
+            <a:rect l="l" t="t" r="r" b="b"/>
+            <a:pathLst>
+              <a:path w="1085312" h="2315675">
+                <a:moveTo>
+                  <a:pt x="0" y="2315675"/>
+                </a:moveTo>
+                <a:lnTo>
+                  <a:pt x="0" y="0"/>
+                </a:lnTo>
+                <a:lnTo>
+                  <a:pt x="53089" y="4542"/>
+                </a:lnTo>
+                <a:cubicBezTo>
+                  <a:pt x="405263" y="73503"/>
+                  <a:pt x="612623" y="486635"/>
+                  <a:pt x="790077" y="872756"/>
+                </a:cubicBezTo>
+                <a:cubicBezTo>
+                  <a:pt x="937425" y="1193596"/>
+                  <a:pt x="1088787" y="1533232"/>
+                  <a:pt x="1085252" y="1943649"/>
+                </a:cubicBezTo>
+                <a:cubicBezTo>
+                  <a:pt x="1084528" y="2029058"/>
+                  <a:pt x="1077341" y="2113833"/>
+                  <a:pt x="1064832" y="2198094"/>
+                </a:cubicBezTo>
+                <a:lnTo>
+                  <a:pt x="1043734" y="2315675"/>
+                </a:lnTo>
+                <a:lnTo>
+                  <a:pt x="0" y="2315675"/>
+                </a:lnTo>
+                <a:close/>
+              </a:path>
+            </a:pathLst>
+          </a:custGeom>
+          <a:solidFill>
+            <a:schemeClr val="accent1"/>
+          </a:solidFill>
+          <a:ln>
+            <a:noFill/>
+          </a:ln>
+        </p:spPr>
+        <p:style>
+          <a:lnRef idx="2">
+            <a:schemeClr val="accent1">
+              <a:shade val="50000"/>
+            </a:schemeClr>
+          </a:lnRef>
+          <a:fillRef idx="1">
+            <a:schemeClr val="accent1"/>
+          </a:fillRef>
+          <a:effectRef idx="0">
+            <a:schemeClr val="accent1"/>
+          </a:effectRef>
+          <a:fontRef idx="minor">
+            <a:schemeClr val="lt1"/>
+          </a:fontRef>
+        </p:style>
+        <p:txBody>
+          <a:bodyPr rtlCol="0" anchor="ctr"/>
+          <a:lstStyle/>
+          <a:p>
+            <a:pPr algn="ctr"/>
+            <a:endParaRPr lang="en-US" sz="900">
+              <a:solidFill>
+                <a:schemeClr val="bg1"/>
+              </a:solidFill>
+              <a:latin typeface="Avenir Next LT Pro" panose="020B0504020202020204" pitchFamily="34" charset="0"/>
+            </a:endParaRPr>
+          </a:p>
+        </p:txBody>
+      </p:sp>
+      <p:sp>
+        <p:nvSpPr>
+          <p:cNvPr id="18" name="Freeform: Shape 17">
+            <a:extLst>
+              <a:ext uri="{FF2B5EF4-FFF2-40B4-BE49-F238E27FC236}">
+                <a16:creationId xmlns:a16="http://schemas.microsoft.com/office/drawing/2014/main" id="{0F29AAD2-96E3-4A6F-9A5E-B6B9E7E11EC4}"/>
+              </a:ext>
+              <a:ext uri="{C183D7F6-B498-43B3-948B-1728B52AA6E4}">
+                <adec:decorative xmlns:adec="http://schemas.microsoft.com/office/drawing/2017/decorative" val="1"/>
+              </a:ext>
+            </a:extLst>
+          </p:cNvPr>
+          <p:cNvSpPr>
+            <a:spLocks noGrp="1" noRot="1" noChangeAspect="1" noMove="1" noResize="1" noEditPoints="1" noAdjustHandles="1" noChangeArrowheads="1" noChangeShapeType="1" noTextEdit="1"/>
+          </p:cNvSpPr>
+          <p:nvPr>
+            <p:extLst>
+              <p:ext uri="{386F3935-93C4-4BCD-93E2-E3B085C9AB24}">
+                <p16:designElem xmlns:p16="http://schemas.microsoft.com/office/powerpoint/2015/main" val="1"/>
+              </p:ext>
+            </p:extLst>
+          </p:nvPr>
+        </p:nvSpPr>
+        <p:spPr>
+          <a:xfrm>
+            <a:off x="7963906" y="5720962"/>
+            <a:ext cx="4228094" cy="1137038"/>
+          </a:xfrm>
+          <a:custGeom>
+            <a:avLst/>
+            <a:gdLst>
+              <a:gd name="connsiteX0" fmla="*/ 1673074 w 4228094"/>
+              <a:gd name="connsiteY0" fmla="*/ 230 h 1137038"/>
+              <a:gd name="connsiteX1" fmla="*/ 3676781 w 4228094"/>
+              <a:gd name="connsiteY1" fmla="*/ 298555 h 1137038"/>
+              <a:gd name="connsiteX2" fmla="*/ 4025527 w 4228094"/>
+              <a:gd name="connsiteY2" fmla="*/ 425010 h 1137038"/>
+              <a:gd name="connsiteX3" fmla="*/ 4228094 w 4228094"/>
+              <a:gd name="connsiteY3" fmla="*/ 494088 h 1137038"/>
+              <a:gd name="connsiteX4" fmla="*/ 4228094 w 4228094"/>
+              <a:gd name="connsiteY4" fmla="*/ 1137038 h 1137038"/>
+              <a:gd name="connsiteX5" fmla="*/ 0 w 4228094"/>
+              <a:gd name="connsiteY5" fmla="*/ 1137038 h 1137038"/>
+              <a:gd name="connsiteX6" fmla="*/ 18109 w 4228094"/>
+              <a:gd name="connsiteY6" fmla="*/ 1068877 h 1137038"/>
+              <a:gd name="connsiteX7" fmla="*/ 362264 w 4228094"/>
+              <a:gd name="connsiteY7" fmla="*/ 366637 h 1137038"/>
+              <a:gd name="connsiteX8" fmla="*/ 1386499 w 4228094"/>
+              <a:gd name="connsiteY8" fmla="*/ 1522 h 1137038"/>
+              <a:gd name="connsiteX9" fmla="*/ 1673074 w 4228094"/>
+              <a:gd name="connsiteY9" fmla="*/ 230 h 1137038"/>
+            </a:gdLst>
+            <a:ahLst/>
+            <a:cxnLst>
+              <a:cxn ang="0">
+                <a:pos x="connsiteX0" y="connsiteY0"/>
+              </a:cxn>
+              <a:cxn ang="0">
+                <a:pos x="connsiteX1" y="connsiteY1"/>
+              </a:cxn>
+              <a:cxn ang="0">
+                <a:pos x="connsiteX2" y="connsiteY2"/>
+              </a:cxn>
+              <a:cxn ang="0">
+                <a:pos x="connsiteX3" y="connsiteY3"/>
+              </a:cxn>
+              <a:cxn ang="0">
+                <a:pos x="connsiteX4" y="connsiteY4"/>
+              </a:cxn>
+              <a:cxn ang="0">
+                <a:pos x="connsiteX5" y="connsiteY5"/>
+              </a:cxn>
+              <a:cxn ang="0">
+                <a:pos x="connsiteX6" y="connsiteY6"/>
+              </a:cxn>
+              <a:cxn ang="0">
+                <a:pos x="connsiteX7" y="connsiteY7"/>
+              </a:cxn>
+              <a:cxn ang="0">
+                <a:pos x="connsiteX8" y="connsiteY8"/>
+              </a:cxn>
+              <a:cxn ang="0">
+                <a:pos x="connsiteX9" y="connsiteY9"/>
+              </a:cxn>
+            </a:cxnLst>
+            <a:rect l="l" t="t" r="r" b="b"/>
+            <a:pathLst>
+              <a:path w="4228094" h="1137038">
+                <a:moveTo>
+                  <a:pt x="1673074" y="230"/>
+                </a:moveTo>
+                <a:cubicBezTo>
+                  <a:pt x="2346512" y="4287"/>
+                  <a:pt x="3048424" y="63583"/>
+                  <a:pt x="3676781" y="298555"/>
+                </a:cubicBezTo>
+                <a:cubicBezTo>
+                  <a:pt x="3793275" y="342114"/>
+                  <a:pt x="3909477" y="384216"/>
+                  <a:pt x="4025527" y="425010"/>
+                </a:cubicBezTo>
+                <a:lnTo>
+                  <a:pt x="4228094" y="494088"/>
+                </a:lnTo>
+                <a:lnTo>
+                  <a:pt x="4228094" y="1137038"/>
+                </a:lnTo>
+                <a:lnTo>
+                  <a:pt x="0" y="1137038"/>
+                </a:lnTo>
+                <a:lnTo>
+                  <a:pt x="18109" y="1068877"/>
+                </a:lnTo>
+                <a:cubicBezTo>
+                  <a:pt x="95047" y="799139"/>
+                  <a:pt x="194962" y="542008"/>
+                  <a:pt x="362264" y="366637"/>
+                </a:cubicBezTo>
+                <a:cubicBezTo>
+                  <a:pt x="622229" y="94062"/>
+                  <a:pt x="1015836" y="6565"/>
+                  <a:pt x="1386499" y="1522"/>
+                </a:cubicBezTo>
+                <a:cubicBezTo>
+                  <a:pt x="1481245" y="198"/>
+                  <a:pt x="1576869" y="-349"/>
+                  <a:pt x="1673074" y="230"/>
+                </a:cubicBezTo>
+                <a:close/>
+              </a:path>
+            </a:pathLst>
+          </a:custGeom>
+          <a:solidFill>
+            <a:schemeClr val="accent6"/>
+          </a:solidFill>
+          <a:ln>
+            <a:noFill/>
+          </a:ln>
+        </p:spPr>
+        <p:style>
+          <a:lnRef idx="2">
+            <a:schemeClr val="accent1">
+              <a:shade val="50000"/>
+            </a:schemeClr>
+          </a:lnRef>
+          <a:fillRef idx="1">
+            <a:schemeClr val="accent1"/>
+          </a:fillRef>
+          <a:effectRef idx="0">
+            <a:schemeClr val="accent1"/>
+          </a:effectRef>
+          <a:fontRef idx="minor">
+            <a:schemeClr val="lt1"/>
+          </a:fontRef>
+        </p:style>
+        <p:txBody>
+          <a:bodyPr rtlCol="0" anchor="ctr"/>
+          <a:lstStyle/>
+          <a:p>
+            <a:pPr lvl="0" algn="ctr"/>
+            <a:endParaRPr lang="en-US" sz="1500">
+              <a:solidFill>
+                <a:schemeClr val="bg1"/>
+              </a:solidFill>
+              <a:latin typeface="Avenir Next LT Pro" panose="020B0504020202020204" pitchFamily="34" charset="0"/>
+            </a:endParaRPr>
+          </a:p>
+        </p:txBody>
+      </p:sp>
+      <p:sp>
+        <p:nvSpPr>
+          <p:cNvPr id="20" name="Freeform: Shape 19">
+            <a:extLst>
+              <a:ext uri="{FF2B5EF4-FFF2-40B4-BE49-F238E27FC236}">
+                <a16:creationId xmlns:a16="http://schemas.microsoft.com/office/drawing/2014/main" id="{4EC84841-2631-44D2-A01B-6AF0CF7F7393}"/>
+              </a:ext>
+              <a:ext uri="{C183D7F6-B498-43B3-948B-1728B52AA6E4}">
+                <adec:decorative xmlns:adec="http://schemas.microsoft.com/office/drawing/2017/decorative" val="1"/>
+              </a:ext>
+            </a:extLst>
+          </p:cNvPr>
+          <p:cNvSpPr>
+            <a:spLocks noGrp="1" noRot="1" noChangeAspect="1" noMove="1" noResize="1" noEditPoints="1" noAdjustHandles="1" noChangeArrowheads="1" noChangeShapeType="1" noTextEdit="1"/>
+          </p:cNvSpPr>
+          <p:nvPr>
+            <p:extLst>
+              <p:ext uri="{386F3935-93C4-4BCD-93E2-E3B085C9AB24}">
+                <p16:designElem xmlns:p16="http://schemas.microsoft.com/office/powerpoint/2015/main" val="1"/>
+              </p:ext>
+            </p:extLst>
+          </p:nvPr>
+        </p:nvSpPr>
+        <p:spPr>
+          <a:xfrm>
+            <a:off x="7153921" y="5620196"/>
+            <a:ext cx="5038078" cy="1237805"/>
+          </a:xfrm>
+          <a:custGeom>
+            <a:avLst/>
+            <a:gdLst>
+              <a:gd name="connsiteX0" fmla="*/ 1576991 w 5038078"/>
+              <a:gd name="connsiteY0" fmla="*/ 210 h 1238015"/>
+              <a:gd name="connsiteX1" fmla="*/ 3403320 w 5038078"/>
+              <a:gd name="connsiteY1" fmla="*/ 272125 h 1238015"/>
+              <a:gd name="connsiteX2" fmla="*/ 4672870 w 5038078"/>
+              <a:gd name="connsiteY2" fmla="*/ 693604 h 1238015"/>
+              <a:gd name="connsiteX3" fmla="*/ 5038078 w 5038078"/>
+              <a:gd name="connsiteY3" fmla="*/ 795929 h 1238015"/>
+              <a:gd name="connsiteX4" fmla="*/ 5038078 w 5038078"/>
+              <a:gd name="connsiteY4" fmla="*/ 1238015 h 1238015"/>
+              <a:gd name="connsiteX5" fmla="*/ 0 w 5038078"/>
+              <a:gd name="connsiteY5" fmla="*/ 1238015 h 1238015"/>
+              <a:gd name="connsiteX6" fmla="*/ 19230 w 5038078"/>
+              <a:gd name="connsiteY6" fmla="*/ 1159819 h 1238015"/>
+              <a:gd name="connsiteX7" fmla="*/ 382219 w 5038078"/>
+              <a:gd name="connsiteY7" fmla="*/ 334180 h 1238015"/>
+              <a:gd name="connsiteX8" fmla="*/ 1315784 w 5038078"/>
+              <a:gd name="connsiteY8" fmla="*/ 1388 h 1238015"/>
+              <a:gd name="connsiteX9" fmla="*/ 1576991 w 5038078"/>
+              <a:gd name="connsiteY9" fmla="*/ 210 h 1238015"/>
+              <a:gd name="connsiteX0" fmla="*/ 0 w 5129518"/>
+              <a:gd name="connsiteY0" fmla="*/ 1237805 h 1329245"/>
+              <a:gd name="connsiteX1" fmla="*/ 19230 w 5129518"/>
+              <a:gd name="connsiteY1" fmla="*/ 1159609 h 1329245"/>
+              <a:gd name="connsiteX2" fmla="*/ 382219 w 5129518"/>
+              <a:gd name="connsiteY2" fmla="*/ 333970 h 1329245"/>
+              <a:gd name="connsiteX3" fmla="*/ 1315784 w 5129518"/>
+              <a:gd name="connsiteY3" fmla="*/ 1178 h 1329245"/>
+              <a:gd name="connsiteX4" fmla="*/ 1576991 w 5129518"/>
+              <a:gd name="connsiteY4" fmla="*/ 0 h 1329245"/>
+              <a:gd name="connsiteX5" fmla="*/ 3403320 w 5129518"/>
+              <a:gd name="connsiteY5" fmla="*/ 271915 h 1329245"/>
+              <a:gd name="connsiteX6" fmla="*/ 4672870 w 5129518"/>
+              <a:gd name="connsiteY6" fmla="*/ 693394 h 1329245"/>
+              <a:gd name="connsiteX7" fmla="*/ 5038078 w 5129518"/>
+              <a:gd name="connsiteY7" fmla="*/ 795719 h 1329245"/>
+              <a:gd name="connsiteX8" fmla="*/ 5129518 w 5129518"/>
+              <a:gd name="connsiteY8" fmla="*/ 1329245 h 1329245"/>
+              <a:gd name="connsiteX0" fmla="*/ 0 w 5129518"/>
+              <a:gd name="connsiteY0" fmla="*/ 1237805 h 1329245"/>
+              <a:gd name="connsiteX1" fmla="*/ 19230 w 5129518"/>
+              <a:gd name="connsiteY1" fmla="*/ 1159609 h 1329245"/>
+              <a:gd name="connsiteX2" fmla="*/ 382219 w 5129518"/>
+              <a:gd name="connsiteY2" fmla="*/ 333970 h 1329245"/>
+              <a:gd name="connsiteX3" fmla="*/ 1315784 w 5129518"/>
+              <a:gd name="connsiteY3" fmla="*/ 1178 h 1329245"/>
+              <a:gd name="connsiteX4" fmla="*/ 1576991 w 5129518"/>
+              <a:gd name="connsiteY4" fmla="*/ 0 h 1329245"/>
+              <a:gd name="connsiteX5" fmla="*/ 3403320 w 5129518"/>
+              <a:gd name="connsiteY5" fmla="*/ 271915 h 1329245"/>
+              <a:gd name="connsiteX6" fmla="*/ 4672870 w 5129518"/>
+              <a:gd name="connsiteY6" fmla="*/ 693394 h 1329245"/>
+              <a:gd name="connsiteX7" fmla="*/ 5038078 w 5129518"/>
+              <a:gd name="connsiteY7" fmla="*/ 795719 h 1329245"/>
+              <a:gd name="connsiteX8" fmla="*/ 5129518 w 5129518"/>
+              <a:gd name="connsiteY8" fmla="*/ 1329245 h 1329245"/>
+              <a:gd name="connsiteX0" fmla="*/ 0 w 5049689"/>
+              <a:gd name="connsiteY0" fmla="*/ 1237805 h 1423588"/>
+              <a:gd name="connsiteX1" fmla="*/ 19230 w 5049689"/>
+              <a:gd name="connsiteY1" fmla="*/ 1159609 h 1423588"/>
+              <a:gd name="connsiteX2" fmla="*/ 382219 w 5049689"/>
+              <a:gd name="connsiteY2" fmla="*/ 333970 h 1423588"/>
+              <a:gd name="connsiteX3" fmla="*/ 1315784 w 5049689"/>
+              <a:gd name="connsiteY3" fmla="*/ 1178 h 1423588"/>
+              <a:gd name="connsiteX4" fmla="*/ 1576991 w 5049689"/>
+              <a:gd name="connsiteY4" fmla="*/ 0 h 1423588"/>
+              <a:gd name="connsiteX5" fmla="*/ 3403320 w 5049689"/>
+              <a:gd name="connsiteY5" fmla="*/ 271915 h 1423588"/>
+              <a:gd name="connsiteX6" fmla="*/ 4672870 w 5049689"/>
+              <a:gd name="connsiteY6" fmla="*/ 693394 h 1423588"/>
+              <a:gd name="connsiteX7" fmla="*/ 5038078 w 5049689"/>
+              <a:gd name="connsiteY7" fmla="*/ 795719 h 1423588"/>
+              <a:gd name="connsiteX8" fmla="*/ 5049689 w 5049689"/>
+              <a:gd name="connsiteY8" fmla="*/ 1423588 h 1423588"/>
+              <a:gd name="connsiteX0" fmla="*/ 0 w 5038078"/>
+              <a:gd name="connsiteY0" fmla="*/ 1237805 h 1237805"/>
+              <a:gd name="connsiteX1" fmla="*/ 19230 w 5038078"/>
+              <a:gd name="connsiteY1" fmla="*/ 1159609 h 1237805"/>
+              <a:gd name="connsiteX2" fmla="*/ 382219 w 5038078"/>
+              <a:gd name="connsiteY2" fmla="*/ 333970 h 1237805"/>
+              <a:gd name="connsiteX3" fmla="*/ 1315784 w 5038078"/>
+              <a:gd name="connsiteY3" fmla="*/ 1178 h 1237805"/>
+              <a:gd name="connsiteX4" fmla="*/ 1576991 w 5038078"/>
+              <a:gd name="connsiteY4" fmla="*/ 0 h 1237805"/>
+              <a:gd name="connsiteX5" fmla="*/ 3403320 w 5038078"/>
+              <a:gd name="connsiteY5" fmla="*/ 271915 h 1237805"/>
+              <a:gd name="connsiteX6" fmla="*/ 4672870 w 5038078"/>
+              <a:gd name="connsiteY6" fmla="*/ 693394 h 1237805"/>
+              <a:gd name="connsiteX7" fmla="*/ 5038078 w 5038078"/>
+              <a:gd name="connsiteY7" fmla="*/ 795719 h 1237805"/>
+            </a:gdLst>
+            <a:ahLst/>
+            <a:cxnLst>
+              <a:cxn ang="0">
+                <a:pos x="connsiteX0" y="connsiteY0"/>
+              </a:cxn>
+              <a:cxn ang="0">
+                <a:pos x="connsiteX1" y="connsiteY1"/>
+              </a:cxn>
+              <a:cxn ang="0">
+                <a:pos x="connsiteX2" y="connsiteY2"/>
+              </a:cxn>
+              <a:cxn ang="0">
+                <a:pos x="connsiteX3" y="connsiteY3"/>
+              </a:cxn>
+              <a:cxn ang="0">
+                <a:pos x="connsiteX4" y="connsiteY4"/>
+              </a:cxn>
+              <a:cxn ang="0">
+                <a:pos x="connsiteX5" y="connsiteY5"/>
+              </a:cxn>
+              <a:cxn ang="0">
+                <a:pos x="connsiteX6" y="connsiteY6"/>
+              </a:cxn>
+              <a:cxn ang="0">
+                <a:pos x="connsiteX7" y="connsiteY7"/>
+              </a:cxn>
+            </a:cxnLst>
+            <a:rect l="l" t="t" r="r" b="b"/>
+            <a:pathLst>
+              <a:path w="5038078" h="1237805">
+                <a:moveTo>
+                  <a:pt x="0" y="1237805"/>
+                </a:moveTo>
+                <a:lnTo>
+                  <a:pt x="19230" y="1159609"/>
+                </a:lnTo>
+                <a:cubicBezTo>
+                  <a:pt x="96961" y="850027"/>
+                  <a:pt x="191605" y="533778"/>
+                  <a:pt x="382219" y="333970"/>
+                </a:cubicBezTo>
+                <a:cubicBezTo>
+                  <a:pt x="619171" y="85526"/>
+                  <a:pt x="977934" y="5774"/>
+                  <a:pt x="1315784" y="1178"/>
+                </a:cubicBezTo>
+                <a:lnTo>
+                  <a:pt x="1576991" y="0"/>
+                </a:lnTo>
+                <a:cubicBezTo>
+                  <a:pt x="2190813" y="3698"/>
+                  <a:pt x="2830589" y="57744"/>
+                  <a:pt x="3403320" y="271915"/>
+                </a:cubicBezTo>
+                <a:cubicBezTo>
+                  <a:pt x="3828046" y="430728"/>
+                  <a:pt x="4248519" y="568281"/>
+                  <a:pt x="4672870" y="693394"/>
+                </a:cubicBezTo>
+                <a:lnTo>
+                  <a:pt x="5038078" y="795719"/>
+                </a:lnTo>
+              </a:path>
+            </a:pathLst>
+          </a:custGeom>
+          <a:noFill/>
+          <a:ln>
+            <a:solidFill>
+              <a:schemeClr val="accent2">
+                <a:lumMod val="60000"/>
+                <a:lumOff val="40000"/>
+              </a:schemeClr>
+            </a:solidFill>
+          </a:ln>
+        </p:spPr>
+        <p:style>
+          <a:lnRef idx="2">
+            <a:schemeClr val="accent1">
+              <a:shade val="50000"/>
+            </a:schemeClr>
+          </a:lnRef>
+          <a:fillRef idx="1">
+            <a:schemeClr val="accent1"/>
+          </a:fillRef>
+          <a:effectRef idx="0">
+            <a:schemeClr val="accent1"/>
+          </a:effectRef>
+          <a:fontRef idx="minor">
+            <a:schemeClr val="lt1"/>
+          </a:fontRef>
+        </p:style>
+        <p:txBody>
+          <a:bodyPr rtlCol="0" anchor="ctr"/>
+          <a:lstStyle/>
+          <a:p>
+            <a:pPr marR="0" lvl="0" indent="0" algn="ctr" fontAlgn="auto">
+              <a:lnSpc>
+                <a:spcPct val="100000"/>
+              </a:lnSpc>
+              <a:spcBef>
+                <a:spcPts val="0"/>
+              </a:spcBef>
+              <a:spcAft>
+                <a:spcPts val="0"/>
+              </a:spcAft>
+              <a:buClrTx/>
+              <a:buSzTx/>
+              <a:buFontTx/>
+              <a:buNone/>
+              <a:tabLst/>
+            </a:pPr>
+            <a:endParaRPr kumimoji="0" lang="en-US" b="0" i="0" u="none" strike="noStrike" cap="none" spc="0" normalizeH="0" baseline="0">
+              <a:ln>
+                <a:noFill/>
+              </a:ln>
+              <a:solidFill>
+                <a:prstClr val="white"/>
+              </a:solidFill>
+              <a:effectLst/>
+              <a:uLnTx/>
+              <a:uFillTx/>
+              <a:latin typeface="Avenir Next LT Pro Light"/>
+            </a:endParaRPr>
+          </a:p>
+        </p:txBody>
+      </p:sp>
+    </p:spTree>
+    <p:extLst>
+      <p:ext uri="{BB962C8B-B14F-4D97-AF65-F5344CB8AC3E}">
+        <p14:creationId xmlns:p14="http://schemas.microsoft.com/office/powerpoint/2010/main" val="4154027155"/>
+      </p:ext>
+    </p:extLst>
+  </p:cSld>
+  <p:clrMapOvr>
+    <a:masterClrMapping/>
+  </p:clrMapOvr>
+</p:sld>
+</file>
+
+<file path=ppt/slides/slide15.xml><?xml version="1.0" encoding="utf-8"?>
+<p:sld xmlns:a="http://schemas.openxmlformats.org/drawingml/2006/main" xmlns:r="http://schemas.openxmlformats.org/officeDocument/2006/relationships" xmlns:p="http://schemas.openxmlformats.org/presentationml/2006/main">
+  <p:cSld>
+    <p:spTree>
+      <p:nvGrpSpPr>
+        <p:cNvPr id="1" name=""/>
+        <p:cNvGrpSpPr/>
+        <p:nvPr/>
+      </p:nvGrpSpPr>
+      <p:grpSpPr>
+        <a:xfrm>
+          <a:off x="0" y="0"/>
+          <a:ext cx="0" cy="0"/>
+          <a:chOff x="0" y="0"/>
+          <a:chExt cx="0" cy="0"/>
+        </a:xfrm>
+      </p:grpSpPr>
+      <p:sp>
+        <p:nvSpPr>
+          <p:cNvPr id="2" name="Nadpis 1">
+            <a:extLst>
+              <a:ext uri="{FF2B5EF4-FFF2-40B4-BE49-F238E27FC236}">
+                <a16:creationId xmlns:a16="http://schemas.microsoft.com/office/drawing/2014/main" id="{FFBB6F32-E80E-4888-A75A-2EF7CBEDC469}"/>
+              </a:ext>
+            </a:extLst>
+          </p:cNvPr>
+          <p:cNvSpPr>
+            <a:spLocks noGrp="1"/>
+          </p:cNvSpPr>
+          <p:nvPr>
+            <p:ph type="title"/>
+          </p:nvPr>
+        </p:nvSpPr>
+        <p:spPr>
+          <a:xfrm>
+            <a:off x="762000" y="581890"/>
+            <a:ext cx="10668000" cy="789709"/>
+          </a:xfrm>
+        </p:spPr>
+        <p:txBody>
+          <a:bodyPr/>
+          <a:lstStyle/>
+          <a:p>
+            <a:r>
+              <a:rPr lang="sk-SK" dirty="0"/>
+              <a:t>Bibliografický zoznam odkazov</a:t>
+            </a:r>
+          </a:p>
+        </p:txBody>
+      </p:sp>
+      <p:sp>
+        <p:nvSpPr>
+          <p:cNvPr id="3" name="Zástupný objekt pre obsah 2">
+            <a:extLst>
+              <a:ext uri="{FF2B5EF4-FFF2-40B4-BE49-F238E27FC236}">
+                <a16:creationId xmlns:a16="http://schemas.microsoft.com/office/drawing/2014/main" id="{CDA68094-CB0B-40BE-8FFB-05C4710F3F60}"/>
+              </a:ext>
+            </a:extLst>
+          </p:cNvPr>
+          <p:cNvSpPr>
+            <a:spLocks noGrp="1"/>
+          </p:cNvSpPr>
+          <p:nvPr>
+            <p:ph idx="1"/>
+          </p:nvPr>
+        </p:nvSpPr>
+        <p:spPr>
+          <a:xfrm>
+            <a:off x="762000" y="1565564"/>
+            <a:ext cx="10668000" cy="4538519"/>
+          </a:xfrm>
+        </p:spPr>
+        <p:txBody>
+          <a:bodyPr>
+            <a:normAutofit/>
+          </a:bodyPr>
+          <a:lstStyle/>
+          <a:p>
+            <a:r>
+              <a:rPr lang="sk-SK" sz="2400" dirty="0">
+                <a:hlinkClick r:id="rId2"/>
+              </a:rPr>
+              <a:t>https://towardsdatascience.com/machine-learning-part-20-dropout-keras-layers-explained-8c9f6dc4c9ab#_=_</a:t>
+            </a:r>
+            <a:endParaRPr lang="sk-SK" sz="2400" dirty="0"/>
+          </a:p>
+          <a:p>
+            <a:r>
+              <a:rPr lang="sk-SK" sz="2400" dirty="0">
+                <a:hlinkClick r:id="rId3"/>
+              </a:rPr>
+              <a:t>https://www.machinecurve.com/index.php/2020/01/08/how-does-the-softmax-activation-function-work/</a:t>
+            </a:r>
+            <a:endParaRPr lang="sk-SK" sz="2400" dirty="0"/>
+          </a:p>
+          <a:p>
+            <a:r>
+              <a:rPr lang="sk-SK" sz="2400" dirty="0">
+                <a:hlinkClick r:id="rId4"/>
+              </a:rPr>
+              <a:t>https://medium.com/@danqing/a-practical-guide-to-relu-b83ca804f1f7</a:t>
+            </a:r>
+            <a:endParaRPr lang="sk-SK" sz="2400" dirty="0"/>
+          </a:p>
+          <a:p>
+            <a:r>
+              <a:rPr lang="sk-SK" sz="2400" dirty="0">
+                <a:hlinkClick r:id="rId5"/>
+              </a:rPr>
+              <a:t>https://towardsdatascience.com/understanding-rmsprop-faster-neural-network-learning-62e116fcf29a</a:t>
+            </a:r>
+            <a:endParaRPr lang="sk-SK" sz="2400" dirty="0"/>
+          </a:p>
+          <a:p>
+            <a:r>
+              <a:rPr lang="sk-SK" sz="2400" dirty="0">
+                <a:hlinkClick r:id="rId6"/>
+              </a:rPr>
+              <a:t>https://www.tensorflow.org/guide/keras/train_and_evaluate</a:t>
+            </a:r>
+            <a:endParaRPr lang="sk-SK" sz="2400" dirty="0"/>
+          </a:p>
+          <a:p>
+            <a:endParaRPr lang="sk-SK" sz="2400" dirty="0"/>
+          </a:p>
+          <a:p>
+            <a:endParaRPr lang="sk-SK" sz="2400" dirty="0"/>
+          </a:p>
+        </p:txBody>
+      </p:sp>
+    </p:spTree>
+    <p:extLst>
+      <p:ext uri="{BB962C8B-B14F-4D97-AF65-F5344CB8AC3E}">
+        <p14:creationId xmlns:p14="http://schemas.microsoft.com/office/powerpoint/2010/main" val="1091011184"/>
       </p:ext>
     </p:extLst>
   </p:cSld>
@@ -10583,7 +12001,7 @@
             </a:r>
             <a:r>
               <a:rPr lang="sk-SK" dirty="0" err="1"/>
-              <a:t>droput</a:t>
+              <a:t>dropout</a:t>
             </a:r>
             <a:r>
               <a:rPr lang="sk-SK" dirty="0"/>
